--- a/TD_1/Intro.pptx
+++ b/TD_1/Intro.pptx
@@ -4,8 +4,15 @@
   <p:sldMasterIdLst>
     <p:sldMasterId id="2147483648" r:id="rId1"/>
   </p:sldMasterIdLst>
+  <p:notesMasterIdLst>
+    <p:notesMasterId r:id="rId7"/>
+  </p:notesMasterIdLst>
   <p:sldIdLst>
-    <p:sldId id="256" r:id="rId2"/>
+    <p:sldId id="257" r:id="rId2"/>
+    <p:sldId id="258" r:id="rId3"/>
+    <p:sldId id="261" r:id="rId4"/>
+    <p:sldId id="262" r:id="rId5"/>
+    <p:sldId id="263" r:id="rId6"/>
   </p:sldIdLst>
   <p:sldSz cx="9144000" cy="6858000" type="screen4x3"/>
   <p:notesSz cx="6858000" cy="9144000"/>
@@ -105,6 +112,1135 @@
     </a:lvl9pPr>
   </p:defaultTextStyle>
 </p:presentation>
+</file>
+
+<file path=ppt/notesMasters/notesMaster1.xml><?xml version="1.0" encoding="utf-8"?>
+<p:notesMaster xmlns:a="http://schemas.openxmlformats.org/drawingml/2006/main" xmlns:r="http://schemas.openxmlformats.org/officeDocument/2006/relationships" xmlns:p="http://schemas.openxmlformats.org/presentationml/2006/main">
+  <p:cSld>
+    <p:bg>
+      <p:bgRef idx="1001">
+        <a:schemeClr val="bg1"/>
+      </p:bgRef>
+    </p:bg>
+    <p:spTree>
+      <p:nvGrpSpPr>
+        <p:cNvPr id="1" name=""/>
+        <p:cNvGrpSpPr/>
+        <p:nvPr/>
+      </p:nvGrpSpPr>
+      <p:grpSpPr>
+        <a:xfrm>
+          <a:off x="0" y="0"/>
+          <a:ext cx="0" cy="0"/>
+          <a:chOff x="0" y="0"/>
+          <a:chExt cx="0" cy="0"/>
+        </a:xfrm>
+      </p:grpSpPr>
+      <p:sp>
+        <p:nvSpPr>
+          <p:cNvPr id="2" name="Espace réservé de l'en-tête 1"/>
+          <p:cNvSpPr>
+            <a:spLocks noGrp="1"/>
+          </p:cNvSpPr>
+          <p:nvPr>
+            <p:ph type="hdr" sz="quarter"/>
+          </p:nvPr>
+        </p:nvSpPr>
+        <p:spPr>
+          <a:xfrm>
+            <a:off x="0" y="0"/>
+            <a:ext cx="2971800" cy="457200"/>
+          </a:xfrm>
+          <a:prstGeom prst="rect">
+            <a:avLst/>
+          </a:prstGeom>
+        </p:spPr>
+        <p:txBody>
+          <a:bodyPr vert="horz" lIns="91440" tIns="45720" rIns="91440" bIns="45720" rtlCol="0"/>
+          <a:lstStyle>
+            <a:lvl1pPr algn="l">
+              <a:defRPr sz="1200"/>
+            </a:lvl1pPr>
+          </a:lstStyle>
+          <a:p>
+            <a:endParaRPr lang="en-US"/>
+          </a:p>
+        </p:txBody>
+      </p:sp>
+      <p:sp>
+        <p:nvSpPr>
+          <p:cNvPr id="3" name="Espace réservé de la date 2"/>
+          <p:cNvSpPr>
+            <a:spLocks noGrp="1"/>
+          </p:cNvSpPr>
+          <p:nvPr>
+            <p:ph type="dt" idx="1"/>
+          </p:nvPr>
+        </p:nvSpPr>
+        <p:spPr>
+          <a:xfrm>
+            <a:off x="3884613" y="0"/>
+            <a:ext cx="2971800" cy="457200"/>
+          </a:xfrm>
+          <a:prstGeom prst="rect">
+            <a:avLst/>
+          </a:prstGeom>
+        </p:spPr>
+        <p:txBody>
+          <a:bodyPr vert="horz" lIns="91440" tIns="45720" rIns="91440" bIns="45720" rtlCol="0"/>
+          <a:lstStyle>
+            <a:lvl1pPr algn="r">
+              <a:defRPr sz="1200"/>
+            </a:lvl1pPr>
+          </a:lstStyle>
+          <a:p>
+            <a:fld id="{96EBC148-01C0-4376-9244-5F3371F1F30B}" type="datetimeFigureOut">
+              <a:rPr lang="en-US" smtClean="0"/>
+              <a:t>5/13/2018</a:t>
+            </a:fld>
+            <a:endParaRPr lang="en-US"/>
+          </a:p>
+        </p:txBody>
+      </p:sp>
+      <p:sp>
+        <p:nvSpPr>
+          <p:cNvPr id="4" name="Espace réservé de l'image des diapositives 3"/>
+          <p:cNvSpPr>
+            <a:spLocks noGrp="1" noRot="1" noChangeAspect="1"/>
+          </p:cNvSpPr>
+          <p:nvPr>
+            <p:ph type="sldImg" idx="2"/>
+          </p:nvPr>
+        </p:nvSpPr>
+        <p:spPr>
+          <a:xfrm>
+            <a:off x="1143000" y="685800"/>
+            <a:ext cx="4572000" cy="3429000"/>
+          </a:xfrm>
+          <a:prstGeom prst="rect">
+            <a:avLst/>
+          </a:prstGeom>
+          <a:noFill/>
+          <a:ln w="12700">
+            <a:solidFill>
+              <a:prstClr val="black"/>
+            </a:solidFill>
+          </a:ln>
+        </p:spPr>
+        <p:txBody>
+          <a:bodyPr vert="horz" lIns="91440" tIns="45720" rIns="91440" bIns="45720" rtlCol="0" anchor="ctr"/>
+          <a:lstStyle/>
+          <a:p>
+            <a:endParaRPr lang="en-US"/>
+          </a:p>
+        </p:txBody>
+      </p:sp>
+      <p:sp>
+        <p:nvSpPr>
+          <p:cNvPr id="5" name="Espace réservé des commentaires 4"/>
+          <p:cNvSpPr>
+            <a:spLocks noGrp="1"/>
+          </p:cNvSpPr>
+          <p:nvPr>
+            <p:ph type="body" sz="quarter" idx="3"/>
+          </p:nvPr>
+        </p:nvSpPr>
+        <p:spPr>
+          <a:xfrm>
+            <a:off x="685800" y="4343400"/>
+            <a:ext cx="5486400" cy="4114800"/>
+          </a:xfrm>
+          <a:prstGeom prst="rect">
+            <a:avLst/>
+          </a:prstGeom>
+        </p:spPr>
+        <p:txBody>
+          <a:bodyPr vert="horz" lIns="91440" tIns="45720" rIns="91440" bIns="45720" rtlCol="0"/>
+          <a:lstStyle/>
+          <a:p>
+            <a:pPr lvl="0"/>
+            <a:r>
+              <a:rPr lang="fr-FR" smtClean="0"/>
+              <a:t>Modifiez les styles du texte du masque</a:t>
+            </a:r>
+          </a:p>
+          <a:p>
+            <a:pPr lvl="1"/>
+            <a:r>
+              <a:rPr lang="fr-FR" smtClean="0"/>
+              <a:t>Deuxième niveau</a:t>
+            </a:r>
+          </a:p>
+          <a:p>
+            <a:pPr lvl="2"/>
+            <a:r>
+              <a:rPr lang="fr-FR" smtClean="0"/>
+              <a:t>Troisième niveau</a:t>
+            </a:r>
+          </a:p>
+          <a:p>
+            <a:pPr lvl="3"/>
+            <a:r>
+              <a:rPr lang="fr-FR" smtClean="0"/>
+              <a:t>Quatrième niveau</a:t>
+            </a:r>
+          </a:p>
+          <a:p>
+            <a:pPr lvl="4"/>
+            <a:r>
+              <a:rPr lang="fr-FR" smtClean="0"/>
+              <a:t>Cinquième niveau</a:t>
+            </a:r>
+            <a:endParaRPr lang="en-US"/>
+          </a:p>
+        </p:txBody>
+      </p:sp>
+      <p:sp>
+        <p:nvSpPr>
+          <p:cNvPr id="6" name="Espace réservé du pied de page 5"/>
+          <p:cNvSpPr>
+            <a:spLocks noGrp="1"/>
+          </p:cNvSpPr>
+          <p:nvPr>
+            <p:ph type="ftr" sz="quarter" idx="4"/>
+          </p:nvPr>
+        </p:nvSpPr>
+        <p:spPr>
+          <a:xfrm>
+            <a:off x="0" y="8685213"/>
+            <a:ext cx="2971800" cy="457200"/>
+          </a:xfrm>
+          <a:prstGeom prst="rect">
+            <a:avLst/>
+          </a:prstGeom>
+        </p:spPr>
+        <p:txBody>
+          <a:bodyPr vert="horz" lIns="91440" tIns="45720" rIns="91440" bIns="45720" rtlCol="0" anchor="b"/>
+          <a:lstStyle>
+            <a:lvl1pPr algn="l">
+              <a:defRPr sz="1200"/>
+            </a:lvl1pPr>
+          </a:lstStyle>
+          <a:p>
+            <a:endParaRPr lang="en-US"/>
+          </a:p>
+        </p:txBody>
+      </p:sp>
+      <p:sp>
+        <p:nvSpPr>
+          <p:cNvPr id="7" name="Espace réservé du numéro de diapositive 6"/>
+          <p:cNvSpPr>
+            <a:spLocks noGrp="1"/>
+          </p:cNvSpPr>
+          <p:nvPr>
+            <p:ph type="sldNum" sz="quarter" idx="5"/>
+          </p:nvPr>
+        </p:nvSpPr>
+        <p:spPr>
+          <a:xfrm>
+            <a:off x="3884613" y="8685213"/>
+            <a:ext cx="2971800" cy="457200"/>
+          </a:xfrm>
+          <a:prstGeom prst="rect">
+            <a:avLst/>
+          </a:prstGeom>
+        </p:spPr>
+        <p:txBody>
+          <a:bodyPr vert="horz" lIns="91440" tIns="45720" rIns="91440" bIns="45720" rtlCol="0" anchor="b"/>
+          <a:lstStyle>
+            <a:lvl1pPr algn="r">
+              <a:defRPr sz="1200"/>
+            </a:lvl1pPr>
+          </a:lstStyle>
+          <a:p>
+            <a:fld id="{1162107B-E87C-4A73-9799-FE164A4D0BBB}" type="slidenum">
+              <a:rPr lang="en-US" smtClean="0"/>
+              <a:t>‹N°›</a:t>
+            </a:fld>
+            <a:endParaRPr lang="en-US"/>
+          </a:p>
+        </p:txBody>
+      </p:sp>
+    </p:spTree>
+    <p:extLst>
+      <p:ext uri="{BB962C8B-B14F-4D97-AF65-F5344CB8AC3E}">
+        <p14:creationId xmlns:p14="http://schemas.microsoft.com/office/powerpoint/2010/main" val="796236182"/>
+      </p:ext>
+    </p:extLst>
+  </p:cSld>
+  <p:clrMap bg1="lt1" tx1="dk1" bg2="lt2" tx2="dk2" accent1="accent1" accent2="accent2" accent3="accent3" accent4="accent4" accent5="accent5" accent6="accent6" hlink="hlink" folHlink="folHlink"/>
+  <p:notesStyle>
+    <a:lvl1pPr marL="0" algn="l" defTabSz="914400" rtl="0" eaLnBrk="1" latinLnBrk="0" hangingPunct="1">
+      <a:defRPr sz="1200" kern="1200">
+        <a:solidFill>
+          <a:schemeClr val="tx1"/>
+        </a:solidFill>
+        <a:latin typeface="+mn-lt"/>
+        <a:ea typeface="+mn-ea"/>
+        <a:cs typeface="+mn-cs"/>
+      </a:defRPr>
+    </a:lvl1pPr>
+    <a:lvl2pPr marL="457200" algn="l" defTabSz="914400" rtl="0" eaLnBrk="1" latinLnBrk="0" hangingPunct="1">
+      <a:defRPr sz="1200" kern="1200">
+        <a:solidFill>
+          <a:schemeClr val="tx1"/>
+        </a:solidFill>
+        <a:latin typeface="+mn-lt"/>
+        <a:ea typeface="+mn-ea"/>
+        <a:cs typeface="+mn-cs"/>
+      </a:defRPr>
+    </a:lvl2pPr>
+    <a:lvl3pPr marL="914400" algn="l" defTabSz="914400" rtl="0" eaLnBrk="1" latinLnBrk="0" hangingPunct="1">
+      <a:defRPr sz="1200" kern="1200">
+        <a:solidFill>
+          <a:schemeClr val="tx1"/>
+        </a:solidFill>
+        <a:latin typeface="+mn-lt"/>
+        <a:ea typeface="+mn-ea"/>
+        <a:cs typeface="+mn-cs"/>
+      </a:defRPr>
+    </a:lvl3pPr>
+    <a:lvl4pPr marL="1371600" algn="l" defTabSz="914400" rtl="0" eaLnBrk="1" latinLnBrk="0" hangingPunct="1">
+      <a:defRPr sz="1200" kern="1200">
+        <a:solidFill>
+          <a:schemeClr val="tx1"/>
+        </a:solidFill>
+        <a:latin typeface="+mn-lt"/>
+        <a:ea typeface="+mn-ea"/>
+        <a:cs typeface="+mn-cs"/>
+      </a:defRPr>
+    </a:lvl4pPr>
+    <a:lvl5pPr marL="1828800" algn="l" defTabSz="914400" rtl="0" eaLnBrk="1" latinLnBrk="0" hangingPunct="1">
+      <a:defRPr sz="1200" kern="1200">
+        <a:solidFill>
+          <a:schemeClr val="tx1"/>
+        </a:solidFill>
+        <a:latin typeface="+mn-lt"/>
+        <a:ea typeface="+mn-ea"/>
+        <a:cs typeface="+mn-cs"/>
+      </a:defRPr>
+    </a:lvl5pPr>
+    <a:lvl6pPr marL="2286000" algn="l" defTabSz="914400" rtl="0" eaLnBrk="1" latinLnBrk="0" hangingPunct="1">
+      <a:defRPr sz="1200" kern="1200">
+        <a:solidFill>
+          <a:schemeClr val="tx1"/>
+        </a:solidFill>
+        <a:latin typeface="+mn-lt"/>
+        <a:ea typeface="+mn-ea"/>
+        <a:cs typeface="+mn-cs"/>
+      </a:defRPr>
+    </a:lvl6pPr>
+    <a:lvl7pPr marL="2743200" algn="l" defTabSz="914400" rtl="0" eaLnBrk="1" latinLnBrk="0" hangingPunct="1">
+      <a:defRPr sz="1200" kern="1200">
+        <a:solidFill>
+          <a:schemeClr val="tx1"/>
+        </a:solidFill>
+        <a:latin typeface="+mn-lt"/>
+        <a:ea typeface="+mn-ea"/>
+        <a:cs typeface="+mn-cs"/>
+      </a:defRPr>
+    </a:lvl7pPr>
+    <a:lvl8pPr marL="3200400" algn="l" defTabSz="914400" rtl="0" eaLnBrk="1" latinLnBrk="0" hangingPunct="1">
+      <a:defRPr sz="1200" kern="1200">
+        <a:solidFill>
+          <a:schemeClr val="tx1"/>
+        </a:solidFill>
+        <a:latin typeface="+mn-lt"/>
+        <a:ea typeface="+mn-ea"/>
+        <a:cs typeface="+mn-cs"/>
+      </a:defRPr>
+    </a:lvl8pPr>
+    <a:lvl9pPr marL="3657600" algn="l" defTabSz="914400" rtl="0" eaLnBrk="1" latinLnBrk="0" hangingPunct="1">
+      <a:defRPr sz="1200" kern="1200">
+        <a:solidFill>
+          <a:schemeClr val="tx1"/>
+        </a:solidFill>
+        <a:latin typeface="+mn-lt"/>
+        <a:ea typeface="+mn-ea"/>
+        <a:cs typeface="+mn-cs"/>
+      </a:defRPr>
+    </a:lvl9pPr>
+  </p:notesStyle>
+</p:notesMaster>
+</file>
+
+<file path=ppt/notesSlides/notesSlide1.xml><?xml version="1.0" encoding="utf-8"?>
+<p:notes xmlns:a="http://schemas.openxmlformats.org/drawingml/2006/main" xmlns:r="http://schemas.openxmlformats.org/officeDocument/2006/relationships" xmlns:p="http://schemas.openxmlformats.org/presentationml/2006/main">
+  <p:cSld>
+    <p:spTree>
+      <p:nvGrpSpPr>
+        <p:cNvPr id="1" name=""/>
+        <p:cNvGrpSpPr/>
+        <p:nvPr/>
+      </p:nvGrpSpPr>
+      <p:grpSpPr>
+        <a:xfrm>
+          <a:off x="0" y="0"/>
+          <a:ext cx="0" cy="0"/>
+          <a:chOff x="0" y="0"/>
+          <a:chExt cx="0" cy="0"/>
+        </a:xfrm>
+      </p:grpSpPr>
+      <p:sp>
+        <p:nvSpPr>
+          <p:cNvPr id="2" name="Espace réservé de l'image des diapositives 1"/>
+          <p:cNvSpPr>
+            <a:spLocks noGrp="1" noRot="1" noChangeAspect="1"/>
+          </p:cNvSpPr>
+          <p:nvPr>
+            <p:ph type="sldImg"/>
+          </p:nvPr>
+        </p:nvSpPr>
+        <p:spPr/>
+      </p:sp>
+      <p:sp>
+        <p:nvSpPr>
+          <p:cNvPr id="3" name="Espace réservé des commentaires 2"/>
+          <p:cNvSpPr>
+            <a:spLocks noGrp="1"/>
+          </p:cNvSpPr>
+          <p:nvPr>
+            <p:ph type="body" idx="1"/>
+          </p:nvPr>
+        </p:nvSpPr>
+        <p:spPr/>
+        <p:txBody>
+          <a:bodyPr/>
+          <a:lstStyle/>
+          <a:p>
+            <a:r>
+              <a:rPr lang="en-US" dirty="0" smtClean="0"/>
+              <a:t>Lister les </a:t>
+            </a:r>
+            <a:r>
+              <a:rPr lang="en-US" dirty="0" err="1" smtClean="0"/>
+              <a:t>ressources</a:t>
+            </a:r>
+            <a:r>
+              <a:rPr lang="en-US" dirty="0" smtClean="0"/>
+              <a:t> des </a:t>
+            </a:r>
+            <a:r>
+              <a:rPr lang="en-US" dirty="0" err="1" smtClean="0"/>
+              <a:t>plantes</a:t>
+            </a:r>
+            <a:r>
+              <a:rPr lang="en-US" dirty="0" smtClean="0"/>
+              <a:t> (eau, </a:t>
+            </a:r>
+            <a:r>
+              <a:rPr lang="en-US" dirty="0" err="1" smtClean="0"/>
+              <a:t>minéraux</a:t>
+            </a:r>
+            <a:r>
+              <a:rPr lang="en-US" dirty="0" smtClean="0"/>
+              <a:t>, lumière)</a:t>
+            </a:r>
+          </a:p>
+          <a:p>
+            <a:pPr marL="285750" indent="-285750">
+              <a:buFont typeface="Wingdings"/>
+              <a:buChar char="à"/>
+            </a:pPr>
+            <a:r>
+              <a:rPr lang="en-US" dirty="0" err="1" smtClean="0">
+                <a:sym typeface="Wingdings" pitchFamily="2" charset="2"/>
+              </a:rPr>
+              <a:t>dans</a:t>
+            </a:r>
+            <a:r>
+              <a:rPr lang="en-US" dirty="0" smtClean="0">
+                <a:sym typeface="Wingdings" pitchFamily="2" charset="2"/>
+              </a:rPr>
+              <a:t> un </a:t>
+            </a:r>
+            <a:r>
+              <a:rPr lang="en-US" dirty="0" err="1" smtClean="0">
+                <a:sym typeface="Wingdings" pitchFamily="2" charset="2"/>
+              </a:rPr>
+              <a:t>système</a:t>
+            </a:r>
+            <a:r>
+              <a:rPr lang="en-US" dirty="0" smtClean="0">
+                <a:sym typeface="Wingdings" pitchFamily="2" charset="2"/>
+              </a:rPr>
+              <a:t> </a:t>
+            </a:r>
+            <a:r>
+              <a:rPr lang="en-US" dirty="0" err="1" smtClean="0">
+                <a:sym typeface="Wingdings" pitchFamily="2" charset="2"/>
+              </a:rPr>
+              <a:t>agricole</a:t>
+            </a:r>
+            <a:r>
+              <a:rPr lang="en-US" dirty="0" smtClean="0">
+                <a:sym typeface="Wingdings" pitchFamily="2" charset="2"/>
+              </a:rPr>
+              <a:t> </a:t>
+            </a:r>
+            <a:r>
+              <a:rPr lang="en-US" dirty="0" err="1" smtClean="0">
+                <a:sym typeface="Wingdings" pitchFamily="2" charset="2"/>
+              </a:rPr>
+              <a:t>controlé</a:t>
+            </a:r>
+            <a:r>
+              <a:rPr lang="en-US" dirty="0" smtClean="0">
+                <a:sym typeface="Wingdings" pitchFamily="2" charset="2"/>
+              </a:rPr>
+              <a:t>, </a:t>
+            </a:r>
+            <a:r>
+              <a:rPr lang="en-US" dirty="0" err="1" smtClean="0">
+                <a:sym typeface="Wingdings" pitchFamily="2" charset="2"/>
+              </a:rPr>
+              <a:t>seule</a:t>
+            </a:r>
+            <a:r>
+              <a:rPr lang="en-US" dirty="0" smtClean="0">
+                <a:sym typeface="Wingdings" pitchFamily="2" charset="2"/>
+              </a:rPr>
+              <a:t> la </a:t>
+            </a:r>
+            <a:r>
+              <a:rPr lang="en-US" dirty="0" err="1" smtClean="0">
+                <a:sym typeface="Wingdings" pitchFamily="2" charset="2"/>
+              </a:rPr>
+              <a:t>ressource</a:t>
+            </a:r>
+            <a:r>
+              <a:rPr lang="en-US" dirty="0" smtClean="0">
+                <a:sym typeface="Wingdings" pitchFamily="2" charset="2"/>
+              </a:rPr>
+              <a:t> </a:t>
+            </a:r>
+            <a:r>
+              <a:rPr lang="en-US" dirty="0" err="1" smtClean="0">
+                <a:sym typeface="Wingdings" pitchFamily="2" charset="2"/>
+              </a:rPr>
+              <a:t>lumineuse</a:t>
+            </a:r>
+            <a:r>
+              <a:rPr lang="en-US" dirty="0" smtClean="0">
+                <a:sym typeface="Wingdings" pitchFamily="2" charset="2"/>
+              </a:rPr>
+              <a:t> et en</a:t>
+            </a:r>
+            <a:r>
+              <a:rPr lang="en-US" baseline="0" dirty="0" smtClean="0">
+                <a:sym typeface="Wingdings" pitchFamily="2" charset="2"/>
+              </a:rPr>
+              <a:t> CO2</a:t>
+            </a:r>
+            <a:r>
+              <a:rPr lang="en-US" dirty="0" smtClean="0">
+                <a:sym typeface="Wingdings" pitchFamily="2" charset="2"/>
+              </a:rPr>
+              <a:t> </a:t>
+            </a:r>
+            <a:r>
+              <a:rPr lang="en-US" dirty="0" err="1" smtClean="0">
+                <a:sym typeface="Wingdings" pitchFamily="2" charset="2"/>
+              </a:rPr>
+              <a:t>est</a:t>
+            </a:r>
+            <a:r>
+              <a:rPr lang="en-US" dirty="0" smtClean="0">
+                <a:sym typeface="Wingdings" pitchFamily="2" charset="2"/>
+              </a:rPr>
+              <a:t> </a:t>
+            </a:r>
+            <a:r>
+              <a:rPr lang="en-US" dirty="0" err="1" smtClean="0">
+                <a:sym typeface="Wingdings" pitchFamily="2" charset="2"/>
+              </a:rPr>
+              <a:t>incontrolée</a:t>
+            </a:r>
+            <a:endParaRPr lang="en-US" dirty="0" smtClean="0">
+              <a:sym typeface="Wingdings" pitchFamily="2" charset="2"/>
+            </a:endParaRPr>
+          </a:p>
+          <a:p>
+            <a:endParaRPr lang="en-US" dirty="0"/>
+          </a:p>
+        </p:txBody>
+      </p:sp>
+      <p:sp>
+        <p:nvSpPr>
+          <p:cNvPr id="4" name="Espace réservé du numéro de diapositive 3"/>
+          <p:cNvSpPr>
+            <a:spLocks noGrp="1"/>
+          </p:cNvSpPr>
+          <p:nvPr>
+            <p:ph type="sldNum" sz="quarter" idx="10"/>
+          </p:nvPr>
+        </p:nvSpPr>
+        <p:spPr/>
+        <p:txBody>
+          <a:bodyPr/>
+          <a:lstStyle/>
+          <a:p>
+            <a:fld id="{1162107B-E87C-4A73-9799-FE164A4D0BBB}" type="slidenum">
+              <a:rPr lang="en-US" smtClean="0"/>
+              <a:t>1</a:t>
+            </a:fld>
+            <a:endParaRPr lang="en-US"/>
+          </a:p>
+        </p:txBody>
+      </p:sp>
+    </p:spTree>
+    <p:extLst>
+      <p:ext uri="{BB962C8B-B14F-4D97-AF65-F5344CB8AC3E}">
+        <p14:creationId xmlns:p14="http://schemas.microsoft.com/office/powerpoint/2010/main" val="3008733930"/>
+      </p:ext>
+    </p:extLst>
+  </p:cSld>
+  <p:clrMapOvr>
+    <a:masterClrMapping/>
+  </p:clrMapOvr>
+</p:notes>
+</file>
+
+<file path=ppt/notesSlides/notesSlide2.xml><?xml version="1.0" encoding="utf-8"?>
+<p:notes xmlns:a="http://schemas.openxmlformats.org/drawingml/2006/main" xmlns:r="http://schemas.openxmlformats.org/officeDocument/2006/relationships" xmlns:p="http://schemas.openxmlformats.org/presentationml/2006/main">
+  <p:cSld>
+    <p:spTree>
+      <p:nvGrpSpPr>
+        <p:cNvPr id="1" name=""/>
+        <p:cNvGrpSpPr/>
+        <p:nvPr/>
+      </p:nvGrpSpPr>
+      <p:grpSpPr>
+        <a:xfrm>
+          <a:off x="0" y="0"/>
+          <a:ext cx="0" cy="0"/>
+          <a:chOff x="0" y="0"/>
+          <a:chExt cx="0" cy="0"/>
+        </a:xfrm>
+      </p:grpSpPr>
+      <p:sp>
+        <p:nvSpPr>
+          <p:cNvPr id="2" name="Espace réservé de l'image des diapositives 1"/>
+          <p:cNvSpPr>
+            <a:spLocks noGrp="1" noRot="1" noChangeAspect="1"/>
+          </p:cNvSpPr>
+          <p:nvPr>
+            <p:ph type="sldImg"/>
+          </p:nvPr>
+        </p:nvSpPr>
+        <p:spPr/>
+      </p:sp>
+      <p:sp>
+        <p:nvSpPr>
+          <p:cNvPr id="3" name="Espace réservé des commentaires 2"/>
+          <p:cNvSpPr>
+            <a:spLocks noGrp="1"/>
+          </p:cNvSpPr>
+          <p:nvPr>
+            <p:ph type="body" idx="1"/>
+          </p:nvPr>
+        </p:nvSpPr>
+        <p:spPr/>
+        <p:txBody>
+          <a:bodyPr/>
+          <a:lstStyle/>
+          <a:p>
+            <a:r>
+              <a:rPr lang="en-US" dirty="0" smtClean="0">
+                <a:sym typeface="Wingdings" pitchFamily="2" charset="2"/>
+              </a:rPr>
+              <a:t>Comment </a:t>
+            </a:r>
+            <a:r>
+              <a:rPr lang="en-US" dirty="0" err="1" smtClean="0">
+                <a:sym typeface="Wingdings" pitchFamily="2" charset="2"/>
+              </a:rPr>
+              <a:t>optimiser</a:t>
+            </a:r>
+            <a:r>
+              <a:rPr lang="en-US" dirty="0" smtClean="0">
+                <a:sym typeface="Wingdings" pitchFamily="2" charset="2"/>
+              </a:rPr>
+              <a:t> la </a:t>
+            </a:r>
+            <a:r>
+              <a:rPr lang="en-US" dirty="0" err="1" smtClean="0">
+                <a:sym typeface="Wingdings" pitchFamily="2" charset="2"/>
+              </a:rPr>
+              <a:t>ressource</a:t>
+            </a:r>
+            <a:r>
+              <a:rPr lang="en-US" dirty="0" smtClean="0">
+                <a:sym typeface="Wingdings" pitchFamily="2" charset="2"/>
+              </a:rPr>
+              <a:t> </a:t>
+            </a:r>
+            <a:r>
+              <a:rPr lang="en-US" dirty="0" err="1" smtClean="0">
+                <a:sym typeface="Wingdings" pitchFamily="2" charset="2"/>
+              </a:rPr>
+              <a:t>lumineuse</a:t>
+            </a:r>
+            <a:r>
+              <a:rPr lang="en-US" dirty="0" smtClean="0">
+                <a:sym typeface="Wingdings" pitchFamily="2" charset="2"/>
+              </a:rPr>
+              <a:t>?</a:t>
+            </a:r>
+          </a:p>
+          <a:p>
+            <a:pPr marL="285750" indent="-285750">
+              <a:buFont typeface="Wingdings"/>
+              <a:buChar char="à"/>
+            </a:pPr>
+            <a:r>
+              <a:rPr lang="en-US" dirty="0" err="1" smtClean="0"/>
+              <a:t>Conduite</a:t>
+            </a:r>
+            <a:r>
+              <a:rPr lang="en-US" dirty="0" smtClean="0"/>
+              <a:t> </a:t>
+            </a:r>
+            <a:r>
+              <a:rPr lang="en-US" dirty="0" err="1" smtClean="0"/>
+              <a:t>culturale</a:t>
+            </a:r>
+            <a:r>
+              <a:rPr lang="en-US" dirty="0" smtClean="0"/>
+              <a:t> + selection </a:t>
+            </a:r>
+            <a:r>
+              <a:rPr lang="en-US" dirty="0" err="1" smtClean="0"/>
+              <a:t>variétiale</a:t>
+            </a:r>
+            <a:endParaRPr lang="en-US" dirty="0" smtClean="0"/>
+          </a:p>
+          <a:p>
+            <a:endParaRPr lang="en-US" dirty="0"/>
+          </a:p>
+        </p:txBody>
+      </p:sp>
+      <p:sp>
+        <p:nvSpPr>
+          <p:cNvPr id="4" name="Espace réservé du numéro de diapositive 3"/>
+          <p:cNvSpPr>
+            <a:spLocks noGrp="1"/>
+          </p:cNvSpPr>
+          <p:nvPr>
+            <p:ph type="sldNum" sz="quarter" idx="10"/>
+          </p:nvPr>
+        </p:nvSpPr>
+        <p:spPr/>
+        <p:txBody>
+          <a:bodyPr/>
+          <a:lstStyle/>
+          <a:p>
+            <a:fld id="{1162107B-E87C-4A73-9799-FE164A4D0BBB}" type="slidenum">
+              <a:rPr lang="en-US" smtClean="0"/>
+              <a:t>2</a:t>
+            </a:fld>
+            <a:endParaRPr lang="en-US"/>
+          </a:p>
+        </p:txBody>
+      </p:sp>
+    </p:spTree>
+    <p:extLst>
+      <p:ext uri="{BB962C8B-B14F-4D97-AF65-F5344CB8AC3E}">
+        <p14:creationId xmlns:p14="http://schemas.microsoft.com/office/powerpoint/2010/main" val="1577199389"/>
+      </p:ext>
+    </p:extLst>
+  </p:cSld>
+  <p:clrMapOvr>
+    <a:masterClrMapping/>
+  </p:clrMapOvr>
+</p:notes>
+</file>
+
+<file path=ppt/notesSlides/notesSlide3.xml><?xml version="1.0" encoding="utf-8"?>
+<p:notes xmlns:a="http://schemas.openxmlformats.org/drawingml/2006/main" xmlns:r="http://schemas.openxmlformats.org/officeDocument/2006/relationships" xmlns:p="http://schemas.openxmlformats.org/presentationml/2006/main">
+  <p:cSld>
+    <p:spTree>
+      <p:nvGrpSpPr>
+        <p:cNvPr id="1" name=""/>
+        <p:cNvGrpSpPr/>
+        <p:nvPr/>
+      </p:nvGrpSpPr>
+      <p:grpSpPr>
+        <a:xfrm>
+          <a:off x="0" y="0"/>
+          <a:ext cx="0" cy="0"/>
+          <a:chOff x="0" y="0"/>
+          <a:chExt cx="0" cy="0"/>
+        </a:xfrm>
+      </p:grpSpPr>
+      <p:sp>
+        <p:nvSpPr>
+          <p:cNvPr id="2" name="Espace réservé de l'image des diapositives 1"/>
+          <p:cNvSpPr>
+            <a:spLocks noGrp="1" noRot="1" noChangeAspect="1"/>
+          </p:cNvSpPr>
+          <p:nvPr>
+            <p:ph type="sldImg"/>
+          </p:nvPr>
+        </p:nvSpPr>
+        <p:spPr/>
+      </p:sp>
+      <p:sp>
+        <p:nvSpPr>
+          <p:cNvPr id="3" name="Espace réservé des commentaires 2"/>
+          <p:cNvSpPr>
+            <a:spLocks noGrp="1"/>
+          </p:cNvSpPr>
+          <p:nvPr>
+            <p:ph type="body" idx="1"/>
+          </p:nvPr>
+        </p:nvSpPr>
+        <p:spPr/>
+        <p:txBody>
+          <a:bodyPr/>
+          <a:lstStyle/>
+          <a:p>
+            <a:pPr marL="0" marR="0" indent="0" algn="l" defTabSz="914400" rtl="0" eaLnBrk="1" fontAlgn="auto" latinLnBrk="0" hangingPunct="1">
+              <a:lnSpc>
+                <a:spcPct val="100000"/>
+              </a:lnSpc>
+              <a:spcBef>
+                <a:spcPts val="0"/>
+              </a:spcBef>
+              <a:spcAft>
+                <a:spcPts val="0"/>
+              </a:spcAft>
+              <a:buClrTx/>
+              <a:buSzTx/>
+              <a:buFontTx/>
+              <a:buNone/>
+              <a:tabLst/>
+              <a:defRPr/>
+            </a:pPr>
+            <a:r>
+              <a:rPr lang="en-US" dirty="0" err="1" smtClean="0"/>
+              <a:t>Monteith</a:t>
+            </a:r>
+            <a:r>
+              <a:rPr lang="en-US" dirty="0" smtClean="0"/>
+              <a:t>:  </a:t>
+            </a:r>
+            <a:r>
+              <a:rPr lang="en-US" dirty="0" err="1" smtClean="0"/>
+              <a:t>décomposition</a:t>
+            </a:r>
+            <a:r>
+              <a:rPr lang="en-US" dirty="0" smtClean="0"/>
+              <a:t> du </a:t>
+            </a:r>
+            <a:r>
+              <a:rPr lang="en-US" dirty="0" err="1" smtClean="0"/>
+              <a:t>rendement</a:t>
+            </a:r>
+            <a:endParaRPr lang="en-US" dirty="0" smtClean="0"/>
+          </a:p>
+          <a:p>
+            <a:pPr marL="0" marR="0" indent="0" algn="l" defTabSz="914400" rtl="0" eaLnBrk="1" fontAlgn="auto" latinLnBrk="0" hangingPunct="1">
+              <a:lnSpc>
+                <a:spcPct val="100000"/>
+              </a:lnSpc>
+              <a:spcBef>
+                <a:spcPts val="0"/>
+              </a:spcBef>
+              <a:spcAft>
+                <a:spcPts val="0"/>
+              </a:spcAft>
+              <a:buClrTx/>
+              <a:buSzTx/>
+              <a:buFontTx/>
+              <a:buNone/>
+              <a:tabLst/>
+              <a:defRPr/>
+            </a:pPr>
+            <a:endParaRPr lang="en-US" dirty="0" smtClean="0"/>
+          </a:p>
+          <a:p>
+            <a:pPr marL="285750" indent="-285750">
+              <a:buFont typeface="Wingdings"/>
+              <a:buChar char="à"/>
+            </a:pPr>
+            <a:r>
+              <a:rPr lang="en-US" dirty="0" err="1" smtClean="0"/>
+              <a:t>Exemple</a:t>
+            </a:r>
+            <a:r>
+              <a:rPr lang="en-US" dirty="0" smtClean="0"/>
+              <a:t> de </a:t>
+            </a:r>
+            <a:r>
+              <a:rPr lang="en-US" dirty="0" err="1" smtClean="0"/>
+              <a:t>l’évolution</a:t>
+            </a:r>
+            <a:r>
+              <a:rPr lang="en-US" dirty="0" smtClean="0"/>
+              <a:t> de </a:t>
+            </a:r>
+            <a:r>
+              <a:rPr lang="en-US" dirty="0" err="1" smtClean="0"/>
+              <a:t>l’architecture</a:t>
+            </a:r>
+            <a:r>
+              <a:rPr lang="en-US" dirty="0" smtClean="0"/>
+              <a:t> </a:t>
+            </a:r>
+            <a:r>
+              <a:rPr lang="en-US" dirty="0" err="1" smtClean="0"/>
+              <a:t>arérienne</a:t>
+            </a:r>
+            <a:r>
+              <a:rPr lang="en-US" dirty="0" smtClean="0"/>
+              <a:t> du </a:t>
+            </a:r>
+            <a:r>
+              <a:rPr lang="en-US" dirty="0" err="1" smtClean="0"/>
+              <a:t>riz</a:t>
+            </a:r>
+            <a:r>
+              <a:rPr lang="en-US" dirty="0" smtClean="0"/>
+              <a:t> avec la </a:t>
+            </a:r>
+            <a:r>
+              <a:rPr lang="en-US" dirty="0" err="1" smtClean="0"/>
+              <a:t>sélection</a:t>
+            </a:r>
+            <a:endParaRPr lang="en-US" dirty="0" smtClean="0"/>
+          </a:p>
+          <a:p>
+            <a:pPr marL="0" marR="0" indent="0" algn="l" defTabSz="914400" rtl="0" eaLnBrk="1" fontAlgn="auto" latinLnBrk="0" hangingPunct="1">
+              <a:lnSpc>
+                <a:spcPct val="100000"/>
+              </a:lnSpc>
+              <a:spcBef>
+                <a:spcPts val="0"/>
+              </a:spcBef>
+              <a:spcAft>
+                <a:spcPts val="0"/>
+              </a:spcAft>
+              <a:buClrTx/>
+              <a:buSzTx/>
+              <a:buFontTx/>
+              <a:buNone/>
+              <a:tabLst/>
+              <a:defRPr/>
+            </a:pPr>
+            <a:endParaRPr lang="en-US" dirty="0" smtClean="0"/>
+          </a:p>
+          <a:p>
+            <a:endParaRPr lang="en-US" dirty="0"/>
+          </a:p>
+        </p:txBody>
+      </p:sp>
+      <p:sp>
+        <p:nvSpPr>
+          <p:cNvPr id="4" name="Espace réservé du numéro de diapositive 3"/>
+          <p:cNvSpPr>
+            <a:spLocks noGrp="1"/>
+          </p:cNvSpPr>
+          <p:nvPr>
+            <p:ph type="sldNum" sz="quarter" idx="10"/>
+          </p:nvPr>
+        </p:nvSpPr>
+        <p:spPr/>
+        <p:txBody>
+          <a:bodyPr/>
+          <a:lstStyle/>
+          <a:p>
+            <a:fld id="{1162107B-E87C-4A73-9799-FE164A4D0BBB}" type="slidenum">
+              <a:rPr lang="en-US" smtClean="0"/>
+              <a:t>3</a:t>
+            </a:fld>
+            <a:endParaRPr lang="en-US"/>
+          </a:p>
+        </p:txBody>
+      </p:sp>
+    </p:spTree>
+    <p:extLst>
+      <p:ext uri="{BB962C8B-B14F-4D97-AF65-F5344CB8AC3E}">
+        <p14:creationId xmlns:p14="http://schemas.microsoft.com/office/powerpoint/2010/main" val="475378418"/>
+      </p:ext>
+    </p:extLst>
+  </p:cSld>
+  <p:clrMapOvr>
+    <a:masterClrMapping/>
+  </p:clrMapOvr>
+</p:notes>
+</file>
+
+<file path=ppt/notesSlides/notesSlide4.xml><?xml version="1.0" encoding="utf-8"?>
+<p:notes xmlns:a="http://schemas.openxmlformats.org/drawingml/2006/main" xmlns:r="http://schemas.openxmlformats.org/officeDocument/2006/relationships" xmlns:p="http://schemas.openxmlformats.org/presentationml/2006/main">
+  <p:cSld>
+    <p:spTree>
+      <p:nvGrpSpPr>
+        <p:cNvPr id="1" name=""/>
+        <p:cNvGrpSpPr/>
+        <p:nvPr/>
+      </p:nvGrpSpPr>
+      <p:grpSpPr>
+        <a:xfrm>
+          <a:off x="0" y="0"/>
+          <a:ext cx="0" cy="0"/>
+          <a:chOff x="0" y="0"/>
+          <a:chExt cx="0" cy="0"/>
+        </a:xfrm>
+      </p:grpSpPr>
+      <p:sp>
+        <p:nvSpPr>
+          <p:cNvPr id="2" name="Espace réservé de l'image des diapositives 1"/>
+          <p:cNvSpPr>
+            <a:spLocks noGrp="1" noRot="1" noChangeAspect="1"/>
+          </p:cNvSpPr>
+          <p:nvPr>
+            <p:ph type="sldImg"/>
+          </p:nvPr>
+        </p:nvSpPr>
+        <p:spPr/>
+      </p:sp>
+      <p:sp>
+        <p:nvSpPr>
+          <p:cNvPr id="3" name="Espace réservé des commentaires 2"/>
+          <p:cNvSpPr>
+            <a:spLocks noGrp="1"/>
+          </p:cNvSpPr>
+          <p:nvPr>
+            <p:ph type="body" idx="1"/>
+          </p:nvPr>
+        </p:nvSpPr>
+        <p:spPr/>
+        <p:txBody>
+          <a:bodyPr/>
+          <a:lstStyle/>
+          <a:p>
+            <a:r>
+              <a:rPr lang="en-US" dirty="0" err="1" smtClean="0"/>
+              <a:t>Verrou</a:t>
+            </a:r>
+            <a:r>
+              <a:rPr lang="en-US" dirty="0" smtClean="0"/>
+              <a:t> </a:t>
+            </a:r>
+            <a:r>
+              <a:rPr lang="en-US" dirty="0" err="1" smtClean="0"/>
+              <a:t>méthodologique</a:t>
+            </a:r>
+            <a:r>
+              <a:rPr lang="en-US" dirty="0" smtClean="0"/>
+              <a:t>: </a:t>
+            </a:r>
+            <a:r>
+              <a:rPr lang="en-US" dirty="0" err="1" smtClean="0"/>
+              <a:t>difficulté</a:t>
+            </a:r>
+            <a:r>
+              <a:rPr lang="en-US" dirty="0" smtClean="0"/>
+              <a:t> de </a:t>
+            </a:r>
+            <a:r>
+              <a:rPr lang="en-US" dirty="0" err="1" smtClean="0"/>
+              <a:t>mesurer</a:t>
+            </a:r>
+            <a:r>
+              <a:rPr lang="en-US" dirty="0" smtClean="0"/>
+              <a:t> les relations entre architecture et interception</a:t>
+            </a:r>
+          </a:p>
+          <a:p>
+            <a:r>
+              <a:rPr lang="en-US" dirty="0" smtClean="0">
+                <a:sym typeface="Wingdings" pitchFamily="2" charset="2"/>
+              </a:rPr>
+              <a:t></a:t>
+            </a:r>
+            <a:r>
+              <a:rPr lang="en-US" dirty="0" err="1" smtClean="0"/>
+              <a:t>Mise</a:t>
+            </a:r>
+            <a:r>
+              <a:rPr lang="en-US" dirty="0" smtClean="0"/>
+              <a:t> en place des </a:t>
+            </a:r>
+            <a:r>
+              <a:rPr lang="en-US" dirty="0" err="1" smtClean="0"/>
+              <a:t>essais</a:t>
+            </a:r>
+            <a:endParaRPr lang="en-US" dirty="0" smtClean="0"/>
+          </a:p>
+          <a:p>
+            <a:r>
+              <a:rPr lang="en-US" dirty="0" smtClean="0">
+                <a:sym typeface="Wingdings" pitchFamily="2" charset="2"/>
+              </a:rPr>
+              <a:t> </a:t>
+            </a:r>
+            <a:r>
+              <a:rPr lang="en-US" dirty="0" err="1" smtClean="0">
+                <a:sym typeface="Wingdings" pitchFamily="2" charset="2"/>
+              </a:rPr>
+              <a:t>Utilité</a:t>
+            </a:r>
+            <a:r>
+              <a:rPr lang="en-US" dirty="0" smtClean="0">
+                <a:sym typeface="Wingdings" pitchFamily="2" charset="2"/>
+              </a:rPr>
+              <a:t> de la </a:t>
+            </a:r>
+            <a:r>
+              <a:rPr lang="en-US" dirty="0" err="1" smtClean="0">
+                <a:sym typeface="Wingdings" pitchFamily="2" charset="2"/>
+              </a:rPr>
+              <a:t>modélisation</a:t>
+            </a:r>
+            <a:r>
+              <a:rPr lang="en-US" dirty="0" smtClean="0">
+                <a:sym typeface="Wingdings" pitchFamily="2" charset="2"/>
+              </a:rPr>
+              <a:t> FSPM</a:t>
+            </a:r>
+            <a:endParaRPr lang="en-US" dirty="0" smtClean="0"/>
+          </a:p>
+          <a:p>
+            <a:endParaRPr lang="en-US" dirty="0"/>
+          </a:p>
+        </p:txBody>
+      </p:sp>
+      <p:sp>
+        <p:nvSpPr>
+          <p:cNvPr id="4" name="Espace réservé du numéro de diapositive 3"/>
+          <p:cNvSpPr>
+            <a:spLocks noGrp="1"/>
+          </p:cNvSpPr>
+          <p:nvPr>
+            <p:ph type="sldNum" sz="quarter" idx="10"/>
+          </p:nvPr>
+        </p:nvSpPr>
+        <p:spPr/>
+        <p:txBody>
+          <a:bodyPr/>
+          <a:lstStyle/>
+          <a:p>
+            <a:fld id="{1162107B-E87C-4A73-9799-FE164A4D0BBB}" type="slidenum">
+              <a:rPr lang="en-US" smtClean="0"/>
+              <a:t>4</a:t>
+            </a:fld>
+            <a:endParaRPr lang="en-US"/>
+          </a:p>
+        </p:txBody>
+      </p:sp>
+    </p:spTree>
+    <p:extLst>
+      <p:ext uri="{BB962C8B-B14F-4D97-AF65-F5344CB8AC3E}">
+        <p14:creationId xmlns:p14="http://schemas.microsoft.com/office/powerpoint/2010/main" val="906849251"/>
+      </p:ext>
+    </p:extLst>
+  </p:cSld>
+  <p:clrMapOvr>
+    <a:masterClrMapping/>
+  </p:clrMapOvr>
+</p:notes>
 </file>
 
 <file path=ppt/slideLayouts/slideLayout1.xml><?xml version="1.0" encoding="utf-8"?>
@@ -288,7 +1424,7 @@
           <a:p>
             <a:fld id="{7F764DF7-321D-4EDA-ABAA-FE341B137145}" type="datetimeFigureOut">
               <a:rPr lang="en-US" smtClean="0"/>
-              <a:t>5/9/2018</a:t>
+              <a:t>5/13/2018</a:t>
             </a:fld>
             <a:endParaRPr lang="en-US"/>
           </a:p>
@@ -458,7 +1594,7 @@
           <a:p>
             <a:fld id="{7F764DF7-321D-4EDA-ABAA-FE341B137145}" type="datetimeFigureOut">
               <a:rPr lang="en-US" smtClean="0"/>
-              <a:t>5/9/2018</a:t>
+              <a:t>5/13/2018</a:t>
             </a:fld>
             <a:endParaRPr lang="en-US"/>
           </a:p>
@@ -638,7 +1774,7 @@
           <a:p>
             <a:fld id="{7F764DF7-321D-4EDA-ABAA-FE341B137145}" type="datetimeFigureOut">
               <a:rPr lang="en-US" smtClean="0"/>
-              <a:t>5/9/2018</a:t>
+              <a:t>5/13/2018</a:t>
             </a:fld>
             <a:endParaRPr lang="en-US"/>
           </a:p>
@@ -808,7 +1944,7 @@
           <a:p>
             <a:fld id="{7F764DF7-321D-4EDA-ABAA-FE341B137145}" type="datetimeFigureOut">
               <a:rPr lang="en-US" smtClean="0"/>
-              <a:t>5/9/2018</a:t>
+              <a:t>5/13/2018</a:t>
             </a:fld>
             <a:endParaRPr lang="en-US"/>
           </a:p>
@@ -1054,7 +2190,7 @@
           <a:p>
             <a:fld id="{7F764DF7-321D-4EDA-ABAA-FE341B137145}" type="datetimeFigureOut">
               <a:rPr lang="en-US" smtClean="0"/>
-              <a:t>5/9/2018</a:t>
+              <a:t>5/13/2018</a:t>
             </a:fld>
             <a:endParaRPr lang="en-US"/>
           </a:p>
@@ -1342,7 +2478,7 @@
           <a:p>
             <a:fld id="{7F764DF7-321D-4EDA-ABAA-FE341B137145}" type="datetimeFigureOut">
               <a:rPr lang="en-US" smtClean="0"/>
-              <a:t>5/9/2018</a:t>
+              <a:t>5/13/2018</a:t>
             </a:fld>
             <a:endParaRPr lang="en-US"/>
           </a:p>
@@ -1764,7 +2900,7 @@
           <a:p>
             <a:fld id="{7F764DF7-321D-4EDA-ABAA-FE341B137145}" type="datetimeFigureOut">
               <a:rPr lang="en-US" smtClean="0"/>
-              <a:t>5/9/2018</a:t>
+              <a:t>5/13/2018</a:t>
             </a:fld>
             <a:endParaRPr lang="en-US"/>
           </a:p>
@@ -1882,7 +3018,7 @@
           <a:p>
             <a:fld id="{7F764DF7-321D-4EDA-ABAA-FE341B137145}" type="datetimeFigureOut">
               <a:rPr lang="en-US" smtClean="0"/>
-              <a:t>5/9/2018</a:t>
+              <a:t>5/13/2018</a:t>
             </a:fld>
             <a:endParaRPr lang="en-US"/>
           </a:p>
@@ -1977,7 +3113,7 @@
           <a:p>
             <a:fld id="{7F764DF7-321D-4EDA-ABAA-FE341B137145}" type="datetimeFigureOut">
               <a:rPr lang="en-US" smtClean="0"/>
-              <a:t>5/9/2018</a:t>
+              <a:t>5/13/2018</a:t>
             </a:fld>
             <a:endParaRPr lang="en-US"/>
           </a:p>
@@ -2254,7 +3390,7 @@
           <a:p>
             <a:fld id="{7F764DF7-321D-4EDA-ABAA-FE341B137145}" type="datetimeFigureOut">
               <a:rPr lang="en-US" smtClean="0"/>
-              <a:t>5/9/2018</a:t>
+              <a:t>5/13/2018</a:t>
             </a:fld>
             <a:endParaRPr lang="en-US"/>
           </a:p>
@@ -2507,7 +3643,7 @@
           <a:p>
             <a:fld id="{7F764DF7-321D-4EDA-ABAA-FE341B137145}" type="datetimeFigureOut">
               <a:rPr lang="en-US" smtClean="0"/>
-              <a:t>5/9/2018</a:t>
+              <a:t>5/13/2018</a:t>
             </a:fld>
             <a:endParaRPr lang="en-US"/>
           </a:p>
@@ -2720,7 +3856,7 @@
           <a:p>
             <a:fld id="{7F764DF7-321D-4EDA-ABAA-FE341B137145}" type="datetimeFigureOut">
               <a:rPr lang="en-US" smtClean="0"/>
-              <a:t>5/9/2018</a:t>
+              <a:t>5/13/2018</a:t>
             </a:fld>
             <a:endParaRPr lang="en-US"/>
           </a:p>
@@ -3095,16 +4231,1075 @@
           <a:chExt cx="0" cy="0"/>
         </a:xfrm>
       </p:grpSpPr>
+      <p:pic>
+        <p:nvPicPr>
+          <p:cNvPr id="1026" name="Picture 2" descr="Z:\home\perez\Bureau\Rice_Diagram.png"/>
+          <p:cNvPicPr>
+            <a:picLocks noChangeAspect="1" noChangeArrowheads="1"/>
+          </p:cNvPicPr>
+          <p:nvPr/>
+        </p:nvPicPr>
+        <p:blipFill>
+          <a:blip r:embed="rId3" cstate="print">
+            <a:extLst>
+              <a:ext uri="{28A0092B-C50C-407E-A947-70E740481C1C}">
+                <a14:useLocalDpi xmlns:a14="http://schemas.microsoft.com/office/drawing/2010/main" val="0"/>
+              </a:ext>
+            </a:extLst>
+          </a:blip>
+          <a:srcRect/>
+          <a:stretch>
+            <a:fillRect/>
+          </a:stretch>
+        </p:blipFill>
+        <p:spPr bwMode="auto">
+          <a:xfrm>
+            <a:off x="3059832" y="1693984"/>
+            <a:ext cx="2739675" cy="4416163"/>
+          </a:xfrm>
+          <a:prstGeom prst="rect">
+            <a:avLst/>
+          </a:prstGeom>
+          <a:noFill/>
+          <a:extLst>
+            <a:ext uri="{909E8E84-426E-40DD-AFC4-6F175D3DCCD1}">
+              <a14:hiddenFill xmlns:a14="http://schemas.microsoft.com/office/drawing/2010/main">
+                <a:solidFill>
+                  <a:srgbClr val="FFFFFF"/>
+                </a:solidFill>
+              </a14:hiddenFill>
+            </a:ext>
+          </a:extLst>
+        </p:spPr>
+      </p:pic>
+      <p:grpSp>
+        <p:nvGrpSpPr>
+          <p:cNvPr id="21" name="Groupe 20"/>
+          <p:cNvGrpSpPr/>
+          <p:nvPr/>
+        </p:nvGrpSpPr>
+        <p:grpSpPr>
+          <a:xfrm>
+            <a:off x="5488917" y="1159877"/>
+            <a:ext cx="3155047" cy="1735585"/>
+            <a:chOff x="5089361" y="332656"/>
+            <a:chExt cx="3155047" cy="1735585"/>
+          </a:xfrm>
+        </p:grpSpPr>
+        <p:grpSp>
+          <p:nvGrpSpPr>
+            <p:cNvPr id="17" name="Groupe 16"/>
+            <p:cNvGrpSpPr/>
+            <p:nvPr/>
+          </p:nvGrpSpPr>
+          <p:grpSpPr>
+            <a:xfrm>
+              <a:off x="5397380" y="332656"/>
+              <a:ext cx="2847028" cy="1735585"/>
+              <a:chOff x="5397380" y="332656"/>
+              <a:chExt cx="2847028" cy="1735585"/>
+            </a:xfrm>
+          </p:grpSpPr>
+          <p:sp>
+            <p:nvSpPr>
+              <p:cNvPr id="5" name="Ellipse 4"/>
+              <p:cNvSpPr/>
+              <p:nvPr/>
+            </p:nvSpPr>
+            <p:spPr>
+              <a:xfrm>
+                <a:off x="6876256" y="332656"/>
+                <a:ext cx="1368152" cy="1296144"/>
+              </a:xfrm>
+              <a:prstGeom prst="ellipse">
+                <a:avLst/>
+              </a:prstGeom>
+              <a:solidFill>
+                <a:srgbClr val="FFFF00"/>
+              </a:solidFill>
+              <a:ln>
+                <a:noFill/>
+              </a:ln>
+            </p:spPr>
+            <p:style>
+              <a:lnRef idx="2">
+                <a:schemeClr val="accent1">
+                  <a:shade val="50000"/>
+                </a:schemeClr>
+              </a:lnRef>
+              <a:fillRef idx="1">
+                <a:schemeClr val="accent1"/>
+              </a:fillRef>
+              <a:effectRef idx="0">
+                <a:schemeClr val="accent1"/>
+              </a:effectRef>
+              <a:fontRef idx="minor">
+                <a:schemeClr val="lt1"/>
+              </a:fontRef>
+            </p:style>
+            <p:txBody>
+              <a:bodyPr rtlCol="0" anchor="ctr"/>
+              <a:lstStyle/>
+              <a:p>
+                <a:pPr algn="ctr"/>
+                <a:endParaRPr lang="en-US">
+                  <a:solidFill>
+                    <a:srgbClr val="FFFF00"/>
+                  </a:solidFill>
+                  <a:latin typeface="Times New Roman" pitchFamily="18" charset="0"/>
+                  <a:cs typeface="Times New Roman" pitchFamily="18" charset="0"/>
+                </a:endParaRPr>
+              </a:p>
+            </p:txBody>
+          </p:sp>
+          <p:sp>
+            <p:nvSpPr>
+              <p:cNvPr id="8" name="Flèche droite 7"/>
+              <p:cNvSpPr/>
+              <p:nvPr/>
+            </p:nvSpPr>
+            <p:spPr>
+              <a:xfrm rot="8557813">
+                <a:off x="5397380" y="1492177"/>
+                <a:ext cx="1152128" cy="576064"/>
+              </a:xfrm>
+              <a:prstGeom prst="rightArrow">
+                <a:avLst/>
+              </a:prstGeom>
+              <a:solidFill>
+                <a:srgbClr val="FFFF00"/>
+              </a:solidFill>
+              <a:ln>
+                <a:noFill/>
+              </a:ln>
+            </p:spPr>
+            <p:style>
+              <a:lnRef idx="2">
+                <a:schemeClr val="accent1">
+                  <a:shade val="50000"/>
+                </a:schemeClr>
+              </a:lnRef>
+              <a:fillRef idx="1">
+                <a:schemeClr val="accent1"/>
+              </a:fillRef>
+              <a:effectRef idx="0">
+                <a:schemeClr val="accent1"/>
+              </a:effectRef>
+              <a:fontRef idx="minor">
+                <a:schemeClr val="lt1"/>
+              </a:fontRef>
+            </p:style>
+            <p:txBody>
+              <a:bodyPr rtlCol="0" anchor="ctr"/>
+              <a:lstStyle/>
+              <a:p>
+                <a:pPr algn="ctr"/>
+                <a:endParaRPr lang="en-US">
+                  <a:latin typeface="Times New Roman" pitchFamily="18" charset="0"/>
+                  <a:cs typeface="Times New Roman" pitchFamily="18" charset="0"/>
+                </a:endParaRPr>
+              </a:p>
+            </p:txBody>
+          </p:sp>
+        </p:grpSp>
+        <p:sp>
+          <p:nvSpPr>
+            <p:cNvPr id="27" name="ZoneTexte 26"/>
+            <p:cNvSpPr txBox="1"/>
+            <p:nvPr/>
+          </p:nvSpPr>
+          <p:spPr>
+            <a:xfrm>
+              <a:off x="5089361" y="592408"/>
+              <a:ext cx="1864613" cy="646331"/>
+            </a:xfrm>
+            <a:prstGeom prst="rect">
+              <a:avLst/>
+            </a:prstGeom>
+            <a:noFill/>
+          </p:spPr>
+          <p:txBody>
+            <a:bodyPr wrap="none" rtlCol="0">
+              <a:spAutoFit/>
+            </a:bodyPr>
+            <a:lstStyle/>
+            <a:p>
+              <a:r>
+                <a:rPr lang="en-US" sz="3600" dirty="0" smtClean="0">
+                  <a:latin typeface="Times New Roman" pitchFamily="18" charset="0"/>
+                  <a:cs typeface="Times New Roman" pitchFamily="18" charset="0"/>
+                </a:rPr>
+                <a:t>Sun light</a:t>
+              </a:r>
+            </a:p>
+          </p:txBody>
+        </p:sp>
+      </p:grpSp>
+      <p:grpSp>
+        <p:nvGrpSpPr>
+          <p:cNvPr id="22" name="Groupe 21"/>
+          <p:cNvGrpSpPr/>
+          <p:nvPr/>
+        </p:nvGrpSpPr>
+        <p:grpSpPr>
+          <a:xfrm>
+            <a:off x="6072957" y="4221088"/>
+            <a:ext cx="2676581" cy="2055313"/>
+            <a:chOff x="6026998" y="4426881"/>
+            <a:chExt cx="2676581" cy="2055313"/>
+          </a:xfrm>
+        </p:grpSpPr>
+        <p:grpSp>
+          <p:nvGrpSpPr>
+            <p:cNvPr id="10" name="Groupe 9"/>
+            <p:cNvGrpSpPr/>
+            <p:nvPr/>
+          </p:nvGrpSpPr>
+          <p:grpSpPr>
+            <a:xfrm>
+              <a:off x="6026998" y="4897268"/>
+              <a:ext cx="2676581" cy="1584926"/>
+              <a:chOff x="5215709" y="5013176"/>
+              <a:chExt cx="2676581" cy="1584926"/>
+            </a:xfrm>
+          </p:grpSpPr>
+          <p:sp>
+            <p:nvSpPr>
+              <p:cNvPr id="11" name="Ellipse 10"/>
+              <p:cNvSpPr/>
+              <p:nvPr/>
+            </p:nvSpPr>
+            <p:spPr>
+              <a:xfrm>
+                <a:off x="6538113" y="5689731"/>
+                <a:ext cx="684076" cy="908371"/>
+              </a:xfrm>
+              <a:prstGeom prst="ellipse">
+                <a:avLst/>
+              </a:prstGeom>
+              <a:solidFill>
+                <a:schemeClr val="accent6"/>
+              </a:solidFill>
+              <a:ln>
+                <a:noFill/>
+              </a:ln>
+              <a:effectLst>
+                <a:outerShdw blurRad="127000" dist="38100" dir="2700000" algn="ctr">
+                  <a:srgbClr val="000000">
+                    <a:alpha val="45000"/>
+                  </a:srgbClr>
+                </a:outerShdw>
+              </a:effectLst>
+              <a:scene3d>
+                <a:camera prst="perspectiveFront" fov="2700000">
+                  <a:rot lat="20376000" lon="1938000" rev="20112001"/>
+                </a:camera>
+                <a:lightRig rig="soft" dir="t">
+                  <a:rot lat="0" lon="0" rev="0"/>
+                </a:lightRig>
+              </a:scene3d>
+              <a:sp3d prstMaterial="translucentPowder">
+                <a:bevelT w="203200" h="50800" prst="softRound"/>
+              </a:sp3d>
+            </p:spPr>
+            <p:style>
+              <a:lnRef idx="2">
+                <a:schemeClr val="accent1">
+                  <a:shade val="50000"/>
+                </a:schemeClr>
+              </a:lnRef>
+              <a:fillRef idx="1">
+                <a:schemeClr val="accent1"/>
+              </a:fillRef>
+              <a:effectRef idx="0">
+                <a:schemeClr val="accent1"/>
+              </a:effectRef>
+              <a:fontRef idx="minor">
+                <a:schemeClr val="lt1"/>
+              </a:fontRef>
+            </p:style>
+            <p:txBody>
+              <a:bodyPr rtlCol="0" anchor="ctr"/>
+              <a:lstStyle/>
+              <a:p>
+                <a:pPr algn="ctr"/>
+                <a:endParaRPr lang="en-US">
+                  <a:solidFill>
+                    <a:srgbClr val="FFFF00"/>
+                  </a:solidFill>
+                  <a:latin typeface="Times New Roman" pitchFamily="18" charset="0"/>
+                  <a:cs typeface="Times New Roman" pitchFamily="18" charset="0"/>
+                </a:endParaRPr>
+              </a:p>
+            </p:txBody>
+          </p:sp>
+          <p:sp>
+            <p:nvSpPr>
+              <p:cNvPr id="12" name="Ellipse 11"/>
+              <p:cNvSpPr/>
+              <p:nvPr/>
+            </p:nvSpPr>
+            <p:spPr>
+              <a:xfrm>
+                <a:off x="6209193" y="5230249"/>
+                <a:ext cx="836475" cy="540172"/>
+              </a:xfrm>
+              <a:prstGeom prst="ellipse">
+                <a:avLst/>
+              </a:prstGeom>
+              <a:solidFill>
+                <a:schemeClr val="accent6"/>
+              </a:solidFill>
+              <a:ln>
+                <a:noFill/>
+              </a:ln>
+              <a:effectLst>
+                <a:outerShdw blurRad="127000" dist="38100" dir="2700000" algn="ctr">
+                  <a:srgbClr val="000000">
+                    <a:alpha val="45000"/>
+                  </a:srgbClr>
+                </a:outerShdw>
+              </a:effectLst>
+              <a:scene3d>
+                <a:camera prst="perspectiveFront" fov="2700000">
+                  <a:rot lat="20376000" lon="1938000" rev="20112001"/>
+                </a:camera>
+                <a:lightRig rig="soft" dir="t">
+                  <a:rot lat="0" lon="0" rev="0"/>
+                </a:lightRig>
+              </a:scene3d>
+              <a:sp3d prstMaterial="translucentPowder">
+                <a:bevelT w="203200" h="50800" prst="softRound"/>
+              </a:sp3d>
+            </p:spPr>
+            <p:style>
+              <a:lnRef idx="2">
+                <a:schemeClr val="accent1">
+                  <a:shade val="50000"/>
+                </a:schemeClr>
+              </a:lnRef>
+              <a:fillRef idx="1">
+                <a:schemeClr val="accent1"/>
+              </a:fillRef>
+              <a:effectRef idx="0">
+                <a:schemeClr val="accent1"/>
+              </a:effectRef>
+              <a:fontRef idx="minor">
+                <a:schemeClr val="lt1"/>
+              </a:fontRef>
+            </p:style>
+            <p:txBody>
+              <a:bodyPr rtlCol="0" anchor="ctr"/>
+              <a:lstStyle/>
+              <a:p>
+                <a:pPr algn="ctr"/>
+                <a:endParaRPr lang="en-US">
+                  <a:solidFill>
+                    <a:srgbClr val="FFFF00"/>
+                  </a:solidFill>
+                  <a:latin typeface="Times New Roman" pitchFamily="18" charset="0"/>
+                  <a:cs typeface="Times New Roman" pitchFamily="18" charset="0"/>
+                </a:endParaRPr>
+              </a:p>
+            </p:txBody>
+          </p:sp>
+          <p:sp>
+            <p:nvSpPr>
+              <p:cNvPr id="13" name="Ellipse 12"/>
+              <p:cNvSpPr/>
+              <p:nvPr/>
+            </p:nvSpPr>
+            <p:spPr>
+              <a:xfrm>
+                <a:off x="7020272" y="5013176"/>
+                <a:ext cx="872018" cy="864096"/>
+              </a:xfrm>
+              <a:prstGeom prst="ellipse">
+                <a:avLst/>
+              </a:prstGeom>
+              <a:solidFill>
+                <a:schemeClr val="accent6"/>
+              </a:solidFill>
+              <a:ln>
+                <a:noFill/>
+              </a:ln>
+              <a:effectLst>
+                <a:outerShdw blurRad="127000" dist="38100" dir="2700000" algn="ctr">
+                  <a:srgbClr val="000000">
+                    <a:alpha val="45000"/>
+                  </a:srgbClr>
+                </a:outerShdw>
+              </a:effectLst>
+              <a:scene3d>
+                <a:camera prst="perspectiveFront" fov="2700000">
+                  <a:rot lat="20376000" lon="1938000" rev="20112001"/>
+                </a:camera>
+                <a:lightRig rig="soft" dir="t">
+                  <a:rot lat="0" lon="0" rev="0"/>
+                </a:lightRig>
+              </a:scene3d>
+              <a:sp3d prstMaterial="translucentPowder">
+                <a:bevelT w="203200" h="50800" prst="softRound"/>
+              </a:sp3d>
+            </p:spPr>
+            <p:style>
+              <a:lnRef idx="2">
+                <a:schemeClr val="accent1">
+                  <a:shade val="50000"/>
+                </a:schemeClr>
+              </a:lnRef>
+              <a:fillRef idx="1">
+                <a:schemeClr val="accent1"/>
+              </a:fillRef>
+              <a:effectRef idx="0">
+                <a:schemeClr val="accent1"/>
+              </a:effectRef>
+              <a:fontRef idx="minor">
+                <a:schemeClr val="lt1"/>
+              </a:fontRef>
+            </p:style>
+            <p:txBody>
+              <a:bodyPr rtlCol="0" anchor="ctr"/>
+              <a:lstStyle/>
+              <a:p>
+                <a:pPr algn="ctr"/>
+                <a:endParaRPr lang="en-US">
+                  <a:solidFill>
+                    <a:srgbClr val="FFFF00"/>
+                  </a:solidFill>
+                  <a:latin typeface="Times New Roman" pitchFamily="18" charset="0"/>
+                  <a:cs typeface="Times New Roman" pitchFamily="18" charset="0"/>
+                </a:endParaRPr>
+              </a:p>
+            </p:txBody>
+          </p:sp>
+          <p:sp>
+            <p:nvSpPr>
+              <p:cNvPr id="16" name="Flèche droite 15"/>
+              <p:cNvSpPr/>
+              <p:nvPr/>
+            </p:nvSpPr>
+            <p:spPr>
+              <a:xfrm rot="11879440">
+                <a:off x="5215709" y="5675091"/>
+                <a:ext cx="1152128" cy="576064"/>
+              </a:xfrm>
+              <a:prstGeom prst="rightArrow">
+                <a:avLst/>
+              </a:prstGeom>
+              <a:solidFill>
+                <a:schemeClr val="accent6"/>
+              </a:solidFill>
+              <a:ln>
+                <a:noFill/>
+              </a:ln>
+            </p:spPr>
+            <p:style>
+              <a:lnRef idx="2">
+                <a:schemeClr val="accent1">
+                  <a:shade val="50000"/>
+                </a:schemeClr>
+              </a:lnRef>
+              <a:fillRef idx="1">
+                <a:schemeClr val="accent1"/>
+              </a:fillRef>
+              <a:effectRef idx="0">
+                <a:schemeClr val="accent1"/>
+              </a:effectRef>
+              <a:fontRef idx="minor">
+                <a:schemeClr val="lt1"/>
+              </a:fontRef>
+            </p:style>
+            <p:txBody>
+              <a:bodyPr rtlCol="0" anchor="ctr"/>
+              <a:lstStyle/>
+              <a:p>
+                <a:pPr algn="ctr"/>
+                <a:endParaRPr lang="en-US">
+                  <a:latin typeface="Times New Roman" pitchFamily="18" charset="0"/>
+                  <a:cs typeface="Times New Roman" pitchFamily="18" charset="0"/>
+                </a:endParaRPr>
+              </a:p>
+            </p:txBody>
+          </p:sp>
+        </p:grpSp>
+        <p:sp>
+          <p:nvSpPr>
+            <p:cNvPr id="28" name="ZoneTexte 27"/>
+            <p:cNvSpPr txBox="1"/>
+            <p:nvPr/>
+          </p:nvSpPr>
+          <p:spPr>
+            <a:xfrm>
+              <a:off x="6555913" y="4426881"/>
+              <a:ext cx="1814856" cy="646331"/>
+            </a:xfrm>
+            <a:prstGeom prst="rect">
+              <a:avLst/>
+            </a:prstGeom>
+            <a:noFill/>
+          </p:spPr>
+          <p:txBody>
+            <a:bodyPr wrap="none" rtlCol="0">
+              <a:spAutoFit/>
+            </a:bodyPr>
+            <a:lstStyle/>
+            <a:p>
+              <a:r>
+                <a:rPr lang="en-US" sz="3600" dirty="0" smtClean="0">
+                  <a:latin typeface="Times New Roman" pitchFamily="18" charset="0"/>
+                  <a:cs typeface="Times New Roman" pitchFamily="18" charset="0"/>
+                </a:rPr>
+                <a:t>Minerals</a:t>
+              </a:r>
+            </a:p>
+          </p:txBody>
+        </p:sp>
+      </p:grpSp>
+      <p:grpSp>
+        <p:nvGrpSpPr>
+          <p:cNvPr id="31" name="Groupe 30"/>
+          <p:cNvGrpSpPr/>
+          <p:nvPr/>
+        </p:nvGrpSpPr>
+        <p:grpSpPr>
+          <a:xfrm>
+            <a:off x="458346" y="4492452"/>
+            <a:ext cx="2533820" cy="1783949"/>
+            <a:chOff x="401023" y="4861430"/>
+            <a:chExt cx="2533820" cy="1783949"/>
+          </a:xfrm>
+        </p:grpSpPr>
+        <p:grpSp>
+          <p:nvGrpSpPr>
+            <p:cNvPr id="14" name="Groupe 13"/>
+            <p:cNvGrpSpPr/>
+            <p:nvPr/>
+          </p:nvGrpSpPr>
+          <p:grpSpPr>
+            <a:xfrm>
+              <a:off x="401023" y="5197839"/>
+              <a:ext cx="2533820" cy="1447540"/>
+              <a:chOff x="922030" y="4894789"/>
+              <a:chExt cx="2533820" cy="1447540"/>
+            </a:xfrm>
+          </p:grpSpPr>
+          <p:grpSp>
+            <p:nvGrpSpPr>
+              <p:cNvPr id="4" name="Groupe 3"/>
+              <p:cNvGrpSpPr/>
+              <p:nvPr/>
+            </p:nvGrpSpPr>
+            <p:grpSpPr>
+              <a:xfrm>
+                <a:off x="922030" y="4894789"/>
+                <a:ext cx="1236210" cy="1447540"/>
+                <a:chOff x="611560" y="3068960"/>
+                <a:chExt cx="1236210" cy="1447540"/>
+              </a:xfrm>
+            </p:grpSpPr>
+            <p:pic>
+              <p:nvPicPr>
+                <p:cNvPr id="1027" name="Picture 3" descr="Z:\home\perez\Bureau\drop-icon.png"/>
+                <p:cNvPicPr>
+                  <a:picLocks noChangeAspect="1" noChangeArrowheads="1"/>
+                </p:cNvPicPr>
+                <p:nvPr/>
+              </p:nvPicPr>
+              <p:blipFill>
+                <a:blip r:embed="rId4" cstate="print">
+                  <a:extLst>
+                    <a:ext uri="{28A0092B-C50C-407E-A947-70E740481C1C}">
+                      <a14:useLocalDpi xmlns:a14="http://schemas.microsoft.com/office/drawing/2010/main" val="0"/>
+                    </a:ext>
+                  </a:extLst>
+                </a:blip>
+                <a:srcRect/>
+                <a:stretch>
+                  <a:fillRect/>
+                </a:stretch>
+              </p:blipFill>
+              <p:spPr bwMode="auto">
+                <a:xfrm>
+                  <a:off x="611560" y="3068960"/>
+                  <a:ext cx="620940" cy="620940"/>
+                </a:xfrm>
+                <a:prstGeom prst="rect">
+                  <a:avLst/>
+                </a:prstGeom>
+                <a:noFill/>
+                <a:extLst>
+                  <a:ext uri="{909E8E84-426E-40DD-AFC4-6F175D3DCCD1}">
+                    <a14:hiddenFill xmlns:a14="http://schemas.microsoft.com/office/drawing/2010/main">
+                      <a:solidFill>
+                        <a:srgbClr val="FFFFFF"/>
+                      </a:solidFill>
+                    </a14:hiddenFill>
+                  </a:ext>
+                </a:extLst>
+              </p:spPr>
+            </p:pic>
+            <p:pic>
+              <p:nvPicPr>
+                <p:cNvPr id="6" name="Picture 3" descr="Z:\home\perez\Bureau\drop-icon.png"/>
+                <p:cNvPicPr>
+                  <a:picLocks noChangeAspect="1" noChangeArrowheads="1"/>
+                </p:cNvPicPr>
+                <p:nvPr/>
+              </p:nvPicPr>
+              <p:blipFill>
+                <a:blip r:embed="rId4" cstate="print">
+                  <a:extLst>
+                    <a:ext uri="{28A0092B-C50C-407E-A947-70E740481C1C}">
+                      <a14:useLocalDpi xmlns:a14="http://schemas.microsoft.com/office/drawing/2010/main" val="0"/>
+                    </a:ext>
+                  </a:extLst>
+                </a:blip>
+                <a:srcRect/>
+                <a:stretch>
+                  <a:fillRect/>
+                </a:stretch>
+              </p:blipFill>
+              <p:spPr bwMode="auto">
+                <a:xfrm>
+                  <a:off x="916360" y="3895560"/>
+                  <a:ext cx="620940" cy="620940"/>
+                </a:xfrm>
+                <a:prstGeom prst="rect">
+                  <a:avLst/>
+                </a:prstGeom>
+                <a:noFill/>
+                <a:extLst>
+                  <a:ext uri="{909E8E84-426E-40DD-AFC4-6F175D3DCCD1}">
+                    <a14:hiddenFill xmlns:a14="http://schemas.microsoft.com/office/drawing/2010/main">
+                      <a:solidFill>
+                        <a:srgbClr val="FFFFFF"/>
+                      </a:solidFill>
+                    </a14:hiddenFill>
+                  </a:ext>
+                </a:extLst>
+              </p:spPr>
+            </p:pic>
+            <p:pic>
+              <p:nvPicPr>
+                <p:cNvPr id="7" name="Picture 3" descr="Z:\home\perez\Bureau\drop-icon.png"/>
+                <p:cNvPicPr>
+                  <a:picLocks noChangeAspect="1" noChangeArrowheads="1"/>
+                </p:cNvPicPr>
+                <p:nvPr/>
+              </p:nvPicPr>
+              <p:blipFill>
+                <a:blip r:embed="rId4" cstate="print">
+                  <a:extLst>
+                    <a:ext uri="{28A0092B-C50C-407E-A947-70E740481C1C}">
+                      <a14:useLocalDpi xmlns:a14="http://schemas.microsoft.com/office/drawing/2010/main" val="0"/>
+                    </a:ext>
+                  </a:extLst>
+                </a:blip>
+                <a:srcRect/>
+                <a:stretch>
+                  <a:fillRect/>
+                </a:stretch>
+              </p:blipFill>
+              <p:spPr bwMode="auto">
+                <a:xfrm>
+                  <a:off x="1226830" y="3373760"/>
+                  <a:ext cx="620940" cy="620940"/>
+                </a:xfrm>
+                <a:prstGeom prst="rect">
+                  <a:avLst/>
+                </a:prstGeom>
+                <a:noFill/>
+                <a:extLst>
+                  <a:ext uri="{909E8E84-426E-40DD-AFC4-6F175D3DCCD1}">
+                    <a14:hiddenFill xmlns:a14="http://schemas.microsoft.com/office/drawing/2010/main">
+                      <a:solidFill>
+                        <a:srgbClr val="FFFFFF"/>
+                      </a:solidFill>
+                    </a14:hiddenFill>
+                  </a:ext>
+                </a:extLst>
+              </p:spPr>
+            </p:pic>
+          </p:grpSp>
+          <p:sp>
+            <p:nvSpPr>
+              <p:cNvPr id="15" name="Flèche droite 14"/>
+              <p:cNvSpPr/>
+              <p:nvPr/>
+            </p:nvSpPr>
+            <p:spPr>
+              <a:xfrm rot="20116104">
+                <a:off x="2303722" y="5440580"/>
+                <a:ext cx="1152128" cy="576064"/>
+              </a:xfrm>
+              <a:prstGeom prst="rightArrow">
+                <a:avLst/>
+              </a:prstGeom>
+              <a:solidFill>
+                <a:schemeClr val="accent1"/>
+              </a:solidFill>
+              <a:ln>
+                <a:noFill/>
+              </a:ln>
+            </p:spPr>
+            <p:style>
+              <a:lnRef idx="2">
+                <a:schemeClr val="accent1">
+                  <a:shade val="50000"/>
+                </a:schemeClr>
+              </a:lnRef>
+              <a:fillRef idx="1">
+                <a:schemeClr val="accent1"/>
+              </a:fillRef>
+              <a:effectRef idx="0">
+                <a:schemeClr val="accent1"/>
+              </a:effectRef>
+              <a:fontRef idx="minor">
+                <a:schemeClr val="lt1"/>
+              </a:fontRef>
+            </p:style>
+            <p:txBody>
+              <a:bodyPr rtlCol="0" anchor="ctr"/>
+              <a:lstStyle/>
+              <a:p>
+                <a:pPr algn="ctr"/>
+                <a:endParaRPr lang="en-US">
+                  <a:latin typeface="Times New Roman" pitchFamily="18" charset="0"/>
+                  <a:cs typeface="Times New Roman" pitchFamily="18" charset="0"/>
+                </a:endParaRPr>
+              </a:p>
+            </p:txBody>
+          </p:sp>
+        </p:grpSp>
+        <p:sp>
+          <p:nvSpPr>
+            <p:cNvPr id="29" name="ZoneTexte 28"/>
+            <p:cNvSpPr txBox="1"/>
+            <p:nvPr/>
+          </p:nvSpPr>
+          <p:spPr>
+            <a:xfrm>
+              <a:off x="1205144" y="4861430"/>
+              <a:ext cx="1005403" cy="646331"/>
+            </a:xfrm>
+            <a:prstGeom prst="rect">
+              <a:avLst/>
+            </a:prstGeom>
+            <a:noFill/>
+          </p:spPr>
+          <p:txBody>
+            <a:bodyPr wrap="none" rtlCol="0">
+              <a:spAutoFit/>
+            </a:bodyPr>
+            <a:lstStyle/>
+            <a:p>
+              <a:r>
+                <a:rPr lang="en-US" sz="3600" dirty="0" smtClean="0">
+                  <a:latin typeface="Times New Roman" pitchFamily="18" charset="0"/>
+                  <a:cs typeface="Times New Roman" pitchFamily="18" charset="0"/>
+                </a:rPr>
+                <a:t>H</a:t>
+              </a:r>
+              <a:r>
+                <a:rPr lang="en-US" sz="3600" baseline="-25000" dirty="0" smtClean="0">
+                  <a:latin typeface="Times New Roman" pitchFamily="18" charset="0"/>
+                  <a:cs typeface="Times New Roman" pitchFamily="18" charset="0"/>
+                </a:rPr>
+                <a:t>2</a:t>
+              </a:r>
+              <a:r>
+                <a:rPr lang="en-US" sz="3600" dirty="0" smtClean="0">
+                  <a:latin typeface="Times New Roman" pitchFamily="18" charset="0"/>
+                  <a:cs typeface="Times New Roman" pitchFamily="18" charset="0"/>
+                </a:rPr>
+                <a:t>O</a:t>
+              </a:r>
+            </a:p>
+          </p:txBody>
+        </p:sp>
+      </p:grpSp>
+      <p:grpSp>
+        <p:nvGrpSpPr>
+          <p:cNvPr id="20" name="Groupe 19"/>
+          <p:cNvGrpSpPr/>
+          <p:nvPr/>
+        </p:nvGrpSpPr>
+        <p:grpSpPr>
+          <a:xfrm>
+            <a:off x="35496" y="1577148"/>
+            <a:ext cx="3366433" cy="1635828"/>
+            <a:chOff x="540206" y="1992786"/>
+            <a:chExt cx="3366433" cy="1635828"/>
+          </a:xfrm>
+        </p:grpSpPr>
+        <p:sp>
+          <p:nvSpPr>
+            <p:cNvPr id="18" name="ZoneTexte 17"/>
+            <p:cNvSpPr txBox="1"/>
+            <p:nvPr/>
+          </p:nvSpPr>
+          <p:spPr>
+            <a:xfrm>
+              <a:off x="1295385" y="1992786"/>
+              <a:ext cx="979755" cy="646331"/>
+            </a:xfrm>
+            <a:prstGeom prst="rect">
+              <a:avLst/>
+            </a:prstGeom>
+            <a:noFill/>
+          </p:spPr>
+          <p:txBody>
+            <a:bodyPr wrap="none" rtlCol="0">
+              <a:spAutoFit/>
+            </a:bodyPr>
+            <a:lstStyle/>
+            <a:p>
+              <a:r>
+                <a:rPr lang="en-US" sz="3600" dirty="0" smtClean="0">
+                  <a:latin typeface="Times New Roman" pitchFamily="18" charset="0"/>
+                  <a:cs typeface="Times New Roman" pitchFamily="18" charset="0"/>
+                </a:rPr>
+                <a:t>CO</a:t>
+              </a:r>
+              <a:r>
+                <a:rPr lang="en-US" sz="3600" baseline="-25000" dirty="0" smtClean="0">
+                  <a:latin typeface="Times New Roman" pitchFamily="18" charset="0"/>
+                  <a:cs typeface="Times New Roman" pitchFamily="18" charset="0"/>
+                </a:rPr>
+                <a:t>2</a:t>
+              </a:r>
+              <a:endParaRPr lang="en-US" baseline="-25000" dirty="0">
+                <a:latin typeface="Times New Roman" pitchFamily="18" charset="0"/>
+                <a:cs typeface="Times New Roman" pitchFamily="18" charset="0"/>
+              </a:endParaRPr>
+            </a:p>
+          </p:txBody>
+        </p:sp>
+        <p:pic>
+          <p:nvPicPr>
+            <p:cNvPr id="1028" name="Picture 4" descr="Z:\home\perez\Bureau\CO2.png"/>
+            <p:cNvPicPr>
+              <a:picLocks noChangeAspect="1" noChangeArrowheads="1"/>
+            </p:cNvPicPr>
+            <p:nvPr/>
+          </p:nvPicPr>
+          <p:blipFill>
+            <a:blip r:embed="rId5" cstate="print">
+              <a:extLst>
+                <a:ext uri="{28A0092B-C50C-407E-A947-70E740481C1C}">
+                  <a14:useLocalDpi xmlns:a14="http://schemas.microsoft.com/office/drawing/2010/main" val="0"/>
+                </a:ext>
+              </a:extLst>
+            </a:blip>
+            <a:srcRect/>
+            <a:stretch>
+              <a:fillRect/>
+            </a:stretch>
+          </p:blipFill>
+          <p:spPr bwMode="auto">
+            <a:xfrm rot="1249228">
+              <a:off x="540206" y="2779799"/>
+              <a:ext cx="1067549" cy="361996"/>
+            </a:xfrm>
+            <a:prstGeom prst="rect">
+              <a:avLst/>
+            </a:prstGeom>
+            <a:noFill/>
+            <a:extLst>
+              <a:ext uri="{909E8E84-426E-40DD-AFC4-6F175D3DCCD1}">
+                <a14:hiddenFill xmlns:a14="http://schemas.microsoft.com/office/drawing/2010/main">
+                  <a:solidFill>
+                    <a:srgbClr val="FFFFFF"/>
+                  </a:solidFill>
+                </a14:hiddenFill>
+              </a:ext>
+            </a:extLst>
+          </p:spPr>
+        </p:pic>
+        <p:pic>
+          <p:nvPicPr>
+            <p:cNvPr id="24" name="Picture 4" descr="Z:\home\perez\Bureau\CO2.png"/>
+            <p:cNvPicPr>
+              <a:picLocks noChangeAspect="1" noChangeArrowheads="1"/>
+            </p:cNvPicPr>
+            <p:nvPr/>
+          </p:nvPicPr>
+          <p:blipFill>
+            <a:blip r:embed="rId5" cstate="print">
+              <a:extLst>
+                <a:ext uri="{28A0092B-C50C-407E-A947-70E740481C1C}">
+                  <a14:useLocalDpi xmlns:a14="http://schemas.microsoft.com/office/drawing/2010/main" val="0"/>
+                </a:ext>
+              </a:extLst>
+            </a:blip>
+            <a:srcRect/>
+            <a:stretch>
+              <a:fillRect/>
+            </a:stretch>
+          </p:blipFill>
+          <p:spPr bwMode="auto">
+            <a:xfrm rot="8982718">
+              <a:off x="1736845" y="3128469"/>
+              <a:ext cx="1067549" cy="361996"/>
+            </a:xfrm>
+            <a:prstGeom prst="rect">
+              <a:avLst/>
+            </a:prstGeom>
+            <a:noFill/>
+            <a:extLst>
+              <a:ext uri="{909E8E84-426E-40DD-AFC4-6F175D3DCCD1}">
+                <a14:hiddenFill xmlns:a14="http://schemas.microsoft.com/office/drawing/2010/main">
+                  <a:solidFill>
+                    <a:srgbClr val="FFFFFF"/>
+                  </a:solidFill>
+                </a14:hiddenFill>
+              </a:ext>
+            </a:extLst>
+          </p:spPr>
+        </p:pic>
+        <p:pic>
+          <p:nvPicPr>
+            <p:cNvPr id="25" name="Picture 4" descr="Z:\home\perez\Bureau\CO2.png"/>
+            <p:cNvPicPr>
+              <a:picLocks noChangeAspect="1" noChangeArrowheads="1"/>
+            </p:cNvPicPr>
+            <p:nvPr/>
+          </p:nvPicPr>
+          <p:blipFill>
+            <a:blip r:embed="rId5" cstate="print">
+              <a:extLst>
+                <a:ext uri="{28A0092B-C50C-407E-A947-70E740481C1C}">
+                  <a14:useLocalDpi xmlns:a14="http://schemas.microsoft.com/office/drawing/2010/main" val="0"/>
+                </a:ext>
+              </a:extLst>
+            </a:blip>
+            <a:srcRect/>
+            <a:stretch>
+              <a:fillRect/>
+            </a:stretch>
+          </p:blipFill>
+          <p:spPr bwMode="auto">
+            <a:xfrm rot="21066807">
+              <a:off x="727375" y="3266618"/>
+              <a:ext cx="1067549" cy="361996"/>
+            </a:xfrm>
+            <a:prstGeom prst="rect">
+              <a:avLst/>
+            </a:prstGeom>
+            <a:noFill/>
+            <a:extLst>
+              <a:ext uri="{909E8E84-426E-40DD-AFC4-6F175D3DCCD1}">
+                <a14:hiddenFill xmlns:a14="http://schemas.microsoft.com/office/drawing/2010/main">
+                  <a:solidFill>
+                    <a:srgbClr val="FFFFFF"/>
+                  </a:solidFill>
+                </a14:hiddenFill>
+              </a:ext>
+            </a:extLst>
+          </p:spPr>
+        </p:pic>
+        <p:pic>
+          <p:nvPicPr>
+            <p:cNvPr id="26" name="Picture 4" descr="Z:\home\perez\Bureau\CO2.png"/>
+            <p:cNvPicPr>
+              <a:picLocks noChangeAspect="1" noChangeArrowheads="1"/>
+            </p:cNvPicPr>
+            <p:nvPr/>
+          </p:nvPicPr>
+          <p:blipFill>
+            <a:blip r:embed="rId5" cstate="print">
+              <a:extLst>
+                <a:ext uri="{28A0092B-C50C-407E-A947-70E740481C1C}">
+                  <a14:useLocalDpi xmlns:a14="http://schemas.microsoft.com/office/drawing/2010/main" val="0"/>
+                </a:ext>
+              </a:extLst>
+            </a:blip>
+            <a:srcRect/>
+            <a:stretch>
+              <a:fillRect/>
+            </a:stretch>
+          </p:blipFill>
+          <p:spPr bwMode="auto">
+            <a:xfrm rot="21303845">
+              <a:off x="1490910" y="2646432"/>
+              <a:ext cx="1067549" cy="361996"/>
+            </a:xfrm>
+            <a:prstGeom prst="rect">
+              <a:avLst/>
+            </a:prstGeom>
+            <a:noFill/>
+            <a:extLst>
+              <a:ext uri="{909E8E84-426E-40DD-AFC4-6F175D3DCCD1}">
+                <a14:hiddenFill xmlns:a14="http://schemas.microsoft.com/office/drawing/2010/main">
+                  <a:solidFill>
+                    <a:srgbClr val="FFFFFF"/>
+                  </a:solidFill>
+                </a14:hiddenFill>
+              </a:ext>
+            </a:extLst>
+          </p:spPr>
+        </p:pic>
+        <p:sp>
+          <p:nvSpPr>
+            <p:cNvPr id="30" name="Flèche droite 29"/>
+            <p:cNvSpPr/>
+            <p:nvPr/>
+          </p:nvSpPr>
+          <p:spPr>
+            <a:xfrm rot="2099940">
+              <a:off x="2754511" y="2765651"/>
+              <a:ext cx="1152128" cy="576064"/>
+            </a:xfrm>
+            <a:prstGeom prst="rightArrow">
+              <a:avLst/>
+            </a:prstGeom>
+            <a:solidFill>
+              <a:schemeClr val="tx1"/>
+            </a:solidFill>
+            <a:ln>
+              <a:noFill/>
+            </a:ln>
+          </p:spPr>
+          <p:style>
+            <a:lnRef idx="2">
+              <a:schemeClr val="accent1">
+                <a:shade val="50000"/>
+              </a:schemeClr>
+            </a:lnRef>
+            <a:fillRef idx="1">
+              <a:schemeClr val="accent1"/>
+            </a:fillRef>
+            <a:effectRef idx="0">
+              <a:schemeClr val="accent1"/>
+            </a:effectRef>
+            <a:fontRef idx="minor">
+              <a:schemeClr val="lt1"/>
+            </a:fontRef>
+          </p:style>
+          <p:txBody>
+            <a:bodyPr rtlCol="0" anchor="ctr"/>
+            <a:lstStyle/>
+            <a:p>
+              <a:pPr algn="ctr"/>
+              <a:endParaRPr lang="en-US">
+                <a:latin typeface="Times New Roman" pitchFamily="18" charset="0"/>
+                <a:cs typeface="Times New Roman" pitchFamily="18" charset="0"/>
+              </a:endParaRPr>
+            </a:p>
+          </p:txBody>
+        </p:sp>
+      </p:grpSp>
       <p:sp>
         <p:nvSpPr>
-          <p:cNvPr id="4" name="ZoneTexte 3"/>
+          <p:cNvPr id="1024" name="ZoneTexte 1023"/>
           <p:cNvSpPr txBox="1"/>
           <p:nvPr/>
         </p:nvSpPr>
         <p:spPr>
           <a:xfrm>
-            <a:off x="7414" y="620688"/>
-            <a:ext cx="8875058" cy="5078313"/>
+            <a:off x="2790120" y="158914"/>
+            <a:ext cx="3172663" cy="646331"/>
           </a:xfrm>
           <a:prstGeom prst="rect">
             <a:avLst/>
@@ -3118,468 +5313,3981 @@
           <a:lstStyle/>
           <a:p>
             <a:r>
-              <a:rPr lang="en-US" dirty="0" smtClean="0"/>
-              <a:t>Intro</a:t>
-            </a:r>
-          </a:p>
-          <a:p>
-            <a:endParaRPr lang="en-US" dirty="0"/>
-          </a:p>
-          <a:p>
-            <a:r>
-              <a:rPr lang="en-US" dirty="0" smtClean="0"/>
-              <a:t>Lister les </a:t>
-            </a:r>
-            <a:r>
-              <a:rPr lang="en-US" dirty="0" err="1" smtClean="0"/>
-              <a:t>ressources</a:t>
-            </a:r>
-            <a:r>
-              <a:rPr lang="en-US" dirty="0" smtClean="0"/>
-              <a:t> des </a:t>
-            </a:r>
-            <a:r>
-              <a:rPr lang="en-US" dirty="0" err="1" smtClean="0"/>
-              <a:t>plantes</a:t>
-            </a:r>
-            <a:r>
-              <a:rPr lang="en-US" dirty="0" smtClean="0"/>
-              <a:t> (eau, </a:t>
-            </a:r>
-            <a:r>
-              <a:rPr lang="en-US" dirty="0" err="1" smtClean="0"/>
-              <a:t>minéraux</a:t>
-            </a:r>
-            <a:r>
-              <a:rPr lang="en-US" dirty="0" smtClean="0"/>
-              <a:t>, lumière)</a:t>
-            </a:r>
-          </a:p>
-          <a:p>
-            <a:pPr marL="285750" indent="-285750">
-              <a:buFont typeface="Wingdings"/>
-              <a:buChar char="à"/>
-            </a:pPr>
-            <a:r>
-              <a:rPr lang="en-US" dirty="0" err="1" smtClean="0">
-                <a:sym typeface="Wingdings" pitchFamily="2" charset="2"/>
-              </a:rPr>
-              <a:t>dans</a:t>
-            </a:r>
-            <a:r>
-              <a:rPr lang="en-US" dirty="0" smtClean="0">
-                <a:sym typeface="Wingdings" pitchFamily="2" charset="2"/>
-              </a:rPr>
-              <a:t> un </a:t>
-            </a:r>
-            <a:r>
-              <a:rPr lang="en-US" dirty="0" err="1" smtClean="0">
-                <a:sym typeface="Wingdings" pitchFamily="2" charset="2"/>
-              </a:rPr>
-              <a:t>système</a:t>
-            </a:r>
-            <a:r>
-              <a:rPr lang="en-US" dirty="0" smtClean="0">
-                <a:sym typeface="Wingdings" pitchFamily="2" charset="2"/>
-              </a:rPr>
-              <a:t> </a:t>
-            </a:r>
-            <a:r>
-              <a:rPr lang="en-US" dirty="0" err="1" smtClean="0">
-                <a:sym typeface="Wingdings" pitchFamily="2" charset="2"/>
-              </a:rPr>
-              <a:t>agricole</a:t>
-            </a:r>
-            <a:r>
-              <a:rPr lang="en-US" dirty="0" smtClean="0">
-                <a:sym typeface="Wingdings" pitchFamily="2" charset="2"/>
-              </a:rPr>
-              <a:t> </a:t>
-            </a:r>
-            <a:r>
-              <a:rPr lang="en-US" dirty="0" err="1" smtClean="0">
-                <a:sym typeface="Wingdings" pitchFamily="2" charset="2"/>
-              </a:rPr>
-              <a:t>controlé</a:t>
-            </a:r>
-            <a:r>
-              <a:rPr lang="en-US" dirty="0" smtClean="0">
-                <a:sym typeface="Wingdings" pitchFamily="2" charset="2"/>
-              </a:rPr>
-              <a:t>, </a:t>
-            </a:r>
-            <a:r>
-              <a:rPr lang="en-US" dirty="0" err="1" smtClean="0">
-                <a:sym typeface="Wingdings" pitchFamily="2" charset="2"/>
-              </a:rPr>
-              <a:t>seule</a:t>
-            </a:r>
-            <a:r>
-              <a:rPr lang="en-US" dirty="0" smtClean="0">
-                <a:sym typeface="Wingdings" pitchFamily="2" charset="2"/>
-              </a:rPr>
-              <a:t> la </a:t>
-            </a:r>
-            <a:r>
-              <a:rPr lang="en-US" dirty="0" err="1" smtClean="0">
-                <a:sym typeface="Wingdings" pitchFamily="2" charset="2"/>
-              </a:rPr>
-              <a:t>ressource</a:t>
-            </a:r>
-            <a:r>
-              <a:rPr lang="en-US" dirty="0" smtClean="0">
-                <a:sym typeface="Wingdings" pitchFamily="2" charset="2"/>
-              </a:rPr>
-              <a:t> </a:t>
-            </a:r>
-            <a:r>
-              <a:rPr lang="en-US" dirty="0" err="1" smtClean="0">
-                <a:sym typeface="Wingdings" pitchFamily="2" charset="2"/>
-              </a:rPr>
-              <a:t>lumineuse</a:t>
-            </a:r>
-            <a:r>
-              <a:rPr lang="en-US" dirty="0" smtClean="0">
-                <a:sym typeface="Wingdings" pitchFamily="2" charset="2"/>
-              </a:rPr>
-              <a:t> </a:t>
-            </a:r>
-            <a:r>
-              <a:rPr lang="en-US" dirty="0" err="1" smtClean="0">
-                <a:sym typeface="Wingdings" pitchFamily="2" charset="2"/>
-              </a:rPr>
-              <a:t>est</a:t>
-            </a:r>
-            <a:r>
-              <a:rPr lang="en-US" dirty="0" smtClean="0">
-                <a:sym typeface="Wingdings" pitchFamily="2" charset="2"/>
-              </a:rPr>
-              <a:t> </a:t>
-            </a:r>
-            <a:r>
-              <a:rPr lang="en-US" dirty="0" err="1" smtClean="0">
-                <a:sym typeface="Wingdings" pitchFamily="2" charset="2"/>
-              </a:rPr>
-              <a:t>incontrolée</a:t>
-            </a:r>
-            <a:endParaRPr lang="en-US" dirty="0">
-              <a:sym typeface="Wingdings" pitchFamily="2" charset="2"/>
+              <a:rPr lang="en-US" sz="3600" dirty="0" smtClean="0">
+                <a:latin typeface="Times New Roman" pitchFamily="18" charset="0"/>
+                <a:cs typeface="Times New Roman" pitchFamily="18" charset="0"/>
+              </a:rPr>
+              <a:t>Plants resources</a:t>
+            </a:r>
+            <a:endParaRPr lang="en-US" sz="3600" dirty="0">
+              <a:latin typeface="Times New Roman" pitchFamily="18" charset="0"/>
+              <a:cs typeface="Times New Roman" pitchFamily="18" charset="0"/>
             </a:endParaRPr>
-          </a:p>
-          <a:p>
-            <a:pPr marL="285750" indent="-285750">
-              <a:buFont typeface="Wingdings"/>
-              <a:buChar char="à"/>
-            </a:pPr>
-            <a:r>
-              <a:rPr lang="en-US" dirty="0" err="1" smtClean="0"/>
-              <a:t>Monteith</a:t>
-            </a:r>
-            <a:r>
-              <a:rPr lang="en-US" dirty="0" smtClean="0"/>
-              <a:t>:  </a:t>
-            </a:r>
-            <a:r>
-              <a:rPr lang="en-US" dirty="0" err="1" smtClean="0"/>
-              <a:t>décomposition</a:t>
-            </a:r>
-            <a:r>
-              <a:rPr lang="en-US" dirty="0" smtClean="0"/>
-              <a:t> du </a:t>
-            </a:r>
-            <a:r>
-              <a:rPr lang="en-US" dirty="0" err="1" smtClean="0"/>
-              <a:t>rendement</a:t>
-            </a:r>
-            <a:endParaRPr lang="en-US" dirty="0" smtClean="0"/>
-          </a:p>
-          <a:p>
-            <a:endParaRPr lang="en-US" dirty="0" smtClean="0">
-              <a:sym typeface="Wingdings" pitchFamily="2" charset="2"/>
-            </a:endParaRPr>
-          </a:p>
-          <a:p>
-            <a:pPr marL="285750" indent="-285750">
-              <a:buFont typeface="Wingdings"/>
-              <a:buChar char="à"/>
-            </a:pPr>
-            <a:endParaRPr lang="en-US" dirty="0">
-              <a:sym typeface="Wingdings" pitchFamily="2" charset="2"/>
-            </a:endParaRPr>
-          </a:p>
-          <a:p>
-            <a:r>
-              <a:rPr lang="en-US" dirty="0" smtClean="0">
-                <a:sym typeface="Wingdings" pitchFamily="2" charset="2"/>
-              </a:rPr>
-              <a:t>Comment </a:t>
-            </a:r>
-            <a:r>
-              <a:rPr lang="en-US" dirty="0" err="1" smtClean="0">
-                <a:sym typeface="Wingdings" pitchFamily="2" charset="2"/>
-              </a:rPr>
-              <a:t>optimiser</a:t>
-            </a:r>
-            <a:r>
-              <a:rPr lang="en-US" dirty="0" smtClean="0">
-                <a:sym typeface="Wingdings" pitchFamily="2" charset="2"/>
-              </a:rPr>
-              <a:t> la </a:t>
-            </a:r>
-            <a:r>
-              <a:rPr lang="en-US" dirty="0" err="1" smtClean="0">
-                <a:sym typeface="Wingdings" pitchFamily="2" charset="2"/>
-              </a:rPr>
-              <a:t>ressource</a:t>
-            </a:r>
-            <a:r>
-              <a:rPr lang="en-US" dirty="0" smtClean="0">
-                <a:sym typeface="Wingdings" pitchFamily="2" charset="2"/>
-              </a:rPr>
-              <a:t> </a:t>
-            </a:r>
-            <a:r>
-              <a:rPr lang="en-US" dirty="0" err="1" smtClean="0">
-                <a:sym typeface="Wingdings" pitchFamily="2" charset="2"/>
-              </a:rPr>
-              <a:t>lumineuse</a:t>
-            </a:r>
-            <a:r>
-              <a:rPr lang="en-US" dirty="0" smtClean="0">
-                <a:sym typeface="Wingdings" pitchFamily="2" charset="2"/>
-              </a:rPr>
-              <a:t>?</a:t>
-            </a:r>
-          </a:p>
-          <a:p>
-            <a:pPr marL="285750" indent="-285750">
-              <a:buFont typeface="Wingdings"/>
-              <a:buChar char="à"/>
-            </a:pPr>
-            <a:r>
-              <a:rPr lang="en-US" dirty="0" err="1" smtClean="0"/>
-              <a:t>Conduite</a:t>
-            </a:r>
-            <a:r>
-              <a:rPr lang="en-US" dirty="0" smtClean="0"/>
-              <a:t> </a:t>
-            </a:r>
-            <a:r>
-              <a:rPr lang="en-US" dirty="0" err="1" smtClean="0"/>
-              <a:t>culturale</a:t>
-            </a:r>
-            <a:r>
-              <a:rPr lang="en-US" dirty="0" smtClean="0"/>
-              <a:t> + selection </a:t>
-            </a:r>
-            <a:r>
-              <a:rPr lang="en-US" dirty="0" err="1" smtClean="0"/>
-              <a:t>variétiale</a:t>
-            </a:r>
-            <a:endParaRPr lang="en-US" dirty="0" smtClean="0"/>
-          </a:p>
-          <a:p>
-            <a:pPr marL="285750" indent="-285750">
-              <a:buFont typeface="Wingdings"/>
-              <a:buChar char="à"/>
-            </a:pPr>
-            <a:endParaRPr lang="en-US" dirty="0" smtClean="0"/>
-          </a:p>
-          <a:p>
-            <a:pPr marL="285750" indent="-285750">
-              <a:buFont typeface="Wingdings"/>
-              <a:buChar char="à"/>
-            </a:pPr>
-            <a:r>
-              <a:rPr lang="en-US" dirty="0" err="1" smtClean="0"/>
-              <a:t>Exemple</a:t>
-            </a:r>
-            <a:r>
-              <a:rPr lang="en-US" dirty="0" smtClean="0"/>
-              <a:t> de </a:t>
-            </a:r>
-            <a:r>
-              <a:rPr lang="en-US" dirty="0" err="1" smtClean="0"/>
-              <a:t>l’évolution</a:t>
-            </a:r>
-            <a:r>
-              <a:rPr lang="en-US" dirty="0" smtClean="0"/>
-              <a:t> de </a:t>
-            </a:r>
-            <a:r>
-              <a:rPr lang="en-US" dirty="0" err="1" smtClean="0"/>
-              <a:t>l’architecture</a:t>
-            </a:r>
-            <a:r>
-              <a:rPr lang="en-US" dirty="0" smtClean="0"/>
-              <a:t> </a:t>
-            </a:r>
-            <a:r>
-              <a:rPr lang="en-US" dirty="0" err="1" smtClean="0"/>
-              <a:t>arérienne</a:t>
-            </a:r>
-            <a:r>
-              <a:rPr lang="en-US" dirty="0" smtClean="0"/>
-              <a:t> du </a:t>
-            </a:r>
-            <a:r>
-              <a:rPr lang="en-US" dirty="0" err="1" smtClean="0"/>
-              <a:t>riz</a:t>
-            </a:r>
-            <a:r>
-              <a:rPr lang="en-US" dirty="0" smtClean="0"/>
-              <a:t> avec la </a:t>
-            </a:r>
-            <a:r>
-              <a:rPr lang="en-US" dirty="0" err="1" smtClean="0"/>
-              <a:t>sélection</a:t>
-            </a:r>
-            <a:endParaRPr lang="en-US" dirty="0" smtClean="0"/>
-          </a:p>
-          <a:p>
-            <a:pPr marL="285750" indent="-285750">
-              <a:buFont typeface="Wingdings"/>
-              <a:buChar char="à"/>
-            </a:pPr>
-            <a:endParaRPr lang="en-US" dirty="0"/>
-          </a:p>
-          <a:p>
-            <a:endParaRPr lang="en-US" dirty="0" smtClean="0"/>
-          </a:p>
-          <a:p>
-            <a:r>
-              <a:rPr lang="en-US" dirty="0" err="1" smtClean="0"/>
-              <a:t>Déterminisme</a:t>
-            </a:r>
-            <a:r>
-              <a:rPr lang="en-US" dirty="0" smtClean="0"/>
-              <a:t> </a:t>
-            </a:r>
-            <a:r>
-              <a:rPr lang="en-US" dirty="0" err="1" smtClean="0"/>
-              <a:t>génétique</a:t>
-            </a:r>
-            <a:r>
-              <a:rPr lang="en-US" dirty="0" smtClean="0"/>
-              <a:t> de </a:t>
-            </a:r>
-            <a:r>
-              <a:rPr lang="en-US" dirty="0" err="1" smtClean="0"/>
-              <a:t>l’architecture</a:t>
-            </a:r>
-            <a:r>
-              <a:rPr lang="en-US" dirty="0" smtClean="0"/>
-              <a:t> des </a:t>
-            </a:r>
-            <a:r>
-              <a:rPr lang="en-US" dirty="0" err="1" smtClean="0"/>
-              <a:t>plantes</a:t>
-            </a:r>
-            <a:endParaRPr lang="en-US" dirty="0" smtClean="0"/>
-          </a:p>
-          <a:p>
-            <a:endParaRPr lang="en-US" dirty="0"/>
-          </a:p>
-          <a:p>
-            <a:r>
-              <a:rPr lang="en-US" dirty="0" err="1" smtClean="0"/>
-              <a:t>Verrou</a:t>
-            </a:r>
-            <a:r>
-              <a:rPr lang="en-US" dirty="0" smtClean="0"/>
-              <a:t> </a:t>
-            </a:r>
-            <a:r>
-              <a:rPr lang="en-US" dirty="0" err="1" smtClean="0"/>
-              <a:t>méthodologique</a:t>
-            </a:r>
-            <a:r>
-              <a:rPr lang="en-US" dirty="0" smtClean="0"/>
-              <a:t>: </a:t>
-            </a:r>
-            <a:r>
-              <a:rPr lang="en-US" dirty="0" err="1" smtClean="0"/>
-              <a:t>difficulté</a:t>
-            </a:r>
-            <a:r>
-              <a:rPr lang="en-US" dirty="0" smtClean="0"/>
-              <a:t> de </a:t>
-            </a:r>
-            <a:r>
-              <a:rPr lang="en-US" dirty="0" err="1" smtClean="0"/>
-              <a:t>mesurer</a:t>
-            </a:r>
-            <a:r>
-              <a:rPr lang="en-US" dirty="0" smtClean="0"/>
-              <a:t> les relations entre architecture et interception</a:t>
-            </a:r>
-          </a:p>
-          <a:p>
-            <a:r>
-              <a:rPr lang="en-US" dirty="0" smtClean="0">
-                <a:sym typeface="Wingdings" pitchFamily="2" charset="2"/>
-              </a:rPr>
-              <a:t></a:t>
-            </a:r>
-            <a:r>
-              <a:rPr lang="en-US" dirty="0" err="1" smtClean="0"/>
-              <a:t>Mise</a:t>
-            </a:r>
-            <a:r>
-              <a:rPr lang="en-US" dirty="0" smtClean="0"/>
-              <a:t> en place des </a:t>
-            </a:r>
-            <a:r>
-              <a:rPr lang="en-US" dirty="0" err="1" smtClean="0"/>
-              <a:t>essais</a:t>
-            </a:r>
-            <a:endParaRPr lang="en-US" dirty="0" smtClean="0"/>
-          </a:p>
-          <a:p>
-            <a:r>
-              <a:rPr lang="en-US" dirty="0" smtClean="0">
-                <a:sym typeface="Wingdings" pitchFamily="2" charset="2"/>
-              </a:rPr>
-              <a:t> </a:t>
-            </a:r>
-            <a:r>
-              <a:rPr lang="en-US" dirty="0" err="1" smtClean="0">
-                <a:sym typeface="Wingdings" pitchFamily="2" charset="2"/>
-              </a:rPr>
-              <a:t>Utilité</a:t>
-            </a:r>
-            <a:r>
-              <a:rPr lang="en-US" dirty="0" smtClean="0">
-                <a:sym typeface="Wingdings" pitchFamily="2" charset="2"/>
-              </a:rPr>
-              <a:t> de la </a:t>
-            </a:r>
-            <a:r>
-              <a:rPr lang="en-US" dirty="0" err="1" smtClean="0">
-                <a:sym typeface="Wingdings" pitchFamily="2" charset="2"/>
-              </a:rPr>
-              <a:t>modélisation</a:t>
-            </a:r>
-            <a:r>
-              <a:rPr lang="en-US" dirty="0" smtClean="0">
-                <a:sym typeface="Wingdings" pitchFamily="2" charset="2"/>
-              </a:rPr>
-              <a:t> FSPM</a:t>
-            </a:r>
-            <a:endParaRPr lang="en-US" dirty="0" smtClean="0"/>
           </a:p>
         </p:txBody>
       </p:sp>
     </p:spTree>
     <p:extLst>
       <p:ext uri="{BB962C8B-B14F-4D97-AF65-F5344CB8AC3E}">
-        <p14:creationId xmlns:p14="http://schemas.microsoft.com/office/powerpoint/2010/main" val="10959732"/>
+        <p14:creationId xmlns:p14="http://schemas.microsoft.com/office/powerpoint/2010/main" val="1947454487"/>
       </p:ext>
     </p:extLst>
   </p:cSld>
   <p:clrMapOvr>
     <a:masterClrMapping/>
   </p:clrMapOvr>
+  <p:timing>
+    <p:tnLst>
+      <p:par>
+        <p:cTn id="1" dur="indefinite" restart="never" nodeType="tmRoot">
+          <p:childTnLst>
+            <p:seq concurrent="1" nextAc="seek">
+              <p:cTn id="2" dur="indefinite" nodeType="mainSeq">
+                <p:childTnLst>
+                  <p:par>
+                    <p:cTn id="3" fill="hold">
+                      <p:stCondLst>
+                        <p:cond delay="indefinite"/>
+                      </p:stCondLst>
+                      <p:childTnLst>
+                        <p:par>
+                          <p:cTn id="4" fill="hold">
+                            <p:stCondLst>
+                              <p:cond delay="0"/>
+                            </p:stCondLst>
+                            <p:childTnLst>
+                              <p:par>
+                                <p:cTn id="5" presetID="10" presetClass="entr" presetSubtype="0" fill="hold" nodeType="clickEffect">
+                                  <p:stCondLst>
+                                    <p:cond delay="0"/>
+                                  </p:stCondLst>
+                                  <p:childTnLst>
+                                    <p:set>
+                                      <p:cBhvr>
+                                        <p:cTn id="6" dur="1" fill="hold">
+                                          <p:stCondLst>
+                                            <p:cond delay="0"/>
+                                          </p:stCondLst>
+                                        </p:cTn>
+                                        <p:tgtEl>
+                                          <p:spTgt spid="31"/>
+                                        </p:tgtEl>
+                                        <p:attrNameLst>
+                                          <p:attrName>style.visibility</p:attrName>
+                                        </p:attrNameLst>
+                                      </p:cBhvr>
+                                      <p:to>
+                                        <p:strVal val="visible"/>
+                                      </p:to>
+                                    </p:set>
+                                    <p:animEffect transition="in" filter="fade">
+                                      <p:cBhvr>
+                                        <p:cTn id="7" dur="500"/>
+                                        <p:tgtEl>
+                                          <p:spTgt spid="31"/>
+                                        </p:tgtEl>
+                                      </p:cBhvr>
+                                    </p:animEffect>
+                                  </p:childTnLst>
+                                </p:cTn>
+                              </p:par>
+                              <p:par>
+                                <p:cTn id="8" presetID="10" presetClass="entr" presetSubtype="0" fill="hold" nodeType="withEffect">
+                                  <p:stCondLst>
+                                    <p:cond delay="0"/>
+                                  </p:stCondLst>
+                                  <p:childTnLst>
+                                    <p:set>
+                                      <p:cBhvr>
+                                        <p:cTn id="9" dur="1" fill="hold">
+                                          <p:stCondLst>
+                                            <p:cond delay="0"/>
+                                          </p:stCondLst>
+                                        </p:cTn>
+                                        <p:tgtEl>
+                                          <p:spTgt spid="21"/>
+                                        </p:tgtEl>
+                                        <p:attrNameLst>
+                                          <p:attrName>style.visibility</p:attrName>
+                                        </p:attrNameLst>
+                                      </p:cBhvr>
+                                      <p:to>
+                                        <p:strVal val="visible"/>
+                                      </p:to>
+                                    </p:set>
+                                    <p:animEffect transition="in" filter="fade">
+                                      <p:cBhvr>
+                                        <p:cTn id="10" dur="500"/>
+                                        <p:tgtEl>
+                                          <p:spTgt spid="21"/>
+                                        </p:tgtEl>
+                                      </p:cBhvr>
+                                    </p:animEffect>
+                                  </p:childTnLst>
+                                </p:cTn>
+                              </p:par>
+                              <p:par>
+                                <p:cTn id="11" presetID="10" presetClass="entr" presetSubtype="0" fill="hold" nodeType="withEffect">
+                                  <p:stCondLst>
+                                    <p:cond delay="0"/>
+                                  </p:stCondLst>
+                                  <p:childTnLst>
+                                    <p:set>
+                                      <p:cBhvr>
+                                        <p:cTn id="12" dur="1" fill="hold">
+                                          <p:stCondLst>
+                                            <p:cond delay="0"/>
+                                          </p:stCondLst>
+                                        </p:cTn>
+                                        <p:tgtEl>
+                                          <p:spTgt spid="22"/>
+                                        </p:tgtEl>
+                                        <p:attrNameLst>
+                                          <p:attrName>style.visibility</p:attrName>
+                                        </p:attrNameLst>
+                                      </p:cBhvr>
+                                      <p:to>
+                                        <p:strVal val="visible"/>
+                                      </p:to>
+                                    </p:set>
+                                    <p:animEffect transition="in" filter="fade">
+                                      <p:cBhvr>
+                                        <p:cTn id="13" dur="500"/>
+                                        <p:tgtEl>
+                                          <p:spTgt spid="22"/>
+                                        </p:tgtEl>
+                                      </p:cBhvr>
+                                    </p:animEffect>
+                                  </p:childTnLst>
+                                </p:cTn>
+                              </p:par>
+                              <p:par>
+                                <p:cTn id="14" presetID="10" presetClass="entr" presetSubtype="0" fill="hold" nodeType="withEffect">
+                                  <p:stCondLst>
+                                    <p:cond delay="0"/>
+                                  </p:stCondLst>
+                                  <p:childTnLst>
+                                    <p:set>
+                                      <p:cBhvr>
+                                        <p:cTn id="15" dur="1" fill="hold">
+                                          <p:stCondLst>
+                                            <p:cond delay="0"/>
+                                          </p:stCondLst>
+                                        </p:cTn>
+                                        <p:tgtEl>
+                                          <p:spTgt spid="20"/>
+                                        </p:tgtEl>
+                                        <p:attrNameLst>
+                                          <p:attrName>style.visibility</p:attrName>
+                                        </p:attrNameLst>
+                                      </p:cBhvr>
+                                      <p:to>
+                                        <p:strVal val="visible"/>
+                                      </p:to>
+                                    </p:set>
+                                    <p:animEffect transition="in" filter="fade">
+                                      <p:cBhvr>
+                                        <p:cTn id="16" dur="500"/>
+                                        <p:tgtEl>
+                                          <p:spTgt spid="20"/>
+                                        </p:tgtEl>
+                                      </p:cBhvr>
+                                    </p:animEffect>
+                                  </p:childTnLst>
+                                </p:cTn>
+                              </p:par>
+                            </p:childTnLst>
+                          </p:cTn>
+                        </p:par>
+                      </p:childTnLst>
+                    </p:cTn>
+                  </p:par>
+                </p:childTnLst>
+              </p:cTn>
+              <p:prevCondLst>
+                <p:cond evt="onPrev" delay="0">
+                  <p:tgtEl>
+                    <p:sldTgt/>
+                  </p:tgtEl>
+                </p:cond>
+              </p:prevCondLst>
+              <p:nextCondLst>
+                <p:cond evt="onNext" delay="0">
+                  <p:tgtEl>
+                    <p:sldTgt/>
+                  </p:tgtEl>
+                </p:cond>
+              </p:nextCondLst>
+            </p:seq>
+          </p:childTnLst>
+        </p:cTn>
+      </p:par>
+    </p:tnLst>
+  </p:timing>
+</p:sld>
+</file>
+
+<file path=ppt/slides/slide2.xml><?xml version="1.0" encoding="utf-8"?>
+<p:sld xmlns:a="http://schemas.openxmlformats.org/drawingml/2006/main" xmlns:r="http://schemas.openxmlformats.org/officeDocument/2006/relationships" xmlns:p="http://schemas.openxmlformats.org/presentationml/2006/main">
+  <p:cSld>
+    <p:spTree>
+      <p:nvGrpSpPr>
+        <p:cNvPr id="1" name=""/>
+        <p:cNvGrpSpPr/>
+        <p:nvPr/>
+      </p:nvGrpSpPr>
+      <p:grpSpPr>
+        <a:xfrm>
+          <a:off x="0" y="0"/>
+          <a:ext cx="0" cy="0"/>
+          <a:chOff x="0" y="0"/>
+          <a:chExt cx="0" cy="0"/>
+        </a:xfrm>
+      </p:grpSpPr>
+      <p:sp>
+        <p:nvSpPr>
+          <p:cNvPr id="2" name="Titre 1"/>
+          <p:cNvSpPr>
+            <a:spLocks noGrp="1"/>
+          </p:cNvSpPr>
+          <p:nvPr>
+            <p:ph type="title"/>
+          </p:nvPr>
+        </p:nvSpPr>
+        <p:spPr>
+          <a:xfrm>
+            <a:off x="467544" y="-99392"/>
+            <a:ext cx="8229600" cy="1143000"/>
+          </a:xfrm>
+        </p:spPr>
+        <p:txBody>
+          <a:bodyPr>
+            <a:normAutofit/>
+          </a:bodyPr>
+          <a:lstStyle/>
+          <a:p>
+            <a:r>
+              <a:rPr lang="en-US" sz="3600" dirty="0" smtClean="0">
+                <a:latin typeface="Times New Roman" pitchFamily="18" charset="0"/>
+                <a:cs typeface="Times New Roman" pitchFamily="18" charset="0"/>
+              </a:rPr>
+              <a:t>Resources management</a:t>
+            </a:r>
+            <a:endParaRPr lang="en-US" sz="3600" dirty="0">
+              <a:latin typeface="Times New Roman" pitchFamily="18" charset="0"/>
+              <a:cs typeface="Times New Roman" pitchFamily="18" charset="0"/>
+            </a:endParaRPr>
+          </a:p>
+        </p:txBody>
+      </p:sp>
+      <p:sp>
+        <p:nvSpPr>
+          <p:cNvPr id="3" name="Espace réservé du contenu 2"/>
+          <p:cNvSpPr>
+            <a:spLocks noGrp="1"/>
+          </p:cNvSpPr>
+          <p:nvPr>
+            <p:ph idx="1"/>
+          </p:nvPr>
+        </p:nvSpPr>
+        <p:spPr>
+          <a:xfrm>
+            <a:off x="360040" y="1515207"/>
+            <a:ext cx="5050904" cy="781547"/>
+          </a:xfrm>
+        </p:spPr>
+        <p:txBody>
+          <a:bodyPr>
+            <a:normAutofit/>
+          </a:bodyPr>
+          <a:lstStyle/>
+          <a:p>
+            <a:r>
+              <a:rPr lang="en-US" dirty="0" smtClean="0">
+                <a:latin typeface="Times New Roman" pitchFamily="18" charset="0"/>
+                <a:cs typeface="Times New Roman" pitchFamily="18" charset="0"/>
+              </a:rPr>
+              <a:t>Management practices (E)</a:t>
+            </a:r>
+          </a:p>
+        </p:txBody>
+      </p:sp>
+      <p:grpSp>
+        <p:nvGrpSpPr>
+          <p:cNvPr id="7" name="Groupe 6"/>
+          <p:cNvGrpSpPr/>
+          <p:nvPr/>
+        </p:nvGrpSpPr>
+        <p:grpSpPr>
+          <a:xfrm>
+            <a:off x="5292080" y="1196752"/>
+            <a:ext cx="3032771" cy="1520603"/>
+            <a:chOff x="5292080" y="1752934"/>
+            <a:chExt cx="3032771" cy="1520603"/>
+          </a:xfrm>
+        </p:grpSpPr>
+        <p:pic>
+          <p:nvPicPr>
+            <p:cNvPr id="2050" name="Picture 2" descr="Z:\home\perez\Bureau\SECATEUR-PRO-FISKARS.png"/>
+            <p:cNvPicPr>
+              <a:picLocks noChangeAspect="1" noChangeArrowheads="1"/>
+            </p:cNvPicPr>
+            <p:nvPr/>
+          </p:nvPicPr>
+          <p:blipFill>
+            <a:blip r:embed="rId3" cstate="print">
+              <a:extLst>
+                <a:ext uri="{28A0092B-C50C-407E-A947-70E740481C1C}">
+                  <a14:useLocalDpi xmlns:a14="http://schemas.microsoft.com/office/drawing/2010/main" val="0"/>
+                </a:ext>
+              </a:extLst>
+            </a:blip>
+            <a:srcRect/>
+            <a:stretch>
+              <a:fillRect/>
+            </a:stretch>
+          </p:blipFill>
+          <p:spPr bwMode="auto">
+            <a:xfrm>
+              <a:off x="6804248" y="1752934"/>
+              <a:ext cx="1520603" cy="1520603"/>
+            </a:xfrm>
+            <a:prstGeom prst="rect">
+              <a:avLst/>
+            </a:prstGeom>
+            <a:noFill/>
+            <a:extLst>
+              <a:ext uri="{909E8E84-426E-40DD-AFC4-6F175D3DCCD1}">
+                <a14:hiddenFill xmlns:a14="http://schemas.microsoft.com/office/drawing/2010/main">
+                  <a:solidFill>
+                    <a:srgbClr val="FFFFFF"/>
+                  </a:solidFill>
+                </a14:hiddenFill>
+              </a:ext>
+            </a:extLst>
+          </p:spPr>
+        </p:pic>
+        <p:pic>
+          <p:nvPicPr>
+            <p:cNvPr id="2052" name="Picture 4" descr="Z:\home\perez\Bureau\f8e5574b725e601f7c0711d656ba5aef.png"/>
+            <p:cNvPicPr>
+              <a:picLocks noChangeAspect="1" noChangeArrowheads="1"/>
+            </p:cNvPicPr>
+            <p:nvPr/>
+          </p:nvPicPr>
+          <p:blipFill>
+            <a:blip r:embed="rId4" cstate="print">
+              <a:extLst>
+                <a:ext uri="{28A0092B-C50C-407E-A947-70E740481C1C}">
+                  <a14:useLocalDpi xmlns:a14="http://schemas.microsoft.com/office/drawing/2010/main" val="0"/>
+                </a:ext>
+              </a:extLst>
+            </a:blip>
+            <a:srcRect/>
+            <a:stretch>
+              <a:fillRect/>
+            </a:stretch>
+          </p:blipFill>
+          <p:spPr bwMode="auto">
+            <a:xfrm>
+              <a:off x="5292080" y="1772816"/>
+              <a:ext cx="1240392" cy="1500721"/>
+            </a:xfrm>
+            <a:prstGeom prst="rect">
+              <a:avLst/>
+            </a:prstGeom>
+            <a:noFill/>
+            <a:extLst>
+              <a:ext uri="{909E8E84-426E-40DD-AFC4-6F175D3DCCD1}">
+                <a14:hiddenFill xmlns:a14="http://schemas.microsoft.com/office/drawing/2010/main">
+                  <a:solidFill>
+                    <a:srgbClr val="FFFFFF"/>
+                  </a:solidFill>
+                </a14:hiddenFill>
+              </a:ext>
+            </a:extLst>
+          </p:spPr>
+        </p:pic>
+      </p:grpSp>
+      <p:grpSp>
+        <p:nvGrpSpPr>
+          <p:cNvPr id="6" name="Groupe 5"/>
+          <p:cNvGrpSpPr/>
+          <p:nvPr/>
+        </p:nvGrpSpPr>
+        <p:grpSpPr>
+          <a:xfrm>
+            <a:off x="323528" y="3448882"/>
+            <a:ext cx="5292973" cy="1511882"/>
+            <a:chOff x="360040" y="4653136"/>
+            <a:chExt cx="5292973" cy="1511882"/>
+          </a:xfrm>
+        </p:grpSpPr>
+        <p:pic>
+          <p:nvPicPr>
+            <p:cNvPr id="2051" name="Picture 3" descr="Z:\home\perez\Bureau\be418aa15d0c6c9c203e77283434368e.png"/>
+            <p:cNvPicPr>
+              <a:picLocks noChangeAspect="1" noChangeArrowheads="1"/>
+            </p:cNvPicPr>
+            <p:nvPr/>
+          </p:nvPicPr>
+          <p:blipFill>
+            <a:blip r:embed="rId5" cstate="print">
+              <a:extLst>
+                <a:ext uri="{28A0092B-C50C-407E-A947-70E740481C1C}">
+                  <a14:useLocalDpi xmlns:a14="http://schemas.microsoft.com/office/drawing/2010/main" val="0"/>
+                </a:ext>
+              </a:extLst>
+            </a:blip>
+            <a:srcRect/>
+            <a:stretch>
+              <a:fillRect/>
+            </a:stretch>
+          </p:blipFill>
+          <p:spPr bwMode="auto">
+            <a:xfrm>
+              <a:off x="4138040" y="4653136"/>
+              <a:ext cx="1514973" cy="1511882"/>
+            </a:xfrm>
+            <a:prstGeom prst="rect">
+              <a:avLst/>
+            </a:prstGeom>
+            <a:noFill/>
+            <a:extLst>
+              <a:ext uri="{909E8E84-426E-40DD-AFC4-6F175D3DCCD1}">
+                <a14:hiddenFill xmlns:a14="http://schemas.microsoft.com/office/drawing/2010/main">
+                  <a:solidFill>
+                    <a:srgbClr val="FFFFFF"/>
+                  </a:solidFill>
+                </a14:hiddenFill>
+              </a:ext>
+            </a:extLst>
+          </p:spPr>
+        </p:pic>
+        <p:sp>
+          <p:nvSpPr>
+            <p:cNvPr id="5" name="Rectangle 4"/>
+            <p:cNvSpPr/>
+            <p:nvPr/>
+          </p:nvSpPr>
+          <p:spPr>
+            <a:xfrm>
+              <a:off x="360040" y="5004465"/>
+              <a:ext cx="4572000" cy="584775"/>
+            </a:xfrm>
+            <a:prstGeom prst="rect">
+              <a:avLst/>
+            </a:prstGeom>
+          </p:spPr>
+          <p:txBody>
+            <a:bodyPr>
+              <a:spAutoFit/>
+            </a:bodyPr>
+            <a:lstStyle/>
+            <a:p>
+              <a:pPr marL="457200" indent="-457200">
+                <a:buFont typeface="Arial" pitchFamily="34" charset="0"/>
+                <a:buChar char="•"/>
+              </a:pPr>
+              <a:r>
+                <a:rPr lang="en-US" sz="3200" dirty="0">
+                  <a:latin typeface="Times New Roman" pitchFamily="18" charset="0"/>
+                  <a:cs typeface="Times New Roman" pitchFamily="18" charset="0"/>
+                </a:rPr>
+                <a:t>Plant breeding (G</a:t>
+              </a:r>
+              <a:r>
+                <a:rPr lang="en-US" sz="3200" dirty="0" smtClean="0">
+                  <a:latin typeface="Times New Roman" pitchFamily="18" charset="0"/>
+                  <a:cs typeface="Times New Roman" pitchFamily="18" charset="0"/>
+                </a:rPr>
+                <a:t>)</a:t>
+              </a:r>
+              <a:endParaRPr lang="en-US" sz="3200" dirty="0">
+                <a:latin typeface="Times New Roman" pitchFamily="18" charset="0"/>
+                <a:cs typeface="Times New Roman" pitchFamily="18" charset="0"/>
+              </a:endParaRPr>
+            </a:p>
+          </p:txBody>
+        </p:sp>
+      </p:grpSp>
+      <p:sp>
+        <p:nvSpPr>
+          <p:cNvPr id="12" name="Rectangle 11"/>
+          <p:cNvSpPr/>
+          <p:nvPr/>
+        </p:nvSpPr>
+        <p:spPr>
+          <a:xfrm>
+            <a:off x="395535" y="5267695"/>
+            <a:ext cx="8748465" cy="1077218"/>
+          </a:xfrm>
+          <a:prstGeom prst="rect">
+            <a:avLst/>
+          </a:prstGeom>
+        </p:spPr>
+        <p:txBody>
+          <a:bodyPr wrap="square">
+            <a:spAutoFit/>
+          </a:bodyPr>
+          <a:lstStyle/>
+          <a:p>
+            <a:pPr marL="457200" indent="-457200">
+              <a:buFont typeface="Arial" pitchFamily="34" charset="0"/>
+              <a:buChar char="•"/>
+            </a:pPr>
+            <a:r>
+              <a:rPr lang="en-US" sz="3200" dirty="0" smtClean="0">
+                <a:latin typeface="Times New Roman" pitchFamily="18" charset="0"/>
+                <a:cs typeface="Times New Roman" pitchFamily="18" charset="0"/>
+              </a:rPr>
+              <a:t>Interaction between management and breeding (G x E)</a:t>
+            </a:r>
+            <a:endParaRPr lang="en-US" sz="3200" dirty="0">
+              <a:latin typeface="Times New Roman" pitchFamily="18" charset="0"/>
+              <a:cs typeface="Times New Roman" pitchFamily="18" charset="0"/>
+            </a:endParaRPr>
+          </a:p>
+        </p:txBody>
+      </p:sp>
+    </p:spTree>
+    <p:extLst>
+      <p:ext uri="{BB962C8B-B14F-4D97-AF65-F5344CB8AC3E}">
+        <p14:creationId xmlns:p14="http://schemas.microsoft.com/office/powerpoint/2010/main" val="761103814"/>
+      </p:ext>
+    </p:extLst>
+  </p:cSld>
+  <p:clrMapOvr>
+    <a:masterClrMapping/>
+  </p:clrMapOvr>
+  <p:timing>
+    <p:tnLst>
+      <p:par>
+        <p:cTn id="1" dur="indefinite" restart="never" nodeType="tmRoot">
+          <p:childTnLst>
+            <p:seq concurrent="1" nextAc="seek">
+              <p:cTn id="2" dur="indefinite" nodeType="mainSeq">
+                <p:childTnLst>
+                  <p:par>
+                    <p:cTn id="3" fill="hold">
+                      <p:stCondLst>
+                        <p:cond delay="indefinite"/>
+                      </p:stCondLst>
+                      <p:childTnLst>
+                        <p:par>
+                          <p:cTn id="4" fill="hold">
+                            <p:stCondLst>
+                              <p:cond delay="0"/>
+                            </p:stCondLst>
+                            <p:childTnLst>
+                              <p:par>
+                                <p:cTn id="5" presetID="10" presetClass="entr" presetSubtype="0" fill="hold" grpId="0" nodeType="clickEffect">
+                                  <p:stCondLst>
+                                    <p:cond delay="0"/>
+                                  </p:stCondLst>
+                                  <p:childTnLst>
+                                    <p:set>
+                                      <p:cBhvr>
+                                        <p:cTn id="6" dur="1" fill="hold">
+                                          <p:stCondLst>
+                                            <p:cond delay="0"/>
+                                          </p:stCondLst>
+                                        </p:cTn>
+                                        <p:tgtEl>
+                                          <p:spTgt spid="3">
+                                            <p:txEl>
+                                              <p:pRg st="0" end="0"/>
+                                            </p:txEl>
+                                          </p:spTgt>
+                                        </p:tgtEl>
+                                        <p:attrNameLst>
+                                          <p:attrName>style.visibility</p:attrName>
+                                        </p:attrNameLst>
+                                      </p:cBhvr>
+                                      <p:to>
+                                        <p:strVal val="visible"/>
+                                      </p:to>
+                                    </p:set>
+                                    <p:animEffect transition="in" filter="fade">
+                                      <p:cBhvr>
+                                        <p:cTn id="7" dur="500"/>
+                                        <p:tgtEl>
+                                          <p:spTgt spid="3">
+                                            <p:txEl>
+                                              <p:pRg st="0" end="0"/>
+                                            </p:txEl>
+                                          </p:spTgt>
+                                        </p:tgtEl>
+                                      </p:cBhvr>
+                                    </p:animEffect>
+                                  </p:childTnLst>
+                                </p:cTn>
+                              </p:par>
+                              <p:par>
+                                <p:cTn id="8" presetID="10" presetClass="entr" presetSubtype="0" fill="hold" nodeType="withEffect">
+                                  <p:stCondLst>
+                                    <p:cond delay="0"/>
+                                  </p:stCondLst>
+                                  <p:childTnLst>
+                                    <p:set>
+                                      <p:cBhvr>
+                                        <p:cTn id="9" dur="1" fill="hold">
+                                          <p:stCondLst>
+                                            <p:cond delay="0"/>
+                                          </p:stCondLst>
+                                        </p:cTn>
+                                        <p:tgtEl>
+                                          <p:spTgt spid="7"/>
+                                        </p:tgtEl>
+                                        <p:attrNameLst>
+                                          <p:attrName>style.visibility</p:attrName>
+                                        </p:attrNameLst>
+                                      </p:cBhvr>
+                                      <p:to>
+                                        <p:strVal val="visible"/>
+                                      </p:to>
+                                    </p:set>
+                                    <p:animEffect transition="in" filter="fade">
+                                      <p:cBhvr>
+                                        <p:cTn id="10" dur="500"/>
+                                        <p:tgtEl>
+                                          <p:spTgt spid="7"/>
+                                        </p:tgtEl>
+                                      </p:cBhvr>
+                                    </p:animEffect>
+                                  </p:childTnLst>
+                                </p:cTn>
+                              </p:par>
+                            </p:childTnLst>
+                          </p:cTn>
+                        </p:par>
+                      </p:childTnLst>
+                    </p:cTn>
+                  </p:par>
+                  <p:par>
+                    <p:cTn id="11" fill="hold">
+                      <p:stCondLst>
+                        <p:cond delay="indefinite"/>
+                      </p:stCondLst>
+                      <p:childTnLst>
+                        <p:par>
+                          <p:cTn id="12" fill="hold">
+                            <p:stCondLst>
+                              <p:cond delay="0"/>
+                            </p:stCondLst>
+                            <p:childTnLst>
+                              <p:par>
+                                <p:cTn id="13" presetID="10" presetClass="entr" presetSubtype="0" fill="hold" nodeType="clickEffect">
+                                  <p:stCondLst>
+                                    <p:cond delay="0"/>
+                                  </p:stCondLst>
+                                  <p:childTnLst>
+                                    <p:set>
+                                      <p:cBhvr>
+                                        <p:cTn id="14" dur="1" fill="hold">
+                                          <p:stCondLst>
+                                            <p:cond delay="0"/>
+                                          </p:stCondLst>
+                                        </p:cTn>
+                                        <p:tgtEl>
+                                          <p:spTgt spid="6"/>
+                                        </p:tgtEl>
+                                        <p:attrNameLst>
+                                          <p:attrName>style.visibility</p:attrName>
+                                        </p:attrNameLst>
+                                      </p:cBhvr>
+                                      <p:to>
+                                        <p:strVal val="visible"/>
+                                      </p:to>
+                                    </p:set>
+                                    <p:animEffect transition="in" filter="fade">
+                                      <p:cBhvr>
+                                        <p:cTn id="15" dur="500"/>
+                                        <p:tgtEl>
+                                          <p:spTgt spid="6"/>
+                                        </p:tgtEl>
+                                      </p:cBhvr>
+                                    </p:animEffect>
+                                  </p:childTnLst>
+                                </p:cTn>
+                              </p:par>
+                            </p:childTnLst>
+                          </p:cTn>
+                        </p:par>
+                      </p:childTnLst>
+                    </p:cTn>
+                  </p:par>
+                  <p:par>
+                    <p:cTn id="16" fill="hold">
+                      <p:stCondLst>
+                        <p:cond delay="indefinite"/>
+                      </p:stCondLst>
+                      <p:childTnLst>
+                        <p:par>
+                          <p:cTn id="17" fill="hold">
+                            <p:stCondLst>
+                              <p:cond delay="0"/>
+                            </p:stCondLst>
+                            <p:childTnLst>
+                              <p:par>
+                                <p:cTn id="18" presetID="10" presetClass="entr" presetSubtype="0" fill="hold" grpId="0" nodeType="clickEffect">
+                                  <p:stCondLst>
+                                    <p:cond delay="0"/>
+                                  </p:stCondLst>
+                                  <p:childTnLst>
+                                    <p:set>
+                                      <p:cBhvr>
+                                        <p:cTn id="19" dur="1" fill="hold">
+                                          <p:stCondLst>
+                                            <p:cond delay="0"/>
+                                          </p:stCondLst>
+                                        </p:cTn>
+                                        <p:tgtEl>
+                                          <p:spTgt spid="12"/>
+                                        </p:tgtEl>
+                                        <p:attrNameLst>
+                                          <p:attrName>style.visibility</p:attrName>
+                                        </p:attrNameLst>
+                                      </p:cBhvr>
+                                      <p:to>
+                                        <p:strVal val="visible"/>
+                                      </p:to>
+                                    </p:set>
+                                    <p:animEffect transition="in" filter="fade">
+                                      <p:cBhvr>
+                                        <p:cTn id="20" dur="500"/>
+                                        <p:tgtEl>
+                                          <p:spTgt spid="12"/>
+                                        </p:tgtEl>
+                                      </p:cBhvr>
+                                    </p:animEffect>
+                                  </p:childTnLst>
+                                </p:cTn>
+                              </p:par>
+                            </p:childTnLst>
+                          </p:cTn>
+                        </p:par>
+                      </p:childTnLst>
+                    </p:cTn>
+                  </p:par>
+                </p:childTnLst>
+              </p:cTn>
+              <p:prevCondLst>
+                <p:cond evt="onPrev" delay="0">
+                  <p:tgtEl>
+                    <p:sldTgt/>
+                  </p:tgtEl>
+                </p:cond>
+              </p:prevCondLst>
+              <p:nextCondLst>
+                <p:cond evt="onNext" delay="0">
+                  <p:tgtEl>
+                    <p:sldTgt/>
+                  </p:tgtEl>
+                </p:cond>
+              </p:nextCondLst>
+            </p:seq>
+          </p:childTnLst>
+        </p:cTn>
+      </p:par>
+    </p:tnLst>
+    <p:bldLst>
+      <p:bldP spid="3" grpId="0" build="p"/>
+      <p:bldP spid="12" grpId="0"/>
+    </p:bldLst>
+  </p:timing>
+</p:sld>
+</file>
+
+<file path=ppt/slides/slide3.xml><?xml version="1.0" encoding="utf-8"?>
+<p:sld xmlns:a="http://schemas.openxmlformats.org/drawingml/2006/main" xmlns:r="http://schemas.openxmlformats.org/officeDocument/2006/relationships" xmlns:p="http://schemas.openxmlformats.org/presentationml/2006/main">
+  <p:cSld>
+    <p:spTree>
+      <p:nvGrpSpPr>
+        <p:cNvPr id="1" name=""/>
+        <p:cNvGrpSpPr/>
+        <p:nvPr/>
+      </p:nvGrpSpPr>
+      <p:grpSpPr>
+        <a:xfrm>
+          <a:off x="0" y="0"/>
+          <a:ext cx="0" cy="0"/>
+          <a:chOff x="0" y="0"/>
+          <a:chExt cx="0" cy="0"/>
+        </a:xfrm>
+      </p:grpSpPr>
+      <p:sp>
+        <p:nvSpPr>
+          <p:cNvPr id="4" name="Titre 1"/>
+          <p:cNvSpPr>
+            <a:spLocks noGrp="1"/>
+          </p:cNvSpPr>
+          <p:nvPr>
+            <p:ph type="title"/>
+          </p:nvPr>
+        </p:nvSpPr>
+        <p:spPr>
+          <a:xfrm>
+            <a:off x="467544" y="-99392"/>
+            <a:ext cx="8229600" cy="1143000"/>
+          </a:xfrm>
+        </p:spPr>
+        <p:txBody>
+          <a:bodyPr>
+            <a:normAutofit/>
+          </a:bodyPr>
+          <a:lstStyle/>
+          <a:p>
+            <a:r>
+              <a:rPr lang="en-US" sz="3600" dirty="0" smtClean="0">
+                <a:latin typeface="Times New Roman" pitchFamily="18" charset="0"/>
+                <a:cs typeface="Times New Roman" pitchFamily="18" charset="0"/>
+              </a:rPr>
+              <a:t>Light interception &amp; Breeding</a:t>
+            </a:r>
+            <a:endParaRPr lang="en-US" sz="3600" dirty="0">
+              <a:latin typeface="Times New Roman" pitchFamily="18" charset="0"/>
+              <a:cs typeface="Times New Roman" pitchFamily="18" charset="0"/>
+            </a:endParaRPr>
+          </a:p>
+        </p:txBody>
+      </p:sp>
+      <mc:AlternateContent xmlns:mc="http://schemas.openxmlformats.org/markup-compatibility/2006">
+        <mc:Choice xmlns:a14="http://schemas.microsoft.com/office/drawing/2010/main" Requires="a14">
+          <p:sp>
+            <p:nvSpPr>
+              <p:cNvPr id="5" name="ZoneTexte 4"/>
+              <p:cNvSpPr txBox="1"/>
+              <p:nvPr/>
+            </p:nvSpPr>
+            <p:spPr>
+              <a:xfrm>
+                <a:off x="2483768" y="1916832"/>
+                <a:ext cx="5532935" cy="988476"/>
+              </a:xfrm>
+              <a:prstGeom prst="rect">
+                <a:avLst/>
+              </a:prstGeom>
+              <a:noFill/>
+            </p:spPr>
+            <p:txBody>
+              <a:bodyPr wrap="square" rtlCol="0">
+                <a:spAutoFit/>
+              </a:bodyPr>
+              <a:lstStyle/>
+              <a:p>
+                <a:pPr/>
+                <a14:m>
+                  <m:oMathPara xmlns:m="http://schemas.openxmlformats.org/officeDocument/2006/math">
+                    <m:oMathParaPr>
+                      <m:jc m:val="centerGroup"/>
+                    </m:oMathParaPr>
+                    <m:oMath xmlns:m="http://schemas.openxmlformats.org/officeDocument/2006/math">
+                      <m:r>
+                        <a:rPr lang="fr-FR" sz="2400" b="0" i="1" smtClean="0">
+                          <a:latin typeface="Cambria Math"/>
+                        </a:rPr>
+                        <m:t>𝑌𝑖𝑒𝑙𝑑</m:t>
+                      </m:r>
+                      <m:r>
+                        <a:rPr lang="fr-FR" sz="2400" b="0" i="1" smtClean="0">
+                          <a:latin typeface="Cambria Math"/>
+                        </a:rPr>
+                        <m:t>= </m:t>
+                      </m:r>
+                      <m:nary>
+                        <m:naryPr>
+                          <m:chr m:val="∑"/>
+                          <m:supHide m:val="on"/>
+                          <m:ctrlPr>
+                            <a:rPr lang="fr-FR" sz="2400" b="0" i="1" smtClean="0">
+                              <a:latin typeface="Cambria Math"/>
+                            </a:rPr>
+                          </m:ctrlPr>
+                        </m:naryPr>
+                        <m:sub>
+                          <m:r>
+                            <m:rPr>
+                              <m:brk m:alnAt="7"/>
+                            </m:rPr>
+                            <a:rPr lang="fr-FR" sz="2400" b="0" i="1" smtClean="0">
+                              <a:latin typeface="Cambria Math"/>
+                            </a:rPr>
+                            <m:t>𝑡</m:t>
+                          </m:r>
+                        </m:sub>
+                        <m:sup/>
+                        <m:e>
+                          <m:sSub>
+                            <m:sSubPr>
+                              <m:ctrlPr>
+                                <a:rPr lang="el-GR" sz="2400" i="1">
+                                  <a:latin typeface="Cambria Math"/>
+                                </a:rPr>
+                              </m:ctrlPr>
+                            </m:sSubPr>
+                            <m:e>
+                              <m:r>
+                                <a:rPr lang="fr-FR" sz="2400" i="1">
+                                  <a:latin typeface="Cambria Math"/>
+                                </a:rPr>
+                                <m:t>𝑃𝐴𝑅</m:t>
+                              </m:r>
+                              <m:r>
+                                <a:rPr lang="fr-FR" sz="2400" i="1">
+                                  <a:latin typeface="Cambria Math"/>
+                                </a:rPr>
+                                <m:t> . </m:t>
+                              </m:r>
+                              <m:sSub>
+                                <m:sSubPr>
+                                  <m:ctrlPr>
+                                    <a:rPr lang="el-GR" sz="2400" i="1">
+                                      <a:solidFill>
+                                        <a:srgbClr val="FF0000"/>
+                                      </a:solidFill>
+                                      <a:latin typeface="Cambria Math"/>
+                                    </a:rPr>
+                                  </m:ctrlPr>
+                                </m:sSubPr>
+                                <m:e>
+                                  <m:r>
+                                    <m:rPr>
+                                      <m:sty m:val="p"/>
+                                    </m:rPr>
+                                    <a:rPr lang="el-GR" sz="2400" i="1">
+                                      <a:solidFill>
+                                        <a:srgbClr val="FF0000"/>
+                                      </a:solidFill>
+                                      <a:latin typeface="Cambria Math"/>
+                                    </a:rPr>
+                                    <m:t>ε</m:t>
+                                  </m:r>
+                                </m:e>
+                                <m:sub>
+                                  <m:r>
+                                    <a:rPr lang="fr-FR" sz="2400" i="1">
+                                      <a:solidFill>
+                                        <a:srgbClr val="FF0000"/>
+                                      </a:solidFill>
+                                      <a:latin typeface="Cambria Math"/>
+                                    </a:rPr>
+                                    <m:t>𝑖</m:t>
+                                  </m:r>
+                                </m:sub>
+                              </m:sSub>
+                              <m:r>
+                                <a:rPr lang="fr-FR" sz="2400" i="1">
+                                  <a:latin typeface="Cambria Math"/>
+                                </a:rPr>
+                                <m:t>.</m:t>
+                              </m:r>
+                              <m:r>
+                                <m:rPr>
+                                  <m:sty m:val="p"/>
+                                </m:rPr>
+                                <a:rPr lang="el-GR" sz="2400" i="1">
+                                  <a:latin typeface="Cambria Math"/>
+                                </a:rPr>
+                                <m:t>ε</m:t>
+                              </m:r>
+                            </m:e>
+                            <m:sub>
+                              <m:r>
+                                <a:rPr lang="fr-FR" sz="2400" i="1">
+                                  <a:latin typeface="Cambria Math"/>
+                                </a:rPr>
+                                <m:t>𝑏</m:t>
+                              </m:r>
+                            </m:sub>
+                          </m:sSub>
+                          <m:r>
+                            <m:rPr>
+                              <m:nor/>
+                            </m:rPr>
+                            <a:rPr lang="en-US" sz="2400" dirty="0"/>
+                            <m:t> . </m:t>
+                          </m:r>
+                          <m:sSub>
+                            <m:sSubPr>
+                              <m:ctrlPr>
+                                <a:rPr lang="el-GR" sz="2400" i="1">
+                                  <a:latin typeface="Cambria Math"/>
+                                </a:rPr>
+                              </m:ctrlPr>
+                            </m:sSubPr>
+                            <m:e>
+                              <m:r>
+                                <m:rPr>
+                                  <m:sty m:val="p"/>
+                                </m:rPr>
+                                <a:rPr lang="el-GR" sz="2400" i="1">
+                                  <a:latin typeface="Cambria Math"/>
+                                </a:rPr>
+                                <m:t>ε</m:t>
+                              </m:r>
+                            </m:e>
+                            <m:sub>
+                              <m:r>
+                                <a:rPr lang="fr-FR" sz="2400" i="1">
+                                  <a:latin typeface="Cambria Math"/>
+                                </a:rPr>
+                                <m:t>𝑝</m:t>
+                              </m:r>
+                            </m:sub>
+                          </m:sSub>
+                        </m:e>
+                      </m:nary>
+                    </m:oMath>
+                  </m:oMathPara>
+                </a14:m>
+                <a:endParaRPr lang="en-US" sz="2400" dirty="0"/>
+              </a:p>
+            </p:txBody>
+          </p:sp>
+        </mc:Choice>
+        <mc:Fallback>
+          <p:sp>
+            <p:nvSpPr>
+              <p:cNvPr id="5" name="ZoneTexte 4"/>
+              <p:cNvSpPr txBox="1">
+                <a:spLocks noRot="1" noChangeAspect="1" noMove="1" noResize="1" noEditPoints="1" noAdjustHandles="1" noChangeArrowheads="1" noChangeShapeType="1" noTextEdit="1"/>
+              </p:cNvSpPr>
+              <p:nvPr/>
+            </p:nvSpPr>
+            <p:spPr>
+              <a:xfrm>
+                <a:off x="2483768" y="1916832"/>
+                <a:ext cx="5532935" cy="988476"/>
+              </a:xfrm>
+              <a:prstGeom prst="rect">
+                <a:avLst/>
+              </a:prstGeom>
+              <a:blipFill rotWithShape="1">
+                <a:blip r:embed="rId3"/>
+                <a:stretch>
+                  <a:fillRect/>
+                </a:stretch>
+              </a:blipFill>
+            </p:spPr>
+            <p:txBody>
+              <a:bodyPr/>
+              <a:lstStyle/>
+              <a:p>
+                <a:r>
+                  <a:rPr lang="en-US">
+                    <a:noFill/>
+                  </a:rPr>
+                  <a:t> </a:t>
+                </a:r>
+              </a:p>
+            </p:txBody>
+          </p:sp>
+        </mc:Fallback>
+      </mc:AlternateContent>
+      <p:sp>
+        <p:nvSpPr>
+          <p:cNvPr id="6" name="Rectangle 5"/>
+          <p:cNvSpPr/>
+          <p:nvPr/>
+        </p:nvSpPr>
+        <p:spPr>
+          <a:xfrm>
+            <a:off x="539551" y="1412776"/>
+            <a:ext cx="7860057" cy="707886"/>
+          </a:xfrm>
+          <a:prstGeom prst="rect">
+            <a:avLst/>
+          </a:prstGeom>
+        </p:spPr>
+        <p:txBody>
+          <a:bodyPr wrap="square">
+            <a:spAutoFit/>
+          </a:bodyPr>
+          <a:lstStyle/>
+          <a:p>
+            <a:r>
+              <a:rPr lang="fr-FR" sz="2000" dirty="0">
+                <a:latin typeface="Times New Roman" pitchFamily="18" charset="0"/>
+                <a:cs typeface="Times New Roman" pitchFamily="18" charset="0"/>
+              </a:rPr>
+              <a:t>Light interception </a:t>
+            </a:r>
+            <a:r>
+              <a:rPr lang="fr-FR" sz="2000" dirty="0" err="1">
+                <a:latin typeface="Times New Roman" pitchFamily="18" charset="0"/>
+                <a:cs typeface="Times New Roman" pitchFamily="18" charset="0"/>
+              </a:rPr>
+              <a:t>efficiency</a:t>
+            </a:r>
+            <a:r>
+              <a:rPr lang="fr-FR" sz="2000" dirty="0">
+                <a:latin typeface="Times New Roman" pitchFamily="18" charset="0"/>
+                <a:cs typeface="Times New Roman" pitchFamily="18" charset="0"/>
+              </a:rPr>
+              <a:t> (LIE) </a:t>
+            </a:r>
+            <a:r>
+              <a:rPr lang="fr-FR" sz="2000" dirty="0" err="1">
+                <a:latin typeface="Times New Roman" pitchFamily="18" charset="0"/>
+                <a:cs typeface="Times New Roman" pitchFamily="18" charset="0"/>
+              </a:rPr>
+              <a:t>plays</a:t>
+            </a:r>
+            <a:r>
+              <a:rPr lang="fr-FR" sz="2000" dirty="0">
+                <a:latin typeface="Times New Roman" pitchFamily="18" charset="0"/>
+                <a:cs typeface="Times New Roman" pitchFamily="18" charset="0"/>
+              </a:rPr>
+              <a:t> a key </a:t>
+            </a:r>
+            <a:r>
+              <a:rPr lang="fr-FR" sz="2000" dirty="0" err="1">
+                <a:latin typeface="Times New Roman" pitchFamily="18" charset="0"/>
+                <a:cs typeface="Times New Roman" pitchFamily="18" charset="0"/>
+              </a:rPr>
+              <a:t>role</a:t>
+            </a:r>
+            <a:r>
+              <a:rPr lang="fr-FR" sz="2000" dirty="0">
+                <a:latin typeface="Times New Roman" pitchFamily="18" charset="0"/>
+                <a:cs typeface="Times New Roman" pitchFamily="18" charset="0"/>
+              </a:rPr>
+              <a:t> in plant production (</a:t>
+            </a:r>
+            <a:r>
+              <a:rPr lang="fr-FR" sz="2000" dirty="0" err="1">
+                <a:latin typeface="Times New Roman" pitchFamily="18" charset="0"/>
+                <a:cs typeface="Times New Roman" pitchFamily="18" charset="0"/>
+              </a:rPr>
+              <a:t>Monteith</a:t>
+            </a:r>
+            <a:r>
+              <a:rPr lang="fr-FR" sz="2000" dirty="0">
+                <a:latin typeface="Times New Roman" pitchFamily="18" charset="0"/>
+                <a:cs typeface="Times New Roman" pitchFamily="18" charset="0"/>
+              </a:rPr>
+              <a:t>, 1977)</a:t>
+            </a:r>
+          </a:p>
+        </p:txBody>
+      </p:sp>
+      <p:sp>
+        <p:nvSpPr>
+          <p:cNvPr id="7" name="Rectangle 6"/>
+          <p:cNvSpPr/>
+          <p:nvPr/>
+        </p:nvSpPr>
+        <p:spPr>
+          <a:xfrm>
+            <a:off x="304264" y="3140968"/>
+            <a:ext cx="8732232" cy="1492716"/>
+          </a:xfrm>
+          <a:prstGeom prst="rect">
+            <a:avLst/>
+          </a:prstGeom>
+        </p:spPr>
+        <p:txBody>
+          <a:bodyPr wrap="square">
+            <a:spAutoFit/>
+          </a:bodyPr>
+          <a:lstStyle/>
+          <a:p>
+            <a:r>
+              <a:rPr lang="fr-FR" sz="2000" dirty="0">
+                <a:latin typeface="Times New Roman" pitchFamily="18" charset="0"/>
+                <a:cs typeface="Times New Roman" pitchFamily="18" charset="0"/>
+              </a:rPr>
+              <a:t>The optimisation of light interception have been a </a:t>
+            </a:r>
+            <a:r>
+              <a:rPr lang="fr-FR" sz="2000" dirty="0" err="1">
+                <a:latin typeface="Times New Roman" pitchFamily="18" charset="0"/>
+                <a:cs typeface="Times New Roman" pitchFamily="18" charset="0"/>
+              </a:rPr>
+              <a:t>significant</a:t>
+            </a:r>
+            <a:r>
+              <a:rPr lang="fr-FR" sz="2000" dirty="0">
+                <a:latin typeface="Times New Roman" pitchFamily="18" charset="0"/>
+                <a:cs typeface="Times New Roman" pitchFamily="18" charset="0"/>
+              </a:rPr>
+              <a:t> source of </a:t>
+            </a:r>
+            <a:r>
+              <a:rPr lang="fr-FR" sz="2000" dirty="0" err="1">
+                <a:latin typeface="Times New Roman" pitchFamily="18" charset="0"/>
+                <a:cs typeface="Times New Roman" pitchFamily="18" charset="0"/>
+              </a:rPr>
+              <a:t>yield</a:t>
+            </a:r>
+            <a:r>
+              <a:rPr lang="fr-FR" sz="2000" dirty="0">
+                <a:latin typeface="Times New Roman" pitchFamily="18" charset="0"/>
+                <a:cs typeface="Times New Roman" pitchFamily="18" charset="0"/>
+              </a:rPr>
+              <a:t> </a:t>
+            </a:r>
+            <a:r>
+              <a:rPr lang="fr-FR" sz="2000" dirty="0" err="1">
+                <a:latin typeface="Times New Roman" pitchFamily="18" charset="0"/>
+                <a:cs typeface="Times New Roman" pitchFamily="18" charset="0"/>
+              </a:rPr>
+              <a:t>improvement</a:t>
+            </a:r>
+            <a:r>
+              <a:rPr lang="fr-FR" sz="2000" dirty="0">
+                <a:latin typeface="Times New Roman" pitchFamily="18" charset="0"/>
+                <a:cs typeface="Times New Roman" pitchFamily="18" charset="0"/>
+              </a:rPr>
+              <a:t> (</a:t>
+            </a:r>
+            <a:r>
+              <a:rPr lang="fr-FR" sz="2000" dirty="0" err="1">
+                <a:latin typeface="Times New Roman" pitchFamily="18" charset="0"/>
+                <a:cs typeface="Times New Roman" pitchFamily="18" charset="0"/>
+              </a:rPr>
+              <a:t>Khush</a:t>
+            </a:r>
+            <a:r>
+              <a:rPr lang="fr-FR" sz="2000" dirty="0">
+                <a:latin typeface="Times New Roman" pitchFamily="18" charset="0"/>
+                <a:cs typeface="Times New Roman" pitchFamily="18" charset="0"/>
+              </a:rPr>
+              <a:t>, 2001; </a:t>
+            </a:r>
+            <a:r>
+              <a:rPr lang="fr-FR" sz="2000" dirty="0" err="1">
+                <a:latin typeface="Times New Roman" pitchFamily="18" charset="0"/>
+                <a:cs typeface="Times New Roman" pitchFamily="18" charset="0"/>
+              </a:rPr>
+              <a:t>Koester</a:t>
+            </a:r>
+            <a:r>
+              <a:rPr lang="fr-FR" sz="2000" dirty="0">
+                <a:latin typeface="Times New Roman" pitchFamily="18" charset="0"/>
+                <a:cs typeface="Times New Roman" pitchFamily="18" charset="0"/>
+              </a:rPr>
+              <a:t> </a:t>
+            </a:r>
+            <a:r>
+              <a:rPr lang="fr-FR" sz="2000" i="1" dirty="0">
+                <a:latin typeface="Times New Roman" pitchFamily="18" charset="0"/>
+                <a:cs typeface="Times New Roman" pitchFamily="18" charset="0"/>
+              </a:rPr>
+              <a:t>et al</a:t>
+            </a:r>
+            <a:r>
+              <a:rPr lang="fr-FR" sz="2000" dirty="0">
+                <a:latin typeface="Times New Roman" pitchFamily="18" charset="0"/>
+                <a:cs typeface="Times New Roman" pitchFamily="18" charset="0"/>
+              </a:rPr>
+              <a:t>., 2014, </a:t>
+            </a:r>
+            <a:r>
+              <a:rPr lang="fr-FR" sz="2000" dirty="0" err="1">
+                <a:latin typeface="Times New Roman" pitchFamily="18" charset="0"/>
+                <a:cs typeface="Times New Roman" pitchFamily="18" charset="0"/>
+              </a:rPr>
+              <a:t>Dingkhuhn</a:t>
+            </a:r>
+            <a:r>
+              <a:rPr lang="fr-FR" sz="2000" dirty="0">
+                <a:latin typeface="Times New Roman" pitchFamily="18" charset="0"/>
+                <a:cs typeface="Times New Roman" pitchFamily="18" charset="0"/>
+              </a:rPr>
+              <a:t> </a:t>
+            </a:r>
+            <a:r>
+              <a:rPr lang="fr-FR" sz="2000" i="1" dirty="0">
+                <a:latin typeface="Times New Roman" pitchFamily="18" charset="0"/>
+                <a:cs typeface="Times New Roman" pitchFamily="18" charset="0"/>
+              </a:rPr>
+              <a:t>et al</a:t>
+            </a:r>
+            <a:r>
+              <a:rPr lang="fr-FR" sz="2000" dirty="0">
+                <a:latin typeface="Times New Roman" pitchFamily="18" charset="0"/>
+                <a:cs typeface="Times New Roman" pitchFamily="18" charset="0"/>
+              </a:rPr>
+              <a:t>., </a:t>
+            </a:r>
+            <a:r>
+              <a:rPr lang="fr-FR" sz="2000" dirty="0" smtClean="0">
+                <a:latin typeface="Times New Roman" pitchFamily="18" charset="0"/>
+                <a:cs typeface="Times New Roman" pitchFamily="18" charset="0"/>
+              </a:rPr>
+              <a:t>2015)</a:t>
+            </a:r>
+          </a:p>
+          <a:p>
+            <a:endParaRPr lang="fr-FR" sz="1100" dirty="0" smtClean="0">
+              <a:latin typeface="Times New Roman" pitchFamily="18" charset="0"/>
+              <a:cs typeface="Times New Roman" pitchFamily="18" charset="0"/>
+            </a:endParaRPr>
+          </a:p>
+          <a:p>
+            <a:pPr marL="285750" indent="-285750">
+              <a:buFont typeface="Wingdings" pitchFamily="2" charset="2"/>
+              <a:buChar char="Ø"/>
+            </a:pPr>
+            <a:r>
+              <a:rPr lang="fr-FR" sz="2000" dirty="0" smtClean="0">
+                <a:latin typeface="Times New Roman" pitchFamily="18" charset="0"/>
+                <a:cs typeface="Times New Roman" pitchFamily="18" charset="0"/>
+                <a:sym typeface="Wingdings" pitchFamily="2" charset="2"/>
+              </a:rPr>
+              <a:t>Concept </a:t>
+            </a:r>
+            <a:r>
+              <a:rPr lang="fr-FR" sz="2000" dirty="0">
+                <a:latin typeface="Times New Roman" pitchFamily="18" charset="0"/>
+                <a:cs typeface="Times New Roman" pitchFamily="18" charset="0"/>
+                <a:sym typeface="Wingdings" pitchFamily="2" charset="2"/>
+              </a:rPr>
+              <a:t>of</a:t>
+            </a:r>
+            <a:r>
+              <a:rPr lang="fr-FR" sz="2000" b="1" dirty="0">
+                <a:latin typeface="Times New Roman" pitchFamily="18" charset="0"/>
+                <a:cs typeface="Times New Roman" pitchFamily="18" charset="0"/>
+                <a:sym typeface="Wingdings" pitchFamily="2" charset="2"/>
+              </a:rPr>
+              <a:t> </a:t>
+            </a:r>
+            <a:r>
+              <a:rPr lang="fr-FR" sz="2000" b="1" dirty="0" err="1">
+                <a:latin typeface="Times New Roman" pitchFamily="18" charset="0"/>
+                <a:cs typeface="Times New Roman" pitchFamily="18" charset="0"/>
+                <a:sym typeface="Wingdings" pitchFamily="2" charset="2"/>
+              </a:rPr>
+              <a:t>ideotype</a:t>
+            </a:r>
+            <a:r>
+              <a:rPr lang="fr-FR" sz="2000" b="1" dirty="0">
+                <a:latin typeface="Times New Roman" pitchFamily="18" charset="0"/>
+                <a:cs typeface="Times New Roman" pitchFamily="18" charset="0"/>
+                <a:sym typeface="Wingdings" pitchFamily="2" charset="2"/>
+              </a:rPr>
+              <a:t> </a:t>
+            </a:r>
+            <a:r>
+              <a:rPr lang="fr-FR" sz="2000" dirty="0">
+                <a:latin typeface="Times New Roman" pitchFamily="18" charset="0"/>
+                <a:cs typeface="Times New Roman" pitchFamily="18" charset="0"/>
+                <a:sym typeface="Wingdings" pitchFamily="2" charset="2"/>
+              </a:rPr>
+              <a:t>(Donald, 1968) and </a:t>
+            </a:r>
+            <a:r>
+              <a:rPr lang="fr-FR" sz="2000" dirty="0" err="1">
+                <a:latin typeface="Times New Roman" pitchFamily="18" charset="0"/>
+                <a:cs typeface="Times New Roman" pitchFamily="18" charset="0"/>
+                <a:sym typeface="Wingdings" pitchFamily="2" charset="2"/>
+              </a:rPr>
+              <a:t>selection</a:t>
+            </a:r>
+            <a:r>
+              <a:rPr lang="fr-FR" sz="2000" dirty="0">
+                <a:latin typeface="Times New Roman" pitchFamily="18" charset="0"/>
+                <a:cs typeface="Times New Roman" pitchFamily="18" charset="0"/>
+                <a:sym typeface="Wingdings" pitchFamily="2" charset="2"/>
+              </a:rPr>
+              <a:t> of </a:t>
+            </a:r>
+            <a:r>
+              <a:rPr lang="fr-FR" sz="2000" dirty="0" err="1">
+                <a:latin typeface="Times New Roman" pitchFamily="18" charset="0"/>
+                <a:cs typeface="Times New Roman" pitchFamily="18" charset="0"/>
+                <a:sym typeface="Wingdings" pitchFamily="2" charset="2"/>
+              </a:rPr>
+              <a:t>specific</a:t>
+            </a:r>
+            <a:r>
+              <a:rPr lang="fr-FR" sz="2000" dirty="0">
+                <a:latin typeface="Times New Roman" pitchFamily="18" charset="0"/>
+                <a:cs typeface="Times New Roman" pitchFamily="18" charset="0"/>
+                <a:sym typeface="Wingdings" pitchFamily="2" charset="2"/>
+              </a:rPr>
+              <a:t> plant </a:t>
+            </a:r>
+            <a:r>
+              <a:rPr lang="fr-FR" sz="2000" dirty="0" smtClean="0">
+                <a:latin typeface="Times New Roman" pitchFamily="18" charset="0"/>
+                <a:cs typeface="Times New Roman" pitchFamily="18" charset="0"/>
+                <a:sym typeface="Wingdings" pitchFamily="2" charset="2"/>
+              </a:rPr>
+              <a:t>architecture</a:t>
+            </a:r>
+          </a:p>
+          <a:p>
+            <a:r>
+              <a:rPr lang="fr-FR" sz="2000" dirty="0" smtClean="0">
+                <a:latin typeface="Times New Roman" pitchFamily="18" charset="0"/>
+                <a:cs typeface="Times New Roman" pitchFamily="18" charset="0"/>
+                <a:sym typeface="Wingdings" pitchFamily="2" charset="2"/>
+              </a:rPr>
+              <a:t>      (in interaction </a:t>
+            </a:r>
+            <a:r>
+              <a:rPr lang="fr-FR" sz="2000" dirty="0" err="1">
+                <a:latin typeface="Times New Roman" pitchFamily="18" charset="0"/>
+                <a:cs typeface="Times New Roman" pitchFamily="18" charset="0"/>
+                <a:sym typeface="Wingdings" pitchFamily="2" charset="2"/>
+              </a:rPr>
+              <a:t>with</a:t>
+            </a:r>
+            <a:r>
+              <a:rPr lang="fr-FR" sz="2000" dirty="0">
+                <a:latin typeface="Times New Roman" pitchFamily="18" charset="0"/>
+                <a:cs typeface="Times New Roman" pitchFamily="18" charset="0"/>
+                <a:sym typeface="Wingdings" pitchFamily="2" charset="2"/>
+              </a:rPr>
+              <a:t> </a:t>
+            </a:r>
+            <a:r>
+              <a:rPr lang="fr-FR" sz="2000" dirty="0" err="1">
+                <a:latin typeface="Times New Roman" pitchFamily="18" charset="0"/>
+                <a:cs typeface="Times New Roman" pitchFamily="18" charset="0"/>
+                <a:sym typeface="Wingdings" pitchFamily="2" charset="2"/>
+              </a:rPr>
+              <a:t>managment</a:t>
+            </a:r>
+            <a:r>
+              <a:rPr lang="fr-FR" sz="2000" dirty="0">
+                <a:latin typeface="Times New Roman" pitchFamily="18" charset="0"/>
+                <a:cs typeface="Times New Roman" pitchFamily="18" charset="0"/>
+                <a:sym typeface="Wingdings" pitchFamily="2" charset="2"/>
+              </a:rPr>
+              <a:t> practices)</a:t>
+            </a:r>
+            <a:endParaRPr lang="en-US" sz="2000" dirty="0">
+              <a:latin typeface="Times New Roman" pitchFamily="18" charset="0"/>
+              <a:cs typeface="Times New Roman" pitchFamily="18" charset="0"/>
+            </a:endParaRPr>
+          </a:p>
+        </p:txBody>
+      </p:sp>
+      <p:grpSp>
+        <p:nvGrpSpPr>
+          <p:cNvPr id="8" name="Grouper 10"/>
+          <p:cNvGrpSpPr/>
+          <p:nvPr/>
+        </p:nvGrpSpPr>
+        <p:grpSpPr>
+          <a:xfrm>
+            <a:off x="5162626" y="4581128"/>
+            <a:ext cx="3873870" cy="2160240"/>
+            <a:chOff x="246433" y="818086"/>
+            <a:chExt cx="7589540" cy="3886562"/>
+          </a:xfrm>
+        </p:grpSpPr>
+        <p:grpSp>
+          <p:nvGrpSpPr>
+            <p:cNvPr id="9" name="Grouper 7"/>
+            <p:cNvGrpSpPr/>
+            <p:nvPr/>
+          </p:nvGrpSpPr>
+          <p:grpSpPr>
+            <a:xfrm>
+              <a:off x="246433" y="818086"/>
+              <a:ext cx="7589540" cy="3663156"/>
+              <a:chOff x="1119905" y="691086"/>
+              <a:chExt cx="7589540" cy="3663156"/>
+            </a:xfrm>
+          </p:grpSpPr>
+          <p:grpSp>
+            <p:nvGrpSpPr>
+              <p:cNvPr id="11" name="Grouper 3"/>
+              <p:cNvGrpSpPr/>
+              <p:nvPr/>
+            </p:nvGrpSpPr>
+            <p:grpSpPr>
+              <a:xfrm>
+                <a:off x="1119905" y="691086"/>
+                <a:ext cx="7589540" cy="3663156"/>
+                <a:chOff x="748078" y="1054749"/>
+                <a:chExt cx="6368098" cy="3278043"/>
+              </a:xfrm>
+            </p:grpSpPr>
+            <p:grpSp>
+              <p:nvGrpSpPr>
+                <p:cNvPr id="15" name="Grouper 2"/>
+                <p:cNvGrpSpPr/>
+                <p:nvPr/>
+              </p:nvGrpSpPr>
+              <p:grpSpPr>
+                <a:xfrm>
+                  <a:off x="748078" y="1054749"/>
+                  <a:ext cx="6368098" cy="3278043"/>
+                  <a:chOff x="748078" y="1054749"/>
+                  <a:chExt cx="6368098" cy="3278043"/>
+                </a:xfrm>
+              </p:grpSpPr>
+              <p:pic>
+                <p:nvPicPr>
+                  <p:cNvPr id="17" name="Picture 3"/>
+                  <p:cNvPicPr>
+                    <a:picLocks noChangeAspect="1" noChangeArrowheads="1"/>
+                  </p:cNvPicPr>
+                  <p:nvPr/>
+                </p:nvPicPr>
+                <p:blipFill rotWithShape="1">
+                  <a:blip r:embed="rId4" cstate="print">
+                    <a:extLst>
+                      <a:ext uri="{28A0092B-C50C-407E-A947-70E740481C1C}">
+                        <a14:useLocalDpi xmlns:a14="http://schemas.microsoft.com/office/drawing/2010/main" val="0"/>
+                      </a:ext>
+                    </a:extLst>
+                  </a:blip>
+                  <a:srcRect r="26613"/>
+                  <a:stretch/>
+                </p:blipFill>
+                <p:spPr bwMode="auto">
+                  <a:xfrm>
+                    <a:off x="748078" y="1054749"/>
+                    <a:ext cx="4673337" cy="3278043"/>
+                  </a:xfrm>
+                  <a:prstGeom prst="rect">
+                    <a:avLst/>
+                  </a:prstGeom>
+                  <a:noFill/>
+                  <a:ln>
+                    <a:noFill/>
+                  </a:ln>
+                  <a:effectLst/>
+                  <a:extLst>
+                    <a:ext uri="{909E8E84-426E-40DD-AFC4-6F175D3DCCD1}">
+                      <a14:hiddenFill xmlns:a14="http://schemas.microsoft.com/office/drawing/2010/main">
+                        <a:blipFill dpi="0" rotWithShape="0">
+                          <a:blip/>
+                          <a:srcRect/>
+                          <a:stretch>
+                            <a:fillRect/>
+                          </a:stretch>
+                        </a:blipFill>
+                      </a14:hiddenFill>
+                    </a:ext>
+                    <a:ext uri="{91240B29-F687-4F45-9708-019B960494DF}">
+                      <a14:hiddenLine xmlns:a14="http://schemas.microsoft.com/office/drawing/2010/main" w="9525">
+                        <a:solidFill>
+                          <a:srgbClr val="FFFFFF"/>
+                        </a:solidFill>
+                        <a:round/>
+                        <a:headEnd/>
+                        <a:tailEnd/>
+                      </a14:hiddenLine>
+                    </a:ext>
+                    <a:ext uri="{AF507438-7753-43E0-B8FC-AC1667EBCBE1}">
+                      <a14:hiddenEffects xmlns:a14="http://schemas.microsoft.com/office/drawing/2010/main">
+                        <a:effectLst>
+                          <a:outerShdw blurRad="63500" dist="38099" dir="2700000" algn="ctr" rotWithShape="0">
+                            <a:srgbClr val="000000">
+                              <a:alpha val="74998"/>
+                            </a:srgbClr>
+                          </a:outerShdw>
+                        </a:effectLst>
+                      </a14:hiddenEffects>
+                    </a:ext>
+                  </a:extLst>
+                </p:spPr>
+              </p:pic>
+              <p:sp>
+                <p:nvSpPr>
+                  <p:cNvPr id="18" name="Rectangle 17"/>
+                  <p:cNvSpPr/>
+                  <p:nvPr/>
+                </p:nvSpPr>
+                <p:spPr>
+                  <a:xfrm>
+                    <a:off x="5022272" y="2297542"/>
+                    <a:ext cx="2093904" cy="2020455"/>
+                  </a:xfrm>
+                  <a:prstGeom prst="rect">
+                    <a:avLst/>
+                  </a:prstGeom>
+                  <a:solidFill>
+                    <a:schemeClr val="bg1"/>
+                  </a:solidFill>
+                  <a:ln>
+                    <a:solidFill>
+                      <a:schemeClr val="bg1"/>
+                    </a:solidFill>
+                  </a:ln>
+                  <a:effectLst/>
+                </p:spPr>
+                <p:style>
+                  <a:lnRef idx="1">
+                    <a:schemeClr val="accent1"/>
+                  </a:lnRef>
+                  <a:fillRef idx="3">
+                    <a:schemeClr val="accent1"/>
+                  </a:fillRef>
+                  <a:effectRef idx="2">
+                    <a:schemeClr val="accent1"/>
+                  </a:effectRef>
+                  <a:fontRef idx="minor">
+                    <a:schemeClr val="lt1"/>
+                  </a:fontRef>
+                </p:style>
+                <p:txBody>
+                  <a:bodyPr rtlCol="0" anchor="ctr"/>
+                  <a:lstStyle/>
+                  <a:p>
+                    <a:pPr algn="ctr"/>
+                    <a:endParaRPr lang="en-GB" sz="1400"/>
+                  </a:p>
+                </p:txBody>
+              </p:sp>
+            </p:grpSp>
+            <p:sp>
+              <p:nvSpPr>
+                <p:cNvPr id="16" name="Rectangle 15"/>
+                <p:cNvSpPr/>
+                <p:nvPr/>
+              </p:nvSpPr>
+              <p:spPr>
+                <a:xfrm>
+                  <a:off x="1108364" y="3174999"/>
+                  <a:ext cx="3810000" cy="288636"/>
+                </a:xfrm>
+                <a:prstGeom prst="rect">
+                  <a:avLst/>
+                </a:prstGeom>
+                <a:solidFill>
+                  <a:schemeClr val="bg1"/>
+                </a:solidFill>
+                <a:ln>
+                  <a:solidFill>
+                    <a:schemeClr val="bg1"/>
+                  </a:solidFill>
+                </a:ln>
+                <a:effectLst/>
+              </p:spPr>
+              <p:style>
+                <a:lnRef idx="1">
+                  <a:schemeClr val="accent1"/>
+                </a:lnRef>
+                <a:fillRef idx="3">
+                  <a:schemeClr val="accent1"/>
+                </a:fillRef>
+                <a:effectRef idx="2">
+                  <a:schemeClr val="accent1"/>
+                </a:effectRef>
+                <a:fontRef idx="minor">
+                  <a:schemeClr val="lt1"/>
+                </a:fontRef>
+              </p:style>
+              <p:txBody>
+                <a:bodyPr rtlCol="0" anchor="ctr"/>
+                <a:lstStyle/>
+                <a:p>
+                  <a:pPr algn="ctr"/>
+                  <a:endParaRPr lang="en-GB" sz="1400"/>
+                </a:p>
+              </p:txBody>
+            </p:sp>
+          </p:grpSp>
+          <p:sp>
+            <p:nvSpPr>
+              <p:cNvPr id="12" name="Rectangle 11"/>
+              <p:cNvSpPr/>
+              <p:nvPr/>
+            </p:nvSpPr>
+            <p:spPr>
+              <a:xfrm>
+                <a:off x="1402629" y="3060428"/>
+                <a:ext cx="1703100" cy="682796"/>
+              </a:xfrm>
+              <a:prstGeom prst="rect">
+                <a:avLst/>
+              </a:prstGeom>
+            </p:spPr>
+            <p:txBody>
+              <a:bodyPr wrap="square">
+                <a:spAutoFit/>
+              </a:bodyPr>
+              <a:lstStyle/>
+              <a:p>
+                <a:pPr algn="ctr"/>
+                <a:r>
+                  <a:rPr lang="en-GB" sz="1100" dirty="0" smtClean="0">
+                    <a:latin typeface="Times New Roman"/>
+                    <a:cs typeface="Times New Roman"/>
+                  </a:rPr>
+                  <a:t>(a) Traditional plant type</a:t>
+                </a:r>
+                <a:endParaRPr lang="en-GB" sz="1100" dirty="0">
+                  <a:latin typeface="Times New Roman"/>
+                  <a:cs typeface="Times New Roman"/>
+                </a:endParaRPr>
+              </a:p>
+            </p:txBody>
+          </p:sp>
+          <p:sp>
+            <p:nvSpPr>
+              <p:cNvPr id="13" name="Rectangle 12"/>
+              <p:cNvSpPr/>
+              <p:nvPr/>
+            </p:nvSpPr>
+            <p:spPr>
+              <a:xfrm>
+                <a:off x="3308038" y="3075242"/>
+                <a:ext cx="1811429" cy="682796"/>
+              </a:xfrm>
+              <a:prstGeom prst="rect">
+                <a:avLst/>
+              </a:prstGeom>
+            </p:spPr>
+            <p:txBody>
+              <a:bodyPr wrap="none">
+                <a:spAutoFit/>
+              </a:bodyPr>
+              <a:lstStyle/>
+              <a:p>
+                <a:pPr algn="ctr"/>
+                <a:r>
+                  <a:rPr lang="en-GB" sz="1100" dirty="0" smtClean="0">
+                    <a:latin typeface="Times New Roman"/>
+                    <a:cs typeface="Times New Roman"/>
+                  </a:rPr>
+                  <a:t>(b) Semi </a:t>
+                </a:r>
+                <a:r>
+                  <a:rPr lang="en-GB" sz="1100" dirty="0">
+                    <a:latin typeface="Times New Roman"/>
+                    <a:cs typeface="Times New Roman"/>
+                  </a:rPr>
+                  <a:t>dwarf </a:t>
+                </a:r>
+                <a:endParaRPr lang="en-GB" sz="1100" dirty="0" smtClean="0">
+                  <a:latin typeface="Times New Roman"/>
+                  <a:cs typeface="Times New Roman"/>
+                </a:endParaRPr>
+              </a:p>
+              <a:p>
+                <a:pPr algn="ctr"/>
+                <a:r>
+                  <a:rPr lang="en-GB" sz="1100" dirty="0" smtClean="0">
+                    <a:latin typeface="Times New Roman"/>
+                    <a:cs typeface="Times New Roman"/>
+                  </a:rPr>
+                  <a:t>plant type</a:t>
+                </a:r>
+                <a:endParaRPr lang="en-GB" sz="1100" dirty="0">
+                  <a:latin typeface="Times New Roman"/>
+                  <a:cs typeface="Times New Roman"/>
+                </a:endParaRPr>
+              </a:p>
+            </p:txBody>
+          </p:sp>
+          <p:sp>
+            <p:nvSpPr>
+              <p:cNvPr id="14" name="Rectangle 13"/>
+              <p:cNvSpPr/>
+              <p:nvPr/>
+            </p:nvSpPr>
+            <p:spPr>
+              <a:xfrm>
+                <a:off x="4906860" y="3076126"/>
+                <a:ext cx="2090652" cy="682796"/>
+              </a:xfrm>
+              <a:prstGeom prst="rect">
+                <a:avLst/>
+              </a:prstGeom>
+            </p:spPr>
+            <p:txBody>
+              <a:bodyPr wrap="none">
+                <a:spAutoFit/>
+              </a:bodyPr>
+              <a:lstStyle/>
+              <a:p>
+                <a:pPr algn="ctr"/>
+                <a:r>
+                  <a:rPr lang="en-GB" sz="1100" dirty="0">
+                    <a:latin typeface="Times New Roman"/>
+                    <a:cs typeface="Times New Roman"/>
+                  </a:rPr>
+                  <a:t>(c) New plant </a:t>
+                </a:r>
+                <a:r>
+                  <a:rPr lang="en-GB" sz="1100" dirty="0" smtClean="0">
+                    <a:latin typeface="Times New Roman"/>
+                    <a:cs typeface="Times New Roman"/>
+                  </a:rPr>
+                  <a:t>type</a:t>
+                </a:r>
+              </a:p>
+              <a:p>
+                <a:pPr algn="ctr"/>
+                <a:r>
+                  <a:rPr lang="en-GB" sz="1100" dirty="0" smtClean="0">
+                    <a:latin typeface="Times New Roman"/>
+                    <a:cs typeface="Times New Roman"/>
+                  </a:rPr>
+                  <a:t>1990’s</a:t>
+                </a:r>
+                <a:endParaRPr lang="en-GB" sz="1100" dirty="0">
+                  <a:latin typeface="Times New Roman"/>
+                  <a:cs typeface="Times New Roman"/>
+                </a:endParaRPr>
+              </a:p>
+            </p:txBody>
+          </p:sp>
+        </p:grpSp>
+        <p:sp>
+          <p:nvSpPr>
+            <p:cNvPr id="10" name="Text Box 4"/>
+            <p:cNvSpPr txBox="1">
+              <a:spLocks noChangeArrowheads="1"/>
+            </p:cNvSpPr>
+            <p:nvPr/>
+          </p:nvSpPr>
+          <p:spPr bwMode="auto">
+            <a:xfrm>
+              <a:off x="2136373" y="4190900"/>
+              <a:ext cx="3935608" cy="513748"/>
+            </a:xfrm>
+            <a:prstGeom prst="rect">
+              <a:avLst/>
+            </a:prstGeom>
+            <a:noFill/>
+            <a:ln>
+              <a:noFill/>
+            </a:ln>
+            <a:effectLst/>
+            <a:extLst>
+              <a:ext uri="{909E8E84-426E-40DD-AFC4-6F175D3DCCD1}">
+                <a14:hiddenFill xmlns:a14="http://schemas.microsoft.com/office/drawing/2010/main">
+                  <a:solidFill>
+                    <a:srgbClr val="FFFFFF"/>
+                  </a:solidFill>
+                </a14:hiddenFill>
+              </a:ext>
+              <a:ext uri="{91240B29-F687-4F45-9708-019B960494DF}">
+                <a14:hiddenLine xmlns:a14="http://schemas.microsoft.com/office/drawing/2010/main" w="9525">
+                  <a:solidFill>
+                    <a:srgbClr val="FFFFFF"/>
+                  </a:solidFill>
+                  <a:round/>
+                  <a:headEnd/>
+                  <a:tailEnd/>
+                </a14:hiddenLine>
+              </a:ext>
+              <a:ext uri="{AF507438-7753-43E0-B8FC-AC1667EBCBE1}">
+                <a14:hiddenEffects xmlns:a14="http://schemas.microsoft.com/office/drawing/2010/main">
+                  <a:effectLst>
+                    <a:outerShdw blurRad="63500" dist="38099" dir="2700000" algn="ctr" rotWithShape="0">
+                      <a:srgbClr val="000000">
+                        <a:alpha val="74998"/>
+                      </a:srgbClr>
+                    </a:outerShdw>
+                  </a:effectLst>
+                </a14:hiddenEffects>
+              </a:ext>
+            </a:extLst>
+          </p:spPr>
+          <p:txBody>
+            <a:bodyPr lIns="0" tIns="0" rIns="0" bIns="0"/>
+            <a:lstStyle>
+              <a:lvl1pPr>
+                <a:tabLst>
+                  <a:tab pos="723900" algn="l"/>
+                  <a:tab pos="1447800" algn="l"/>
+                  <a:tab pos="2171700" algn="l"/>
+                  <a:tab pos="2895600" algn="l"/>
+                  <a:tab pos="3619500" algn="l"/>
+                </a:tabLst>
+                <a:defRPr sz="2400">
+                  <a:solidFill>
+                    <a:srgbClr val="000000"/>
+                  </a:solidFill>
+                  <a:latin typeface="Times New Roman" charset="0"/>
+                  <a:ea typeface="ＭＳ Ｐゴシック" charset="0"/>
+                  <a:cs typeface="msgothic" charset="0"/>
+                </a:defRPr>
+              </a:lvl1pPr>
+              <a:lvl2pPr>
+                <a:tabLst>
+                  <a:tab pos="723900" algn="l"/>
+                  <a:tab pos="1447800" algn="l"/>
+                  <a:tab pos="2171700" algn="l"/>
+                  <a:tab pos="2895600" algn="l"/>
+                  <a:tab pos="3619500" algn="l"/>
+                </a:tabLst>
+                <a:defRPr sz="2400">
+                  <a:solidFill>
+                    <a:srgbClr val="000000"/>
+                  </a:solidFill>
+                  <a:latin typeface="Times New Roman" charset="0"/>
+                  <a:ea typeface="ＭＳ Ｐゴシック" charset="0"/>
+                  <a:cs typeface="msgothic" charset="0"/>
+                </a:defRPr>
+              </a:lvl2pPr>
+              <a:lvl3pPr>
+                <a:tabLst>
+                  <a:tab pos="723900" algn="l"/>
+                  <a:tab pos="1447800" algn="l"/>
+                  <a:tab pos="2171700" algn="l"/>
+                  <a:tab pos="2895600" algn="l"/>
+                  <a:tab pos="3619500" algn="l"/>
+                </a:tabLst>
+                <a:defRPr sz="2400">
+                  <a:solidFill>
+                    <a:srgbClr val="000000"/>
+                  </a:solidFill>
+                  <a:latin typeface="Times New Roman" charset="0"/>
+                  <a:ea typeface="ＭＳ Ｐゴシック" charset="0"/>
+                  <a:cs typeface="msgothic" charset="0"/>
+                </a:defRPr>
+              </a:lvl3pPr>
+              <a:lvl4pPr>
+                <a:tabLst>
+                  <a:tab pos="723900" algn="l"/>
+                  <a:tab pos="1447800" algn="l"/>
+                  <a:tab pos="2171700" algn="l"/>
+                  <a:tab pos="2895600" algn="l"/>
+                  <a:tab pos="3619500" algn="l"/>
+                </a:tabLst>
+                <a:defRPr sz="2400">
+                  <a:solidFill>
+                    <a:srgbClr val="000000"/>
+                  </a:solidFill>
+                  <a:latin typeface="Times New Roman" charset="0"/>
+                  <a:ea typeface="ＭＳ Ｐゴシック" charset="0"/>
+                  <a:cs typeface="msgothic" charset="0"/>
+                </a:defRPr>
+              </a:lvl4pPr>
+              <a:lvl5pPr>
+                <a:tabLst>
+                  <a:tab pos="723900" algn="l"/>
+                  <a:tab pos="1447800" algn="l"/>
+                  <a:tab pos="2171700" algn="l"/>
+                  <a:tab pos="2895600" algn="l"/>
+                  <a:tab pos="3619500" algn="l"/>
+                </a:tabLst>
+                <a:defRPr sz="2400">
+                  <a:solidFill>
+                    <a:srgbClr val="000000"/>
+                  </a:solidFill>
+                  <a:latin typeface="Times New Roman" charset="0"/>
+                  <a:ea typeface="ＭＳ Ｐゴシック" charset="0"/>
+                  <a:cs typeface="msgothic" charset="0"/>
+                </a:defRPr>
+              </a:lvl5pPr>
+              <a:lvl6pPr marL="1536700" indent="-215900" fontAlgn="base" hangingPunct="0">
+                <a:lnSpc>
+                  <a:spcPct val="93000"/>
+                </a:lnSpc>
+                <a:spcBef>
+                  <a:spcPct val="0"/>
+                </a:spcBef>
+                <a:spcAft>
+                  <a:spcPct val="0"/>
+                </a:spcAft>
+                <a:buClr>
+                  <a:srgbClr val="000000"/>
+                </a:buClr>
+                <a:buSzPct val="45000"/>
+                <a:buFont typeface="Wingdings" charset="0"/>
+                <a:tabLst>
+                  <a:tab pos="723900" algn="l"/>
+                  <a:tab pos="1447800" algn="l"/>
+                  <a:tab pos="2171700" algn="l"/>
+                  <a:tab pos="2895600" algn="l"/>
+                  <a:tab pos="3619500" algn="l"/>
+                </a:tabLst>
+                <a:defRPr sz="2400">
+                  <a:solidFill>
+                    <a:srgbClr val="000000"/>
+                  </a:solidFill>
+                  <a:latin typeface="Times New Roman" charset="0"/>
+                  <a:ea typeface="ＭＳ Ｐゴシック" charset="0"/>
+                  <a:cs typeface="msgothic" charset="0"/>
+                </a:defRPr>
+              </a:lvl6pPr>
+              <a:lvl7pPr marL="1993900" indent="-215900" fontAlgn="base" hangingPunct="0">
+                <a:lnSpc>
+                  <a:spcPct val="93000"/>
+                </a:lnSpc>
+                <a:spcBef>
+                  <a:spcPct val="0"/>
+                </a:spcBef>
+                <a:spcAft>
+                  <a:spcPct val="0"/>
+                </a:spcAft>
+                <a:buClr>
+                  <a:srgbClr val="000000"/>
+                </a:buClr>
+                <a:buSzPct val="45000"/>
+                <a:buFont typeface="Wingdings" charset="0"/>
+                <a:tabLst>
+                  <a:tab pos="723900" algn="l"/>
+                  <a:tab pos="1447800" algn="l"/>
+                  <a:tab pos="2171700" algn="l"/>
+                  <a:tab pos="2895600" algn="l"/>
+                  <a:tab pos="3619500" algn="l"/>
+                </a:tabLst>
+                <a:defRPr sz="2400">
+                  <a:solidFill>
+                    <a:srgbClr val="000000"/>
+                  </a:solidFill>
+                  <a:latin typeface="Times New Roman" charset="0"/>
+                  <a:ea typeface="ＭＳ Ｐゴシック" charset="0"/>
+                  <a:cs typeface="msgothic" charset="0"/>
+                </a:defRPr>
+              </a:lvl7pPr>
+              <a:lvl8pPr marL="2451100" indent="-215900" fontAlgn="base" hangingPunct="0">
+                <a:lnSpc>
+                  <a:spcPct val="93000"/>
+                </a:lnSpc>
+                <a:spcBef>
+                  <a:spcPct val="0"/>
+                </a:spcBef>
+                <a:spcAft>
+                  <a:spcPct val="0"/>
+                </a:spcAft>
+                <a:buClr>
+                  <a:srgbClr val="000000"/>
+                </a:buClr>
+                <a:buSzPct val="45000"/>
+                <a:buFont typeface="Wingdings" charset="0"/>
+                <a:tabLst>
+                  <a:tab pos="723900" algn="l"/>
+                  <a:tab pos="1447800" algn="l"/>
+                  <a:tab pos="2171700" algn="l"/>
+                  <a:tab pos="2895600" algn="l"/>
+                  <a:tab pos="3619500" algn="l"/>
+                </a:tabLst>
+                <a:defRPr sz="2400">
+                  <a:solidFill>
+                    <a:srgbClr val="000000"/>
+                  </a:solidFill>
+                  <a:latin typeface="Times New Roman" charset="0"/>
+                  <a:ea typeface="ＭＳ Ｐゴシック" charset="0"/>
+                  <a:cs typeface="msgothic" charset="0"/>
+                </a:defRPr>
+              </a:lvl8pPr>
+              <a:lvl9pPr marL="2908300" indent="-215900" fontAlgn="base" hangingPunct="0">
+                <a:lnSpc>
+                  <a:spcPct val="93000"/>
+                </a:lnSpc>
+                <a:spcBef>
+                  <a:spcPct val="0"/>
+                </a:spcBef>
+                <a:spcAft>
+                  <a:spcPct val="0"/>
+                </a:spcAft>
+                <a:buClr>
+                  <a:srgbClr val="000000"/>
+                </a:buClr>
+                <a:buSzPct val="45000"/>
+                <a:buFont typeface="Wingdings" charset="0"/>
+                <a:tabLst>
+                  <a:tab pos="723900" algn="l"/>
+                  <a:tab pos="1447800" algn="l"/>
+                  <a:tab pos="2171700" algn="l"/>
+                  <a:tab pos="2895600" algn="l"/>
+                  <a:tab pos="3619500" algn="l"/>
+                </a:tabLst>
+                <a:defRPr sz="2400">
+                  <a:solidFill>
+                    <a:srgbClr val="000000"/>
+                  </a:solidFill>
+                  <a:latin typeface="Times New Roman" charset="0"/>
+                  <a:ea typeface="ＭＳ Ｐゴシック" charset="0"/>
+                  <a:cs typeface="msgothic" charset="0"/>
+                </a:defRPr>
+              </a:lvl9pPr>
+            </a:lstStyle>
+            <a:p>
+              <a:r>
+                <a:rPr lang="en-GB" sz="1050" dirty="0" smtClean="0">
+                  <a:latin typeface="Times New Roman"/>
+                  <a:cs typeface="Times New Roman"/>
+                </a:rPr>
+                <a:t>               	R</a:t>
+              </a:r>
+              <a:r>
+                <a:rPr lang="en-GB" sz="1050" dirty="0">
+                  <a:latin typeface="Times New Roman"/>
+                  <a:cs typeface="Times New Roman"/>
+                </a:rPr>
+                <a:t>. P. </a:t>
+              </a:r>
+              <a:r>
+                <a:rPr lang="en-GB" sz="1050" dirty="0" err="1">
+                  <a:latin typeface="Times New Roman"/>
+                  <a:cs typeface="Times New Roman"/>
+                </a:rPr>
+                <a:t>Rötter</a:t>
+              </a:r>
+              <a:r>
+                <a:rPr lang="en-GB" sz="1050" dirty="0">
+                  <a:latin typeface="Times New Roman"/>
+                  <a:cs typeface="Times New Roman"/>
+                </a:rPr>
+                <a:t> </a:t>
+              </a:r>
+              <a:r>
+                <a:rPr lang="en-GB" sz="1050" i="1" dirty="0">
+                  <a:latin typeface="Times New Roman"/>
+                  <a:cs typeface="Times New Roman"/>
+                </a:rPr>
+                <a:t>et </a:t>
+              </a:r>
+              <a:r>
+                <a:rPr lang="en-GB" sz="1050" i="1" dirty="0" smtClean="0">
+                  <a:latin typeface="Times New Roman"/>
+                  <a:cs typeface="Times New Roman"/>
+                </a:rPr>
+                <a:t>al.</a:t>
+              </a:r>
+              <a:r>
+                <a:rPr lang="en-GB" sz="1050" dirty="0" smtClean="0">
+                  <a:latin typeface="Times New Roman"/>
+                  <a:cs typeface="Times New Roman"/>
+                </a:rPr>
+                <a:t>, 2015</a:t>
+              </a:r>
+              <a:endParaRPr lang="en-GB" sz="1050" dirty="0">
+                <a:latin typeface="Times New Roman"/>
+                <a:cs typeface="Times New Roman"/>
+              </a:endParaRPr>
+            </a:p>
+          </p:txBody>
+        </p:sp>
+      </p:grpSp>
+    </p:spTree>
+    <p:extLst>
+      <p:ext uri="{BB962C8B-B14F-4D97-AF65-F5344CB8AC3E}">
+        <p14:creationId xmlns:p14="http://schemas.microsoft.com/office/powerpoint/2010/main" val="1683469429"/>
+      </p:ext>
+    </p:extLst>
+  </p:cSld>
+  <p:clrMapOvr>
+    <a:masterClrMapping/>
+  </p:clrMapOvr>
+  <p:timing>
+    <p:tnLst>
+      <p:par>
+        <p:cTn id="1" dur="indefinite" restart="never" nodeType="tmRoot">
+          <p:childTnLst>
+            <p:seq concurrent="1" nextAc="seek">
+              <p:cTn id="2" dur="indefinite" nodeType="mainSeq">
+                <p:childTnLst>
+                  <p:par>
+                    <p:cTn id="3" fill="hold">
+                      <p:stCondLst>
+                        <p:cond delay="indefinite"/>
+                      </p:stCondLst>
+                      <p:childTnLst>
+                        <p:par>
+                          <p:cTn id="4" fill="hold">
+                            <p:stCondLst>
+                              <p:cond delay="0"/>
+                            </p:stCondLst>
+                            <p:childTnLst>
+                              <p:par>
+                                <p:cTn id="5" presetID="1" presetClass="entr" presetSubtype="0" fill="hold" grpId="0" nodeType="clickEffect">
+                                  <p:stCondLst>
+                                    <p:cond delay="0"/>
+                                  </p:stCondLst>
+                                  <p:childTnLst>
+                                    <p:set>
+                                      <p:cBhvr>
+                                        <p:cTn id="6" dur="1" fill="hold">
+                                          <p:stCondLst>
+                                            <p:cond delay="0"/>
+                                          </p:stCondLst>
+                                        </p:cTn>
+                                        <p:tgtEl>
+                                          <p:spTgt spid="7"/>
+                                        </p:tgtEl>
+                                        <p:attrNameLst>
+                                          <p:attrName>style.visibility</p:attrName>
+                                        </p:attrNameLst>
+                                      </p:cBhvr>
+                                      <p:to>
+                                        <p:strVal val="visible"/>
+                                      </p:to>
+                                    </p:set>
+                                  </p:childTnLst>
+                                </p:cTn>
+                              </p:par>
+                              <p:par>
+                                <p:cTn id="7" presetID="1" presetClass="entr" presetSubtype="0" fill="hold" nodeType="withEffect">
+                                  <p:stCondLst>
+                                    <p:cond delay="0"/>
+                                  </p:stCondLst>
+                                  <p:childTnLst>
+                                    <p:set>
+                                      <p:cBhvr>
+                                        <p:cTn id="8" dur="1" fill="hold">
+                                          <p:stCondLst>
+                                            <p:cond delay="0"/>
+                                          </p:stCondLst>
+                                        </p:cTn>
+                                        <p:tgtEl>
+                                          <p:spTgt spid="8"/>
+                                        </p:tgtEl>
+                                        <p:attrNameLst>
+                                          <p:attrName>style.visibility</p:attrName>
+                                        </p:attrNameLst>
+                                      </p:cBhvr>
+                                      <p:to>
+                                        <p:strVal val="visible"/>
+                                      </p:to>
+                                    </p:set>
+                                  </p:childTnLst>
+                                </p:cTn>
+                              </p:par>
+                            </p:childTnLst>
+                          </p:cTn>
+                        </p:par>
+                      </p:childTnLst>
+                    </p:cTn>
+                  </p:par>
+                </p:childTnLst>
+              </p:cTn>
+              <p:prevCondLst>
+                <p:cond evt="onPrev" delay="0">
+                  <p:tgtEl>
+                    <p:sldTgt/>
+                  </p:tgtEl>
+                </p:cond>
+              </p:prevCondLst>
+              <p:nextCondLst>
+                <p:cond evt="onNext" delay="0">
+                  <p:tgtEl>
+                    <p:sldTgt/>
+                  </p:tgtEl>
+                </p:cond>
+              </p:nextCondLst>
+            </p:seq>
+          </p:childTnLst>
+        </p:cTn>
+      </p:par>
+    </p:tnLst>
+    <p:bldLst>
+      <p:bldP spid="7" grpId="0"/>
+    </p:bldLst>
+  </p:timing>
+</p:sld>
+</file>
+
+<file path=ppt/slides/slide4.xml><?xml version="1.0" encoding="utf-8"?>
+<p:sld xmlns:a="http://schemas.openxmlformats.org/drawingml/2006/main" xmlns:r="http://schemas.openxmlformats.org/officeDocument/2006/relationships" xmlns:p="http://schemas.openxmlformats.org/presentationml/2006/main">
+  <p:cSld>
+    <p:spTree>
+      <p:nvGrpSpPr>
+        <p:cNvPr id="1" name=""/>
+        <p:cNvGrpSpPr/>
+        <p:nvPr/>
+      </p:nvGrpSpPr>
+      <p:grpSpPr>
+        <a:xfrm>
+          <a:off x="0" y="0"/>
+          <a:ext cx="0" cy="0"/>
+          <a:chOff x="0" y="0"/>
+          <a:chExt cx="0" cy="0"/>
+        </a:xfrm>
+      </p:grpSpPr>
+      <p:pic>
+        <p:nvPicPr>
+          <p:cNvPr id="2" name="Image 1"/>
+          <p:cNvPicPr>
+            <a:picLocks noChangeAspect="1"/>
+          </p:cNvPicPr>
+          <p:nvPr/>
+        </p:nvPicPr>
+        <p:blipFill rotWithShape="1">
+          <a:blip r:embed="rId3"/>
+          <a:srcRect l="1543" r="2612"/>
+          <a:stretch/>
+        </p:blipFill>
+        <p:spPr>
+          <a:xfrm>
+            <a:off x="5220072" y="2875012"/>
+            <a:ext cx="3612383" cy="1490092"/>
+          </a:xfrm>
+          <a:prstGeom prst="rect">
+            <a:avLst/>
+          </a:prstGeom>
+        </p:spPr>
+      </p:pic>
+      <p:sp>
+        <p:nvSpPr>
+          <p:cNvPr id="3" name="Espace réservé du contenu 7"/>
+          <p:cNvSpPr txBox="1">
+            <a:spLocks/>
+          </p:cNvSpPr>
+          <p:nvPr/>
+        </p:nvSpPr>
+        <p:spPr>
+          <a:xfrm>
+            <a:off x="421826" y="5301208"/>
+            <a:ext cx="8686678" cy="837493"/>
+          </a:xfrm>
+          <a:prstGeom prst="rect">
+            <a:avLst/>
+          </a:prstGeom>
+        </p:spPr>
+        <p:txBody>
+          <a:bodyPr>
+            <a:noAutofit/>
+          </a:bodyPr>
+          <a:lstStyle>
+            <a:lvl1pPr marL="342900" indent="-342900" algn="l" defTabSz="914400" rtl="0" eaLnBrk="1" latinLnBrk="0" hangingPunct="1">
+              <a:spcBef>
+                <a:spcPct val="20000"/>
+              </a:spcBef>
+              <a:buFont typeface="Arial" pitchFamily="34" charset="0"/>
+              <a:buChar char="•"/>
+              <a:defRPr sz="3200" kern="1200">
+                <a:solidFill>
+                  <a:schemeClr val="tx1"/>
+                </a:solidFill>
+                <a:latin typeface="+mn-lt"/>
+                <a:ea typeface="+mn-ea"/>
+                <a:cs typeface="+mn-cs"/>
+              </a:defRPr>
+            </a:lvl1pPr>
+            <a:lvl2pPr marL="742950" indent="-285750" algn="l" defTabSz="914400" rtl="0" eaLnBrk="1" latinLnBrk="0" hangingPunct="1">
+              <a:spcBef>
+                <a:spcPct val="20000"/>
+              </a:spcBef>
+              <a:buFont typeface="Arial" pitchFamily="34" charset="0"/>
+              <a:buChar char="–"/>
+              <a:defRPr sz="2800" kern="1200">
+                <a:solidFill>
+                  <a:schemeClr val="tx1"/>
+                </a:solidFill>
+                <a:latin typeface="+mn-lt"/>
+                <a:ea typeface="+mn-ea"/>
+                <a:cs typeface="+mn-cs"/>
+              </a:defRPr>
+            </a:lvl2pPr>
+            <a:lvl3pPr marL="1143000" indent="-228600" algn="l" defTabSz="914400" rtl="0" eaLnBrk="1" latinLnBrk="0" hangingPunct="1">
+              <a:spcBef>
+                <a:spcPct val="20000"/>
+              </a:spcBef>
+              <a:buFont typeface="Arial" pitchFamily="34" charset="0"/>
+              <a:buChar char="•"/>
+              <a:defRPr sz="2400" kern="1200">
+                <a:solidFill>
+                  <a:schemeClr val="tx1"/>
+                </a:solidFill>
+                <a:latin typeface="+mn-lt"/>
+                <a:ea typeface="+mn-ea"/>
+                <a:cs typeface="+mn-cs"/>
+              </a:defRPr>
+            </a:lvl3pPr>
+            <a:lvl4pPr marL="1600200" indent="-228600" algn="l" defTabSz="914400" rtl="0" eaLnBrk="1" latinLnBrk="0" hangingPunct="1">
+              <a:spcBef>
+                <a:spcPct val="20000"/>
+              </a:spcBef>
+              <a:buFont typeface="Arial" pitchFamily="34" charset="0"/>
+              <a:buChar char="–"/>
+              <a:defRPr sz="2000" kern="1200">
+                <a:solidFill>
+                  <a:schemeClr val="tx1"/>
+                </a:solidFill>
+                <a:latin typeface="+mn-lt"/>
+                <a:ea typeface="+mn-ea"/>
+                <a:cs typeface="+mn-cs"/>
+              </a:defRPr>
+            </a:lvl4pPr>
+            <a:lvl5pPr marL="2057400" indent="-228600" algn="l" defTabSz="914400" rtl="0" eaLnBrk="1" latinLnBrk="0" hangingPunct="1">
+              <a:spcBef>
+                <a:spcPct val="20000"/>
+              </a:spcBef>
+              <a:buFont typeface="Arial" pitchFamily="34" charset="0"/>
+              <a:buChar char="»"/>
+              <a:defRPr sz="2000" kern="1200">
+                <a:solidFill>
+                  <a:schemeClr val="tx1"/>
+                </a:solidFill>
+                <a:latin typeface="+mn-lt"/>
+                <a:ea typeface="+mn-ea"/>
+                <a:cs typeface="+mn-cs"/>
+              </a:defRPr>
+            </a:lvl5pPr>
+            <a:lvl6pPr marL="2514600" indent="-228600" algn="l" defTabSz="914400" rtl="0" eaLnBrk="1" latinLnBrk="0" hangingPunct="1">
+              <a:spcBef>
+                <a:spcPct val="20000"/>
+              </a:spcBef>
+              <a:buFont typeface="Arial" pitchFamily="34" charset="0"/>
+              <a:buChar char="•"/>
+              <a:defRPr sz="2000" kern="1200">
+                <a:solidFill>
+                  <a:schemeClr val="tx1"/>
+                </a:solidFill>
+                <a:latin typeface="+mn-lt"/>
+                <a:ea typeface="+mn-ea"/>
+                <a:cs typeface="+mn-cs"/>
+              </a:defRPr>
+            </a:lvl6pPr>
+            <a:lvl7pPr marL="2971800" indent="-228600" algn="l" defTabSz="914400" rtl="0" eaLnBrk="1" latinLnBrk="0" hangingPunct="1">
+              <a:spcBef>
+                <a:spcPct val="20000"/>
+              </a:spcBef>
+              <a:buFont typeface="Arial" pitchFamily="34" charset="0"/>
+              <a:buChar char="•"/>
+              <a:defRPr sz="2000" kern="1200">
+                <a:solidFill>
+                  <a:schemeClr val="tx1"/>
+                </a:solidFill>
+                <a:latin typeface="+mn-lt"/>
+                <a:ea typeface="+mn-ea"/>
+                <a:cs typeface="+mn-cs"/>
+              </a:defRPr>
+            </a:lvl7pPr>
+            <a:lvl8pPr marL="3429000" indent="-228600" algn="l" defTabSz="914400" rtl="0" eaLnBrk="1" latinLnBrk="0" hangingPunct="1">
+              <a:spcBef>
+                <a:spcPct val="20000"/>
+              </a:spcBef>
+              <a:buFont typeface="Arial" pitchFamily="34" charset="0"/>
+              <a:buChar char="•"/>
+              <a:defRPr sz="2000" kern="1200">
+                <a:solidFill>
+                  <a:schemeClr val="tx1"/>
+                </a:solidFill>
+                <a:latin typeface="+mn-lt"/>
+                <a:ea typeface="+mn-ea"/>
+                <a:cs typeface="+mn-cs"/>
+              </a:defRPr>
+            </a:lvl8pPr>
+            <a:lvl9pPr marL="3886200" indent="-228600" algn="l" defTabSz="914400" rtl="0" eaLnBrk="1" latinLnBrk="0" hangingPunct="1">
+              <a:spcBef>
+                <a:spcPct val="20000"/>
+              </a:spcBef>
+              <a:buFont typeface="Arial" pitchFamily="34" charset="0"/>
+              <a:buChar char="•"/>
+              <a:defRPr sz="2000" kern="1200">
+                <a:solidFill>
+                  <a:schemeClr val="tx1"/>
+                </a:solidFill>
+                <a:latin typeface="+mn-lt"/>
+                <a:ea typeface="+mn-ea"/>
+                <a:cs typeface="+mn-cs"/>
+              </a:defRPr>
+            </a:lvl9pPr>
+          </a:lstStyle>
+          <a:p>
+            <a:pPr marL="0" indent="0">
+              <a:buFont typeface="Arial" pitchFamily="34" charset="0"/>
+              <a:buNone/>
+            </a:pPr>
+            <a:r>
+              <a:rPr lang="fr-FR" sz="2000" dirty="0" smtClean="0">
+                <a:latin typeface="Times New Roman" pitchFamily="18" charset="0"/>
+                <a:cs typeface="Times New Roman" pitchFamily="18" charset="0"/>
+                <a:sym typeface="Wingdings" pitchFamily="2" charset="2"/>
+              </a:rPr>
+              <a:t>But </a:t>
+            </a:r>
+            <a:r>
+              <a:rPr lang="fr-FR" sz="2000" dirty="0" err="1" smtClean="0">
+                <a:latin typeface="Times New Roman" pitchFamily="18" charset="0"/>
+                <a:cs typeface="Times New Roman" pitchFamily="18" charset="0"/>
+                <a:sym typeface="Wingdings" pitchFamily="2" charset="2"/>
+              </a:rPr>
+              <a:t>phenotyping</a:t>
+            </a:r>
+            <a:r>
+              <a:rPr lang="fr-FR" sz="2000" dirty="0" smtClean="0">
+                <a:latin typeface="Times New Roman" pitchFamily="18" charset="0"/>
+                <a:cs typeface="Times New Roman" pitchFamily="18" charset="0"/>
+                <a:sym typeface="Wingdings" pitchFamily="2" charset="2"/>
+              </a:rPr>
+              <a:t> architecture in relation </a:t>
+            </a:r>
+            <a:r>
+              <a:rPr lang="fr-FR" sz="2000" dirty="0" err="1" smtClean="0">
+                <a:latin typeface="Times New Roman" pitchFamily="18" charset="0"/>
+                <a:cs typeface="Times New Roman" pitchFamily="18" charset="0"/>
+                <a:sym typeface="Wingdings" pitchFamily="2" charset="2"/>
+              </a:rPr>
+              <a:t>with</a:t>
+            </a:r>
+            <a:r>
+              <a:rPr lang="fr-FR" sz="2000" dirty="0" smtClean="0">
+                <a:latin typeface="Times New Roman" pitchFamily="18" charset="0"/>
+                <a:cs typeface="Times New Roman" pitchFamily="18" charset="0"/>
+                <a:sym typeface="Wingdings" pitchFamily="2" charset="2"/>
+              </a:rPr>
+              <a:t> light interception </a:t>
+            </a:r>
+            <a:r>
+              <a:rPr lang="fr-FR" sz="2000" dirty="0" err="1" smtClean="0">
+                <a:latin typeface="Times New Roman" pitchFamily="18" charset="0"/>
+                <a:cs typeface="Times New Roman" pitchFamily="18" charset="0"/>
+                <a:sym typeface="Wingdings" pitchFamily="2" charset="2"/>
+              </a:rPr>
+              <a:t>is</a:t>
+            </a:r>
+            <a:r>
+              <a:rPr lang="fr-FR" sz="2000" dirty="0" smtClean="0">
+                <a:latin typeface="Times New Roman" pitchFamily="18" charset="0"/>
+                <a:cs typeface="Times New Roman" pitchFamily="18" charset="0"/>
+                <a:sym typeface="Wingdings" pitchFamily="2" charset="2"/>
+              </a:rPr>
+              <a:t> </a:t>
+            </a:r>
+            <a:r>
+              <a:rPr lang="fr-FR" sz="2000" dirty="0" err="1" smtClean="0">
+                <a:latin typeface="Times New Roman" pitchFamily="18" charset="0"/>
+                <a:cs typeface="Times New Roman" pitchFamily="18" charset="0"/>
+                <a:sym typeface="Wingdings" pitchFamily="2" charset="2"/>
+              </a:rPr>
+              <a:t>still</a:t>
+            </a:r>
+            <a:r>
+              <a:rPr lang="fr-FR" sz="2000" dirty="0" smtClean="0">
+                <a:latin typeface="Times New Roman" pitchFamily="18" charset="0"/>
+                <a:cs typeface="Times New Roman" pitchFamily="18" charset="0"/>
+                <a:sym typeface="Wingdings" pitchFamily="2" charset="2"/>
+              </a:rPr>
+              <a:t> a </a:t>
+            </a:r>
+            <a:r>
+              <a:rPr lang="fr-FR" sz="2000" dirty="0" err="1" smtClean="0">
+                <a:latin typeface="Times New Roman" pitchFamily="18" charset="0"/>
+                <a:cs typeface="Times New Roman" pitchFamily="18" charset="0"/>
+                <a:sym typeface="Wingdings" pitchFamily="2" charset="2"/>
+              </a:rPr>
+              <a:t>bottleneck</a:t>
+            </a:r>
+            <a:endParaRPr lang="fr-FR" sz="2000" dirty="0" smtClean="0">
+              <a:latin typeface="Times New Roman" pitchFamily="18" charset="0"/>
+              <a:cs typeface="Times New Roman" pitchFamily="18" charset="0"/>
+              <a:sym typeface="Wingdings" pitchFamily="2" charset="2"/>
+            </a:endParaRPr>
+          </a:p>
+          <a:p>
+            <a:pPr>
+              <a:buFont typeface="Wingdings" pitchFamily="2" charset="2"/>
+              <a:buChar char="Ø"/>
+            </a:pPr>
+            <a:r>
+              <a:rPr lang="fr-FR" sz="2400" dirty="0" smtClean="0">
+                <a:latin typeface="Times New Roman" pitchFamily="18" charset="0"/>
+                <a:cs typeface="Times New Roman" pitchFamily="18" charset="0"/>
+                <a:sym typeface="Wingdings" pitchFamily="2" charset="2"/>
+              </a:rPr>
+              <a:t>Use of </a:t>
+            </a:r>
+            <a:r>
+              <a:rPr lang="fr-FR" sz="2400" b="1" dirty="0" err="1" smtClean="0">
+                <a:latin typeface="Times New Roman" pitchFamily="18" charset="0"/>
+                <a:cs typeface="Times New Roman" pitchFamily="18" charset="0"/>
+                <a:sym typeface="Wingdings" pitchFamily="2" charset="2"/>
+              </a:rPr>
+              <a:t>Functional</a:t>
+            </a:r>
+            <a:r>
+              <a:rPr lang="fr-FR" sz="2400" b="1" dirty="0" smtClean="0">
+                <a:latin typeface="Times New Roman" pitchFamily="18" charset="0"/>
+                <a:cs typeface="Times New Roman" pitchFamily="18" charset="0"/>
+                <a:sym typeface="Wingdings" pitchFamily="2" charset="2"/>
+              </a:rPr>
+              <a:t>-structural plant </a:t>
+            </a:r>
+            <a:r>
+              <a:rPr lang="fr-FR" sz="2400" b="1" dirty="0" err="1" smtClean="0">
+                <a:latin typeface="Times New Roman" pitchFamily="18" charset="0"/>
+                <a:cs typeface="Times New Roman" pitchFamily="18" charset="0"/>
+                <a:sym typeface="Wingdings" pitchFamily="2" charset="2"/>
+              </a:rPr>
+              <a:t>models</a:t>
+            </a:r>
+            <a:r>
+              <a:rPr lang="fr-FR" sz="2400" b="1" dirty="0" smtClean="0">
+                <a:latin typeface="Times New Roman" pitchFamily="18" charset="0"/>
+                <a:cs typeface="Times New Roman" pitchFamily="18" charset="0"/>
+                <a:sym typeface="Wingdings" pitchFamily="2" charset="2"/>
+              </a:rPr>
+              <a:t> (FSPM)</a:t>
+            </a:r>
+          </a:p>
+        </p:txBody>
+      </p:sp>
+      <p:sp>
+        <p:nvSpPr>
+          <p:cNvPr id="5" name="Rectangle 4"/>
+          <p:cNvSpPr/>
+          <p:nvPr/>
+        </p:nvSpPr>
+        <p:spPr>
+          <a:xfrm>
+            <a:off x="395536" y="692696"/>
+            <a:ext cx="4896544" cy="4431983"/>
+          </a:xfrm>
+          <a:prstGeom prst="rect">
+            <a:avLst/>
+          </a:prstGeom>
+        </p:spPr>
+        <p:txBody>
+          <a:bodyPr wrap="square">
+            <a:spAutoFit/>
+          </a:bodyPr>
+          <a:lstStyle/>
+          <a:p>
+            <a:pPr marL="342900" indent="-342900">
+              <a:lnSpc>
+                <a:spcPct val="150000"/>
+              </a:lnSpc>
+              <a:buFont typeface="Arial"/>
+              <a:buChar char="•"/>
+            </a:pPr>
+            <a:r>
+              <a:rPr lang="en-GB" sz="2000" dirty="0" smtClean="0">
+                <a:latin typeface="Times New Roman"/>
+                <a:cs typeface="Times New Roman"/>
+              </a:rPr>
+              <a:t>Plant </a:t>
+            </a:r>
+            <a:r>
+              <a:rPr lang="en-GB" sz="2000" dirty="0">
+                <a:latin typeface="Times New Roman"/>
+                <a:cs typeface="Times New Roman"/>
+              </a:rPr>
+              <a:t>height </a:t>
+            </a:r>
+            <a:endParaRPr lang="en-GB" sz="2000" dirty="0" smtClean="0">
+              <a:latin typeface="Times New Roman"/>
+              <a:cs typeface="Times New Roman"/>
+            </a:endParaRPr>
+          </a:p>
+          <a:p>
+            <a:pPr marL="742950" lvl="1" indent="-285750">
+              <a:lnSpc>
+                <a:spcPct val="150000"/>
+              </a:lnSpc>
+              <a:buFont typeface="Wingdings" pitchFamily="2" charset="2"/>
+              <a:buChar char="Ø"/>
+            </a:pPr>
+            <a:r>
+              <a:rPr lang="en-GB" dirty="0" err="1" smtClean="0">
+                <a:latin typeface="Times New Roman"/>
+                <a:cs typeface="Times New Roman"/>
+              </a:rPr>
+              <a:t>Plomion</a:t>
+            </a:r>
+            <a:r>
+              <a:rPr lang="en-GB" dirty="0" smtClean="0">
+                <a:latin typeface="Times New Roman"/>
+                <a:cs typeface="Times New Roman"/>
+              </a:rPr>
+              <a:t> </a:t>
+            </a:r>
+            <a:r>
+              <a:rPr lang="en-GB" dirty="0">
+                <a:latin typeface="Times New Roman"/>
+                <a:cs typeface="Times New Roman"/>
+              </a:rPr>
+              <a:t>et al., 1996 (QTL), Yang and </a:t>
+            </a:r>
+            <a:r>
+              <a:rPr lang="en-GB" dirty="0" err="1">
+                <a:latin typeface="Times New Roman"/>
+                <a:cs typeface="Times New Roman"/>
+              </a:rPr>
+              <a:t>Hwa</a:t>
+            </a:r>
+            <a:r>
+              <a:rPr lang="en-GB" dirty="0">
+                <a:latin typeface="Times New Roman"/>
+                <a:cs typeface="Times New Roman"/>
+              </a:rPr>
+              <a:t>, 2008 (mutant</a:t>
+            </a:r>
+            <a:r>
+              <a:rPr lang="en-GB" dirty="0" smtClean="0">
+                <a:latin typeface="Times New Roman"/>
+                <a:cs typeface="Times New Roman"/>
+              </a:rPr>
+              <a:t>) </a:t>
+            </a:r>
+            <a:endParaRPr lang="en-GB" sz="1600" dirty="0">
+              <a:latin typeface="Times New Roman"/>
+              <a:cs typeface="Times New Roman"/>
+            </a:endParaRPr>
+          </a:p>
+          <a:p>
+            <a:pPr marL="342900" indent="-342900">
+              <a:lnSpc>
+                <a:spcPct val="150000"/>
+              </a:lnSpc>
+              <a:buFont typeface="Arial"/>
+              <a:buChar char="•"/>
+            </a:pPr>
+            <a:r>
+              <a:rPr lang="en-GB" sz="2000" dirty="0" smtClean="0">
+                <a:latin typeface="Times New Roman"/>
+                <a:cs typeface="Times New Roman"/>
+              </a:rPr>
+              <a:t>Branching </a:t>
+            </a:r>
+            <a:r>
+              <a:rPr lang="en-GB" sz="2000" dirty="0">
+                <a:latin typeface="Times New Roman"/>
+                <a:cs typeface="Times New Roman"/>
+              </a:rPr>
+              <a:t>pattern </a:t>
+            </a:r>
+            <a:endParaRPr lang="en-GB" sz="2000" dirty="0" smtClean="0">
+              <a:latin typeface="Times New Roman"/>
+              <a:cs typeface="Times New Roman"/>
+            </a:endParaRPr>
+          </a:p>
+          <a:p>
+            <a:pPr marL="800100" lvl="1" indent="-342900">
+              <a:lnSpc>
+                <a:spcPct val="150000"/>
+              </a:lnSpc>
+              <a:buFont typeface="Wingdings" pitchFamily="2" charset="2"/>
+              <a:buChar char="Ø"/>
+            </a:pPr>
+            <a:r>
+              <a:rPr lang="en-GB" dirty="0" smtClean="0">
+                <a:latin typeface="Times New Roman"/>
+                <a:cs typeface="Times New Roman"/>
+              </a:rPr>
+              <a:t>Sakamoto </a:t>
+            </a:r>
+            <a:r>
+              <a:rPr lang="en-GB" dirty="0">
+                <a:latin typeface="Times New Roman"/>
+                <a:cs typeface="Times New Roman"/>
+              </a:rPr>
+              <a:t>and Matsuoka, 2004 (mutant); </a:t>
+            </a:r>
+            <a:r>
+              <a:rPr lang="fr-FR" dirty="0">
+                <a:latin typeface="Times New Roman"/>
+                <a:cs typeface="Times New Roman"/>
+              </a:rPr>
+              <a:t>Segura et al., </a:t>
+            </a:r>
+            <a:r>
+              <a:rPr lang="fr-FR" dirty="0" smtClean="0">
+                <a:latin typeface="Times New Roman"/>
+                <a:cs typeface="Times New Roman"/>
+              </a:rPr>
+              <a:t>2008 </a:t>
+            </a:r>
+            <a:r>
+              <a:rPr lang="en-GB" dirty="0" smtClean="0">
+                <a:latin typeface="Times New Roman"/>
+                <a:cs typeface="Times New Roman"/>
+              </a:rPr>
+              <a:t>(</a:t>
+            </a:r>
+            <a:r>
+              <a:rPr lang="en-GB" i="1" dirty="0" smtClean="0">
+                <a:latin typeface="Times New Roman"/>
+                <a:cs typeface="Times New Roman"/>
+              </a:rPr>
+              <a:t>H</a:t>
+            </a:r>
+            <a:r>
+              <a:rPr lang="en-GB" i="1" baseline="30000" dirty="0" smtClean="0">
+                <a:latin typeface="Times New Roman"/>
+                <a:cs typeface="Times New Roman"/>
+              </a:rPr>
+              <a:t>2</a:t>
+            </a:r>
+            <a:r>
+              <a:rPr lang="en-GB" dirty="0" smtClean="0">
+                <a:latin typeface="Times New Roman"/>
+                <a:cs typeface="Times New Roman"/>
+              </a:rPr>
+              <a:t>)</a:t>
+            </a:r>
+            <a:endParaRPr lang="en-GB" dirty="0">
+              <a:latin typeface="Times New Roman"/>
+              <a:cs typeface="Times New Roman"/>
+            </a:endParaRPr>
+          </a:p>
+          <a:p>
+            <a:pPr marL="342900" indent="-342900">
+              <a:lnSpc>
+                <a:spcPct val="150000"/>
+              </a:lnSpc>
+              <a:buFont typeface="Arial"/>
+              <a:buChar char="•"/>
+            </a:pPr>
+            <a:r>
+              <a:rPr lang="en-GB" sz="2000" dirty="0">
+                <a:latin typeface="Times New Roman"/>
+                <a:cs typeface="Times New Roman"/>
+              </a:rPr>
+              <a:t>Leaf geometry </a:t>
+            </a:r>
+            <a:endParaRPr lang="en-GB" dirty="0">
+              <a:latin typeface="Times New Roman"/>
+              <a:cs typeface="Times New Roman"/>
+            </a:endParaRPr>
+          </a:p>
+          <a:p>
+            <a:pPr marL="800100" lvl="1" indent="-342900">
+              <a:lnSpc>
+                <a:spcPct val="150000"/>
+              </a:lnSpc>
+              <a:buFont typeface="Wingdings" pitchFamily="2" charset="2"/>
+              <a:buChar char="Ø"/>
+            </a:pPr>
+            <a:r>
+              <a:rPr lang="en-GB" dirty="0" err="1" smtClean="0">
+                <a:latin typeface="Times New Roman"/>
+                <a:cs typeface="Times New Roman"/>
+              </a:rPr>
+              <a:t>Frary</a:t>
+            </a:r>
+            <a:r>
+              <a:rPr lang="en-GB" dirty="0" smtClean="0">
+                <a:latin typeface="Times New Roman"/>
+                <a:cs typeface="Times New Roman"/>
+              </a:rPr>
+              <a:t> et al., 2004 (QTL) ; Li et al., 2015 (QTL)</a:t>
+            </a:r>
+          </a:p>
+          <a:p>
+            <a:pPr marL="342900" indent="-342900">
+              <a:lnSpc>
+                <a:spcPct val="150000"/>
+              </a:lnSpc>
+              <a:buFont typeface="Arial"/>
+              <a:buChar char="•"/>
+            </a:pPr>
+            <a:endParaRPr lang="en-US" sz="2000" dirty="0"/>
+          </a:p>
+        </p:txBody>
+      </p:sp>
+      <p:sp>
+        <p:nvSpPr>
+          <p:cNvPr id="6" name="Rectangle 5"/>
+          <p:cNvSpPr/>
+          <p:nvPr/>
+        </p:nvSpPr>
+        <p:spPr>
+          <a:xfrm>
+            <a:off x="7046416" y="3999306"/>
+            <a:ext cx="1702080" cy="276999"/>
+          </a:xfrm>
+          <a:prstGeom prst="rect">
+            <a:avLst/>
+          </a:prstGeom>
+        </p:spPr>
+        <p:txBody>
+          <a:bodyPr wrap="square">
+            <a:spAutoFit/>
+          </a:bodyPr>
+          <a:lstStyle/>
+          <a:p>
+            <a:r>
+              <a:rPr lang="en-GB" sz="1200" dirty="0" err="1">
+                <a:latin typeface="Times New Roman"/>
+                <a:cs typeface="Times New Roman"/>
+              </a:rPr>
+              <a:t>Frary</a:t>
+            </a:r>
+            <a:r>
+              <a:rPr lang="en-GB" sz="1200" i="1" dirty="0">
+                <a:latin typeface="Times New Roman"/>
+                <a:cs typeface="Times New Roman"/>
+              </a:rPr>
+              <a:t> et al.</a:t>
+            </a:r>
+            <a:r>
+              <a:rPr lang="en-GB" sz="1200" dirty="0">
+                <a:latin typeface="Times New Roman"/>
+                <a:cs typeface="Times New Roman"/>
+              </a:rPr>
+              <a:t>, 2004</a:t>
+            </a:r>
+            <a:endParaRPr lang="en-GB" sz="1200" dirty="0"/>
+          </a:p>
+        </p:txBody>
+      </p:sp>
+      <p:pic>
+        <p:nvPicPr>
+          <p:cNvPr id="7" name="Image 6"/>
+          <p:cNvPicPr>
+            <a:picLocks noChangeAspect="1"/>
+          </p:cNvPicPr>
+          <p:nvPr/>
+        </p:nvPicPr>
+        <p:blipFill>
+          <a:blip r:embed="rId4"/>
+          <a:stretch>
+            <a:fillRect/>
+          </a:stretch>
+        </p:blipFill>
+        <p:spPr>
+          <a:xfrm>
+            <a:off x="6503659" y="877996"/>
+            <a:ext cx="2400463" cy="1583551"/>
+          </a:xfrm>
+          <a:prstGeom prst="rect">
+            <a:avLst/>
+          </a:prstGeom>
+        </p:spPr>
+      </p:pic>
+      <p:pic>
+        <p:nvPicPr>
+          <p:cNvPr id="8" name="Image 7"/>
+          <p:cNvPicPr>
+            <a:picLocks noChangeAspect="1"/>
+          </p:cNvPicPr>
+          <p:nvPr/>
+        </p:nvPicPr>
+        <p:blipFill>
+          <a:blip r:embed="rId5"/>
+          <a:stretch>
+            <a:fillRect/>
+          </a:stretch>
+        </p:blipFill>
+        <p:spPr>
+          <a:xfrm>
+            <a:off x="5618574" y="877995"/>
+            <a:ext cx="677761" cy="1583553"/>
+          </a:xfrm>
+          <a:prstGeom prst="rect">
+            <a:avLst/>
+          </a:prstGeom>
+        </p:spPr>
+      </p:pic>
+      <p:sp>
+        <p:nvSpPr>
+          <p:cNvPr id="9" name="Rectangle 8"/>
+          <p:cNvSpPr/>
+          <p:nvPr/>
+        </p:nvSpPr>
+        <p:spPr>
+          <a:xfrm>
+            <a:off x="6516448" y="2468290"/>
+            <a:ext cx="2360339" cy="276999"/>
+          </a:xfrm>
+          <a:prstGeom prst="rect">
+            <a:avLst/>
+          </a:prstGeom>
+        </p:spPr>
+        <p:txBody>
+          <a:bodyPr wrap="square">
+            <a:spAutoFit/>
+          </a:bodyPr>
+          <a:lstStyle/>
+          <a:p>
+            <a:r>
+              <a:rPr lang="en-GB" sz="1200" dirty="0">
+                <a:latin typeface="Times New Roman"/>
+                <a:cs typeface="Times New Roman"/>
+              </a:rPr>
+              <a:t>Yang and </a:t>
+            </a:r>
+            <a:r>
+              <a:rPr lang="en-GB" sz="1200" dirty="0" err="1">
+                <a:latin typeface="Times New Roman"/>
+                <a:cs typeface="Times New Roman"/>
+              </a:rPr>
+              <a:t>Hwa</a:t>
+            </a:r>
+            <a:r>
+              <a:rPr lang="en-GB" sz="1200" dirty="0">
+                <a:latin typeface="Times New Roman"/>
+                <a:cs typeface="Times New Roman"/>
+              </a:rPr>
+              <a:t>, 2008</a:t>
+            </a:r>
+            <a:endParaRPr lang="en-GB" sz="1200" dirty="0"/>
+          </a:p>
+        </p:txBody>
+      </p:sp>
+      <p:sp>
+        <p:nvSpPr>
+          <p:cNvPr id="10" name="Titre 1"/>
+          <p:cNvSpPr txBox="1">
+            <a:spLocks/>
+          </p:cNvSpPr>
+          <p:nvPr/>
+        </p:nvSpPr>
+        <p:spPr>
+          <a:xfrm>
+            <a:off x="467544" y="-99392"/>
+            <a:ext cx="8229600" cy="1143000"/>
+          </a:xfrm>
+          <a:prstGeom prst="rect">
+            <a:avLst/>
+          </a:prstGeom>
+        </p:spPr>
+        <p:txBody>
+          <a:bodyPr>
+            <a:normAutofit/>
+          </a:bodyPr>
+          <a:lstStyle>
+            <a:lvl1pPr algn="ctr" defTabSz="914400" rtl="0" eaLnBrk="1" latinLnBrk="0" hangingPunct="1">
+              <a:spcBef>
+                <a:spcPct val="0"/>
+              </a:spcBef>
+              <a:buNone/>
+              <a:defRPr sz="4400" kern="1200">
+                <a:solidFill>
+                  <a:schemeClr val="tx1"/>
+                </a:solidFill>
+                <a:latin typeface="+mj-lt"/>
+                <a:ea typeface="+mj-ea"/>
+                <a:cs typeface="+mj-cs"/>
+              </a:defRPr>
+            </a:lvl1pPr>
+          </a:lstStyle>
+          <a:p>
+            <a:r>
+              <a:rPr lang="en-US" sz="3600" dirty="0" smtClean="0">
+                <a:latin typeface="Times New Roman" pitchFamily="18" charset="0"/>
+                <a:cs typeface="Times New Roman" pitchFamily="18" charset="0"/>
+              </a:rPr>
+              <a:t>Genetic control of plant architecture</a:t>
+            </a:r>
+            <a:endParaRPr lang="en-US" sz="3600" dirty="0">
+              <a:latin typeface="Times New Roman" pitchFamily="18" charset="0"/>
+              <a:cs typeface="Times New Roman" pitchFamily="18" charset="0"/>
+            </a:endParaRPr>
+          </a:p>
+        </p:txBody>
+      </p:sp>
+    </p:spTree>
+    <p:extLst>
+      <p:ext uri="{BB962C8B-B14F-4D97-AF65-F5344CB8AC3E}">
+        <p14:creationId xmlns:p14="http://schemas.microsoft.com/office/powerpoint/2010/main" val="3816193050"/>
+      </p:ext>
+    </p:extLst>
+  </p:cSld>
+  <p:clrMapOvr>
+    <a:masterClrMapping/>
+  </p:clrMapOvr>
+  <p:timing>
+    <p:tnLst>
+      <p:par>
+        <p:cTn id="1" dur="indefinite" restart="never" nodeType="tmRoot">
+          <p:childTnLst>
+            <p:seq concurrent="1" nextAc="seek">
+              <p:cTn id="2" dur="indefinite" nodeType="mainSeq">
+                <p:childTnLst>
+                  <p:par>
+                    <p:cTn id="3" fill="hold">
+                      <p:stCondLst>
+                        <p:cond delay="indefinite"/>
+                      </p:stCondLst>
+                      <p:childTnLst>
+                        <p:par>
+                          <p:cTn id="4" fill="hold">
+                            <p:stCondLst>
+                              <p:cond delay="0"/>
+                            </p:stCondLst>
+                            <p:childTnLst>
+                              <p:par>
+                                <p:cTn id="5" presetID="10" presetClass="entr" presetSubtype="0" fill="hold" grpId="0" nodeType="clickEffect">
+                                  <p:stCondLst>
+                                    <p:cond delay="0"/>
+                                  </p:stCondLst>
+                                  <p:childTnLst>
+                                    <p:set>
+                                      <p:cBhvr>
+                                        <p:cTn id="6" dur="1" fill="hold">
+                                          <p:stCondLst>
+                                            <p:cond delay="0"/>
+                                          </p:stCondLst>
+                                        </p:cTn>
+                                        <p:tgtEl>
+                                          <p:spTgt spid="3"/>
+                                        </p:tgtEl>
+                                        <p:attrNameLst>
+                                          <p:attrName>style.visibility</p:attrName>
+                                        </p:attrNameLst>
+                                      </p:cBhvr>
+                                      <p:to>
+                                        <p:strVal val="visible"/>
+                                      </p:to>
+                                    </p:set>
+                                    <p:animEffect transition="in" filter="fade">
+                                      <p:cBhvr>
+                                        <p:cTn id="7" dur="500"/>
+                                        <p:tgtEl>
+                                          <p:spTgt spid="3"/>
+                                        </p:tgtEl>
+                                      </p:cBhvr>
+                                    </p:animEffect>
+                                  </p:childTnLst>
+                                </p:cTn>
+                              </p:par>
+                            </p:childTnLst>
+                          </p:cTn>
+                        </p:par>
+                      </p:childTnLst>
+                    </p:cTn>
+                  </p:par>
+                </p:childTnLst>
+              </p:cTn>
+              <p:prevCondLst>
+                <p:cond evt="onPrev" delay="0">
+                  <p:tgtEl>
+                    <p:sldTgt/>
+                  </p:tgtEl>
+                </p:cond>
+              </p:prevCondLst>
+              <p:nextCondLst>
+                <p:cond evt="onNext" delay="0">
+                  <p:tgtEl>
+                    <p:sldTgt/>
+                  </p:tgtEl>
+                </p:cond>
+              </p:nextCondLst>
+            </p:seq>
+          </p:childTnLst>
+        </p:cTn>
+      </p:par>
+    </p:tnLst>
+    <p:bldLst>
+      <p:bldP spid="3" grpId="0"/>
+    </p:bldLst>
+  </p:timing>
+</p:sld>
+</file>
+
+<file path=ppt/slides/slide5.xml><?xml version="1.0" encoding="utf-8"?>
+<p:sld xmlns:a="http://schemas.openxmlformats.org/drawingml/2006/main" xmlns:r="http://schemas.openxmlformats.org/officeDocument/2006/relationships" xmlns:p="http://schemas.openxmlformats.org/presentationml/2006/main">
+  <p:cSld>
+    <p:spTree>
+      <p:nvGrpSpPr>
+        <p:cNvPr id="1" name=""/>
+        <p:cNvGrpSpPr/>
+        <p:nvPr/>
+      </p:nvGrpSpPr>
+      <p:grpSpPr>
+        <a:xfrm>
+          <a:off x="0" y="0"/>
+          <a:ext cx="0" cy="0"/>
+          <a:chOff x="0" y="0"/>
+          <a:chExt cx="0" cy="0"/>
+        </a:xfrm>
+      </p:grpSpPr>
+      <p:sp>
+        <p:nvSpPr>
+          <p:cNvPr id="2" name="Rectangle 1"/>
+          <p:cNvSpPr/>
+          <p:nvPr/>
+        </p:nvSpPr>
+        <p:spPr>
+          <a:xfrm>
+            <a:off x="144016" y="476672"/>
+            <a:ext cx="9036496" cy="5693866"/>
+          </a:xfrm>
+          <a:prstGeom prst="rect">
+            <a:avLst/>
+          </a:prstGeom>
+        </p:spPr>
+        <p:txBody>
+          <a:bodyPr wrap="square">
+            <a:spAutoFit/>
+          </a:bodyPr>
+          <a:lstStyle/>
+          <a:p>
+            <a:r>
+              <a:rPr lang="en-GB" sz="1400" b="1" dirty="0" err="1">
+                <a:latin typeface="Times New Roman" pitchFamily="18" charset="0"/>
+                <a:cs typeface="Times New Roman" pitchFamily="18" charset="0"/>
+              </a:rPr>
+              <a:t>Monteith</a:t>
+            </a:r>
+            <a:r>
+              <a:rPr lang="en-GB" sz="1400" dirty="0">
+                <a:latin typeface="Times New Roman" pitchFamily="18" charset="0"/>
+                <a:cs typeface="Times New Roman" pitchFamily="18" charset="0"/>
+              </a:rPr>
+              <a:t>, J. (1977). Climate and the </a:t>
+            </a:r>
+            <a:r>
+              <a:rPr lang="en-GB" sz="1400" dirty="0" err="1">
+                <a:latin typeface="Times New Roman" pitchFamily="18" charset="0"/>
+                <a:cs typeface="Times New Roman" pitchFamily="18" charset="0"/>
+              </a:rPr>
+              <a:t>effeciency</a:t>
+            </a:r>
+            <a:r>
+              <a:rPr lang="en-GB" sz="1400" dirty="0">
+                <a:latin typeface="Times New Roman" pitchFamily="18" charset="0"/>
+                <a:cs typeface="Times New Roman" pitchFamily="18" charset="0"/>
+              </a:rPr>
+              <a:t> of crop production in </a:t>
+            </a:r>
+            <a:r>
+              <a:rPr lang="en-GB" sz="1400" dirty="0" err="1">
+                <a:latin typeface="Times New Roman" pitchFamily="18" charset="0"/>
+                <a:cs typeface="Times New Roman" pitchFamily="18" charset="0"/>
+              </a:rPr>
+              <a:t>britain</a:t>
+            </a:r>
+            <a:r>
+              <a:rPr lang="en-GB" sz="1400" dirty="0">
+                <a:latin typeface="Times New Roman" pitchFamily="18" charset="0"/>
+                <a:cs typeface="Times New Roman" pitchFamily="18" charset="0"/>
+              </a:rPr>
+              <a:t>. </a:t>
+            </a:r>
+            <a:r>
+              <a:rPr lang="en-GB" sz="1400" dirty="0" err="1" smtClean="0">
+                <a:latin typeface="Times New Roman" pitchFamily="18" charset="0"/>
+                <a:cs typeface="Times New Roman" pitchFamily="18" charset="0"/>
+              </a:rPr>
+              <a:t>Phyllosophical</a:t>
+            </a:r>
+            <a:r>
+              <a:rPr lang="en-GB" sz="1400" dirty="0" smtClean="0">
+                <a:latin typeface="Times New Roman" pitchFamily="18" charset="0"/>
+                <a:cs typeface="Times New Roman" pitchFamily="18" charset="0"/>
+              </a:rPr>
+              <a:t> </a:t>
+            </a:r>
+            <a:r>
+              <a:rPr lang="en-GB" sz="1400" dirty="0">
+                <a:latin typeface="Times New Roman" pitchFamily="18" charset="0"/>
+                <a:cs typeface="Times New Roman" pitchFamily="18" charset="0"/>
+              </a:rPr>
+              <a:t>transactions of the Royal Society of London, series B Biological Sciences, 281:277–294</a:t>
+            </a:r>
+            <a:r>
+              <a:rPr lang="en-GB" sz="1400" dirty="0" smtClean="0">
+                <a:latin typeface="Times New Roman" pitchFamily="18" charset="0"/>
+                <a:cs typeface="Times New Roman" pitchFamily="18" charset="0"/>
+              </a:rPr>
+              <a:t>.</a:t>
+            </a:r>
+          </a:p>
+          <a:p>
+            <a:r>
+              <a:rPr lang="en-GB" sz="1400" b="1" dirty="0" err="1">
+                <a:latin typeface="Times New Roman" pitchFamily="18" charset="0"/>
+                <a:cs typeface="Times New Roman" pitchFamily="18" charset="0"/>
+              </a:rPr>
+              <a:t>Khush</a:t>
+            </a:r>
+            <a:r>
+              <a:rPr lang="en-GB" sz="1400" dirty="0">
+                <a:latin typeface="Times New Roman" pitchFamily="18" charset="0"/>
+                <a:cs typeface="Times New Roman" pitchFamily="18" charset="0"/>
+              </a:rPr>
+              <a:t>, G. S. (2001). Green revolution: the way forward. Nature Genetics, 2:815–821</a:t>
+            </a:r>
+            <a:r>
+              <a:rPr lang="en-GB" sz="1400" dirty="0" smtClean="0">
+                <a:latin typeface="Times New Roman" pitchFamily="18" charset="0"/>
+                <a:cs typeface="Times New Roman" pitchFamily="18" charset="0"/>
+              </a:rPr>
+              <a:t>.</a:t>
+            </a:r>
+            <a:endParaRPr lang="en-GB" sz="1400" dirty="0">
+              <a:latin typeface="Times New Roman" pitchFamily="18" charset="0"/>
+              <a:cs typeface="Times New Roman" pitchFamily="18" charset="0"/>
+            </a:endParaRPr>
+          </a:p>
+          <a:p>
+            <a:r>
+              <a:rPr lang="en-GB" sz="1400" b="1" dirty="0" err="1">
+                <a:latin typeface="Times New Roman" pitchFamily="18" charset="0"/>
+                <a:cs typeface="Times New Roman" pitchFamily="18" charset="0"/>
+              </a:rPr>
+              <a:t>Dingkuhn</a:t>
+            </a:r>
+            <a:r>
+              <a:rPr lang="en-GB" sz="1400" dirty="0">
+                <a:latin typeface="Times New Roman" pitchFamily="18" charset="0"/>
+                <a:cs typeface="Times New Roman" pitchFamily="18" charset="0"/>
+              </a:rPr>
+              <a:t>, M., </a:t>
+            </a:r>
+            <a:r>
+              <a:rPr lang="en-GB" sz="1400" dirty="0" err="1">
+                <a:latin typeface="Times New Roman" pitchFamily="18" charset="0"/>
+                <a:cs typeface="Times New Roman" pitchFamily="18" charset="0"/>
+              </a:rPr>
+              <a:t>Laza</a:t>
+            </a:r>
+            <a:r>
+              <a:rPr lang="en-GB" sz="1400" dirty="0">
+                <a:latin typeface="Times New Roman" pitchFamily="18" charset="0"/>
+                <a:cs typeface="Times New Roman" pitchFamily="18" charset="0"/>
+              </a:rPr>
+              <a:t>, M. R. C., Kumar, U., Mendez, K. S., </a:t>
+            </a:r>
+            <a:r>
+              <a:rPr lang="en-GB" sz="1400" dirty="0" smtClean="0">
+                <a:latin typeface="Times New Roman" pitchFamily="18" charset="0"/>
+                <a:cs typeface="Times New Roman" pitchFamily="18" charset="0"/>
+              </a:rPr>
+              <a:t>Collard et al. </a:t>
+            </a:r>
+            <a:r>
+              <a:rPr lang="en-GB" sz="1400" dirty="0">
+                <a:latin typeface="Times New Roman" pitchFamily="18" charset="0"/>
+                <a:cs typeface="Times New Roman" pitchFamily="18" charset="0"/>
+              </a:rPr>
+              <a:t>(2015). Improving yield potential of tropical rice: Achieved levels </a:t>
+            </a:r>
+            <a:r>
+              <a:rPr lang="en-GB" sz="1400" dirty="0" smtClean="0">
+                <a:latin typeface="Times New Roman" pitchFamily="18" charset="0"/>
+                <a:cs typeface="Times New Roman" pitchFamily="18" charset="0"/>
+              </a:rPr>
+              <a:t>and perspectives </a:t>
+            </a:r>
+            <a:r>
+              <a:rPr lang="en-GB" sz="1400" dirty="0">
+                <a:latin typeface="Times New Roman" pitchFamily="18" charset="0"/>
+                <a:cs typeface="Times New Roman" pitchFamily="18" charset="0"/>
+              </a:rPr>
+              <a:t>through improved </a:t>
+            </a:r>
+            <a:r>
+              <a:rPr lang="en-GB" sz="1400" dirty="0" err="1">
+                <a:latin typeface="Times New Roman" pitchFamily="18" charset="0"/>
+                <a:cs typeface="Times New Roman" pitchFamily="18" charset="0"/>
+              </a:rPr>
+              <a:t>ideotypes</a:t>
+            </a:r>
+            <a:r>
+              <a:rPr lang="en-GB" sz="1400" dirty="0">
+                <a:latin typeface="Times New Roman" pitchFamily="18" charset="0"/>
+                <a:cs typeface="Times New Roman" pitchFamily="18" charset="0"/>
+              </a:rPr>
+              <a:t>. Field Crops Research, 182:43–59</a:t>
+            </a:r>
+            <a:r>
+              <a:rPr lang="en-GB" sz="1400" dirty="0" smtClean="0">
+                <a:latin typeface="Times New Roman" pitchFamily="18" charset="0"/>
+                <a:cs typeface="Times New Roman" pitchFamily="18" charset="0"/>
+              </a:rPr>
+              <a:t>.</a:t>
+            </a:r>
+          </a:p>
+          <a:p>
+            <a:r>
+              <a:rPr lang="en-GB" sz="1400" b="1" dirty="0">
+                <a:latin typeface="Times New Roman" pitchFamily="18" charset="0"/>
+                <a:cs typeface="Times New Roman" pitchFamily="18" charset="0"/>
+              </a:rPr>
+              <a:t>Donald</a:t>
+            </a:r>
+            <a:r>
+              <a:rPr lang="en-GB" sz="1400" dirty="0">
+                <a:latin typeface="Times New Roman" pitchFamily="18" charset="0"/>
+                <a:cs typeface="Times New Roman" pitchFamily="18" charset="0"/>
+              </a:rPr>
+              <a:t>, C. (1968). The design of a wheat </a:t>
+            </a:r>
+            <a:r>
+              <a:rPr lang="en-GB" sz="1400" dirty="0" err="1">
+                <a:latin typeface="Times New Roman" pitchFamily="18" charset="0"/>
+                <a:cs typeface="Times New Roman" pitchFamily="18" charset="0"/>
+              </a:rPr>
+              <a:t>ideotype</a:t>
+            </a:r>
+            <a:r>
+              <a:rPr lang="en-GB" sz="1400" dirty="0">
+                <a:latin typeface="Times New Roman" pitchFamily="18" charset="0"/>
+                <a:cs typeface="Times New Roman" pitchFamily="18" charset="0"/>
+              </a:rPr>
+              <a:t>. Finlay, KW and Shepherd</a:t>
+            </a:r>
+            <a:r>
+              <a:rPr lang="en-GB" sz="1400" dirty="0" smtClean="0">
+                <a:latin typeface="Times New Roman" pitchFamily="18" charset="0"/>
+                <a:cs typeface="Times New Roman" pitchFamily="18" charset="0"/>
+              </a:rPr>
+              <a:t>.</a:t>
+            </a:r>
+            <a:endParaRPr lang="en-US" sz="1400" dirty="0" smtClean="0">
+              <a:latin typeface="Times New Roman" pitchFamily="18" charset="0"/>
+              <a:cs typeface="Times New Roman" pitchFamily="18" charset="0"/>
+            </a:endParaRPr>
+          </a:p>
+          <a:p>
+            <a:r>
+              <a:rPr lang="en-US" sz="1400" b="1" dirty="0" smtClean="0">
+                <a:latin typeface="Times New Roman" pitchFamily="18" charset="0"/>
+                <a:cs typeface="Times New Roman" pitchFamily="18" charset="0"/>
+              </a:rPr>
+              <a:t>Koester</a:t>
+            </a:r>
+            <a:r>
+              <a:rPr lang="en-US" sz="1400" dirty="0">
+                <a:latin typeface="Times New Roman" pitchFamily="18" charset="0"/>
+                <a:cs typeface="Times New Roman" pitchFamily="18" charset="0"/>
+              </a:rPr>
+              <a:t>, R. P., </a:t>
+            </a:r>
+            <a:r>
+              <a:rPr lang="en-US" sz="1400" dirty="0" err="1">
+                <a:latin typeface="Times New Roman" pitchFamily="18" charset="0"/>
+                <a:cs typeface="Times New Roman" pitchFamily="18" charset="0"/>
+              </a:rPr>
+              <a:t>Skoneczka</a:t>
+            </a:r>
+            <a:r>
+              <a:rPr lang="en-US" sz="1400" dirty="0">
+                <a:latin typeface="Times New Roman" pitchFamily="18" charset="0"/>
+                <a:cs typeface="Times New Roman" pitchFamily="18" charset="0"/>
+              </a:rPr>
+              <a:t>, J. A., Cary, T. R., </a:t>
+            </a:r>
+            <a:r>
+              <a:rPr lang="en-US" sz="1400" dirty="0" err="1">
+                <a:latin typeface="Times New Roman" pitchFamily="18" charset="0"/>
+                <a:cs typeface="Times New Roman" pitchFamily="18" charset="0"/>
+              </a:rPr>
+              <a:t>Diers</a:t>
+            </a:r>
+            <a:r>
+              <a:rPr lang="en-US" sz="1400" dirty="0">
+                <a:latin typeface="Times New Roman" pitchFamily="18" charset="0"/>
+                <a:cs typeface="Times New Roman" pitchFamily="18" charset="0"/>
+              </a:rPr>
+              <a:t>, B. W., and Ainsworth, E. A. (2014). Historical gains in soybean (Glycine max </a:t>
+            </a:r>
+            <a:r>
+              <a:rPr lang="en-US" sz="1400" dirty="0" err="1">
+                <a:latin typeface="Times New Roman" pitchFamily="18" charset="0"/>
+                <a:cs typeface="Times New Roman" pitchFamily="18" charset="0"/>
+              </a:rPr>
+              <a:t>Merr</a:t>
+            </a:r>
+            <a:r>
+              <a:rPr lang="en-US" sz="1400" dirty="0">
+                <a:latin typeface="Times New Roman" pitchFamily="18" charset="0"/>
+                <a:cs typeface="Times New Roman" pitchFamily="18" charset="0"/>
+              </a:rPr>
+              <a:t>.) seed yield are driven by linear increases in light interception, energy conversion, and partitioning efficiencies. Journal of Experimental Botany, 65(12):3311–3321</a:t>
+            </a:r>
+            <a:r>
+              <a:rPr lang="en-US" sz="1400" dirty="0" smtClean="0">
+                <a:latin typeface="Times New Roman" pitchFamily="18" charset="0"/>
+                <a:cs typeface="Times New Roman" pitchFamily="18" charset="0"/>
+              </a:rPr>
+              <a:t>.</a:t>
+            </a:r>
+          </a:p>
+          <a:p>
+            <a:r>
+              <a:rPr lang="en-GB" sz="1400" b="1" dirty="0" smtClean="0">
+                <a:latin typeface="Times New Roman" pitchFamily="18" charset="0"/>
+                <a:cs typeface="Times New Roman" pitchFamily="18" charset="0"/>
+              </a:rPr>
+              <a:t>Rotter</a:t>
+            </a:r>
+            <a:r>
+              <a:rPr lang="en-GB" sz="1400" dirty="0">
+                <a:latin typeface="Times New Roman" pitchFamily="18" charset="0"/>
+                <a:cs typeface="Times New Roman" pitchFamily="18" charset="0"/>
+              </a:rPr>
+              <a:t>, R., Tao, F., </a:t>
+            </a:r>
+            <a:r>
+              <a:rPr lang="en-GB" sz="1400" dirty="0" err="1" smtClean="0">
+                <a:latin typeface="Times New Roman" pitchFamily="18" charset="0"/>
+                <a:cs typeface="Times New Roman" pitchFamily="18" charset="0"/>
+              </a:rPr>
+              <a:t>Hohn</a:t>
+            </a:r>
+            <a:r>
+              <a:rPr lang="en-GB" sz="1400" dirty="0">
+                <a:latin typeface="Times New Roman" pitchFamily="18" charset="0"/>
+                <a:cs typeface="Times New Roman" pitchFamily="18" charset="0"/>
+              </a:rPr>
+              <a:t>, J., and </a:t>
+            </a:r>
+            <a:r>
+              <a:rPr lang="en-GB" sz="1400" dirty="0" err="1">
+                <a:latin typeface="Times New Roman" pitchFamily="18" charset="0"/>
+                <a:cs typeface="Times New Roman" pitchFamily="18" charset="0"/>
+              </a:rPr>
+              <a:t>Palosuo</a:t>
+            </a:r>
+            <a:r>
+              <a:rPr lang="en-GB" sz="1400" dirty="0">
+                <a:latin typeface="Times New Roman" pitchFamily="18" charset="0"/>
+                <a:cs typeface="Times New Roman" pitchFamily="18" charset="0"/>
+              </a:rPr>
+              <a:t>, T. (2015). Use of crop </a:t>
+            </a:r>
+            <a:r>
+              <a:rPr lang="en-GB" sz="1400" dirty="0" smtClean="0">
+                <a:latin typeface="Times New Roman" pitchFamily="18" charset="0"/>
+                <a:cs typeface="Times New Roman" pitchFamily="18" charset="0"/>
+              </a:rPr>
+              <a:t>simulation modelling </a:t>
+            </a:r>
+            <a:r>
+              <a:rPr lang="en-GB" sz="1400" dirty="0">
+                <a:latin typeface="Times New Roman" pitchFamily="18" charset="0"/>
+                <a:cs typeface="Times New Roman" pitchFamily="18" charset="0"/>
+              </a:rPr>
+              <a:t>to aid </a:t>
+            </a:r>
+            <a:r>
+              <a:rPr lang="en-GB" sz="1400" dirty="0" err="1">
+                <a:latin typeface="Times New Roman" pitchFamily="18" charset="0"/>
+                <a:cs typeface="Times New Roman" pitchFamily="18" charset="0"/>
+              </a:rPr>
+              <a:t>ideotype</a:t>
+            </a:r>
+            <a:r>
+              <a:rPr lang="en-GB" sz="1400" dirty="0">
+                <a:latin typeface="Times New Roman" pitchFamily="18" charset="0"/>
+                <a:cs typeface="Times New Roman" pitchFamily="18" charset="0"/>
+              </a:rPr>
+              <a:t> design of future cereal cultivars. Journal of Experimental Botany, page erv098</a:t>
+            </a:r>
+            <a:r>
+              <a:rPr lang="en-GB" sz="1400" dirty="0" smtClean="0">
+                <a:latin typeface="Times New Roman" pitchFamily="18" charset="0"/>
+                <a:cs typeface="Times New Roman" pitchFamily="18" charset="0"/>
+              </a:rPr>
+              <a:t>.</a:t>
+            </a:r>
+          </a:p>
+          <a:p>
+            <a:r>
+              <a:rPr lang="en-GB" sz="1400" b="1" dirty="0" err="1">
+                <a:latin typeface="Times New Roman" pitchFamily="18" charset="0"/>
+                <a:cs typeface="Times New Roman" pitchFamily="18" charset="0"/>
+              </a:rPr>
+              <a:t>Plomion</a:t>
+            </a:r>
+            <a:r>
+              <a:rPr lang="en-GB" sz="1400" dirty="0">
+                <a:latin typeface="Times New Roman" pitchFamily="18" charset="0"/>
+                <a:cs typeface="Times New Roman" pitchFamily="18" charset="0"/>
+              </a:rPr>
+              <a:t>, C., </a:t>
+            </a:r>
+            <a:r>
+              <a:rPr lang="en-GB" sz="1400" dirty="0" err="1">
+                <a:latin typeface="Times New Roman" pitchFamily="18" charset="0"/>
+                <a:cs typeface="Times New Roman" pitchFamily="18" charset="0"/>
+              </a:rPr>
+              <a:t>Durel</a:t>
+            </a:r>
+            <a:r>
+              <a:rPr lang="en-GB" sz="1400" dirty="0">
+                <a:latin typeface="Times New Roman" pitchFamily="18" charset="0"/>
+                <a:cs typeface="Times New Roman" pitchFamily="18" charset="0"/>
+              </a:rPr>
+              <a:t>, C.-E., and O’Malley, D. M. (1996). Genetic dissection of height in maritime pine seedlings raised under accelerated growth conditions. </a:t>
+            </a:r>
+            <a:r>
+              <a:rPr lang="en-GB" sz="1400" dirty="0" err="1">
+                <a:latin typeface="Times New Roman" pitchFamily="18" charset="0"/>
+                <a:cs typeface="Times New Roman" pitchFamily="18" charset="0"/>
+              </a:rPr>
+              <a:t>Theor</a:t>
+            </a:r>
+            <a:r>
+              <a:rPr lang="en-GB" sz="1400" dirty="0">
+                <a:latin typeface="Times New Roman" pitchFamily="18" charset="0"/>
+                <a:cs typeface="Times New Roman" pitchFamily="18" charset="0"/>
+              </a:rPr>
+              <a:t> </a:t>
+            </a:r>
+            <a:r>
+              <a:rPr lang="en-GB" sz="1400" dirty="0" err="1">
+                <a:latin typeface="Times New Roman" pitchFamily="18" charset="0"/>
+                <a:cs typeface="Times New Roman" pitchFamily="18" charset="0"/>
+              </a:rPr>
+              <a:t>Appl</a:t>
+            </a:r>
+            <a:r>
+              <a:rPr lang="en-GB" sz="1400" dirty="0">
+                <a:latin typeface="Times New Roman" pitchFamily="18" charset="0"/>
+                <a:cs typeface="Times New Roman" pitchFamily="18" charset="0"/>
+              </a:rPr>
+              <a:t> Genet, 93:849–858</a:t>
+            </a:r>
+            <a:r>
+              <a:rPr lang="en-GB" sz="1400" dirty="0" smtClean="0">
+                <a:latin typeface="Times New Roman" pitchFamily="18" charset="0"/>
+                <a:cs typeface="Times New Roman" pitchFamily="18" charset="0"/>
+              </a:rPr>
+              <a:t>.</a:t>
+            </a:r>
+          </a:p>
+          <a:p>
+            <a:r>
+              <a:rPr lang="en-GB" sz="1400" b="1" dirty="0">
+                <a:latin typeface="Times New Roman" pitchFamily="18" charset="0"/>
+                <a:cs typeface="Times New Roman" pitchFamily="18" charset="0"/>
+              </a:rPr>
+              <a:t>Yang</a:t>
+            </a:r>
+            <a:r>
+              <a:rPr lang="en-GB" sz="1400" dirty="0">
+                <a:latin typeface="Times New Roman" pitchFamily="18" charset="0"/>
+                <a:cs typeface="Times New Roman" pitchFamily="18" charset="0"/>
+              </a:rPr>
+              <a:t>, X.-C. and </a:t>
+            </a:r>
+            <a:r>
+              <a:rPr lang="en-GB" sz="1400" b="1" dirty="0" err="1">
+                <a:latin typeface="Times New Roman" pitchFamily="18" charset="0"/>
+                <a:cs typeface="Times New Roman" pitchFamily="18" charset="0"/>
+              </a:rPr>
+              <a:t>Hwa</a:t>
+            </a:r>
+            <a:r>
+              <a:rPr lang="en-GB" sz="1400" dirty="0">
+                <a:latin typeface="Times New Roman" pitchFamily="18" charset="0"/>
+                <a:cs typeface="Times New Roman" pitchFamily="18" charset="0"/>
+              </a:rPr>
+              <a:t>, C.-M. (2008). Genetic modification of plant architecture and variety improvement in rice. Heredity, 101:396–404</a:t>
+            </a:r>
+            <a:r>
+              <a:rPr lang="en-GB" sz="1400" dirty="0" smtClean="0">
+                <a:latin typeface="Times New Roman" pitchFamily="18" charset="0"/>
+                <a:cs typeface="Times New Roman" pitchFamily="18" charset="0"/>
+              </a:rPr>
+              <a:t>.</a:t>
+            </a:r>
+          </a:p>
+          <a:p>
+            <a:r>
+              <a:rPr lang="en-GB" sz="1400" b="1" dirty="0">
+                <a:latin typeface="Times New Roman" pitchFamily="18" charset="0"/>
+                <a:cs typeface="Times New Roman" pitchFamily="18" charset="0"/>
+              </a:rPr>
+              <a:t>Sakamoto</a:t>
+            </a:r>
+            <a:r>
+              <a:rPr lang="en-GB" sz="1400" dirty="0">
+                <a:latin typeface="Times New Roman" pitchFamily="18" charset="0"/>
+                <a:cs typeface="Times New Roman" pitchFamily="18" charset="0"/>
+              </a:rPr>
+              <a:t>, T. and </a:t>
+            </a:r>
+            <a:r>
+              <a:rPr lang="en-GB" sz="1400" b="1" dirty="0">
+                <a:latin typeface="Times New Roman" pitchFamily="18" charset="0"/>
+                <a:cs typeface="Times New Roman" pitchFamily="18" charset="0"/>
+              </a:rPr>
+              <a:t>Matsuoka</a:t>
+            </a:r>
+            <a:r>
+              <a:rPr lang="en-GB" sz="1400" dirty="0">
+                <a:latin typeface="Times New Roman" pitchFamily="18" charset="0"/>
+                <a:cs typeface="Times New Roman" pitchFamily="18" charset="0"/>
+              </a:rPr>
+              <a:t>, M. (2004). Generating high-yielding </a:t>
+            </a:r>
+            <a:r>
+              <a:rPr lang="en-GB" sz="1400" dirty="0" err="1">
+                <a:latin typeface="Times New Roman" pitchFamily="18" charset="0"/>
+                <a:cs typeface="Times New Roman" pitchFamily="18" charset="0"/>
+              </a:rPr>
+              <a:t>vari</a:t>
+            </a:r>
+            <a:r>
+              <a:rPr lang="en-GB" sz="1400" dirty="0">
+                <a:latin typeface="Times New Roman" pitchFamily="18" charset="0"/>
+                <a:cs typeface="Times New Roman" pitchFamily="18" charset="0"/>
+              </a:rPr>
+              <a:t>- </a:t>
+            </a:r>
+            <a:r>
+              <a:rPr lang="en-GB" sz="1400" dirty="0" err="1">
+                <a:latin typeface="Times New Roman" pitchFamily="18" charset="0"/>
+                <a:cs typeface="Times New Roman" pitchFamily="18" charset="0"/>
+              </a:rPr>
+              <a:t>eties</a:t>
+            </a:r>
+            <a:r>
+              <a:rPr lang="en-GB" sz="1400" dirty="0">
+                <a:latin typeface="Times New Roman" pitchFamily="18" charset="0"/>
+                <a:cs typeface="Times New Roman" pitchFamily="18" charset="0"/>
+              </a:rPr>
+              <a:t> by genetic manipulation of plant architecture. Current Opinion in Biotechnology, 15:144–147</a:t>
+            </a:r>
+            <a:r>
+              <a:rPr lang="en-GB" sz="1400" dirty="0" smtClean="0">
+                <a:latin typeface="Times New Roman" pitchFamily="18" charset="0"/>
+                <a:cs typeface="Times New Roman" pitchFamily="18" charset="0"/>
+              </a:rPr>
+              <a:t>.</a:t>
+            </a:r>
+          </a:p>
+          <a:p>
+            <a:r>
+              <a:rPr lang="en-GB" sz="1400" b="1" dirty="0">
+                <a:latin typeface="Times New Roman" pitchFamily="18" charset="0"/>
+                <a:cs typeface="Times New Roman" pitchFamily="18" charset="0"/>
+              </a:rPr>
+              <a:t>Segura</a:t>
+            </a:r>
+            <a:r>
+              <a:rPr lang="en-GB" sz="1400" dirty="0">
+                <a:latin typeface="Times New Roman" pitchFamily="18" charset="0"/>
+                <a:cs typeface="Times New Roman" pitchFamily="18" charset="0"/>
+              </a:rPr>
+              <a:t>, V., </a:t>
+            </a:r>
+            <a:r>
+              <a:rPr lang="en-GB" sz="1400" dirty="0" err="1">
+                <a:latin typeface="Times New Roman" pitchFamily="18" charset="0"/>
+                <a:cs typeface="Times New Roman" pitchFamily="18" charset="0"/>
+              </a:rPr>
+              <a:t>Cilas</a:t>
+            </a:r>
+            <a:r>
+              <a:rPr lang="en-GB" sz="1400" dirty="0">
+                <a:latin typeface="Times New Roman" pitchFamily="18" charset="0"/>
+                <a:cs typeface="Times New Roman" pitchFamily="18" charset="0"/>
+              </a:rPr>
+              <a:t>, C., and </a:t>
+            </a:r>
+            <a:r>
+              <a:rPr lang="en-GB" sz="1400" dirty="0" err="1">
+                <a:latin typeface="Times New Roman" pitchFamily="18" charset="0"/>
+                <a:cs typeface="Times New Roman" pitchFamily="18" charset="0"/>
+              </a:rPr>
+              <a:t>Costes</a:t>
+            </a:r>
+            <a:r>
+              <a:rPr lang="en-GB" sz="1400" dirty="0">
+                <a:latin typeface="Times New Roman" pitchFamily="18" charset="0"/>
+                <a:cs typeface="Times New Roman" pitchFamily="18" charset="0"/>
+              </a:rPr>
+              <a:t>, E. (</a:t>
+            </a:r>
+            <a:r>
+              <a:rPr lang="en-GB" sz="1400" dirty="0" smtClean="0">
+                <a:latin typeface="Times New Roman" pitchFamily="18" charset="0"/>
+                <a:cs typeface="Times New Roman" pitchFamily="18" charset="0"/>
+              </a:rPr>
+              <a:t>2008). </a:t>
+            </a:r>
+            <a:r>
+              <a:rPr lang="en-GB" sz="1400" dirty="0">
+                <a:latin typeface="Times New Roman" pitchFamily="18" charset="0"/>
+                <a:cs typeface="Times New Roman" pitchFamily="18" charset="0"/>
+              </a:rPr>
+              <a:t>Dissecting apple tree architecture into genetic, ontogenetic and environmental effects: mixed linear modelling of repeated spatial and temporal measures. New </a:t>
+            </a:r>
+            <a:r>
+              <a:rPr lang="en-GB" sz="1400" dirty="0" err="1">
+                <a:latin typeface="Times New Roman" pitchFamily="18" charset="0"/>
+                <a:cs typeface="Times New Roman" pitchFamily="18" charset="0"/>
+              </a:rPr>
+              <a:t>Phytologist</a:t>
+            </a:r>
+            <a:r>
+              <a:rPr lang="en-GB" sz="1400" dirty="0">
+                <a:latin typeface="Times New Roman" pitchFamily="18" charset="0"/>
+                <a:cs typeface="Times New Roman" pitchFamily="18" charset="0"/>
+              </a:rPr>
+              <a:t>, 178:302–314</a:t>
+            </a:r>
+            <a:r>
+              <a:rPr lang="en-GB" sz="1400" dirty="0" smtClean="0">
+                <a:latin typeface="Times New Roman" pitchFamily="18" charset="0"/>
+                <a:cs typeface="Times New Roman" pitchFamily="18" charset="0"/>
+              </a:rPr>
+              <a:t>.</a:t>
+            </a:r>
+          </a:p>
+          <a:p>
+            <a:r>
+              <a:rPr lang="en-GB" sz="1400" b="1" dirty="0" err="1">
+                <a:latin typeface="Times New Roman" pitchFamily="18" charset="0"/>
+                <a:cs typeface="Times New Roman" pitchFamily="18" charset="0"/>
+              </a:rPr>
+              <a:t>Frary</a:t>
+            </a:r>
+            <a:r>
+              <a:rPr lang="en-GB" sz="1400" dirty="0">
+                <a:latin typeface="Times New Roman" pitchFamily="18" charset="0"/>
+                <a:cs typeface="Times New Roman" pitchFamily="18" charset="0"/>
+              </a:rPr>
+              <a:t>, A., Fritz, L. A., and </a:t>
+            </a:r>
+            <a:r>
+              <a:rPr lang="en-GB" sz="1400" dirty="0" err="1">
+                <a:latin typeface="Times New Roman" pitchFamily="18" charset="0"/>
+                <a:cs typeface="Times New Roman" pitchFamily="18" charset="0"/>
+              </a:rPr>
+              <a:t>Tanksley</a:t>
+            </a:r>
+            <a:r>
+              <a:rPr lang="en-GB" sz="1400" dirty="0">
+                <a:latin typeface="Times New Roman" pitchFamily="18" charset="0"/>
+                <a:cs typeface="Times New Roman" pitchFamily="18" charset="0"/>
+              </a:rPr>
+              <a:t>, S. D. (2004). A comparative study of the genetic bases of natural variation in tomato leaf, sepal, and petal morphology. </a:t>
+            </a:r>
+            <a:r>
+              <a:rPr lang="en-GB" sz="1400" dirty="0" err="1">
+                <a:latin typeface="Times New Roman" pitchFamily="18" charset="0"/>
+                <a:cs typeface="Times New Roman" pitchFamily="18" charset="0"/>
+              </a:rPr>
+              <a:t>Theor</a:t>
+            </a:r>
+            <a:r>
+              <a:rPr lang="en-GB" sz="1400" dirty="0">
+                <a:latin typeface="Times New Roman" pitchFamily="18" charset="0"/>
+                <a:cs typeface="Times New Roman" pitchFamily="18" charset="0"/>
+              </a:rPr>
+              <a:t> </a:t>
+            </a:r>
+            <a:r>
+              <a:rPr lang="en-GB" sz="1400" dirty="0" err="1">
+                <a:latin typeface="Times New Roman" pitchFamily="18" charset="0"/>
+                <a:cs typeface="Times New Roman" pitchFamily="18" charset="0"/>
+              </a:rPr>
+              <a:t>Appl</a:t>
+            </a:r>
+            <a:r>
+              <a:rPr lang="en-GB" sz="1400" dirty="0">
+                <a:latin typeface="Times New Roman" pitchFamily="18" charset="0"/>
+                <a:cs typeface="Times New Roman" pitchFamily="18" charset="0"/>
+              </a:rPr>
+              <a:t> Genet, </a:t>
+            </a:r>
+            <a:r>
+              <a:rPr lang="en-GB" sz="1400" dirty="0" smtClean="0">
+                <a:latin typeface="Times New Roman" pitchFamily="18" charset="0"/>
+                <a:cs typeface="Times New Roman" pitchFamily="18" charset="0"/>
+              </a:rPr>
+              <a:t>109:523–533</a:t>
+            </a:r>
+          </a:p>
+          <a:p>
+            <a:r>
+              <a:rPr lang="en-GB" sz="1400" b="1" dirty="0">
+                <a:latin typeface="Times New Roman" pitchFamily="18" charset="0"/>
+                <a:cs typeface="Times New Roman" pitchFamily="18" charset="0"/>
+              </a:rPr>
+              <a:t>Li</a:t>
+            </a:r>
+            <a:r>
+              <a:rPr lang="en-GB" sz="1400" dirty="0">
+                <a:latin typeface="Times New Roman" pitchFamily="18" charset="0"/>
+                <a:cs typeface="Times New Roman" pitchFamily="18" charset="0"/>
+              </a:rPr>
+              <a:t>, C., Li, Y., Shi, Y., Song, Y., Zhang, D., Buckler, E. S., Zhang, Z., Wang, T., and Li, Y. (2015). Genetic control of the leaf angle and leaf orientation value as revealed by ultra-high density maps in three connected maize populations. </a:t>
+            </a:r>
+            <a:r>
+              <a:rPr lang="en-GB" sz="1400" dirty="0" err="1">
+                <a:latin typeface="Times New Roman" pitchFamily="18" charset="0"/>
+                <a:cs typeface="Times New Roman" pitchFamily="18" charset="0"/>
+              </a:rPr>
+              <a:t>PloS</a:t>
+            </a:r>
+            <a:r>
+              <a:rPr lang="en-GB" sz="1400" dirty="0">
+                <a:latin typeface="Times New Roman" pitchFamily="18" charset="0"/>
+                <a:cs typeface="Times New Roman" pitchFamily="18" charset="0"/>
+              </a:rPr>
+              <a:t> ONE, 10(3):e0121624</a:t>
+            </a:r>
+            <a:r>
+              <a:rPr lang="en-GB" sz="1400" dirty="0" smtClean="0">
+                <a:latin typeface="Times New Roman" pitchFamily="18" charset="0"/>
+                <a:cs typeface="Times New Roman" pitchFamily="18" charset="0"/>
+              </a:rPr>
+              <a:t>.</a:t>
+            </a:r>
+          </a:p>
+          <a:p>
+            <a:endParaRPr lang="en-GB" sz="1400" dirty="0" smtClean="0">
+              <a:latin typeface="Times New Roman" pitchFamily="18" charset="0"/>
+              <a:cs typeface="Times New Roman" pitchFamily="18" charset="0"/>
+            </a:endParaRPr>
+          </a:p>
+          <a:p>
+            <a:endParaRPr lang="en-US" sz="1400" dirty="0">
+              <a:latin typeface="Times New Roman" pitchFamily="18" charset="0"/>
+              <a:cs typeface="Times New Roman" pitchFamily="18" charset="0"/>
+            </a:endParaRPr>
+          </a:p>
+        </p:txBody>
+      </p:sp>
+      <p:sp>
+        <p:nvSpPr>
+          <p:cNvPr id="3" name="Titre 1"/>
+          <p:cNvSpPr txBox="1">
+            <a:spLocks/>
+          </p:cNvSpPr>
+          <p:nvPr/>
+        </p:nvSpPr>
+        <p:spPr>
+          <a:xfrm>
+            <a:off x="467544" y="-99392"/>
+            <a:ext cx="8229600" cy="1143000"/>
+          </a:xfrm>
+          <a:prstGeom prst="rect">
+            <a:avLst/>
+          </a:prstGeom>
+        </p:spPr>
+        <p:txBody>
+          <a:bodyPr>
+            <a:normAutofit/>
+          </a:bodyPr>
+          <a:lstStyle>
+            <a:lvl1pPr algn="ctr" defTabSz="914400" rtl="0" eaLnBrk="1" latinLnBrk="0" hangingPunct="1">
+              <a:spcBef>
+                <a:spcPct val="0"/>
+              </a:spcBef>
+              <a:buNone/>
+              <a:defRPr sz="4400" kern="1200">
+                <a:solidFill>
+                  <a:schemeClr val="tx1"/>
+                </a:solidFill>
+                <a:latin typeface="+mj-lt"/>
+                <a:ea typeface="+mj-ea"/>
+                <a:cs typeface="+mj-cs"/>
+              </a:defRPr>
+            </a:lvl1pPr>
+          </a:lstStyle>
+          <a:p>
+            <a:r>
+              <a:rPr lang="en-US" sz="2400" dirty="0" smtClean="0">
+                <a:latin typeface="Times New Roman" pitchFamily="18" charset="0"/>
+                <a:cs typeface="Times New Roman" pitchFamily="18" charset="0"/>
+              </a:rPr>
+              <a:t>References</a:t>
+            </a:r>
+            <a:endParaRPr lang="en-US" sz="2400" dirty="0">
+              <a:latin typeface="Times New Roman" pitchFamily="18" charset="0"/>
+              <a:cs typeface="Times New Roman" pitchFamily="18" charset="0"/>
+            </a:endParaRPr>
+          </a:p>
+        </p:txBody>
+      </p:sp>
+    </p:spTree>
+    <p:extLst>
+      <p:ext uri="{BB962C8B-B14F-4D97-AF65-F5344CB8AC3E}">
+        <p14:creationId xmlns:p14="http://schemas.microsoft.com/office/powerpoint/2010/main" val="2596883615"/>
+      </p:ext>
+    </p:extLst>
+  </p:cSld>
+  <p:clrMapOvr>
+    <a:masterClrMapping/>
+  </p:clrMapOvr>
+  <p:timing>
+    <p:tnLst>
+      <p:par>
+        <p:cTn id="1" dur="indefinite" restart="never" nodeType="tmRoot"/>
+      </p:par>
+    </p:tnLst>
+  </p:timing>
 </p:sld>
 </file>
 
@@ -3866,4 +9574,289 @@
   <a:objectDefaults/>
   <a:extraClrSchemeLst/>
 </a:theme>
+</file>
+
+<file path=ppt/theme/theme2.xml><?xml version="1.0" encoding="utf-8"?>
+<a:theme xmlns:a="http://schemas.openxmlformats.org/drawingml/2006/main" name="Thème Office">
+  <a:themeElements>
+    <a:clrScheme name="Office">
+      <a:dk1>
+        <a:sysClr val="windowText" lastClr="000000"/>
+      </a:dk1>
+      <a:lt1>
+        <a:sysClr val="window" lastClr="FFFFFF"/>
+      </a:lt1>
+      <a:dk2>
+        <a:srgbClr val="1F497D"/>
+      </a:dk2>
+      <a:lt2>
+        <a:srgbClr val="EEECE1"/>
+      </a:lt2>
+      <a:accent1>
+        <a:srgbClr val="4F81BD"/>
+      </a:accent1>
+      <a:accent2>
+        <a:srgbClr val="C0504D"/>
+      </a:accent2>
+      <a:accent3>
+        <a:srgbClr val="9BBB59"/>
+      </a:accent3>
+      <a:accent4>
+        <a:srgbClr val="8064A2"/>
+      </a:accent4>
+      <a:accent5>
+        <a:srgbClr val="4BACC6"/>
+      </a:accent5>
+      <a:accent6>
+        <a:srgbClr val="F79646"/>
+      </a:accent6>
+      <a:hlink>
+        <a:srgbClr val="0000FF"/>
+      </a:hlink>
+      <a:folHlink>
+        <a:srgbClr val="800080"/>
+      </a:folHlink>
+    </a:clrScheme>
+    <a:fontScheme name="Office">
+      <a:majorFont>
+        <a:latin typeface="Calibri"/>
+        <a:ea typeface=""/>
+        <a:cs typeface=""/>
+        <a:font script="Jpan" typeface="ＭＳ Ｐゴシック"/>
+        <a:font script="Hang" typeface="맑은 고딕"/>
+        <a:font script="Hans" typeface="宋体"/>
+        <a:font script="Hant" typeface="新細明體"/>
+        <a:font script="Arab" typeface="Times New Roman"/>
+        <a:font script="Hebr" typeface="Times New Roman"/>
+        <a:font script="Thai" typeface="Angsana New"/>
+        <a:font script="Ethi" typeface="Nyala"/>
+        <a:font script="Beng" typeface="Vrinda"/>
+        <a:font script="Gujr" typeface="Shruti"/>
+        <a:font script="Khmr" typeface="MoolBoran"/>
+        <a:font script="Knda" typeface="Tunga"/>
+        <a:font script="Guru" typeface="Raavi"/>
+        <a:font script="Cans" typeface="Euphemia"/>
+        <a:font script="Cher" typeface="Plantagenet Cherokee"/>
+        <a:font script="Yiii" typeface="Microsoft Yi Baiti"/>
+        <a:font script="Tibt" typeface="Microsoft Himalaya"/>
+        <a:font script="Thaa" typeface="MV Boli"/>
+        <a:font script="Deva" typeface="Mangal"/>
+        <a:font script="Telu" typeface="Gautami"/>
+        <a:font script="Taml" typeface="Latha"/>
+        <a:font script="Syrc" typeface="Estrangelo Edessa"/>
+        <a:font script="Orya" typeface="Kalinga"/>
+        <a:font script="Mlym" typeface="Kartika"/>
+        <a:font script="Laoo" typeface="DokChampa"/>
+        <a:font script="Sinh" typeface="Iskoola Pota"/>
+        <a:font script="Mong" typeface="Mongolian Baiti"/>
+        <a:font script="Viet" typeface="Times New Roman"/>
+        <a:font script="Uigh" typeface="Microsoft Uighur"/>
+        <a:font script="Geor" typeface="Sylfaen"/>
+      </a:majorFont>
+      <a:minorFont>
+        <a:latin typeface="Calibri"/>
+        <a:ea typeface=""/>
+        <a:cs typeface=""/>
+        <a:font script="Jpan" typeface="ＭＳ Ｐゴシック"/>
+        <a:font script="Hang" typeface="맑은 고딕"/>
+        <a:font script="Hans" typeface="宋体"/>
+        <a:font script="Hant" typeface="新細明體"/>
+        <a:font script="Arab" typeface="Arial"/>
+        <a:font script="Hebr" typeface="Arial"/>
+        <a:font script="Thai" typeface="Cordia New"/>
+        <a:font script="Ethi" typeface="Nyala"/>
+        <a:font script="Beng" typeface="Vrinda"/>
+        <a:font script="Gujr" typeface="Shruti"/>
+        <a:font script="Khmr" typeface="DaunPenh"/>
+        <a:font script="Knda" typeface="Tunga"/>
+        <a:font script="Guru" typeface="Raavi"/>
+        <a:font script="Cans" typeface="Euphemia"/>
+        <a:font script="Cher" typeface="Plantagenet Cherokee"/>
+        <a:font script="Yiii" typeface="Microsoft Yi Baiti"/>
+        <a:font script="Tibt" typeface="Microsoft Himalaya"/>
+        <a:font script="Thaa" typeface="MV Boli"/>
+        <a:font script="Deva" typeface="Mangal"/>
+        <a:font script="Telu" typeface="Gautami"/>
+        <a:font script="Taml" typeface="Latha"/>
+        <a:font script="Syrc" typeface="Estrangelo Edessa"/>
+        <a:font script="Orya" typeface="Kalinga"/>
+        <a:font script="Mlym" typeface="Kartika"/>
+        <a:font script="Laoo" typeface="DokChampa"/>
+        <a:font script="Sinh" typeface="Iskoola Pota"/>
+        <a:font script="Mong" typeface="Mongolian Baiti"/>
+        <a:font script="Viet" typeface="Arial"/>
+        <a:font script="Uigh" typeface="Microsoft Uighur"/>
+        <a:font script="Geor" typeface="Sylfaen"/>
+      </a:minorFont>
+    </a:fontScheme>
+    <a:fmtScheme name="Office">
+      <a:fillStyleLst>
+        <a:solidFill>
+          <a:schemeClr val="phClr"/>
+        </a:solidFill>
+        <a:gradFill rotWithShape="1">
+          <a:gsLst>
+            <a:gs pos="0">
+              <a:schemeClr val="phClr">
+                <a:tint val="50000"/>
+                <a:satMod val="300000"/>
+              </a:schemeClr>
+            </a:gs>
+            <a:gs pos="35000">
+              <a:schemeClr val="phClr">
+                <a:tint val="37000"/>
+                <a:satMod val="300000"/>
+              </a:schemeClr>
+            </a:gs>
+            <a:gs pos="100000">
+              <a:schemeClr val="phClr">
+                <a:tint val="15000"/>
+                <a:satMod val="350000"/>
+              </a:schemeClr>
+            </a:gs>
+          </a:gsLst>
+          <a:lin ang="16200000" scaled="1"/>
+        </a:gradFill>
+        <a:gradFill rotWithShape="1">
+          <a:gsLst>
+            <a:gs pos="0">
+              <a:schemeClr val="phClr">
+                <a:shade val="51000"/>
+                <a:satMod val="130000"/>
+              </a:schemeClr>
+            </a:gs>
+            <a:gs pos="80000">
+              <a:schemeClr val="phClr">
+                <a:shade val="93000"/>
+                <a:satMod val="130000"/>
+              </a:schemeClr>
+            </a:gs>
+            <a:gs pos="100000">
+              <a:schemeClr val="phClr">
+                <a:shade val="94000"/>
+                <a:satMod val="135000"/>
+              </a:schemeClr>
+            </a:gs>
+          </a:gsLst>
+          <a:lin ang="16200000" scaled="0"/>
+        </a:gradFill>
+      </a:fillStyleLst>
+      <a:lnStyleLst>
+        <a:ln w="9525" cap="flat" cmpd="sng" algn="ctr">
+          <a:solidFill>
+            <a:schemeClr val="phClr">
+              <a:shade val="95000"/>
+              <a:satMod val="105000"/>
+            </a:schemeClr>
+          </a:solidFill>
+          <a:prstDash val="solid"/>
+        </a:ln>
+        <a:ln w="25400" cap="flat" cmpd="sng" algn="ctr">
+          <a:solidFill>
+            <a:schemeClr val="phClr"/>
+          </a:solidFill>
+          <a:prstDash val="solid"/>
+        </a:ln>
+        <a:ln w="38100" cap="flat" cmpd="sng" algn="ctr">
+          <a:solidFill>
+            <a:schemeClr val="phClr"/>
+          </a:solidFill>
+          <a:prstDash val="solid"/>
+        </a:ln>
+      </a:lnStyleLst>
+      <a:effectStyleLst>
+        <a:effectStyle>
+          <a:effectLst>
+            <a:outerShdw blurRad="40000" dist="20000" dir="5400000" rotWithShape="0">
+              <a:srgbClr val="000000">
+                <a:alpha val="38000"/>
+              </a:srgbClr>
+            </a:outerShdw>
+          </a:effectLst>
+        </a:effectStyle>
+        <a:effectStyle>
+          <a:effectLst>
+            <a:outerShdw blurRad="40000" dist="23000" dir="5400000" rotWithShape="0">
+              <a:srgbClr val="000000">
+                <a:alpha val="35000"/>
+              </a:srgbClr>
+            </a:outerShdw>
+          </a:effectLst>
+        </a:effectStyle>
+        <a:effectStyle>
+          <a:effectLst>
+            <a:outerShdw blurRad="40000" dist="23000" dir="5400000" rotWithShape="0">
+              <a:srgbClr val="000000">
+                <a:alpha val="35000"/>
+              </a:srgbClr>
+            </a:outerShdw>
+          </a:effectLst>
+          <a:scene3d>
+            <a:camera prst="orthographicFront">
+              <a:rot lat="0" lon="0" rev="0"/>
+            </a:camera>
+            <a:lightRig rig="threePt" dir="t">
+              <a:rot lat="0" lon="0" rev="1200000"/>
+            </a:lightRig>
+          </a:scene3d>
+          <a:sp3d>
+            <a:bevelT w="63500" h="25400"/>
+          </a:sp3d>
+        </a:effectStyle>
+      </a:effectStyleLst>
+      <a:bgFillStyleLst>
+        <a:solidFill>
+          <a:schemeClr val="phClr"/>
+        </a:solidFill>
+        <a:gradFill rotWithShape="1">
+          <a:gsLst>
+            <a:gs pos="0">
+              <a:schemeClr val="phClr">
+                <a:tint val="40000"/>
+                <a:satMod val="350000"/>
+              </a:schemeClr>
+            </a:gs>
+            <a:gs pos="40000">
+              <a:schemeClr val="phClr">
+                <a:tint val="45000"/>
+                <a:shade val="99000"/>
+                <a:satMod val="350000"/>
+              </a:schemeClr>
+            </a:gs>
+            <a:gs pos="100000">
+              <a:schemeClr val="phClr">
+                <a:shade val="20000"/>
+                <a:satMod val="255000"/>
+              </a:schemeClr>
+            </a:gs>
+          </a:gsLst>
+          <a:path path="circle">
+            <a:fillToRect l="50000" t="-80000" r="50000" b="180000"/>
+          </a:path>
+        </a:gradFill>
+        <a:gradFill rotWithShape="1">
+          <a:gsLst>
+            <a:gs pos="0">
+              <a:schemeClr val="phClr">
+                <a:tint val="80000"/>
+                <a:satMod val="300000"/>
+              </a:schemeClr>
+            </a:gs>
+            <a:gs pos="100000">
+              <a:schemeClr val="phClr">
+                <a:shade val="30000"/>
+                <a:satMod val="200000"/>
+              </a:schemeClr>
+            </a:gs>
+          </a:gsLst>
+          <a:path path="circle">
+            <a:fillToRect l="50000" t="50000" r="50000" b="50000"/>
+          </a:path>
+        </a:gradFill>
+      </a:bgFillStyleLst>
+    </a:fmtScheme>
+  </a:themeElements>
+  <a:objectDefaults/>
+  <a:extraClrSchemeLst/>
+</a:theme>
 </file>
--- a/TD_1/Intro.pptx
+++ b/TD_1/Intro.pptx
@@ -5,14 +5,15 @@
     <p:sldMasterId id="2147483648" r:id="rId1"/>
   </p:sldMasterIdLst>
   <p:notesMasterIdLst>
-    <p:notesMasterId r:id="rId7"/>
+    <p:notesMasterId r:id="rId8"/>
   </p:notesMasterIdLst>
   <p:sldIdLst>
     <p:sldId id="257" r:id="rId2"/>
     <p:sldId id="258" r:id="rId3"/>
     <p:sldId id="261" r:id="rId4"/>
     <p:sldId id="262" r:id="rId5"/>
-    <p:sldId id="263" r:id="rId6"/>
+    <p:sldId id="264" r:id="rId6"/>
+    <p:sldId id="263" r:id="rId7"/>
   </p:sldIdLst>
   <p:sldSz cx="9144000" cy="6858000" type="screen4x3"/>
   <p:notesSz cx="6858000" cy="9144000"/>
@@ -111,6 +112,22 @@
       </a:defRPr>
     </a:lvl9pPr>
   </p:defaultTextStyle>
+  <p:extLst>
+    <p:ext uri="{EFAFB233-063F-42B5-8137-9DF3F51BA10A}">
+      <p15:sldGuideLst xmlns:p15="http://schemas.microsoft.com/office/powerpoint/2012/main">
+        <p15:guide id="1" orient="horz" pos="2160">
+          <p15:clr>
+            <a:srgbClr val="A4A3A4"/>
+          </p15:clr>
+        </p15:guide>
+        <p15:guide id="2" pos="2880">
+          <p15:clr>
+            <a:srgbClr val="A4A3A4"/>
+          </p15:clr>
+        </p15:guide>
+      </p15:sldGuideLst>
+    </p:ext>
+  </p:extLst>
 </p:presentation>
 </file>
 
@@ -196,7 +213,7 @@
           <a:p>
             <a:fld id="{96EBC148-01C0-4376-9244-5F3371F1F30B}" type="datetimeFigureOut">
               <a:rPr lang="en-US" smtClean="0"/>
-              <a:t>5/13/2018</a:t>
+              <a:t>5/14/2018</a:t>
             </a:fld>
             <a:endParaRPr lang="en-US"/>
           </a:p>
@@ -1243,6 +1260,217 @@
 </p:notes>
 </file>
 
+<file path=ppt/notesSlides/notesSlide5.xml><?xml version="1.0" encoding="utf-8"?>
+<p:notes xmlns:a="http://schemas.openxmlformats.org/drawingml/2006/main" xmlns:r="http://schemas.openxmlformats.org/officeDocument/2006/relationships" xmlns:p="http://schemas.openxmlformats.org/presentationml/2006/main">
+  <p:cSld>
+    <p:bg>
+      <p:bgPr>
+        <a:solidFill>
+          <a:srgbClr val="FFFFFF"/>
+        </a:solidFill>
+        <a:effectLst/>
+      </p:bgPr>
+    </p:bg>
+    <p:spTree>
+      <p:nvGrpSpPr>
+        <p:cNvPr id="1" name=""/>
+        <p:cNvGrpSpPr/>
+        <p:nvPr/>
+      </p:nvGrpSpPr>
+      <p:grpSpPr>
+        <a:xfrm>
+          <a:off x="0" y="0"/>
+          <a:ext cx="0" cy="0"/>
+          <a:chOff x="0" y="0"/>
+          <a:chExt cx="0" cy="0"/>
+        </a:xfrm>
+      </p:grpSpPr>
+      <p:sp>
+        <p:nvSpPr>
+          <p:cNvPr id="4098" name="Text Box 1"/>
+          <p:cNvSpPr txBox="1">
+            <a:spLocks noChangeArrowheads="1"/>
+          </p:cNvSpPr>
+          <p:nvPr/>
+        </p:nvSpPr>
+        <p:spPr bwMode="auto">
+          <a:xfrm>
+            <a:off x="1400736" y="914977"/>
+            <a:ext cx="4055129" cy="3134591"/>
+          </a:xfrm>
+          <a:prstGeom prst="rect">
+            <a:avLst/>
+          </a:prstGeom>
+          <a:solidFill>
+            <a:srgbClr val="FFFFFF"/>
+          </a:solidFill>
+          <a:ln w="9525">
+            <a:solidFill>
+              <a:srgbClr val="000000"/>
+            </a:solidFill>
+            <a:miter lim="800000"/>
+            <a:headEnd/>
+            <a:tailEnd/>
+          </a:ln>
+          <a:effectLst/>
+          <a:extLst>
+            <a:ext uri="{AF507438-7753-43E0-B8FC-AC1667EBCBE1}">
+              <a14:hiddenEffects xmlns:a14="http://schemas.microsoft.com/office/drawing/2010/main">
+                <a:effectLst>
+                  <a:outerShdw dist="35921" dir="2700000" algn="ctr" rotWithShape="0">
+                    <a:srgbClr val="808080"/>
+                  </a:outerShdw>
+                </a:effectLst>
+              </a14:hiddenEffects>
+            </a:ext>
+          </a:extLst>
+        </p:spPr>
+        <p:txBody>
+          <a:bodyPr wrap="none" lIns="85643" tIns="42821" rIns="85643" bIns="42821" anchor="ctr"/>
+          <a:lstStyle/>
+          <a:p>
+            <a:endParaRPr lang="en-US" altLang="fr-FR"/>
+          </a:p>
+        </p:txBody>
+      </p:sp>
+      <p:sp>
+        <p:nvSpPr>
+          <p:cNvPr id="4099" name="Text Box 2"/>
+          <p:cNvSpPr txBox="1">
+            <a:spLocks noGrp="1" noChangeArrowheads="1"/>
+          </p:cNvSpPr>
+          <p:nvPr>
+            <p:ph type="body"/>
+          </p:nvPr>
+        </p:nvSpPr>
+        <p:spPr>
+          <a:xfrm>
+            <a:off x="1046350" y="4352637"/>
+            <a:ext cx="4770904" cy="3478068"/>
+          </a:xfrm>
+          <a:noFill/>
+          <a:extLst>
+            <a:ext uri="{AF507438-7753-43E0-B8FC-AC1667EBCBE1}">
+              <a14:hiddenEffects xmlns:a14="http://schemas.microsoft.com/office/drawing/2010/main">
+                <a:effectLst>
+                  <a:outerShdw dist="35921" dir="2700000" algn="ctr" rotWithShape="0">
+                    <a:srgbClr val="808080"/>
+                  </a:outerShdw>
+                </a:effectLst>
+              </a14:hiddenEffects>
+            </a:ext>
+          </a:extLst>
+        </p:spPr>
+        <p:txBody>
+          <a:bodyPr/>
+          <a:lstStyle/>
+          <a:p>
+            <a:pPr marL="80290" indent="-80290" eaLnBrk="1">
+              <a:lnSpc>
+                <a:spcPct val="93000"/>
+              </a:lnSpc>
+              <a:spcBef>
+                <a:spcPct val="0"/>
+              </a:spcBef>
+              <a:buSzPct val="45000"/>
+              <a:tabLst>
+                <a:tab pos="678005" algn="l"/>
+                <a:tab pos="1356009" algn="l"/>
+                <a:tab pos="2034014" algn="l"/>
+                <a:tab pos="2712019" algn="l"/>
+                <a:tab pos="3390024" algn="l"/>
+                <a:tab pos="4068028" algn="l"/>
+                <a:tab pos="4746033" algn="l"/>
+              </a:tabLst>
+            </a:pPr>
+            <a:r>
+              <a:rPr lang="en-GB" altLang="fr-FR" smtClean="0">
+                <a:latin typeface="Arial" pitchFamily="34" charset="0"/>
+                <a:ea typeface="msgothic" charset="0"/>
+                <a:cs typeface="msgothic" charset="0"/>
+              </a:rPr>
+              <a:t>Leaf inclination angle affects light distribution in sorghum canopies. (A) Virtual sorghum plants and sorghum plots that vary in their leaf inclination angles (orange represents a larger leaf inclination angle relative to blue). (B) Light extinction curves for virtual plots from panel A simulated under solar conditions representing 13:00 on July 13, 2013, in College Station, Texas (W96°20", N30°37"). (C) Field plots of RIL 63 and RIL 73 from which light measurements were taken. (D) Light extinction curves for field plots from panel C assayed around 15:30 on July 22, 2014, in College Station, Texas. (E) Light extinction curves for virtual plots representing RIL 63 and RIL 73 simulated under solar conditions representing 15:30 on July 22, 2014, in College Station, Texas. In both simulation and field studies, plots with smaller leaf inclination angles fit a smaller light extinction coefficient </a:t>
+            </a:r>
+            <a:r>
+              <a:rPr lang="en-GB" altLang="fr-FR" i="1" smtClean="0">
+                <a:latin typeface="Arial" pitchFamily="34" charset="0"/>
+                <a:ea typeface="msgothic" charset="0"/>
+                <a:cs typeface="msgothic" charset="0"/>
+              </a:rPr>
+              <a:t>k</a:t>
+            </a:r>
+            <a:r>
+              <a:rPr lang="en-GB" altLang="fr-FR" baseline="-33000" smtClean="0">
+                <a:latin typeface="Arial" pitchFamily="34" charset="0"/>
+                <a:ea typeface="msgothic" charset="0"/>
+                <a:cs typeface="msgothic" charset="0"/>
+              </a:rPr>
+              <a:t>2</a:t>
+            </a:r>
+            <a:r>
+              <a:rPr lang="en-GB" altLang="fr-FR" smtClean="0">
+                <a:latin typeface="Arial" pitchFamily="34" charset="0"/>
+                <a:ea typeface="msgothic" charset="0"/>
+                <a:cs typeface="msgothic" charset="0"/>
+              </a:rPr>
+              <a:t> relative to plots with larger leaf inclination angles (panels B, D, and E). </a:t>
+            </a:r>
+            <a:r>
+              <a:rPr lang="en-GB" altLang="fr-FR" i="1" smtClean="0">
+                <a:latin typeface="Arial" pitchFamily="34" charset="0"/>
+                <a:ea typeface="msgothic" charset="0"/>
+                <a:cs typeface="msgothic" charset="0"/>
+              </a:rPr>
+              <a:t>k</a:t>
+            </a:r>
+            <a:r>
+              <a:rPr lang="en-GB" altLang="fr-FR" baseline="-33000" smtClean="0">
+                <a:latin typeface="Arial" pitchFamily="34" charset="0"/>
+                <a:ea typeface="msgothic" charset="0"/>
+                <a:cs typeface="msgothic" charset="0"/>
+              </a:rPr>
+              <a:t>2</a:t>
+            </a:r>
+            <a:r>
+              <a:rPr lang="en-GB" altLang="fr-FR" smtClean="0">
+                <a:latin typeface="Arial" pitchFamily="34" charset="0"/>
+                <a:ea typeface="msgothic" charset="0"/>
+                <a:cs typeface="msgothic" charset="0"/>
+              </a:rPr>
+              <a:t> values are derived from fits to equation (2) (see </a:t>
+            </a:r>
+            <a:r>
+              <a:rPr lang="en-GB" altLang="fr-FR" i="1" smtClean="0">
+                <a:latin typeface="Arial" pitchFamily="34" charset="0"/>
+                <a:ea typeface="msgothic" charset="0"/>
+                <a:cs typeface="msgothic" charset="0"/>
+              </a:rPr>
+              <a:t>Materials and Methods</a:t>
+            </a:r>
+            <a:r>
+              <a:rPr lang="en-GB" altLang="fr-FR" smtClean="0">
+                <a:latin typeface="Arial" pitchFamily="34" charset="0"/>
+                <a:ea typeface="msgothic" charset="0"/>
+                <a:cs typeface="msgothic" charset="0"/>
+              </a:rPr>
+              <a:t>).</a:t>
+            </a:r>
+          </a:p>
+        </p:txBody>
+      </p:sp>
+    </p:spTree>
+    <p:extLst>
+      <p:ext uri="{BB962C8B-B14F-4D97-AF65-F5344CB8AC3E}">
+        <p14:creationId xmlns:p14="http://schemas.microsoft.com/office/powerpoint/2010/main" val="4111527965"/>
+      </p:ext>
+    </p:extLst>
+  </p:cSld>
+  <p:clrMapOvr>
+    <a:masterClrMapping/>
+  </p:clrMapOvr>
+</p:notes>
+</file>
+
 <file path=ppt/slideLayouts/slideLayout1.xml><?xml version="1.0" encoding="utf-8"?>
 <p:sldLayout xmlns:a="http://schemas.openxmlformats.org/drawingml/2006/main" xmlns:r="http://schemas.openxmlformats.org/officeDocument/2006/relationships" xmlns:p="http://schemas.openxmlformats.org/presentationml/2006/main" type="title" preserve="1">
   <p:cSld name="Diapositive de titre">
@@ -1424,7 +1652,7 @@
           <a:p>
             <a:fld id="{7F764DF7-321D-4EDA-ABAA-FE341B137145}" type="datetimeFigureOut">
               <a:rPr lang="en-US" smtClean="0"/>
-              <a:t>5/13/2018</a:t>
+              <a:t>5/14/2018</a:t>
             </a:fld>
             <a:endParaRPr lang="en-US"/>
           </a:p>
@@ -1594,7 +1822,7 @@
           <a:p>
             <a:fld id="{7F764DF7-321D-4EDA-ABAA-FE341B137145}" type="datetimeFigureOut">
               <a:rPr lang="en-US" smtClean="0"/>
-              <a:t>5/13/2018</a:t>
+              <a:t>5/14/2018</a:t>
             </a:fld>
             <a:endParaRPr lang="en-US"/>
           </a:p>
@@ -1774,7 +2002,7 @@
           <a:p>
             <a:fld id="{7F764DF7-321D-4EDA-ABAA-FE341B137145}" type="datetimeFigureOut">
               <a:rPr lang="en-US" smtClean="0"/>
-              <a:t>5/13/2018</a:t>
+              <a:t>5/14/2018</a:t>
             </a:fld>
             <a:endParaRPr lang="en-US"/>
           </a:p>
@@ -1944,7 +2172,7 @@
           <a:p>
             <a:fld id="{7F764DF7-321D-4EDA-ABAA-FE341B137145}" type="datetimeFigureOut">
               <a:rPr lang="en-US" smtClean="0"/>
-              <a:t>5/13/2018</a:t>
+              <a:t>5/14/2018</a:t>
             </a:fld>
             <a:endParaRPr lang="en-US"/>
           </a:p>
@@ -2190,7 +2418,7 @@
           <a:p>
             <a:fld id="{7F764DF7-321D-4EDA-ABAA-FE341B137145}" type="datetimeFigureOut">
               <a:rPr lang="en-US" smtClean="0"/>
-              <a:t>5/13/2018</a:t>
+              <a:t>5/14/2018</a:t>
             </a:fld>
             <a:endParaRPr lang="en-US"/>
           </a:p>
@@ -2478,7 +2706,7 @@
           <a:p>
             <a:fld id="{7F764DF7-321D-4EDA-ABAA-FE341B137145}" type="datetimeFigureOut">
               <a:rPr lang="en-US" smtClean="0"/>
-              <a:t>5/13/2018</a:t>
+              <a:t>5/14/2018</a:t>
             </a:fld>
             <a:endParaRPr lang="en-US"/>
           </a:p>
@@ -2900,7 +3128,7 @@
           <a:p>
             <a:fld id="{7F764DF7-321D-4EDA-ABAA-FE341B137145}" type="datetimeFigureOut">
               <a:rPr lang="en-US" smtClean="0"/>
-              <a:t>5/13/2018</a:t>
+              <a:t>5/14/2018</a:t>
             </a:fld>
             <a:endParaRPr lang="en-US"/>
           </a:p>
@@ -3018,7 +3246,7 @@
           <a:p>
             <a:fld id="{7F764DF7-321D-4EDA-ABAA-FE341B137145}" type="datetimeFigureOut">
               <a:rPr lang="en-US" smtClean="0"/>
-              <a:t>5/13/2018</a:t>
+              <a:t>5/14/2018</a:t>
             </a:fld>
             <a:endParaRPr lang="en-US"/>
           </a:p>
@@ -3113,7 +3341,7 @@
           <a:p>
             <a:fld id="{7F764DF7-321D-4EDA-ABAA-FE341B137145}" type="datetimeFigureOut">
               <a:rPr lang="en-US" smtClean="0"/>
-              <a:t>5/13/2018</a:t>
+              <a:t>5/14/2018</a:t>
             </a:fld>
             <a:endParaRPr lang="en-US"/>
           </a:p>
@@ -3390,7 +3618,7 @@
           <a:p>
             <a:fld id="{7F764DF7-321D-4EDA-ABAA-FE341B137145}" type="datetimeFigureOut">
               <a:rPr lang="en-US" smtClean="0"/>
-              <a:t>5/13/2018</a:t>
+              <a:t>5/14/2018</a:t>
             </a:fld>
             <a:endParaRPr lang="en-US"/>
           </a:p>
@@ -3643,7 +3871,7 @@
           <a:p>
             <a:fld id="{7F764DF7-321D-4EDA-ABAA-FE341B137145}" type="datetimeFigureOut">
               <a:rPr lang="en-US" smtClean="0"/>
-              <a:t>5/13/2018</a:t>
+              <a:t>5/14/2018</a:t>
             </a:fld>
             <a:endParaRPr lang="en-US"/>
           </a:p>
@@ -3856,7 +4084,7 @@
           <a:p>
             <a:fld id="{7F764DF7-321D-4EDA-ABAA-FE341B137145}" type="datetimeFigureOut">
               <a:rPr lang="en-US" smtClean="0"/>
-              <a:t>5/13/2018</a:t>
+              <a:t>5/14/2018</a:t>
             </a:fld>
             <a:endParaRPr lang="en-US"/>
           </a:p>
@@ -6152,8 +6380,8 @@
           </a:p>
         </p:txBody>
       </p:sp>
-      <mc:AlternateContent xmlns:mc="http://schemas.openxmlformats.org/markup-compatibility/2006">
-        <mc:Choice xmlns:a14="http://schemas.microsoft.com/office/drawing/2010/main" Requires="a14">
+      <mc:AlternateContent xmlns:mc="http://schemas.openxmlformats.org/markup-compatibility/2006" xmlns:a14="http://schemas.microsoft.com/office/drawing/2010/main">
+        <mc:Choice Requires="a14">
           <p:sp>
             <p:nvSpPr>
               <p:cNvPr id="5" name="ZoneTexte 4"/>
@@ -6201,7 +6429,7 @@
                           <m:supHide m:val="on"/>
                           <m:ctrlPr>
                             <a:rPr lang="fr-FR" sz="2400" b="0" i="1" smtClean="0">
-                              <a:latin typeface="Cambria Math"/>
+                              <a:latin typeface="Cambria Math" panose="02040503050406030204" pitchFamily="18" charset="0"/>
                             </a:rPr>
                           </m:ctrlPr>
                         </m:naryPr>
@@ -6222,7 +6450,7 @@
                             <m:sSubPr>
                               <m:ctrlPr>
                                 <a:rPr lang="el-GR" sz="2400" i="1">
-                                  <a:latin typeface="Cambria Math"/>
+                                  <a:latin typeface="Cambria Math" panose="02040503050406030204" pitchFamily="18" charset="0"/>
                                 </a:rPr>
                               </m:ctrlPr>
                             </m:sSubPr>
@@ -6246,7 +6474,7 @@
                                       <a:solidFill>
                                         <a:srgbClr val="FF0000"/>
                                       </a:solidFill>
-                                      <a:latin typeface="Cambria Math"/>
+                                      <a:latin typeface="Cambria Math" panose="02040503050406030204" pitchFamily="18" charset="0"/>
                                     </a:rPr>
                                   </m:ctrlPr>
                                 </m:sSubPr>
@@ -6312,7 +6540,7 @@
                             <m:sSubPr>
                               <m:ctrlPr>
                                 <a:rPr lang="el-GR" sz="2400" i="1">
-                                  <a:latin typeface="Cambria Math"/>
+                                  <a:latin typeface="Cambria Math" panose="02040503050406030204" pitchFamily="18" charset="0"/>
                                 </a:rPr>
                               </m:ctrlPr>
                             </m:sSubPr>
@@ -6346,7 +6574,7 @@
             </p:txBody>
           </p:sp>
         </mc:Choice>
-        <mc:Fallback>
+        <mc:Fallback xmlns="">
           <p:sp>
             <p:nvSpPr>
               <p:cNvPr id="5" name="ZoneTexte 4"/>
@@ -8476,6 +8704,1146 @@
       </p:grpSpPr>
       <p:sp>
         <p:nvSpPr>
+          <p:cNvPr id="2050" name="Text Box 1"/>
+          <p:cNvSpPr txBox="1">
+            <a:spLocks noChangeArrowheads="1"/>
+          </p:cNvSpPr>
+          <p:nvPr/>
+        </p:nvSpPr>
+        <p:spPr bwMode="auto">
+          <a:xfrm>
+            <a:off x="-896784" y="6093296"/>
+            <a:ext cx="8493120" cy="414764"/>
+          </a:xfrm>
+          <a:prstGeom prst="rect">
+            <a:avLst/>
+          </a:prstGeom>
+          <a:noFill/>
+          <a:ln>
+            <a:noFill/>
+          </a:ln>
+          <a:effectLst/>
+          <a:extLst>
+            <a:ext uri="{909E8E84-426E-40DD-AFC4-6F175D3DCCD1}">
+              <a14:hiddenFill xmlns:a14="http://schemas.microsoft.com/office/drawing/2010/main">
+                <a:solidFill>
+                  <a:srgbClr val="FFFFFF"/>
+                </a:solidFill>
+              </a14:hiddenFill>
+            </a:ext>
+            <a:ext uri="{91240B29-F687-4F45-9708-019B960494DF}">
+              <a14:hiddenLine xmlns:a14="http://schemas.microsoft.com/office/drawing/2010/main" w="9525">
+                <a:solidFill>
+                  <a:srgbClr val="FFFFFF"/>
+                </a:solidFill>
+                <a:round/>
+                <a:headEnd/>
+                <a:tailEnd/>
+              </a14:hiddenLine>
+            </a:ext>
+            <a:ext uri="{AF507438-7753-43E0-B8FC-AC1667EBCBE1}">
+              <a14:hiddenEffects xmlns:a14="http://schemas.microsoft.com/office/drawing/2010/main">
+                <a:effectLst>
+                  <a:outerShdw dist="35921" dir="2700000" algn="ctr" rotWithShape="0">
+                    <a:srgbClr val="808080"/>
+                  </a:outerShdw>
+                </a:effectLst>
+              </a14:hiddenEffects>
+            </a:ext>
+          </a:extLst>
+        </p:spPr>
+        <p:txBody>
+          <a:bodyPr lIns="0" tIns="0" rIns="0" bIns="0"/>
+          <a:lstStyle>
+            <a:lvl1pPr eaLnBrk="0">
+              <a:tabLst>
+                <a:tab pos="723900" algn="l"/>
+                <a:tab pos="1447800" algn="l"/>
+                <a:tab pos="2171700" algn="l"/>
+                <a:tab pos="2895600" algn="l"/>
+                <a:tab pos="3619500" algn="l"/>
+                <a:tab pos="4343400" algn="l"/>
+                <a:tab pos="5067300" algn="l"/>
+                <a:tab pos="5791200" algn="l"/>
+                <a:tab pos="6515100" algn="l"/>
+                <a:tab pos="7239000" algn="l"/>
+                <a:tab pos="7962900" algn="l"/>
+                <a:tab pos="8686800" algn="l"/>
+              </a:tabLst>
+              <a:defRPr sz="2400">
+                <a:solidFill>
+                  <a:schemeClr val="tx1"/>
+                </a:solidFill>
+                <a:latin typeface="Times New Roman" pitchFamily="18" charset="0"/>
+                <a:ea typeface="msgothic" charset="0"/>
+                <a:cs typeface="msgothic" charset="0"/>
+              </a:defRPr>
+            </a:lvl1pPr>
+            <a:lvl2pPr eaLnBrk="0">
+              <a:tabLst>
+                <a:tab pos="723900" algn="l"/>
+                <a:tab pos="1447800" algn="l"/>
+                <a:tab pos="2171700" algn="l"/>
+                <a:tab pos="2895600" algn="l"/>
+                <a:tab pos="3619500" algn="l"/>
+                <a:tab pos="4343400" algn="l"/>
+                <a:tab pos="5067300" algn="l"/>
+                <a:tab pos="5791200" algn="l"/>
+                <a:tab pos="6515100" algn="l"/>
+                <a:tab pos="7239000" algn="l"/>
+                <a:tab pos="7962900" algn="l"/>
+                <a:tab pos="8686800" algn="l"/>
+              </a:tabLst>
+              <a:defRPr sz="2400">
+                <a:solidFill>
+                  <a:schemeClr val="tx1"/>
+                </a:solidFill>
+                <a:latin typeface="Times New Roman" pitchFamily="18" charset="0"/>
+                <a:ea typeface="msgothic" charset="0"/>
+                <a:cs typeface="msgothic" charset="0"/>
+              </a:defRPr>
+            </a:lvl2pPr>
+            <a:lvl3pPr eaLnBrk="0">
+              <a:tabLst>
+                <a:tab pos="723900" algn="l"/>
+                <a:tab pos="1447800" algn="l"/>
+                <a:tab pos="2171700" algn="l"/>
+                <a:tab pos="2895600" algn="l"/>
+                <a:tab pos="3619500" algn="l"/>
+                <a:tab pos="4343400" algn="l"/>
+                <a:tab pos="5067300" algn="l"/>
+                <a:tab pos="5791200" algn="l"/>
+                <a:tab pos="6515100" algn="l"/>
+                <a:tab pos="7239000" algn="l"/>
+                <a:tab pos="7962900" algn="l"/>
+                <a:tab pos="8686800" algn="l"/>
+              </a:tabLst>
+              <a:defRPr sz="2400">
+                <a:solidFill>
+                  <a:schemeClr val="tx1"/>
+                </a:solidFill>
+                <a:latin typeface="Times New Roman" pitchFamily="18" charset="0"/>
+                <a:ea typeface="msgothic" charset="0"/>
+                <a:cs typeface="msgothic" charset="0"/>
+              </a:defRPr>
+            </a:lvl3pPr>
+            <a:lvl4pPr eaLnBrk="0">
+              <a:tabLst>
+                <a:tab pos="723900" algn="l"/>
+                <a:tab pos="1447800" algn="l"/>
+                <a:tab pos="2171700" algn="l"/>
+                <a:tab pos="2895600" algn="l"/>
+                <a:tab pos="3619500" algn="l"/>
+                <a:tab pos="4343400" algn="l"/>
+                <a:tab pos="5067300" algn="l"/>
+                <a:tab pos="5791200" algn="l"/>
+                <a:tab pos="6515100" algn="l"/>
+                <a:tab pos="7239000" algn="l"/>
+                <a:tab pos="7962900" algn="l"/>
+                <a:tab pos="8686800" algn="l"/>
+              </a:tabLst>
+              <a:defRPr sz="2400">
+                <a:solidFill>
+                  <a:schemeClr val="tx1"/>
+                </a:solidFill>
+                <a:latin typeface="Times New Roman" pitchFamily="18" charset="0"/>
+                <a:ea typeface="msgothic" charset="0"/>
+                <a:cs typeface="msgothic" charset="0"/>
+              </a:defRPr>
+            </a:lvl4pPr>
+            <a:lvl5pPr eaLnBrk="0">
+              <a:tabLst>
+                <a:tab pos="723900" algn="l"/>
+                <a:tab pos="1447800" algn="l"/>
+                <a:tab pos="2171700" algn="l"/>
+                <a:tab pos="2895600" algn="l"/>
+                <a:tab pos="3619500" algn="l"/>
+                <a:tab pos="4343400" algn="l"/>
+                <a:tab pos="5067300" algn="l"/>
+                <a:tab pos="5791200" algn="l"/>
+                <a:tab pos="6515100" algn="l"/>
+                <a:tab pos="7239000" algn="l"/>
+                <a:tab pos="7962900" algn="l"/>
+                <a:tab pos="8686800" algn="l"/>
+              </a:tabLst>
+              <a:defRPr sz="2400">
+                <a:solidFill>
+                  <a:schemeClr val="tx1"/>
+                </a:solidFill>
+                <a:latin typeface="Times New Roman" pitchFamily="18" charset="0"/>
+                <a:ea typeface="msgothic" charset="0"/>
+                <a:cs typeface="msgothic" charset="0"/>
+              </a:defRPr>
+            </a:lvl5pPr>
+            <a:lvl6pPr marL="1536700" indent="-215900" defTabSz="457200" eaLnBrk="0" fontAlgn="base" hangingPunct="0">
+              <a:lnSpc>
+                <a:spcPct val="93000"/>
+              </a:lnSpc>
+              <a:spcBef>
+                <a:spcPct val="0"/>
+              </a:spcBef>
+              <a:spcAft>
+                <a:spcPct val="0"/>
+              </a:spcAft>
+              <a:buClr>
+                <a:srgbClr val="000000"/>
+              </a:buClr>
+              <a:buSzPct val="45000"/>
+              <a:buFont typeface="Wingdings" pitchFamily="2" charset="2"/>
+              <a:tabLst>
+                <a:tab pos="723900" algn="l"/>
+                <a:tab pos="1447800" algn="l"/>
+                <a:tab pos="2171700" algn="l"/>
+                <a:tab pos="2895600" algn="l"/>
+                <a:tab pos="3619500" algn="l"/>
+                <a:tab pos="4343400" algn="l"/>
+                <a:tab pos="5067300" algn="l"/>
+                <a:tab pos="5791200" algn="l"/>
+                <a:tab pos="6515100" algn="l"/>
+                <a:tab pos="7239000" algn="l"/>
+                <a:tab pos="7962900" algn="l"/>
+                <a:tab pos="8686800" algn="l"/>
+              </a:tabLst>
+              <a:defRPr sz="2400">
+                <a:solidFill>
+                  <a:schemeClr val="tx1"/>
+                </a:solidFill>
+                <a:latin typeface="Times New Roman" pitchFamily="18" charset="0"/>
+                <a:ea typeface="msgothic" charset="0"/>
+                <a:cs typeface="msgothic" charset="0"/>
+              </a:defRPr>
+            </a:lvl6pPr>
+            <a:lvl7pPr marL="1993900" indent="-215900" defTabSz="457200" eaLnBrk="0" fontAlgn="base" hangingPunct="0">
+              <a:lnSpc>
+                <a:spcPct val="93000"/>
+              </a:lnSpc>
+              <a:spcBef>
+                <a:spcPct val="0"/>
+              </a:spcBef>
+              <a:spcAft>
+                <a:spcPct val="0"/>
+              </a:spcAft>
+              <a:buClr>
+                <a:srgbClr val="000000"/>
+              </a:buClr>
+              <a:buSzPct val="45000"/>
+              <a:buFont typeface="Wingdings" pitchFamily="2" charset="2"/>
+              <a:tabLst>
+                <a:tab pos="723900" algn="l"/>
+                <a:tab pos="1447800" algn="l"/>
+                <a:tab pos="2171700" algn="l"/>
+                <a:tab pos="2895600" algn="l"/>
+                <a:tab pos="3619500" algn="l"/>
+                <a:tab pos="4343400" algn="l"/>
+                <a:tab pos="5067300" algn="l"/>
+                <a:tab pos="5791200" algn="l"/>
+                <a:tab pos="6515100" algn="l"/>
+                <a:tab pos="7239000" algn="l"/>
+                <a:tab pos="7962900" algn="l"/>
+                <a:tab pos="8686800" algn="l"/>
+              </a:tabLst>
+              <a:defRPr sz="2400">
+                <a:solidFill>
+                  <a:schemeClr val="tx1"/>
+                </a:solidFill>
+                <a:latin typeface="Times New Roman" pitchFamily="18" charset="0"/>
+                <a:ea typeface="msgothic" charset="0"/>
+                <a:cs typeface="msgothic" charset="0"/>
+              </a:defRPr>
+            </a:lvl7pPr>
+            <a:lvl8pPr marL="2451100" indent="-215900" defTabSz="457200" eaLnBrk="0" fontAlgn="base" hangingPunct="0">
+              <a:lnSpc>
+                <a:spcPct val="93000"/>
+              </a:lnSpc>
+              <a:spcBef>
+                <a:spcPct val="0"/>
+              </a:spcBef>
+              <a:spcAft>
+                <a:spcPct val="0"/>
+              </a:spcAft>
+              <a:buClr>
+                <a:srgbClr val="000000"/>
+              </a:buClr>
+              <a:buSzPct val="45000"/>
+              <a:buFont typeface="Wingdings" pitchFamily="2" charset="2"/>
+              <a:tabLst>
+                <a:tab pos="723900" algn="l"/>
+                <a:tab pos="1447800" algn="l"/>
+                <a:tab pos="2171700" algn="l"/>
+                <a:tab pos="2895600" algn="l"/>
+                <a:tab pos="3619500" algn="l"/>
+                <a:tab pos="4343400" algn="l"/>
+                <a:tab pos="5067300" algn="l"/>
+                <a:tab pos="5791200" algn="l"/>
+                <a:tab pos="6515100" algn="l"/>
+                <a:tab pos="7239000" algn="l"/>
+                <a:tab pos="7962900" algn="l"/>
+                <a:tab pos="8686800" algn="l"/>
+              </a:tabLst>
+              <a:defRPr sz="2400">
+                <a:solidFill>
+                  <a:schemeClr val="tx1"/>
+                </a:solidFill>
+                <a:latin typeface="Times New Roman" pitchFamily="18" charset="0"/>
+                <a:ea typeface="msgothic" charset="0"/>
+                <a:cs typeface="msgothic" charset="0"/>
+              </a:defRPr>
+            </a:lvl8pPr>
+            <a:lvl9pPr marL="2908300" indent="-215900" defTabSz="457200" eaLnBrk="0" fontAlgn="base" hangingPunct="0">
+              <a:lnSpc>
+                <a:spcPct val="93000"/>
+              </a:lnSpc>
+              <a:spcBef>
+                <a:spcPct val="0"/>
+              </a:spcBef>
+              <a:spcAft>
+                <a:spcPct val="0"/>
+              </a:spcAft>
+              <a:buClr>
+                <a:srgbClr val="000000"/>
+              </a:buClr>
+              <a:buSzPct val="45000"/>
+              <a:buFont typeface="Wingdings" pitchFamily="2" charset="2"/>
+              <a:tabLst>
+                <a:tab pos="723900" algn="l"/>
+                <a:tab pos="1447800" algn="l"/>
+                <a:tab pos="2171700" algn="l"/>
+                <a:tab pos="2895600" algn="l"/>
+                <a:tab pos="3619500" algn="l"/>
+                <a:tab pos="4343400" algn="l"/>
+                <a:tab pos="5067300" algn="l"/>
+                <a:tab pos="5791200" algn="l"/>
+                <a:tab pos="6515100" algn="l"/>
+                <a:tab pos="7239000" algn="l"/>
+                <a:tab pos="7962900" algn="l"/>
+                <a:tab pos="8686800" algn="l"/>
+              </a:tabLst>
+              <a:defRPr sz="2400">
+                <a:solidFill>
+                  <a:schemeClr val="tx1"/>
+                </a:solidFill>
+                <a:latin typeface="Times New Roman" pitchFamily="18" charset="0"/>
+                <a:ea typeface="msgothic" charset="0"/>
+                <a:cs typeface="msgothic" charset="0"/>
+              </a:defRPr>
+            </a:lvl9pPr>
+          </a:lstStyle>
+          <a:p>
+            <a:pPr algn="ctr" eaLnBrk="1"/>
+            <a:r>
+              <a:rPr lang="en-GB" altLang="fr-FR" sz="1500" b="1">
+                <a:solidFill>
+                  <a:srgbClr val="000000"/>
+                </a:solidFill>
+                <a:latin typeface="Arial" pitchFamily="34" charset="0"/>
+              </a:rPr>
+              <a:t>Leaf inclination angle affects light distribution in sorghum canopies. </a:t>
+            </a:r>
+          </a:p>
+        </p:txBody>
+      </p:sp>
+      <p:pic>
+        <p:nvPicPr>
+          <p:cNvPr id="2051" name="Picture 2"/>
+          <p:cNvPicPr>
+            <a:picLocks noChangeAspect="1" noChangeArrowheads="1"/>
+          </p:cNvPicPr>
+          <p:nvPr/>
+        </p:nvPicPr>
+        <p:blipFill>
+          <a:blip r:embed="rId3">
+            <a:extLst>
+              <a:ext uri="{28A0092B-C50C-407E-A947-70E740481C1C}">
+                <a14:useLocalDpi xmlns:a14="http://schemas.microsoft.com/office/drawing/2010/main" val="0"/>
+              </a:ext>
+            </a:extLst>
+          </a:blip>
+          <a:srcRect/>
+          <a:stretch>
+            <a:fillRect/>
+          </a:stretch>
+        </p:blipFill>
+        <p:spPr bwMode="auto">
+          <a:xfrm>
+            <a:off x="7004161" y="6286260"/>
+            <a:ext cx="1916640" cy="397482"/>
+          </a:xfrm>
+          <a:prstGeom prst="rect">
+            <a:avLst/>
+          </a:prstGeom>
+          <a:noFill/>
+          <a:ln>
+            <a:noFill/>
+          </a:ln>
+          <a:effectLst/>
+          <a:extLst>
+            <a:ext uri="{909E8E84-426E-40DD-AFC4-6F175D3DCCD1}">
+              <a14:hiddenFill xmlns:a14="http://schemas.microsoft.com/office/drawing/2010/main">
+                <a:blipFill dpi="0" rotWithShape="0">
+                  <a:blip/>
+                  <a:srcRect/>
+                  <a:stretch>
+                    <a:fillRect/>
+                  </a:stretch>
+                </a:blipFill>
+              </a14:hiddenFill>
+            </a:ext>
+            <a:ext uri="{91240B29-F687-4F45-9708-019B960494DF}">
+              <a14:hiddenLine xmlns:a14="http://schemas.microsoft.com/office/drawing/2010/main" w="9525">
+                <a:solidFill>
+                  <a:srgbClr val="FFFFFF"/>
+                </a:solidFill>
+                <a:round/>
+                <a:headEnd/>
+                <a:tailEnd/>
+              </a14:hiddenLine>
+            </a:ext>
+            <a:ext uri="{AF507438-7753-43E0-B8FC-AC1667EBCBE1}">
+              <a14:hiddenEffects xmlns:a14="http://schemas.microsoft.com/office/drawing/2010/main">
+                <a:effectLst>
+                  <a:outerShdw dist="35921" dir="2700000" algn="ctr" rotWithShape="0">
+                    <a:srgbClr val="808080"/>
+                  </a:outerShdw>
+                </a:effectLst>
+              </a14:hiddenEffects>
+            </a:ext>
+          </a:extLst>
+        </p:spPr>
+      </p:pic>
+      <p:pic>
+        <p:nvPicPr>
+          <p:cNvPr id="2052" name="Picture 3"/>
+          <p:cNvPicPr>
+            <a:picLocks noChangeAspect="1" noChangeArrowheads="1"/>
+          </p:cNvPicPr>
+          <p:nvPr/>
+        </p:nvPicPr>
+        <p:blipFill>
+          <a:blip r:embed="rId4">
+            <a:extLst>
+              <a:ext uri="{28A0092B-C50C-407E-A947-70E740481C1C}">
+                <a14:useLocalDpi xmlns:a14="http://schemas.microsoft.com/office/drawing/2010/main" val="0"/>
+              </a:ext>
+            </a:extLst>
+          </a:blip>
+          <a:srcRect/>
+          <a:stretch>
+            <a:fillRect/>
+          </a:stretch>
+        </p:blipFill>
+        <p:spPr bwMode="auto">
+          <a:xfrm>
+            <a:off x="717120" y="979303"/>
+            <a:ext cx="7714080" cy="4893634"/>
+          </a:xfrm>
+          <a:prstGeom prst="rect">
+            <a:avLst/>
+          </a:prstGeom>
+          <a:noFill/>
+          <a:ln>
+            <a:noFill/>
+          </a:ln>
+          <a:effectLst/>
+          <a:extLst>
+            <a:ext uri="{909E8E84-426E-40DD-AFC4-6F175D3DCCD1}">
+              <a14:hiddenFill xmlns:a14="http://schemas.microsoft.com/office/drawing/2010/main">
+                <a:blipFill dpi="0" rotWithShape="0">
+                  <a:blip/>
+                  <a:srcRect/>
+                  <a:stretch>
+                    <a:fillRect/>
+                  </a:stretch>
+                </a:blipFill>
+              </a14:hiddenFill>
+            </a:ext>
+            <a:ext uri="{91240B29-F687-4F45-9708-019B960494DF}">
+              <a14:hiddenLine xmlns:a14="http://schemas.microsoft.com/office/drawing/2010/main" w="9525">
+                <a:solidFill>
+                  <a:srgbClr val="FFFFFF"/>
+                </a:solidFill>
+                <a:round/>
+                <a:headEnd/>
+                <a:tailEnd/>
+              </a14:hiddenLine>
+            </a:ext>
+            <a:ext uri="{AF507438-7753-43E0-B8FC-AC1667EBCBE1}">
+              <a14:hiddenEffects xmlns:a14="http://schemas.microsoft.com/office/drawing/2010/main">
+                <a:effectLst>
+                  <a:outerShdw dist="35921" dir="2700000" algn="ctr" rotWithShape="0">
+                    <a:srgbClr val="808080"/>
+                  </a:outerShdw>
+                </a:effectLst>
+              </a14:hiddenEffects>
+            </a:ext>
+          </a:extLst>
+        </p:spPr>
+      </p:pic>
+      <p:sp>
+        <p:nvSpPr>
+          <p:cNvPr id="2053" name="Text Box 4"/>
+          <p:cNvSpPr txBox="1">
+            <a:spLocks noChangeArrowheads="1"/>
+          </p:cNvSpPr>
+          <p:nvPr/>
+        </p:nvSpPr>
+        <p:spPr bwMode="auto">
+          <a:xfrm>
+            <a:off x="2987824" y="6392128"/>
+            <a:ext cx="3918240" cy="231864"/>
+          </a:xfrm>
+          <a:prstGeom prst="rect">
+            <a:avLst/>
+          </a:prstGeom>
+          <a:noFill/>
+          <a:ln>
+            <a:noFill/>
+          </a:ln>
+          <a:effectLst/>
+          <a:extLst>
+            <a:ext uri="{909E8E84-426E-40DD-AFC4-6F175D3DCCD1}">
+              <a14:hiddenFill xmlns:a14="http://schemas.microsoft.com/office/drawing/2010/main">
+                <a:solidFill>
+                  <a:srgbClr val="FFFFFF"/>
+                </a:solidFill>
+              </a14:hiddenFill>
+            </a:ext>
+            <a:ext uri="{91240B29-F687-4F45-9708-019B960494DF}">
+              <a14:hiddenLine xmlns:a14="http://schemas.microsoft.com/office/drawing/2010/main" w="9525">
+                <a:solidFill>
+                  <a:srgbClr val="FFFFFF"/>
+                </a:solidFill>
+                <a:round/>
+                <a:headEnd/>
+                <a:tailEnd/>
+              </a14:hiddenLine>
+            </a:ext>
+            <a:ext uri="{AF507438-7753-43E0-B8FC-AC1667EBCBE1}">
+              <a14:hiddenEffects xmlns:a14="http://schemas.microsoft.com/office/drawing/2010/main">
+                <a:effectLst>
+                  <a:outerShdw dist="35921" dir="2700000" algn="ctr" rotWithShape="0">
+                    <a:srgbClr val="808080"/>
+                  </a:outerShdw>
+                </a:effectLst>
+              </a14:hiddenEffects>
+            </a:ext>
+          </a:extLst>
+        </p:spPr>
+        <p:txBody>
+          <a:bodyPr lIns="0" tIns="0" rIns="0" bIns="0"/>
+          <a:lstStyle>
+            <a:lvl1pPr eaLnBrk="0">
+              <a:tabLst>
+                <a:tab pos="723900" algn="l"/>
+                <a:tab pos="1447800" algn="l"/>
+                <a:tab pos="2171700" algn="l"/>
+                <a:tab pos="2895600" algn="l"/>
+                <a:tab pos="3619500" algn="l"/>
+              </a:tabLst>
+              <a:defRPr sz="2400">
+                <a:solidFill>
+                  <a:schemeClr val="tx1"/>
+                </a:solidFill>
+                <a:latin typeface="Times New Roman" pitchFamily="18" charset="0"/>
+                <a:ea typeface="msgothic" charset="0"/>
+                <a:cs typeface="msgothic" charset="0"/>
+              </a:defRPr>
+            </a:lvl1pPr>
+            <a:lvl2pPr eaLnBrk="0">
+              <a:tabLst>
+                <a:tab pos="723900" algn="l"/>
+                <a:tab pos="1447800" algn="l"/>
+                <a:tab pos="2171700" algn="l"/>
+                <a:tab pos="2895600" algn="l"/>
+                <a:tab pos="3619500" algn="l"/>
+              </a:tabLst>
+              <a:defRPr sz="2400">
+                <a:solidFill>
+                  <a:schemeClr val="tx1"/>
+                </a:solidFill>
+                <a:latin typeface="Times New Roman" pitchFamily="18" charset="0"/>
+                <a:ea typeface="msgothic" charset="0"/>
+                <a:cs typeface="msgothic" charset="0"/>
+              </a:defRPr>
+            </a:lvl2pPr>
+            <a:lvl3pPr eaLnBrk="0">
+              <a:tabLst>
+                <a:tab pos="723900" algn="l"/>
+                <a:tab pos="1447800" algn="l"/>
+                <a:tab pos="2171700" algn="l"/>
+                <a:tab pos="2895600" algn="l"/>
+                <a:tab pos="3619500" algn="l"/>
+              </a:tabLst>
+              <a:defRPr sz="2400">
+                <a:solidFill>
+                  <a:schemeClr val="tx1"/>
+                </a:solidFill>
+                <a:latin typeface="Times New Roman" pitchFamily="18" charset="0"/>
+                <a:ea typeface="msgothic" charset="0"/>
+                <a:cs typeface="msgothic" charset="0"/>
+              </a:defRPr>
+            </a:lvl3pPr>
+            <a:lvl4pPr eaLnBrk="0">
+              <a:tabLst>
+                <a:tab pos="723900" algn="l"/>
+                <a:tab pos="1447800" algn="l"/>
+                <a:tab pos="2171700" algn="l"/>
+                <a:tab pos="2895600" algn="l"/>
+                <a:tab pos="3619500" algn="l"/>
+              </a:tabLst>
+              <a:defRPr sz="2400">
+                <a:solidFill>
+                  <a:schemeClr val="tx1"/>
+                </a:solidFill>
+                <a:latin typeface="Times New Roman" pitchFamily="18" charset="0"/>
+                <a:ea typeface="msgothic" charset="0"/>
+                <a:cs typeface="msgothic" charset="0"/>
+              </a:defRPr>
+            </a:lvl4pPr>
+            <a:lvl5pPr eaLnBrk="0">
+              <a:tabLst>
+                <a:tab pos="723900" algn="l"/>
+                <a:tab pos="1447800" algn="l"/>
+                <a:tab pos="2171700" algn="l"/>
+                <a:tab pos="2895600" algn="l"/>
+                <a:tab pos="3619500" algn="l"/>
+              </a:tabLst>
+              <a:defRPr sz="2400">
+                <a:solidFill>
+                  <a:schemeClr val="tx1"/>
+                </a:solidFill>
+                <a:latin typeface="Times New Roman" pitchFamily="18" charset="0"/>
+                <a:ea typeface="msgothic" charset="0"/>
+                <a:cs typeface="msgothic" charset="0"/>
+              </a:defRPr>
+            </a:lvl5pPr>
+            <a:lvl6pPr marL="1536700" indent="-215900" defTabSz="457200" eaLnBrk="0" fontAlgn="base" hangingPunct="0">
+              <a:lnSpc>
+                <a:spcPct val="93000"/>
+              </a:lnSpc>
+              <a:spcBef>
+                <a:spcPct val="0"/>
+              </a:spcBef>
+              <a:spcAft>
+                <a:spcPct val="0"/>
+              </a:spcAft>
+              <a:buClr>
+                <a:srgbClr val="000000"/>
+              </a:buClr>
+              <a:buSzPct val="45000"/>
+              <a:buFont typeface="Wingdings" pitchFamily="2" charset="2"/>
+              <a:tabLst>
+                <a:tab pos="723900" algn="l"/>
+                <a:tab pos="1447800" algn="l"/>
+                <a:tab pos="2171700" algn="l"/>
+                <a:tab pos="2895600" algn="l"/>
+                <a:tab pos="3619500" algn="l"/>
+              </a:tabLst>
+              <a:defRPr sz="2400">
+                <a:solidFill>
+                  <a:schemeClr val="tx1"/>
+                </a:solidFill>
+                <a:latin typeface="Times New Roman" pitchFamily="18" charset="0"/>
+                <a:ea typeface="msgothic" charset="0"/>
+                <a:cs typeface="msgothic" charset="0"/>
+              </a:defRPr>
+            </a:lvl6pPr>
+            <a:lvl7pPr marL="1993900" indent="-215900" defTabSz="457200" eaLnBrk="0" fontAlgn="base" hangingPunct="0">
+              <a:lnSpc>
+                <a:spcPct val="93000"/>
+              </a:lnSpc>
+              <a:spcBef>
+                <a:spcPct val="0"/>
+              </a:spcBef>
+              <a:spcAft>
+                <a:spcPct val="0"/>
+              </a:spcAft>
+              <a:buClr>
+                <a:srgbClr val="000000"/>
+              </a:buClr>
+              <a:buSzPct val="45000"/>
+              <a:buFont typeface="Wingdings" pitchFamily="2" charset="2"/>
+              <a:tabLst>
+                <a:tab pos="723900" algn="l"/>
+                <a:tab pos="1447800" algn="l"/>
+                <a:tab pos="2171700" algn="l"/>
+                <a:tab pos="2895600" algn="l"/>
+                <a:tab pos="3619500" algn="l"/>
+              </a:tabLst>
+              <a:defRPr sz="2400">
+                <a:solidFill>
+                  <a:schemeClr val="tx1"/>
+                </a:solidFill>
+                <a:latin typeface="Times New Roman" pitchFamily="18" charset="0"/>
+                <a:ea typeface="msgothic" charset="0"/>
+                <a:cs typeface="msgothic" charset="0"/>
+              </a:defRPr>
+            </a:lvl7pPr>
+            <a:lvl8pPr marL="2451100" indent="-215900" defTabSz="457200" eaLnBrk="0" fontAlgn="base" hangingPunct="0">
+              <a:lnSpc>
+                <a:spcPct val="93000"/>
+              </a:lnSpc>
+              <a:spcBef>
+                <a:spcPct val="0"/>
+              </a:spcBef>
+              <a:spcAft>
+                <a:spcPct val="0"/>
+              </a:spcAft>
+              <a:buClr>
+                <a:srgbClr val="000000"/>
+              </a:buClr>
+              <a:buSzPct val="45000"/>
+              <a:buFont typeface="Wingdings" pitchFamily="2" charset="2"/>
+              <a:tabLst>
+                <a:tab pos="723900" algn="l"/>
+                <a:tab pos="1447800" algn="l"/>
+                <a:tab pos="2171700" algn="l"/>
+                <a:tab pos="2895600" algn="l"/>
+                <a:tab pos="3619500" algn="l"/>
+              </a:tabLst>
+              <a:defRPr sz="2400">
+                <a:solidFill>
+                  <a:schemeClr val="tx1"/>
+                </a:solidFill>
+                <a:latin typeface="Times New Roman" pitchFamily="18" charset="0"/>
+                <a:ea typeface="msgothic" charset="0"/>
+                <a:cs typeface="msgothic" charset="0"/>
+              </a:defRPr>
+            </a:lvl8pPr>
+            <a:lvl9pPr marL="2908300" indent="-215900" defTabSz="457200" eaLnBrk="0" fontAlgn="base" hangingPunct="0">
+              <a:lnSpc>
+                <a:spcPct val="93000"/>
+              </a:lnSpc>
+              <a:spcBef>
+                <a:spcPct val="0"/>
+              </a:spcBef>
+              <a:spcAft>
+                <a:spcPct val="0"/>
+              </a:spcAft>
+              <a:buClr>
+                <a:srgbClr val="000000"/>
+              </a:buClr>
+              <a:buSzPct val="45000"/>
+              <a:buFont typeface="Wingdings" pitchFamily="2" charset="2"/>
+              <a:tabLst>
+                <a:tab pos="723900" algn="l"/>
+                <a:tab pos="1447800" algn="l"/>
+                <a:tab pos="2171700" algn="l"/>
+                <a:tab pos="2895600" algn="l"/>
+                <a:tab pos="3619500" algn="l"/>
+              </a:tabLst>
+              <a:defRPr sz="2400">
+                <a:solidFill>
+                  <a:schemeClr val="tx1"/>
+                </a:solidFill>
+                <a:latin typeface="Times New Roman" pitchFamily="18" charset="0"/>
+                <a:ea typeface="msgothic" charset="0"/>
+                <a:cs typeface="msgothic" charset="0"/>
+              </a:defRPr>
+            </a:lvl9pPr>
+          </a:lstStyle>
+          <a:p>
+            <a:pPr eaLnBrk="1"/>
+            <a:r>
+              <a:rPr lang="en-GB" altLang="fr-FR" sz="1100" b="1" dirty="0">
+                <a:solidFill>
+                  <a:srgbClr val="000000"/>
+                </a:solidFill>
+                <a:latin typeface="Arial" pitchFamily="34" charset="0"/>
+              </a:rPr>
+              <a:t>Sandra K. Truong et al. Genetics 2015;201:1229-1238</a:t>
+            </a:r>
+          </a:p>
+        </p:txBody>
+      </p:sp>
+      <p:sp>
+        <p:nvSpPr>
+          <p:cNvPr id="2054" name="Text Box 5"/>
+          <p:cNvSpPr txBox="1">
+            <a:spLocks noChangeArrowheads="1"/>
+          </p:cNvSpPr>
+          <p:nvPr/>
+        </p:nvSpPr>
+        <p:spPr bwMode="auto">
+          <a:xfrm>
+            <a:off x="97920" y="6531087"/>
+            <a:ext cx="4930560" cy="3470764"/>
+          </a:xfrm>
+          <a:prstGeom prst="rect">
+            <a:avLst/>
+          </a:prstGeom>
+          <a:noFill/>
+          <a:ln>
+            <a:noFill/>
+          </a:ln>
+          <a:effectLst/>
+          <a:extLst>
+            <a:ext uri="{909E8E84-426E-40DD-AFC4-6F175D3DCCD1}">
+              <a14:hiddenFill xmlns:a14="http://schemas.microsoft.com/office/drawing/2010/main">
+                <a:solidFill>
+                  <a:srgbClr val="FFFFFF"/>
+                </a:solidFill>
+              </a14:hiddenFill>
+            </a:ext>
+            <a:ext uri="{91240B29-F687-4F45-9708-019B960494DF}">
+              <a14:hiddenLine xmlns:a14="http://schemas.microsoft.com/office/drawing/2010/main" w="9525">
+                <a:solidFill>
+                  <a:srgbClr val="000000"/>
+                </a:solidFill>
+                <a:round/>
+                <a:headEnd/>
+                <a:tailEnd/>
+              </a14:hiddenLine>
+            </a:ext>
+            <a:ext uri="{AF507438-7753-43E0-B8FC-AC1667EBCBE1}">
+              <a14:hiddenEffects xmlns:a14="http://schemas.microsoft.com/office/drawing/2010/main">
+                <a:effectLst>
+                  <a:outerShdw dist="35921" dir="2700000" algn="ctr" rotWithShape="0">
+                    <a:srgbClr val="808080"/>
+                  </a:outerShdw>
+                </a:effectLst>
+              </a14:hiddenEffects>
+            </a:ext>
+          </a:extLst>
+        </p:spPr>
+        <p:txBody>
+          <a:bodyPr lIns="0" tIns="0" rIns="0" bIns="0"/>
+          <a:lstStyle>
+            <a:lvl1pPr marL="85725" indent="-85725" eaLnBrk="0">
+              <a:tabLst>
+                <a:tab pos="723900" algn="l"/>
+                <a:tab pos="1447800" algn="l"/>
+                <a:tab pos="2171700" algn="l"/>
+                <a:tab pos="2895600" algn="l"/>
+                <a:tab pos="3619500" algn="l"/>
+                <a:tab pos="4343400" algn="l"/>
+                <a:tab pos="5067300" algn="l"/>
+              </a:tabLst>
+              <a:defRPr sz="2400">
+                <a:solidFill>
+                  <a:schemeClr val="tx1"/>
+                </a:solidFill>
+                <a:latin typeface="Times New Roman" pitchFamily="18" charset="0"/>
+                <a:ea typeface="msgothic" charset="0"/>
+                <a:cs typeface="msgothic" charset="0"/>
+              </a:defRPr>
+            </a:lvl1pPr>
+            <a:lvl2pPr eaLnBrk="0">
+              <a:tabLst>
+                <a:tab pos="723900" algn="l"/>
+                <a:tab pos="1447800" algn="l"/>
+                <a:tab pos="2171700" algn="l"/>
+                <a:tab pos="2895600" algn="l"/>
+                <a:tab pos="3619500" algn="l"/>
+                <a:tab pos="4343400" algn="l"/>
+                <a:tab pos="5067300" algn="l"/>
+              </a:tabLst>
+              <a:defRPr sz="2400">
+                <a:solidFill>
+                  <a:schemeClr val="tx1"/>
+                </a:solidFill>
+                <a:latin typeface="Times New Roman" pitchFamily="18" charset="0"/>
+                <a:ea typeface="msgothic" charset="0"/>
+                <a:cs typeface="msgothic" charset="0"/>
+              </a:defRPr>
+            </a:lvl2pPr>
+            <a:lvl3pPr eaLnBrk="0">
+              <a:tabLst>
+                <a:tab pos="723900" algn="l"/>
+                <a:tab pos="1447800" algn="l"/>
+                <a:tab pos="2171700" algn="l"/>
+                <a:tab pos="2895600" algn="l"/>
+                <a:tab pos="3619500" algn="l"/>
+                <a:tab pos="4343400" algn="l"/>
+                <a:tab pos="5067300" algn="l"/>
+              </a:tabLst>
+              <a:defRPr sz="2400">
+                <a:solidFill>
+                  <a:schemeClr val="tx1"/>
+                </a:solidFill>
+                <a:latin typeface="Times New Roman" pitchFamily="18" charset="0"/>
+                <a:ea typeface="msgothic" charset="0"/>
+                <a:cs typeface="msgothic" charset="0"/>
+              </a:defRPr>
+            </a:lvl3pPr>
+            <a:lvl4pPr eaLnBrk="0">
+              <a:tabLst>
+                <a:tab pos="723900" algn="l"/>
+                <a:tab pos="1447800" algn="l"/>
+                <a:tab pos="2171700" algn="l"/>
+                <a:tab pos="2895600" algn="l"/>
+                <a:tab pos="3619500" algn="l"/>
+                <a:tab pos="4343400" algn="l"/>
+                <a:tab pos="5067300" algn="l"/>
+              </a:tabLst>
+              <a:defRPr sz="2400">
+                <a:solidFill>
+                  <a:schemeClr val="tx1"/>
+                </a:solidFill>
+                <a:latin typeface="Times New Roman" pitchFamily="18" charset="0"/>
+                <a:ea typeface="msgothic" charset="0"/>
+                <a:cs typeface="msgothic" charset="0"/>
+              </a:defRPr>
+            </a:lvl4pPr>
+            <a:lvl5pPr eaLnBrk="0">
+              <a:tabLst>
+                <a:tab pos="723900" algn="l"/>
+                <a:tab pos="1447800" algn="l"/>
+                <a:tab pos="2171700" algn="l"/>
+                <a:tab pos="2895600" algn="l"/>
+                <a:tab pos="3619500" algn="l"/>
+                <a:tab pos="4343400" algn="l"/>
+                <a:tab pos="5067300" algn="l"/>
+              </a:tabLst>
+              <a:defRPr sz="2400">
+                <a:solidFill>
+                  <a:schemeClr val="tx1"/>
+                </a:solidFill>
+                <a:latin typeface="Times New Roman" pitchFamily="18" charset="0"/>
+                <a:ea typeface="msgothic" charset="0"/>
+                <a:cs typeface="msgothic" charset="0"/>
+              </a:defRPr>
+            </a:lvl5pPr>
+            <a:lvl6pPr marL="1536700" indent="-215900" defTabSz="457200" eaLnBrk="0" fontAlgn="base" hangingPunct="0">
+              <a:lnSpc>
+                <a:spcPct val="93000"/>
+              </a:lnSpc>
+              <a:spcBef>
+                <a:spcPct val="0"/>
+              </a:spcBef>
+              <a:spcAft>
+                <a:spcPct val="0"/>
+              </a:spcAft>
+              <a:buClr>
+                <a:srgbClr val="000000"/>
+              </a:buClr>
+              <a:buSzPct val="45000"/>
+              <a:buFont typeface="Wingdings" pitchFamily="2" charset="2"/>
+              <a:tabLst>
+                <a:tab pos="723900" algn="l"/>
+                <a:tab pos="1447800" algn="l"/>
+                <a:tab pos="2171700" algn="l"/>
+                <a:tab pos="2895600" algn="l"/>
+                <a:tab pos="3619500" algn="l"/>
+                <a:tab pos="4343400" algn="l"/>
+                <a:tab pos="5067300" algn="l"/>
+              </a:tabLst>
+              <a:defRPr sz="2400">
+                <a:solidFill>
+                  <a:schemeClr val="tx1"/>
+                </a:solidFill>
+                <a:latin typeface="Times New Roman" pitchFamily="18" charset="0"/>
+                <a:ea typeface="msgothic" charset="0"/>
+                <a:cs typeface="msgothic" charset="0"/>
+              </a:defRPr>
+            </a:lvl6pPr>
+            <a:lvl7pPr marL="1993900" indent="-215900" defTabSz="457200" eaLnBrk="0" fontAlgn="base" hangingPunct="0">
+              <a:lnSpc>
+                <a:spcPct val="93000"/>
+              </a:lnSpc>
+              <a:spcBef>
+                <a:spcPct val="0"/>
+              </a:spcBef>
+              <a:spcAft>
+                <a:spcPct val="0"/>
+              </a:spcAft>
+              <a:buClr>
+                <a:srgbClr val="000000"/>
+              </a:buClr>
+              <a:buSzPct val="45000"/>
+              <a:buFont typeface="Wingdings" pitchFamily="2" charset="2"/>
+              <a:tabLst>
+                <a:tab pos="723900" algn="l"/>
+                <a:tab pos="1447800" algn="l"/>
+                <a:tab pos="2171700" algn="l"/>
+                <a:tab pos="2895600" algn="l"/>
+                <a:tab pos="3619500" algn="l"/>
+                <a:tab pos="4343400" algn="l"/>
+                <a:tab pos="5067300" algn="l"/>
+              </a:tabLst>
+              <a:defRPr sz="2400">
+                <a:solidFill>
+                  <a:schemeClr val="tx1"/>
+                </a:solidFill>
+                <a:latin typeface="Times New Roman" pitchFamily="18" charset="0"/>
+                <a:ea typeface="msgothic" charset="0"/>
+                <a:cs typeface="msgothic" charset="0"/>
+              </a:defRPr>
+            </a:lvl7pPr>
+            <a:lvl8pPr marL="2451100" indent="-215900" defTabSz="457200" eaLnBrk="0" fontAlgn="base" hangingPunct="0">
+              <a:lnSpc>
+                <a:spcPct val="93000"/>
+              </a:lnSpc>
+              <a:spcBef>
+                <a:spcPct val="0"/>
+              </a:spcBef>
+              <a:spcAft>
+                <a:spcPct val="0"/>
+              </a:spcAft>
+              <a:buClr>
+                <a:srgbClr val="000000"/>
+              </a:buClr>
+              <a:buSzPct val="45000"/>
+              <a:buFont typeface="Wingdings" pitchFamily="2" charset="2"/>
+              <a:tabLst>
+                <a:tab pos="723900" algn="l"/>
+                <a:tab pos="1447800" algn="l"/>
+                <a:tab pos="2171700" algn="l"/>
+                <a:tab pos="2895600" algn="l"/>
+                <a:tab pos="3619500" algn="l"/>
+                <a:tab pos="4343400" algn="l"/>
+                <a:tab pos="5067300" algn="l"/>
+              </a:tabLst>
+              <a:defRPr sz="2400">
+                <a:solidFill>
+                  <a:schemeClr val="tx1"/>
+                </a:solidFill>
+                <a:latin typeface="Times New Roman" pitchFamily="18" charset="0"/>
+                <a:ea typeface="msgothic" charset="0"/>
+                <a:cs typeface="msgothic" charset="0"/>
+              </a:defRPr>
+            </a:lvl8pPr>
+            <a:lvl9pPr marL="2908300" indent="-215900" defTabSz="457200" eaLnBrk="0" fontAlgn="base" hangingPunct="0">
+              <a:lnSpc>
+                <a:spcPct val="93000"/>
+              </a:lnSpc>
+              <a:spcBef>
+                <a:spcPct val="0"/>
+              </a:spcBef>
+              <a:spcAft>
+                <a:spcPct val="0"/>
+              </a:spcAft>
+              <a:buClr>
+                <a:srgbClr val="000000"/>
+              </a:buClr>
+              <a:buSzPct val="45000"/>
+              <a:buFont typeface="Wingdings" pitchFamily="2" charset="2"/>
+              <a:tabLst>
+                <a:tab pos="723900" algn="l"/>
+                <a:tab pos="1447800" algn="l"/>
+                <a:tab pos="2171700" algn="l"/>
+                <a:tab pos="2895600" algn="l"/>
+                <a:tab pos="3619500" algn="l"/>
+                <a:tab pos="4343400" algn="l"/>
+                <a:tab pos="5067300" algn="l"/>
+              </a:tabLst>
+              <a:defRPr sz="2400">
+                <a:solidFill>
+                  <a:schemeClr val="tx1"/>
+                </a:solidFill>
+                <a:latin typeface="Times New Roman" pitchFamily="18" charset="0"/>
+                <a:ea typeface="msgothic" charset="0"/>
+                <a:cs typeface="msgothic" charset="0"/>
+              </a:defRPr>
+            </a:lvl9pPr>
+          </a:lstStyle>
+          <a:p>
+            <a:pPr eaLnBrk="1"/>
+            <a:r>
+              <a:rPr lang="en-GB" altLang="fr-FR" sz="900">
+                <a:solidFill>
+                  <a:srgbClr val="000000"/>
+                </a:solidFill>
+                <a:latin typeface="Arial" pitchFamily="34" charset="0"/>
+              </a:rPr>
+              <a:t>Copyright © 2015 by the Genetics Society of America</a:t>
+            </a:r>
+          </a:p>
+        </p:txBody>
+      </p:sp>
+      <p:sp>
+        <p:nvSpPr>
+          <p:cNvPr id="3" name="ZoneTexte 2"/>
+          <p:cNvSpPr txBox="1"/>
+          <p:nvPr/>
+        </p:nvSpPr>
+        <p:spPr>
+          <a:xfrm>
+            <a:off x="367735" y="116632"/>
+            <a:ext cx="3184141" cy="584775"/>
+          </a:xfrm>
+          <a:prstGeom prst="rect">
+            <a:avLst/>
+          </a:prstGeom>
+          <a:noFill/>
+        </p:spPr>
+        <p:txBody>
+          <a:bodyPr wrap="none" rtlCol="0">
+            <a:spAutoFit/>
+          </a:bodyPr>
+          <a:lstStyle/>
+          <a:p>
+            <a:r>
+              <a:rPr lang="en-US" sz="3200" dirty="0" err="1" smtClean="0"/>
+              <a:t>Analyse</a:t>
+            </a:r>
+            <a:r>
+              <a:rPr lang="en-US" sz="3200" dirty="0" smtClean="0"/>
+              <a:t> de traits</a:t>
+            </a:r>
+            <a:endParaRPr lang="en-US" sz="3200" dirty="0"/>
+          </a:p>
+        </p:txBody>
+      </p:sp>
+    </p:spTree>
+    <p:extLst>
+      <p:ext uri="{BB962C8B-B14F-4D97-AF65-F5344CB8AC3E}">
+        <p14:creationId xmlns:p14="http://schemas.microsoft.com/office/powerpoint/2010/main" val="2812206840"/>
+      </p:ext>
+    </p:extLst>
+  </p:cSld>
+  <p:clrMapOvr>
+    <a:masterClrMapping/>
+  </p:clrMapOvr>
+  <p:transition spd="med"/>
+  <p:timing>
+    <p:tnLst>
+      <p:par>
+        <p:cTn id="1" dur="indefinite" restart="never" nodeType="tmRoot">
+          <p:childTnLst>
+            <p:seq concurrent="1" nextAc="seek">
+              <p:cTn id="2" dur="0" nodeType="mainSeq"/>
+              <p:prevCondLst>
+                <p:cond evt="onPrev" delay="0">
+                  <p:tgtEl>
+                    <p:sldTgt/>
+                  </p:tgtEl>
+                </p:cond>
+              </p:prevCondLst>
+              <p:nextCondLst>
+                <p:cond evt="onNext" delay="0">
+                  <p:tgtEl>
+                    <p:sldTgt/>
+                  </p:tgtEl>
+                </p:cond>
+              </p:nextCondLst>
+            </p:seq>
+          </p:childTnLst>
+        </p:cTn>
+      </p:par>
+    </p:tnLst>
+  </p:timing>
+</p:sld>
+</file>
+
+<file path=ppt/slides/slide6.xml><?xml version="1.0" encoding="utf-8"?>
+<p:sld xmlns:a="http://schemas.openxmlformats.org/drawingml/2006/main" xmlns:r="http://schemas.openxmlformats.org/officeDocument/2006/relationships" xmlns:p="http://schemas.openxmlformats.org/presentationml/2006/main">
+  <p:cSld>
+    <p:spTree>
+      <p:nvGrpSpPr>
+        <p:cNvPr id="1" name=""/>
+        <p:cNvGrpSpPr/>
+        <p:nvPr/>
+      </p:nvGrpSpPr>
+      <p:grpSpPr>
+        <a:xfrm>
+          <a:off x="0" y="0"/>
+          <a:ext cx="0" cy="0"/>
+          <a:chOff x="0" y="0"/>
+          <a:chExt cx="0" cy="0"/>
+        </a:xfrm>
+      </p:grpSpPr>
+      <p:sp>
+        <p:nvSpPr>
           <p:cNvPr id="2" name="Rectangle 1"/>
           <p:cNvSpPr/>
           <p:nvPr/>

--- a/TD_1/Intro.pptx
+++ b/TD_1/Intro.pptx
@@ -5,15 +5,18 @@
     <p:sldMasterId id="2147483648" r:id="rId1"/>
   </p:sldMasterIdLst>
   <p:notesMasterIdLst>
-    <p:notesMasterId r:id="rId8"/>
+    <p:notesMasterId r:id="rId11"/>
   </p:notesMasterIdLst>
   <p:sldIdLst>
-    <p:sldId id="257" r:id="rId2"/>
-    <p:sldId id="258" r:id="rId3"/>
-    <p:sldId id="261" r:id="rId4"/>
-    <p:sldId id="262" r:id="rId5"/>
-    <p:sldId id="264" r:id="rId6"/>
-    <p:sldId id="263" r:id="rId7"/>
+    <p:sldId id="265" r:id="rId2"/>
+    <p:sldId id="257" r:id="rId3"/>
+    <p:sldId id="258" r:id="rId4"/>
+    <p:sldId id="267" r:id="rId5"/>
+    <p:sldId id="261" r:id="rId6"/>
+    <p:sldId id="266" r:id="rId7"/>
+    <p:sldId id="262" r:id="rId8"/>
+    <p:sldId id="264" r:id="rId9"/>
+    <p:sldId id="263" r:id="rId10"/>
   </p:sldIdLst>
   <p:sldSz cx="9144000" cy="6858000" type="screen4x3"/>
   <p:notesSz cx="6858000" cy="9144000"/>
@@ -114,7 +117,7 @@
   </p:defaultTextStyle>
   <p:extLst>
     <p:ext uri="{EFAFB233-063F-42B5-8137-9DF3F51BA10A}">
-      <p15:sldGuideLst xmlns:p15="http://schemas.microsoft.com/office/powerpoint/2012/main">
+      <p15:sldGuideLst xmlns:p15="http://schemas.microsoft.com/office/powerpoint/2012/main" xmlns="">
         <p15:guide id="1" orient="horz" pos="2160">
           <p15:clr>
             <a:srgbClr val="A4A3A4"/>
@@ -699,7 +702,7 @@
           <a:p>
             <a:fld id="{1162107B-E87C-4A73-9799-FE164A4D0BBB}" type="slidenum">
               <a:rPr lang="en-US" smtClean="0"/>
-              <a:t>1</a:t>
+              <a:t>2</a:t>
             </a:fld>
             <a:endParaRPr lang="en-US"/>
           </a:p>
@@ -854,7 +857,7 @@
           <a:p>
             <a:fld id="{1162107B-E87C-4A73-9799-FE164A4D0BBB}" type="slidenum">
               <a:rPr lang="en-US" smtClean="0"/>
-              <a:t>2</a:t>
+              <a:t>3</a:t>
             </a:fld>
             <a:endParaRPr lang="en-US"/>
           </a:p>
@@ -917,64 +920,34 @@
           <a:bodyPr/>
           <a:lstStyle/>
           <a:p>
-            <a:pPr marL="0" marR="0" indent="0" algn="l" defTabSz="914400" rtl="0" eaLnBrk="1" fontAlgn="auto" latinLnBrk="0" hangingPunct="1">
-              <a:lnSpc>
-                <a:spcPct val="100000"/>
-              </a:lnSpc>
-              <a:spcBef>
-                <a:spcPts val="0"/>
-              </a:spcBef>
-              <a:spcAft>
-                <a:spcPts val="0"/>
-              </a:spcAft>
-              <a:buClrTx/>
-              <a:buSzTx/>
-              <a:buFontTx/>
-              <a:buNone/>
-              <a:tabLst/>
-              <a:defRPr/>
-            </a:pPr>
+            <a:r>
+              <a:rPr lang="en-US" dirty="0" smtClean="0"/>
+              <a:t>Lister les </a:t>
+            </a:r>
             <a:r>
               <a:rPr lang="en-US" dirty="0" err="1" smtClean="0"/>
-              <a:t>Monteith</a:t>
+              <a:t>ressources</a:t>
             </a:r>
             <a:r>
               <a:rPr lang="en-US" dirty="0" smtClean="0"/>
-              <a:t>:  </a:t>
+              <a:t> des </a:t>
             </a:r>
             <a:r>
               <a:rPr lang="en-US" dirty="0" err="1" smtClean="0"/>
-              <a:t>décomposition</a:t>
+              <a:t>plantes</a:t>
             </a:r>
             <a:r>
               <a:rPr lang="en-US" dirty="0" smtClean="0"/>
-              <a:t> du </a:t>
+              <a:t> (eau, </a:t>
             </a:r>
             <a:r>
               <a:rPr lang="en-US" dirty="0" err="1" smtClean="0"/>
-              <a:t>rendement</a:t>
-            </a:r>
-            <a:endParaRPr lang="en-US" dirty="0" smtClean="0"/>
-          </a:p>
-          <a:p>
-            <a:pPr marL="0" marR="0" indent="0" algn="l" defTabSz="914400" rtl="0" eaLnBrk="1" fontAlgn="auto" latinLnBrk="0" hangingPunct="1">
-              <a:lnSpc>
-                <a:spcPct val="100000"/>
-              </a:lnSpc>
-              <a:spcBef>
-                <a:spcPts val="0"/>
-              </a:spcBef>
-              <a:spcAft>
-                <a:spcPts val="0"/>
-              </a:spcAft>
-              <a:buClrTx/>
-              <a:buSzTx/>
-              <a:buFontTx/>
-              <a:buNone/>
-              <a:tabLst/>
-              <a:defRPr/>
-            </a:pPr>
-            <a:endParaRPr lang="en-US" dirty="0" smtClean="0"/>
+              <a:t>minéraux</a:t>
+            </a:r>
+            <a:r>
+              <a:rPr lang="en-US" dirty="0" smtClean="0"/>
+              <a:t>, lumière)</a:t>
+            </a:r>
           </a:p>
           <a:p>
             <a:pPr marL="285750" indent="-285750">
@@ -982,70 +955,122 @@
               <a:buChar char="à"/>
             </a:pPr>
             <a:r>
-              <a:rPr lang="en-US" dirty="0" err="1" smtClean="0"/>
-              <a:t>Exemple</a:t>
-            </a:r>
-            <a:r>
-              <a:rPr lang="en-US" dirty="0" smtClean="0"/>
-              <a:t> de </a:t>
-            </a:r>
-            <a:r>
-              <a:rPr lang="en-US" dirty="0" err="1" smtClean="0"/>
-              <a:t>l’évolution</a:t>
-            </a:r>
-            <a:r>
-              <a:rPr lang="en-US" dirty="0" smtClean="0"/>
-              <a:t> de </a:t>
-            </a:r>
-            <a:r>
-              <a:rPr lang="en-US" dirty="0" err="1" smtClean="0"/>
-              <a:t>l’architecture</a:t>
-            </a:r>
-            <a:r>
-              <a:rPr lang="en-US" dirty="0" smtClean="0"/>
+              <a:rPr lang="en-US" dirty="0" err="1" smtClean="0">
+                <a:sym typeface="Wingdings" pitchFamily="2" charset="2"/>
+              </a:rPr>
+              <a:t>dans</a:t>
+            </a:r>
+            <a:r>
+              <a:rPr lang="en-US" dirty="0" smtClean="0">
+                <a:sym typeface="Wingdings" pitchFamily="2" charset="2"/>
+              </a:rPr>
+              <a:t> un </a:t>
+            </a:r>
+            <a:r>
+              <a:rPr lang="en-US" dirty="0" err="1" smtClean="0">
+                <a:sym typeface="Wingdings" pitchFamily="2" charset="2"/>
+              </a:rPr>
+              <a:t>système</a:t>
+            </a:r>
+            <a:r>
+              <a:rPr lang="en-US" dirty="0" smtClean="0">
+                <a:sym typeface="Wingdings" pitchFamily="2" charset="2"/>
+              </a:rPr>
               <a:t> </a:t>
             </a:r>
             <a:r>
-              <a:rPr lang="en-US" dirty="0" err="1" smtClean="0"/>
-              <a:t>arérienne</a:t>
-            </a:r>
-            <a:r>
-              <a:rPr lang="en-US" dirty="0" smtClean="0"/>
-              <a:t> du </a:t>
-            </a:r>
-            <a:r>
-              <a:rPr lang="en-US" dirty="0" err="1" smtClean="0"/>
-              <a:t>riz</a:t>
-            </a:r>
-            <a:r>
-              <a:rPr lang="en-US" dirty="0" smtClean="0"/>
-              <a:t> avec la </a:t>
-            </a:r>
-            <a:r>
-              <a:rPr lang="en-US" dirty="0" err="1" smtClean="0"/>
-              <a:t>sélection</a:t>
-            </a:r>
-            <a:endParaRPr lang="en-US" dirty="0" smtClean="0"/>
-          </a:p>
-          <a:p>
-            <a:pPr marL="0" marR="0" indent="0" algn="l" defTabSz="914400" rtl="0" eaLnBrk="1" fontAlgn="auto" latinLnBrk="0" hangingPunct="1">
-              <a:lnSpc>
-                <a:spcPct val="100000"/>
-              </a:lnSpc>
-              <a:spcBef>
-                <a:spcPts val="0"/>
-              </a:spcBef>
-              <a:spcAft>
-                <a:spcPts val="0"/>
-              </a:spcAft>
-              <a:buClrTx/>
-              <a:buSzTx/>
-              <a:buFontTx/>
-              <a:buNone/>
-              <a:tabLst/>
-              <a:defRPr/>
-            </a:pPr>
-            <a:endParaRPr lang="en-US" dirty="0" smtClean="0"/>
+              <a:rPr lang="en-US" dirty="0" err="1" smtClean="0">
+                <a:sym typeface="Wingdings" pitchFamily="2" charset="2"/>
+              </a:rPr>
+              <a:t>agricole</a:t>
+            </a:r>
+            <a:r>
+              <a:rPr lang="en-US" dirty="0" smtClean="0">
+                <a:sym typeface="Wingdings" pitchFamily="2" charset="2"/>
+              </a:rPr>
+              <a:t> </a:t>
+            </a:r>
+            <a:r>
+              <a:rPr lang="en-US" dirty="0" err="1" smtClean="0">
+                <a:sym typeface="Wingdings" pitchFamily="2" charset="2"/>
+              </a:rPr>
+              <a:t>controlé</a:t>
+            </a:r>
+            <a:r>
+              <a:rPr lang="en-US" dirty="0" smtClean="0">
+                <a:sym typeface="Wingdings" pitchFamily="2" charset="2"/>
+              </a:rPr>
+              <a:t>, </a:t>
+            </a:r>
+            <a:r>
+              <a:rPr lang="en-US" dirty="0" err="1" smtClean="0">
+                <a:sym typeface="Wingdings" pitchFamily="2" charset="2"/>
+              </a:rPr>
+              <a:t>seule</a:t>
+            </a:r>
+            <a:r>
+              <a:rPr lang="en-US" dirty="0" smtClean="0">
+                <a:sym typeface="Wingdings" pitchFamily="2" charset="2"/>
+              </a:rPr>
+              <a:t> la </a:t>
+            </a:r>
+            <a:r>
+              <a:rPr lang="en-US" dirty="0" err="1" smtClean="0">
+                <a:sym typeface="Wingdings" pitchFamily="2" charset="2"/>
+              </a:rPr>
+              <a:t>ressource</a:t>
+            </a:r>
+            <a:r>
+              <a:rPr lang="en-US" dirty="0" smtClean="0">
+                <a:sym typeface="Wingdings" pitchFamily="2" charset="2"/>
+              </a:rPr>
+              <a:t> </a:t>
+            </a:r>
+            <a:r>
+              <a:rPr lang="en-US" dirty="0" err="1" smtClean="0">
+                <a:sym typeface="Wingdings" pitchFamily="2" charset="2"/>
+              </a:rPr>
+              <a:t>lumineuse</a:t>
+            </a:r>
+            <a:r>
+              <a:rPr lang="en-US" dirty="0" smtClean="0">
+                <a:sym typeface="Wingdings" pitchFamily="2" charset="2"/>
+              </a:rPr>
+              <a:t> et en</a:t>
+            </a:r>
+            <a:r>
+              <a:rPr lang="en-US" baseline="0" dirty="0" smtClean="0">
+                <a:sym typeface="Wingdings" pitchFamily="2" charset="2"/>
+              </a:rPr>
+              <a:t> CO2</a:t>
+            </a:r>
+            <a:r>
+              <a:rPr lang="en-US" dirty="0" smtClean="0">
+                <a:sym typeface="Wingdings" pitchFamily="2" charset="2"/>
+              </a:rPr>
+              <a:t> </a:t>
+            </a:r>
+            <a:r>
+              <a:rPr lang="en-US" dirty="0" err="1" smtClean="0">
+                <a:sym typeface="Wingdings" pitchFamily="2" charset="2"/>
+              </a:rPr>
+              <a:t>est</a:t>
+            </a:r>
+            <a:r>
+              <a:rPr lang="en-US" dirty="0" smtClean="0">
+                <a:sym typeface="Wingdings" pitchFamily="2" charset="2"/>
+              </a:rPr>
+              <a:t> </a:t>
+            </a:r>
+            <a:r>
+              <a:rPr lang="en-US" dirty="0" err="1" smtClean="0">
+                <a:sym typeface="Wingdings" pitchFamily="2" charset="2"/>
+              </a:rPr>
+              <a:t>incontrolée</a:t>
+            </a:r>
+            <a:endParaRPr lang="en-US" dirty="0" smtClean="0">
+              <a:sym typeface="Wingdings" pitchFamily="2" charset="2"/>
+            </a:endParaRPr>
           </a:p>
           <a:p>
             <a:endParaRPr lang="en-US" dirty="0"/>
@@ -1069,7 +1094,7 @@
           <a:p>
             <a:fld id="{1162107B-E87C-4A73-9799-FE164A4D0BBB}" type="slidenum">
               <a:rPr lang="en-US" smtClean="0"/>
-              <a:t>3</a:t>
+              <a:t>4</a:t>
             </a:fld>
             <a:endParaRPr lang="en-US"/>
           </a:p>
@@ -1078,7 +1103,7 @@
     </p:spTree>
     <p:extLst>
       <p:ext uri="{BB962C8B-B14F-4D97-AF65-F5344CB8AC3E}">
-        <p14:creationId xmlns:p14="http://schemas.microsoft.com/office/powerpoint/2010/main" val="475378418"/>
+        <p14:creationId xmlns:p14="http://schemas.microsoft.com/office/powerpoint/2010/main" val="3008733930"/>
       </p:ext>
     </p:extLst>
   </p:cSld>
@@ -1132,9 +1157,89 @@
           <a:bodyPr/>
           <a:lstStyle/>
           <a:p>
+            <a:pPr marL="0" marR="0" indent="0" algn="l" defTabSz="914400" rtl="0" eaLnBrk="1" fontAlgn="auto" latinLnBrk="0" hangingPunct="1">
+              <a:lnSpc>
+                <a:spcPct val="100000"/>
+              </a:lnSpc>
+              <a:spcBef>
+                <a:spcPts val="0"/>
+              </a:spcBef>
+              <a:spcAft>
+                <a:spcPts val="0"/>
+              </a:spcAft>
+              <a:buClrTx/>
+              <a:buSzTx/>
+              <a:buFontTx/>
+              <a:buNone/>
+              <a:tabLst/>
+              <a:defRPr/>
+            </a:pPr>
             <a:r>
               <a:rPr lang="en-US" dirty="0" err="1" smtClean="0"/>
-              <a:t>Verrou</a:t>
+              <a:t>Monteith</a:t>
+            </a:r>
+            <a:r>
+              <a:rPr lang="en-US" dirty="0" smtClean="0"/>
+              <a:t>:  </a:t>
+            </a:r>
+            <a:r>
+              <a:rPr lang="en-US" dirty="0" err="1" smtClean="0"/>
+              <a:t>décomposition</a:t>
+            </a:r>
+            <a:r>
+              <a:rPr lang="en-US" dirty="0" smtClean="0"/>
+              <a:t> du </a:t>
+            </a:r>
+            <a:r>
+              <a:rPr lang="en-US" dirty="0" err="1" smtClean="0"/>
+              <a:t>rendement</a:t>
+            </a:r>
+            <a:endParaRPr lang="en-US" dirty="0" smtClean="0"/>
+          </a:p>
+          <a:p>
+            <a:pPr marL="0" marR="0" indent="0" algn="l" defTabSz="914400" rtl="0" eaLnBrk="1" fontAlgn="auto" latinLnBrk="0" hangingPunct="1">
+              <a:lnSpc>
+                <a:spcPct val="100000"/>
+              </a:lnSpc>
+              <a:spcBef>
+                <a:spcPts val="0"/>
+              </a:spcBef>
+              <a:spcAft>
+                <a:spcPts val="0"/>
+              </a:spcAft>
+              <a:buClrTx/>
+              <a:buSzTx/>
+              <a:buFontTx/>
+              <a:buNone/>
+              <a:tabLst/>
+              <a:defRPr/>
+            </a:pPr>
+            <a:endParaRPr lang="en-US" dirty="0" smtClean="0"/>
+          </a:p>
+          <a:p>
+            <a:pPr marL="285750" indent="-285750">
+              <a:buFont typeface="Wingdings"/>
+              <a:buChar char="à"/>
+            </a:pPr>
+            <a:r>
+              <a:rPr lang="en-US" dirty="0" err="1" smtClean="0"/>
+              <a:t>Exemple</a:t>
+            </a:r>
+            <a:r>
+              <a:rPr lang="en-US" dirty="0" smtClean="0"/>
+              <a:t> de </a:t>
+            </a:r>
+            <a:r>
+              <a:rPr lang="en-US" dirty="0" err="1" smtClean="0"/>
+              <a:t>l’évolution</a:t>
+            </a:r>
+            <a:r>
+              <a:rPr lang="en-US" dirty="0" smtClean="0"/>
+              <a:t> de </a:t>
+            </a:r>
+            <a:r>
+              <a:rPr lang="en-US" dirty="0" err="1" smtClean="0"/>
+              <a:t>l’architecture</a:t>
             </a:r>
             <a:r>
               <a:rPr lang="en-US" dirty="0" smtClean="0"/>
@@ -1142,81 +1247,44 @@
             </a:r>
             <a:r>
               <a:rPr lang="en-US" dirty="0" err="1" smtClean="0"/>
-              <a:t>méthodologique</a:t>
+              <a:t>arérienne</a:t>
             </a:r>
             <a:r>
               <a:rPr lang="en-US" dirty="0" smtClean="0"/>
-              <a:t>: </a:t>
+              <a:t> du </a:t>
             </a:r>
             <a:r>
               <a:rPr lang="en-US" dirty="0" err="1" smtClean="0"/>
-              <a:t>difficulté</a:t>
+              <a:t>riz</a:t>
             </a:r>
             <a:r>
               <a:rPr lang="en-US" dirty="0" smtClean="0"/>
-              <a:t> de </a:t>
+              <a:t> avec la </a:t>
             </a:r>
             <a:r>
               <a:rPr lang="en-US" dirty="0" err="1" smtClean="0"/>
-              <a:t>mesurer</a:t>
-            </a:r>
-            <a:r>
-              <a:rPr lang="en-US" dirty="0" smtClean="0"/>
-              <a:t> les relations entre architecture et interception</a:t>
-            </a:r>
-          </a:p>
-          <a:p>
-            <a:r>
-              <a:rPr lang="en-US" dirty="0" smtClean="0">
-                <a:sym typeface="Wingdings" pitchFamily="2" charset="2"/>
-              </a:rPr>
-              <a:t></a:t>
-            </a:r>
-            <a:r>
-              <a:rPr lang="en-US" dirty="0" err="1" smtClean="0"/>
-              <a:t>Mise</a:t>
-            </a:r>
-            <a:r>
-              <a:rPr lang="en-US" dirty="0" smtClean="0"/>
-              <a:t> en place des </a:t>
-            </a:r>
-            <a:r>
-              <a:rPr lang="en-US" dirty="0" err="1" smtClean="0"/>
-              <a:t>essais</a:t>
+              <a:t>sélection</a:t>
             </a:r>
             <a:endParaRPr lang="en-US" dirty="0" smtClean="0"/>
           </a:p>
           <a:p>
-            <a:r>
-              <a:rPr lang="en-US" dirty="0" smtClean="0">
-                <a:sym typeface="Wingdings" pitchFamily="2" charset="2"/>
-              </a:rPr>
-              <a:t> </a:t>
-            </a:r>
-            <a:r>
-              <a:rPr lang="en-US" dirty="0" err="1" smtClean="0">
-                <a:sym typeface="Wingdings" pitchFamily="2" charset="2"/>
-              </a:rPr>
-              <a:t>Utilité</a:t>
-            </a:r>
-            <a:r>
-              <a:rPr lang="en-US" dirty="0" smtClean="0">
-                <a:sym typeface="Wingdings" pitchFamily="2" charset="2"/>
-              </a:rPr>
-              <a:t> de la </a:t>
-            </a:r>
-            <a:r>
-              <a:rPr lang="en-US" dirty="0" err="1" smtClean="0">
-                <a:sym typeface="Wingdings" pitchFamily="2" charset="2"/>
-              </a:rPr>
-              <a:t>modélisation</a:t>
-            </a:r>
-            <a:r>
-              <a:rPr lang="en-US" dirty="0" smtClean="0">
-                <a:sym typeface="Wingdings" pitchFamily="2" charset="2"/>
-              </a:rPr>
-              <a:t> FSPM</a:t>
-            </a:r>
+            <a:pPr marL="0" marR="0" indent="0" algn="l" defTabSz="914400" rtl="0" eaLnBrk="1" fontAlgn="auto" latinLnBrk="0" hangingPunct="1">
+              <a:lnSpc>
+                <a:spcPct val="100000"/>
+              </a:lnSpc>
+              <a:spcBef>
+                <a:spcPts val="0"/>
+              </a:spcBef>
+              <a:spcAft>
+                <a:spcPts val="0"/>
+              </a:spcAft>
+              <a:buClrTx/>
+              <a:buSzTx/>
+              <a:buFontTx/>
+              <a:buNone/>
+              <a:tabLst/>
+              <a:defRPr/>
+            </a:pPr>
             <a:endParaRPr lang="en-US" dirty="0" smtClean="0"/>
           </a:p>
           <a:p>
@@ -1241,7 +1309,394 @@
           <a:p>
             <a:fld id="{1162107B-E87C-4A73-9799-FE164A4D0BBB}" type="slidenum">
               <a:rPr lang="en-US" smtClean="0"/>
-              <a:t>4</a:t>
+              <a:t>5</a:t>
+            </a:fld>
+            <a:endParaRPr lang="en-US"/>
+          </a:p>
+        </p:txBody>
+      </p:sp>
+    </p:spTree>
+    <p:extLst>
+      <p:ext uri="{BB962C8B-B14F-4D97-AF65-F5344CB8AC3E}">
+        <p14:creationId xmlns:p14="http://schemas.microsoft.com/office/powerpoint/2010/main" val="475378418"/>
+      </p:ext>
+    </p:extLst>
+  </p:cSld>
+  <p:clrMapOvr>
+    <a:masterClrMapping/>
+  </p:clrMapOvr>
+</p:notes>
+</file>
+
+<file path=ppt/notesSlides/notesSlide5.xml><?xml version="1.0" encoding="utf-8"?>
+<p:notes xmlns:a="http://schemas.openxmlformats.org/drawingml/2006/main" xmlns:r="http://schemas.openxmlformats.org/officeDocument/2006/relationships" xmlns:p="http://schemas.openxmlformats.org/presentationml/2006/main">
+  <p:cSld>
+    <p:spTree>
+      <p:nvGrpSpPr>
+        <p:cNvPr id="1" name=""/>
+        <p:cNvGrpSpPr/>
+        <p:nvPr/>
+      </p:nvGrpSpPr>
+      <p:grpSpPr>
+        <a:xfrm>
+          <a:off x="0" y="0"/>
+          <a:ext cx="0" cy="0"/>
+          <a:chOff x="0" y="0"/>
+          <a:chExt cx="0" cy="0"/>
+        </a:xfrm>
+      </p:grpSpPr>
+      <p:sp>
+        <p:nvSpPr>
+          <p:cNvPr id="2" name="Espace réservé de l'image des diapositives 1"/>
+          <p:cNvSpPr>
+            <a:spLocks noGrp="1" noRot="1" noChangeAspect="1"/>
+          </p:cNvSpPr>
+          <p:nvPr>
+            <p:ph type="sldImg"/>
+          </p:nvPr>
+        </p:nvSpPr>
+        <p:spPr/>
+      </p:sp>
+      <p:sp>
+        <p:nvSpPr>
+          <p:cNvPr id="3" name="Espace réservé des commentaires 2"/>
+          <p:cNvSpPr>
+            <a:spLocks noGrp="1"/>
+          </p:cNvSpPr>
+          <p:nvPr>
+            <p:ph type="body" idx="1"/>
+          </p:nvPr>
+        </p:nvSpPr>
+        <p:spPr/>
+        <p:txBody>
+          <a:bodyPr/>
+          <a:lstStyle/>
+          <a:p>
+            <a:pPr marL="0" marR="0" indent="0" algn="l" defTabSz="914400" rtl="0" eaLnBrk="1" fontAlgn="auto" latinLnBrk="0" hangingPunct="1">
+              <a:lnSpc>
+                <a:spcPct val="100000"/>
+              </a:lnSpc>
+              <a:spcBef>
+                <a:spcPts val="0"/>
+              </a:spcBef>
+              <a:spcAft>
+                <a:spcPts val="0"/>
+              </a:spcAft>
+              <a:buClrTx/>
+              <a:buSzTx/>
+              <a:buFontTx/>
+              <a:buNone/>
+              <a:tabLst/>
+              <a:defRPr/>
+            </a:pPr>
+            <a:r>
+              <a:rPr lang="en-US" dirty="0" err="1" smtClean="0"/>
+              <a:t>Monteith</a:t>
+            </a:r>
+            <a:r>
+              <a:rPr lang="en-US" dirty="0" smtClean="0"/>
+              <a:t>:  </a:t>
+            </a:r>
+            <a:r>
+              <a:rPr lang="en-US" dirty="0" err="1" smtClean="0"/>
+              <a:t>décomposition</a:t>
+            </a:r>
+            <a:r>
+              <a:rPr lang="en-US" dirty="0" smtClean="0"/>
+              <a:t> du </a:t>
+            </a:r>
+            <a:r>
+              <a:rPr lang="en-US" dirty="0" err="1" smtClean="0"/>
+              <a:t>rendement</a:t>
+            </a:r>
+            <a:endParaRPr lang="en-US" dirty="0" smtClean="0"/>
+          </a:p>
+          <a:p>
+            <a:pPr marL="0" marR="0" indent="0" algn="l" defTabSz="914400" rtl="0" eaLnBrk="1" fontAlgn="auto" latinLnBrk="0" hangingPunct="1">
+              <a:lnSpc>
+                <a:spcPct val="100000"/>
+              </a:lnSpc>
+              <a:spcBef>
+                <a:spcPts val="0"/>
+              </a:spcBef>
+              <a:spcAft>
+                <a:spcPts val="0"/>
+              </a:spcAft>
+              <a:buClrTx/>
+              <a:buSzTx/>
+              <a:buFontTx/>
+              <a:buNone/>
+              <a:tabLst/>
+              <a:defRPr/>
+            </a:pPr>
+            <a:endParaRPr lang="en-US" dirty="0" smtClean="0"/>
+          </a:p>
+          <a:p>
+            <a:pPr marL="285750" indent="-285750">
+              <a:buFont typeface="Wingdings"/>
+              <a:buChar char="à"/>
+            </a:pPr>
+            <a:r>
+              <a:rPr lang="en-US" dirty="0" err="1" smtClean="0"/>
+              <a:t>Exemple</a:t>
+            </a:r>
+            <a:r>
+              <a:rPr lang="en-US" dirty="0" smtClean="0"/>
+              <a:t> de </a:t>
+            </a:r>
+            <a:r>
+              <a:rPr lang="en-US" dirty="0" err="1" smtClean="0"/>
+              <a:t>l’évolution</a:t>
+            </a:r>
+            <a:r>
+              <a:rPr lang="en-US" dirty="0" smtClean="0"/>
+              <a:t> de </a:t>
+            </a:r>
+            <a:r>
+              <a:rPr lang="en-US" dirty="0" err="1" smtClean="0"/>
+              <a:t>l’architecture</a:t>
+            </a:r>
+            <a:r>
+              <a:rPr lang="en-US" dirty="0" smtClean="0"/>
+              <a:t> </a:t>
+            </a:r>
+            <a:r>
+              <a:rPr lang="en-US" dirty="0" err="1" smtClean="0"/>
+              <a:t>arérienne</a:t>
+            </a:r>
+            <a:r>
+              <a:rPr lang="en-US" dirty="0" smtClean="0"/>
+              <a:t> du </a:t>
+            </a:r>
+            <a:r>
+              <a:rPr lang="en-US" dirty="0" err="1" smtClean="0"/>
+              <a:t>riz</a:t>
+            </a:r>
+            <a:r>
+              <a:rPr lang="en-US" dirty="0" smtClean="0"/>
+              <a:t> avec la </a:t>
+            </a:r>
+            <a:r>
+              <a:rPr lang="en-US" dirty="0" err="1" smtClean="0"/>
+              <a:t>sélection</a:t>
+            </a:r>
+            <a:endParaRPr lang="en-US" dirty="0" smtClean="0"/>
+          </a:p>
+          <a:p>
+            <a:pPr marL="0" marR="0" indent="0" algn="l" defTabSz="914400" rtl="0" eaLnBrk="1" fontAlgn="auto" latinLnBrk="0" hangingPunct="1">
+              <a:lnSpc>
+                <a:spcPct val="100000"/>
+              </a:lnSpc>
+              <a:spcBef>
+                <a:spcPts val="0"/>
+              </a:spcBef>
+              <a:spcAft>
+                <a:spcPts val="0"/>
+              </a:spcAft>
+              <a:buClrTx/>
+              <a:buSzTx/>
+              <a:buFontTx/>
+              <a:buNone/>
+              <a:tabLst/>
+              <a:defRPr/>
+            </a:pPr>
+            <a:endParaRPr lang="en-US" dirty="0" smtClean="0"/>
+          </a:p>
+          <a:p>
+            <a:endParaRPr lang="en-US" dirty="0"/>
+          </a:p>
+        </p:txBody>
+      </p:sp>
+      <p:sp>
+        <p:nvSpPr>
+          <p:cNvPr id="4" name="Espace réservé du numéro de diapositive 3"/>
+          <p:cNvSpPr>
+            <a:spLocks noGrp="1"/>
+          </p:cNvSpPr>
+          <p:nvPr>
+            <p:ph type="sldNum" sz="quarter" idx="10"/>
+          </p:nvPr>
+        </p:nvSpPr>
+        <p:spPr/>
+        <p:txBody>
+          <a:bodyPr/>
+          <a:lstStyle/>
+          <a:p>
+            <a:fld id="{1162107B-E87C-4A73-9799-FE164A4D0BBB}" type="slidenum">
+              <a:rPr lang="en-US" smtClean="0"/>
+              <a:t>6</a:t>
+            </a:fld>
+            <a:endParaRPr lang="en-US"/>
+          </a:p>
+        </p:txBody>
+      </p:sp>
+    </p:spTree>
+    <p:extLst>
+      <p:ext uri="{BB962C8B-B14F-4D97-AF65-F5344CB8AC3E}">
+        <p14:creationId xmlns:p14="http://schemas.microsoft.com/office/powerpoint/2010/main" val="475378418"/>
+      </p:ext>
+    </p:extLst>
+  </p:cSld>
+  <p:clrMapOvr>
+    <a:masterClrMapping/>
+  </p:clrMapOvr>
+</p:notes>
+</file>
+
+<file path=ppt/notesSlides/notesSlide6.xml><?xml version="1.0" encoding="utf-8"?>
+<p:notes xmlns:a="http://schemas.openxmlformats.org/drawingml/2006/main" xmlns:r="http://schemas.openxmlformats.org/officeDocument/2006/relationships" xmlns:p="http://schemas.openxmlformats.org/presentationml/2006/main">
+  <p:cSld>
+    <p:spTree>
+      <p:nvGrpSpPr>
+        <p:cNvPr id="1" name=""/>
+        <p:cNvGrpSpPr/>
+        <p:nvPr/>
+      </p:nvGrpSpPr>
+      <p:grpSpPr>
+        <a:xfrm>
+          <a:off x="0" y="0"/>
+          <a:ext cx="0" cy="0"/>
+          <a:chOff x="0" y="0"/>
+          <a:chExt cx="0" cy="0"/>
+        </a:xfrm>
+      </p:grpSpPr>
+      <p:sp>
+        <p:nvSpPr>
+          <p:cNvPr id="2" name="Espace réservé de l'image des diapositives 1"/>
+          <p:cNvSpPr>
+            <a:spLocks noGrp="1" noRot="1" noChangeAspect="1"/>
+          </p:cNvSpPr>
+          <p:nvPr>
+            <p:ph type="sldImg"/>
+          </p:nvPr>
+        </p:nvSpPr>
+        <p:spPr/>
+      </p:sp>
+      <p:sp>
+        <p:nvSpPr>
+          <p:cNvPr id="3" name="Espace réservé des commentaires 2"/>
+          <p:cNvSpPr>
+            <a:spLocks noGrp="1"/>
+          </p:cNvSpPr>
+          <p:nvPr>
+            <p:ph type="body" idx="1"/>
+          </p:nvPr>
+        </p:nvSpPr>
+        <p:spPr/>
+        <p:txBody>
+          <a:bodyPr/>
+          <a:lstStyle/>
+          <a:p>
+            <a:r>
+              <a:rPr lang="en-US" dirty="0" err="1" smtClean="0"/>
+              <a:t>Verrou</a:t>
+            </a:r>
+            <a:r>
+              <a:rPr lang="en-US" dirty="0" smtClean="0"/>
+              <a:t> </a:t>
+            </a:r>
+            <a:r>
+              <a:rPr lang="en-US" dirty="0" err="1" smtClean="0"/>
+              <a:t>méthodologique</a:t>
+            </a:r>
+            <a:r>
+              <a:rPr lang="en-US" dirty="0" smtClean="0"/>
+              <a:t>: </a:t>
+            </a:r>
+            <a:r>
+              <a:rPr lang="en-US" dirty="0" err="1" smtClean="0"/>
+              <a:t>difficulté</a:t>
+            </a:r>
+            <a:r>
+              <a:rPr lang="en-US" dirty="0" smtClean="0"/>
+              <a:t> de </a:t>
+            </a:r>
+            <a:r>
+              <a:rPr lang="en-US" dirty="0" err="1" smtClean="0"/>
+              <a:t>mesurer</a:t>
+            </a:r>
+            <a:r>
+              <a:rPr lang="en-US" dirty="0" smtClean="0"/>
+              <a:t> les relations entre architecture et interception</a:t>
+            </a:r>
+          </a:p>
+          <a:p>
+            <a:r>
+              <a:rPr lang="en-US" dirty="0" smtClean="0">
+                <a:sym typeface="Wingdings" pitchFamily="2" charset="2"/>
+              </a:rPr>
+              <a:t></a:t>
+            </a:r>
+            <a:r>
+              <a:rPr lang="en-US" dirty="0" err="1" smtClean="0"/>
+              <a:t>Mise</a:t>
+            </a:r>
+            <a:r>
+              <a:rPr lang="en-US" dirty="0" smtClean="0"/>
+              <a:t> en place des </a:t>
+            </a:r>
+            <a:r>
+              <a:rPr lang="en-US" dirty="0" err="1" smtClean="0"/>
+              <a:t>essais</a:t>
+            </a:r>
+            <a:endParaRPr lang="en-US" dirty="0" smtClean="0"/>
+          </a:p>
+          <a:p>
+            <a:r>
+              <a:rPr lang="en-US" dirty="0" smtClean="0">
+                <a:sym typeface="Wingdings" pitchFamily="2" charset="2"/>
+              </a:rPr>
+              <a:t> </a:t>
+            </a:r>
+            <a:r>
+              <a:rPr lang="en-US" dirty="0" err="1" smtClean="0">
+                <a:sym typeface="Wingdings" pitchFamily="2" charset="2"/>
+              </a:rPr>
+              <a:t>Utilité</a:t>
+            </a:r>
+            <a:r>
+              <a:rPr lang="en-US" dirty="0" smtClean="0">
+                <a:sym typeface="Wingdings" pitchFamily="2" charset="2"/>
+              </a:rPr>
+              <a:t> de la </a:t>
+            </a:r>
+            <a:r>
+              <a:rPr lang="en-US" dirty="0" err="1" smtClean="0">
+                <a:sym typeface="Wingdings" pitchFamily="2" charset="2"/>
+              </a:rPr>
+              <a:t>modélisation</a:t>
+            </a:r>
+            <a:r>
+              <a:rPr lang="en-US" dirty="0" smtClean="0">
+                <a:sym typeface="Wingdings" pitchFamily="2" charset="2"/>
+              </a:rPr>
+              <a:t> FSPM</a:t>
+            </a:r>
+            <a:endParaRPr lang="en-US" dirty="0" smtClean="0"/>
+          </a:p>
+          <a:p>
+            <a:endParaRPr lang="en-US" dirty="0"/>
+          </a:p>
+        </p:txBody>
+      </p:sp>
+      <p:sp>
+        <p:nvSpPr>
+          <p:cNvPr id="4" name="Espace réservé du numéro de diapositive 3"/>
+          <p:cNvSpPr>
+            <a:spLocks noGrp="1"/>
+          </p:cNvSpPr>
+          <p:nvPr>
+            <p:ph type="sldNum" sz="quarter" idx="10"/>
+          </p:nvPr>
+        </p:nvSpPr>
+        <p:spPr/>
+        <p:txBody>
+          <a:bodyPr/>
+          <a:lstStyle/>
+          <a:p>
+            <a:fld id="{1162107B-E87C-4A73-9799-FE164A4D0BBB}" type="slidenum">
+              <a:rPr lang="en-US" smtClean="0"/>
+              <a:t>7</a:t>
             </a:fld>
             <a:endParaRPr lang="en-US"/>
           </a:p>
@@ -1260,7 +1715,7 @@
 </p:notes>
 </file>
 
-<file path=ppt/notesSlides/notesSlide5.xml><?xml version="1.0" encoding="utf-8"?>
+<file path=ppt/notesSlides/notesSlide7.xml><?xml version="1.0" encoding="utf-8"?>
 <p:notes xmlns:a="http://schemas.openxmlformats.org/drawingml/2006/main" xmlns:r="http://schemas.openxmlformats.org/officeDocument/2006/relationships" xmlns:p="http://schemas.openxmlformats.org/presentationml/2006/main">
   <p:cSld>
     <p:bg>
@@ -4443,6 +4898,325 @@
 </file>
 
 <file path=ppt/slides/slide1.xml><?xml version="1.0" encoding="utf-8"?>
+<p:sld xmlns:a="http://schemas.openxmlformats.org/drawingml/2006/main" xmlns:r="http://schemas.openxmlformats.org/officeDocument/2006/relationships" xmlns:p="http://schemas.openxmlformats.org/presentationml/2006/main">
+  <p:cSld>
+    <p:spTree>
+      <p:nvGrpSpPr>
+        <p:cNvPr id="1" name=""/>
+        <p:cNvGrpSpPr/>
+        <p:nvPr/>
+      </p:nvGrpSpPr>
+      <p:grpSpPr>
+        <a:xfrm>
+          <a:off x="0" y="0"/>
+          <a:ext cx="0" cy="0"/>
+          <a:chOff x="0" y="0"/>
+          <a:chExt cx="0" cy="0"/>
+        </a:xfrm>
+      </p:grpSpPr>
+      <p:sp>
+        <p:nvSpPr>
+          <p:cNvPr id="2" name="Titre 1"/>
+          <p:cNvSpPr>
+            <a:spLocks noGrp="1"/>
+          </p:cNvSpPr>
+          <p:nvPr>
+            <p:ph type="ctrTitle"/>
+          </p:nvPr>
+        </p:nvSpPr>
+        <p:spPr>
+          <a:xfrm>
+            <a:off x="539552" y="1022871"/>
+            <a:ext cx="7772400" cy="1470025"/>
+          </a:xfrm>
+        </p:spPr>
+        <p:txBody>
+          <a:bodyPr>
+            <a:noAutofit/>
+          </a:bodyPr>
+          <a:lstStyle/>
+          <a:p>
+            <a:r>
+              <a:rPr lang="en-US" sz="3200" dirty="0" smtClean="0">
+                <a:solidFill>
+                  <a:schemeClr val="bg1">
+                    <a:lumMod val="85000"/>
+                  </a:schemeClr>
+                </a:solidFill>
+              </a:rPr>
+              <a:t>ECUE 2</a:t>
+            </a:r>
+            <a:br>
+              <a:rPr lang="en-US" sz="3200" dirty="0" smtClean="0">
+                <a:solidFill>
+                  <a:schemeClr val="bg1">
+                    <a:lumMod val="85000"/>
+                  </a:schemeClr>
+                </a:solidFill>
+              </a:rPr>
+            </a:br>
+            <a:r>
+              <a:rPr lang="en-US" sz="3200" dirty="0" err="1" smtClean="0">
+                <a:solidFill>
+                  <a:schemeClr val="bg1">
+                    <a:lumMod val="85000"/>
+                  </a:schemeClr>
+                </a:solidFill>
+              </a:rPr>
+              <a:t>Démarche</a:t>
+            </a:r>
+            <a:r>
+              <a:rPr lang="en-US" sz="3200" dirty="0" smtClean="0">
+                <a:solidFill>
+                  <a:schemeClr val="bg1">
+                    <a:lumMod val="85000"/>
+                  </a:schemeClr>
+                </a:solidFill>
+              </a:rPr>
+              <a:t> de </a:t>
+            </a:r>
+            <a:r>
+              <a:rPr lang="en-US" sz="3200" dirty="0" err="1" smtClean="0">
+                <a:solidFill>
+                  <a:schemeClr val="bg1">
+                    <a:lumMod val="85000"/>
+                  </a:schemeClr>
+                </a:solidFill>
+              </a:rPr>
+              <a:t>modélisation</a:t>
+            </a:r>
+            <a:r>
+              <a:rPr lang="en-US" sz="3200" dirty="0" smtClean="0">
+                <a:solidFill>
+                  <a:schemeClr val="bg1">
+                    <a:lumMod val="85000"/>
+                  </a:schemeClr>
+                </a:solidFill>
+              </a:rPr>
+              <a:t/>
+            </a:r>
+            <a:br>
+              <a:rPr lang="en-US" sz="3200" dirty="0" smtClean="0">
+                <a:solidFill>
+                  <a:schemeClr val="bg1">
+                    <a:lumMod val="85000"/>
+                  </a:schemeClr>
+                </a:solidFill>
+              </a:rPr>
+            </a:br>
+            <a:r>
+              <a:rPr lang="en-US" sz="3200" dirty="0" smtClean="0">
+                <a:solidFill>
+                  <a:schemeClr val="bg1">
+                    <a:lumMod val="85000"/>
+                  </a:schemeClr>
+                </a:solidFill>
+              </a:rPr>
+              <a:t/>
+            </a:r>
+            <a:br>
+              <a:rPr lang="en-US" sz="3200" dirty="0" smtClean="0">
+                <a:solidFill>
+                  <a:schemeClr val="bg1">
+                    <a:lumMod val="85000"/>
+                  </a:schemeClr>
+                </a:solidFill>
+              </a:rPr>
+            </a:br>
+            <a:endParaRPr lang="en-US" sz="3200" dirty="0">
+              <a:solidFill>
+                <a:schemeClr val="bg1">
+                  <a:lumMod val="85000"/>
+                </a:schemeClr>
+              </a:solidFill>
+            </a:endParaRPr>
+          </a:p>
+        </p:txBody>
+      </p:sp>
+      <p:sp>
+        <p:nvSpPr>
+          <p:cNvPr id="3" name="Sous-titre 2"/>
+          <p:cNvSpPr>
+            <a:spLocks noGrp="1"/>
+          </p:cNvSpPr>
+          <p:nvPr>
+            <p:ph type="subTitle" idx="1"/>
+          </p:nvPr>
+        </p:nvSpPr>
+        <p:spPr>
+          <a:xfrm>
+            <a:off x="1403648" y="2684512"/>
+            <a:ext cx="6400800" cy="1752600"/>
+          </a:xfrm>
+        </p:spPr>
+        <p:txBody>
+          <a:bodyPr>
+            <a:normAutofit fontScale="70000" lnSpcReduction="20000"/>
+          </a:bodyPr>
+          <a:lstStyle/>
+          <a:p>
+            <a:r>
+              <a:rPr lang="en-US" sz="4800" dirty="0" smtClean="0">
+                <a:solidFill>
+                  <a:schemeClr val="tx1"/>
+                </a:solidFill>
+              </a:rPr>
+              <a:t>Introduction à la </a:t>
+            </a:r>
+            <a:r>
+              <a:rPr lang="en-US" sz="4800" dirty="0" err="1" smtClean="0">
+                <a:solidFill>
+                  <a:schemeClr val="tx1"/>
+                </a:solidFill>
+              </a:rPr>
+              <a:t>modélisation</a:t>
+            </a:r>
+            <a:r>
+              <a:rPr lang="en-US" sz="4800" dirty="0" smtClean="0">
+                <a:solidFill>
+                  <a:schemeClr val="tx1"/>
+                </a:solidFill>
+              </a:rPr>
+              <a:t> </a:t>
+            </a:r>
+            <a:r>
+              <a:rPr lang="en-US" sz="4800" dirty="0">
+                <a:solidFill>
+                  <a:schemeClr val="tx1"/>
+                </a:solidFill>
+              </a:rPr>
+              <a:t>de </a:t>
+            </a:r>
+            <a:r>
+              <a:rPr lang="en-US" sz="4800" dirty="0" err="1">
+                <a:solidFill>
+                  <a:schemeClr val="tx1"/>
+                </a:solidFill>
+              </a:rPr>
+              <a:t>l’efficience</a:t>
+            </a:r>
+            <a:r>
+              <a:rPr lang="en-US" sz="4800" dirty="0">
+                <a:solidFill>
+                  <a:schemeClr val="tx1"/>
+                </a:solidFill>
+              </a:rPr>
+              <a:t> </a:t>
+            </a:r>
+            <a:r>
+              <a:rPr lang="en-US" sz="4800" dirty="0" err="1">
+                <a:solidFill>
+                  <a:schemeClr val="tx1"/>
+                </a:solidFill>
+              </a:rPr>
+              <a:t>d’interception</a:t>
+            </a:r>
+            <a:r>
+              <a:rPr lang="en-US" sz="4800" dirty="0">
+                <a:solidFill>
+                  <a:schemeClr val="tx1"/>
+                </a:solidFill>
+              </a:rPr>
+              <a:t> </a:t>
+            </a:r>
+            <a:r>
+              <a:rPr lang="en-US" sz="4800" dirty="0" err="1">
+                <a:solidFill>
+                  <a:schemeClr val="tx1"/>
+                </a:solidFill>
+              </a:rPr>
+              <a:t>lumineuse</a:t>
+            </a:r>
+            <a:r>
+              <a:rPr lang="en-US" sz="4800" dirty="0">
+                <a:solidFill>
+                  <a:schemeClr val="tx1"/>
+                </a:solidFill>
+              </a:rPr>
+              <a:t> des </a:t>
+            </a:r>
+            <a:r>
+              <a:rPr lang="en-US" sz="4800" dirty="0" err="1">
+                <a:solidFill>
+                  <a:schemeClr val="tx1"/>
+                </a:solidFill>
+              </a:rPr>
+              <a:t>plantes</a:t>
+            </a:r>
+            <a:r>
+              <a:rPr lang="en-US" sz="4800" dirty="0">
+                <a:solidFill>
+                  <a:schemeClr val="tx1"/>
+                </a:solidFill>
+              </a:rPr>
+              <a:t/>
+            </a:r>
+            <a:br>
+              <a:rPr lang="en-US" sz="4800" dirty="0">
+                <a:solidFill>
+                  <a:schemeClr val="tx1"/>
+                </a:solidFill>
+              </a:rPr>
+            </a:br>
+            <a:endParaRPr lang="en-US" sz="4800" dirty="0">
+              <a:solidFill>
+                <a:schemeClr val="tx1"/>
+              </a:solidFill>
+            </a:endParaRPr>
+          </a:p>
+        </p:txBody>
+      </p:sp>
+      <p:sp>
+        <p:nvSpPr>
+          <p:cNvPr id="4" name="ZoneTexte 3"/>
+          <p:cNvSpPr txBox="1"/>
+          <p:nvPr/>
+        </p:nvSpPr>
+        <p:spPr>
+          <a:xfrm>
+            <a:off x="3347864" y="4005064"/>
+            <a:ext cx="2308132" cy="369332"/>
+          </a:xfrm>
+          <a:prstGeom prst="rect">
+            <a:avLst/>
+          </a:prstGeom>
+          <a:noFill/>
+        </p:spPr>
+        <p:txBody>
+          <a:bodyPr wrap="none" rtlCol="0">
+            <a:spAutoFit/>
+          </a:bodyPr>
+          <a:lstStyle/>
+          <a:p>
+            <a:r>
+              <a:rPr lang="en-US" dirty="0" smtClean="0"/>
+              <a:t>R.PEREZ   C. FOURNIER</a:t>
+            </a:r>
+            <a:endParaRPr lang="en-US" dirty="0"/>
+          </a:p>
+        </p:txBody>
+      </p:sp>
+    </p:spTree>
+    <p:extLst>
+      <p:ext uri="{BB962C8B-B14F-4D97-AF65-F5344CB8AC3E}">
+        <p14:creationId xmlns:p14="http://schemas.microsoft.com/office/powerpoint/2010/main" val="3489182957"/>
+      </p:ext>
+    </p:extLst>
+  </p:cSld>
+  <p:clrMapOvr>
+    <a:masterClrMapping/>
+  </p:clrMapOvr>
+  <p:timing>
+    <p:tnLst>
+      <p:par>
+        <p:cTn id="1" dur="indefinite" restart="never" nodeType="tmRoot"/>
+      </p:par>
+    </p:tnLst>
+  </p:timing>
+</p:sld>
+</file>
+
+<file path=ppt/slides/slide2.xml><?xml version="1.0" encoding="utf-8"?>
 <p:sld xmlns:a="http://schemas.openxmlformats.org/drawingml/2006/main" xmlns:r="http://schemas.openxmlformats.org/officeDocument/2006/relationships" xmlns:p="http://schemas.openxmlformats.org/presentationml/2006/main">
   <p:cSld>
     <p:spTree>
@@ -5755,7 +6529,7 @@
 </p:sld>
 </file>
 
-<file path=ppt/slides/slide2.xml><?xml version="1.0" encoding="utf-8"?>
+<file path=ppt/slides/slide3.xml><?xml version="1.0" encoding="utf-8"?>
 <p:sld xmlns:a="http://schemas.openxmlformats.org/drawingml/2006/main" xmlns:r="http://schemas.openxmlformats.org/officeDocument/2006/relationships" xmlns:p="http://schemas.openxmlformats.org/presentationml/2006/main">
   <p:cSld>
     <p:spTree>
@@ -5799,7 +6573,7 @@
                 <a:latin typeface="Times New Roman" pitchFamily="18" charset="0"/>
                 <a:cs typeface="Times New Roman" pitchFamily="18" charset="0"/>
               </a:rPr>
-              <a:t>Resources management</a:t>
+              <a:t>Improving plant productivity</a:t>
             </a:r>
             <a:endParaRPr lang="en-US" sz="3600" dirty="0">
               <a:latin typeface="Times New Roman" pitchFamily="18" charset="0"/>
@@ -5820,8 +6594,8 @@
         </p:nvSpPr>
         <p:spPr>
           <a:xfrm>
-            <a:off x="360040" y="1515207"/>
-            <a:ext cx="5050904" cy="781547"/>
+            <a:off x="297495" y="1909260"/>
+            <a:ext cx="6101304" cy="870662"/>
           </a:xfrm>
         </p:spPr>
         <p:txBody>
@@ -5830,33 +6604,47 @@
           </a:bodyPr>
           <a:lstStyle/>
           <a:p>
+            <a:pPr marL="0" indent="0">
+              <a:buNone/>
+            </a:pPr>
             <a:r>
               <a:rPr lang="en-US" dirty="0" smtClean="0">
                 <a:latin typeface="Times New Roman" pitchFamily="18" charset="0"/>
                 <a:cs typeface="Times New Roman" pitchFamily="18" charset="0"/>
               </a:rPr>
-              <a:t>Management practices (E)</a:t>
-            </a:r>
+              <a:t>Management practices </a:t>
+            </a:r>
+            <a:r>
+              <a:rPr lang="en-US" dirty="0" smtClean="0">
+                <a:latin typeface="Times New Roman" pitchFamily="18" charset="0"/>
+                <a:cs typeface="Times New Roman" pitchFamily="18" charset="0"/>
+              </a:rPr>
+              <a:t>(M)</a:t>
+            </a:r>
+            <a:endParaRPr lang="en-US" sz="2400" dirty="0" smtClean="0">
+              <a:latin typeface="Times New Roman" pitchFamily="18" charset="0"/>
+              <a:cs typeface="Times New Roman" pitchFamily="18" charset="0"/>
+            </a:endParaRPr>
           </a:p>
         </p:txBody>
       </p:sp>
       <p:grpSp>
         <p:nvGrpSpPr>
-          <p:cNvPr id="7" name="Groupe 6"/>
+          <p:cNvPr id="6" name="Groupe 5"/>
           <p:cNvGrpSpPr/>
           <p:nvPr/>
         </p:nvGrpSpPr>
         <p:grpSpPr>
           <a:xfrm>
-            <a:off x="5292080" y="1196752"/>
-            <a:ext cx="3032771" cy="1520603"/>
-            <a:chOff x="5292080" y="1752934"/>
-            <a:chExt cx="3032771" cy="1520603"/>
+            <a:off x="323528" y="4150086"/>
+            <a:ext cx="4572000" cy="1160553"/>
+            <a:chOff x="360040" y="4869880"/>
+            <a:chExt cx="4572000" cy="1160553"/>
           </a:xfrm>
         </p:grpSpPr>
         <p:pic>
           <p:nvPicPr>
-            <p:cNvPr id="2050" name="Picture 2" descr="Z:\home\perez\Bureau\SECATEUR-PRO-FISKARS.png"/>
+            <p:cNvPr id="2051" name="Picture 3" descr="Z:\home\perez\Bureau\be418aa15d0c6c9c203e77283434368e.png"/>
             <p:cNvPicPr>
               <a:picLocks noChangeAspect="1" noChangeArrowheads="1"/>
             </p:cNvPicPr>
@@ -5877,105 +6665,8 @@
           </p:blipFill>
           <p:spPr bwMode="auto">
             <a:xfrm>
-              <a:off x="6804248" y="1752934"/>
-              <a:ext cx="1520603" cy="1520603"/>
-            </a:xfrm>
-            <a:prstGeom prst="rect">
-              <a:avLst/>
-            </a:prstGeom>
-            <a:noFill/>
-            <a:extLst>
-              <a:ext uri="{909E8E84-426E-40DD-AFC4-6F175D3DCCD1}">
-                <a14:hiddenFill xmlns:a14="http://schemas.microsoft.com/office/drawing/2010/main">
-                  <a:solidFill>
-                    <a:srgbClr val="FFFFFF"/>
-                  </a:solidFill>
-                </a14:hiddenFill>
-              </a:ext>
-            </a:extLst>
-          </p:spPr>
-        </p:pic>
-        <p:pic>
-          <p:nvPicPr>
-            <p:cNvPr id="2052" name="Picture 4" descr="Z:\home\perez\Bureau\f8e5574b725e601f7c0711d656ba5aef.png"/>
-            <p:cNvPicPr>
-              <a:picLocks noChangeAspect="1" noChangeArrowheads="1"/>
-            </p:cNvPicPr>
-            <p:nvPr/>
-          </p:nvPicPr>
-          <p:blipFill>
-            <a:blip r:embed="rId4" cstate="print">
-              <a:extLst>
-                <a:ext uri="{28A0092B-C50C-407E-A947-70E740481C1C}">
-                  <a14:useLocalDpi xmlns:a14="http://schemas.microsoft.com/office/drawing/2010/main" val="0"/>
-                </a:ext>
-              </a:extLst>
-            </a:blip>
-            <a:srcRect/>
-            <a:stretch>
-              <a:fillRect/>
-            </a:stretch>
-          </p:blipFill>
-          <p:spPr bwMode="auto">
-            <a:xfrm>
-              <a:off x="5292080" y="1772816"/>
-              <a:ext cx="1240392" cy="1500721"/>
-            </a:xfrm>
-            <a:prstGeom prst="rect">
-              <a:avLst/>
-            </a:prstGeom>
-            <a:noFill/>
-            <a:extLst>
-              <a:ext uri="{909E8E84-426E-40DD-AFC4-6F175D3DCCD1}">
-                <a14:hiddenFill xmlns:a14="http://schemas.microsoft.com/office/drawing/2010/main">
-                  <a:solidFill>
-                    <a:srgbClr val="FFFFFF"/>
-                  </a:solidFill>
-                </a14:hiddenFill>
-              </a:ext>
-            </a:extLst>
-          </p:spPr>
-        </p:pic>
-      </p:grpSp>
-      <p:grpSp>
-        <p:nvGrpSpPr>
-          <p:cNvPr id="6" name="Groupe 5"/>
-          <p:cNvGrpSpPr/>
-          <p:nvPr/>
-        </p:nvGrpSpPr>
-        <p:grpSpPr>
-          <a:xfrm>
-            <a:off x="323528" y="3448882"/>
-            <a:ext cx="5292973" cy="1511882"/>
-            <a:chOff x="360040" y="4653136"/>
-            <a:chExt cx="5292973" cy="1511882"/>
-          </a:xfrm>
-        </p:grpSpPr>
-        <p:pic>
-          <p:nvPicPr>
-            <p:cNvPr id="2051" name="Picture 3" descr="Z:\home\perez\Bureau\be418aa15d0c6c9c203e77283434368e.png"/>
-            <p:cNvPicPr>
-              <a:picLocks noChangeAspect="1" noChangeArrowheads="1"/>
-            </p:cNvPicPr>
-            <p:nvPr/>
-          </p:nvPicPr>
-          <p:blipFill>
-            <a:blip r:embed="rId5" cstate="print">
-              <a:extLst>
-                <a:ext uri="{28A0092B-C50C-407E-A947-70E740481C1C}">
-                  <a14:useLocalDpi xmlns:a14="http://schemas.microsoft.com/office/drawing/2010/main" val="0"/>
-                </a:ext>
-              </a:extLst>
-            </a:blip>
-            <a:srcRect/>
-            <a:stretch>
-              <a:fillRect/>
-            </a:stretch>
-          </p:blipFill>
-          <p:spPr bwMode="auto">
-            <a:xfrm>
-              <a:off x="4138040" y="4653136"/>
-              <a:ext cx="1514973" cy="1511882"/>
+              <a:off x="3769114" y="4869880"/>
+              <a:ext cx="1162926" cy="1160553"/>
             </a:xfrm>
             <a:prstGeom prst="rect">
               <a:avLst/>
@@ -6013,10 +6704,6 @@
             </a:bodyPr>
             <a:lstStyle/>
             <a:p>
-              <a:pPr marL="457200" indent="-457200">
-                <a:buFont typeface="Arial" pitchFamily="34" charset="0"/>
-                <a:buChar char="•"/>
-              </a:pPr>
               <a:r>
                 <a:rPr lang="en-US" sz="3200" dirty="0">
                   <a:latin typeface="Times New Roman" pitchFamily="18" charset="0"/>
@@ -6047,7 +6734,7 @@
         </p:nvSpPr>
         <p:spPr>
           <a:xfrm>
-            <a:off x="395535" y="5267695"/>
+            <a:off x="395535" y="5517232"/>
             <a:ext cx="8748465" cy="1077218"/>
           </a:xfrm>
           <a:prstGeom prst="rect">
@@ -6060,18 +6747,372 @@
           </a:bodyPr>
           <a:lstStyle/>
           <a:p>
-            <a:pPr marL="457200" indent="-457200">
+            <a:r>
+              <a:rPr lang="en-US" sz="3200" dirty="0" smtClean="0">
+                <a:latin typeface="Times New Roman" pitchFamily="18" charset="0"/>
+                <a:cs typeface="Times New Roman" pitchFamily="18" charset="0"/>
+              </a:rPr>
+              <a:t>Interaction between </a:t>
+            </a:r>
+            <a:r>
+              <a:rPr lang="en-US" sz="3200" dirty="0" smtClean="0">
+                <a:latin typeface="Times New Roman" pitchFamily="18" charset="0"/>
+                <a:cs typeface="Times New Roman" pitchFamily="18" charset="0"/>
+              </a:rPr>
+              <a:t>environment, genetic and management (G x E x M )</a:t>
+            </a:r>
+            <a:endParaRPr lang="en-US" sz="3200" dirty="0">
+              <a:latin typeface="Times New Roman" pitchFamily="18" charset="0"/>
+              <a:cs typeface="Times New Roman" pitchFamily="18" charset="0"/>
+            </a:endParaRPr>
+          </a:p>
+        </p:txBody>
+      </p:sp>
+      <p:grpSp>
+        <p:nvGrpSpPr>
+          <p:cNvPr id="9" name="Groupe 8"/>
+          <p:cNvGrpSpPr/>
+          <p:nvPr/>
+        </p:nvGrpSpPr>
+        <p:grpSpPr>
+          <a:xfrm>
+            <a:off x="5037689" y="2421132"/>
+            <a:ext cx="2722220" cy="1727948"/>
+            <a:chOff x="5037689" y="2062098"/>
+            <a:chExt cx="2722220" cy="1727948"/>
+          </a:xfrm>
+        </p:grpSpPr>
+        <p:pic>
+          <p:nvPicPr>
+            <p:cNvPr id="2050" name="Picture 2" descr="Z:\home\perez\Bureau\SECATEUR-PRO-FISKARS.png"/>
+            <p:cNvPicPr>
+              <a:picLocks noChangeAspect="1" noChangeArrowheads="1"/>
+            </p:cNvPicPr>
+            <p:nvPr/>
+          </p:nvPicPr>
+          <p:blipFill>
+            <a:blip r:embed="rId4" cstate="print">
+              <a:extLst>
+                <a:ext uri="{28A0092B-C50C-407E-A947-70E740481C1C}">
+                  <a14:useLocalDpi xmlns:a14="http://schemas.microsoft.com/office/drawing/2010/main" val="0"/>
+                </a:ext>
+              </a:extLst>
+            </a:blip>
+            <a:srcRect/>
+            <a:stretch>
+              <a:fillRect/>
+            </a:stretch>
+          </p:blipFill>
+          <p:spPr bwMode="auto">
+            <a:xfrm>
+              <a:off x="5616501" y="2674307"/>
+              <a:ext cx="1115739" cy="1115739"/>
+            </a:xfrm>
+            <a:prstGeom prst="rect">
+              <a:avLst/>
+            </a:prstGeom>
+            <a:noFill/>
+            <a:extLst>
+              <a:ext uri="{909E8E84-426E-40DD-AFC4-6F175D3DCCD1}">
+                <a14:hiddenFill xmlns:a14="http://schemas.microsoft.com/office/drawing/2010/main">
+                  <a:solidFill>
+                    <a:srgbClr val="FFFFFF"/>
+                  </a:solidFill>
+                </a14:hiddenFill>
+              </a:ext>
+            </a:extLst>
+          </p:spPr>
+        </p:pic>
+        <p:sp>
+          <p:nvSpPr>
+            <p:cNvPr id="4" name="Rectangle 3"/>
+            <p:cNvSpPr/>
+            <p:nvPr/>
+          </p:nvSpPr>
+          <p:spPr>
+            <a:xfrm>
+              <a:off x="5037689" y="2062098"/>
+              <a:ext cx="2722220" cy="523220"/>
+            </a:xfrm>
+            <a:prstGeom prst="rect">
+              <a:avLst/>
+            </a:prstGeom>
+          </p:spPr>
+          <p:txBody>
+            <a:bodyPr wrap="none">
+              <a:spAutoFit/>
+            </a:bodyPr>
+            <a:lstStyle/>
+            <a:p>
+              <a:r>
+                <a:rPr lang="en-US" sz="2800" dirty="0">
+                  <a:latin typeface="Times New Roman" pitchFamily="18" charset="0"/>
+                  <a:cs typeface="Times New Roman" pitchFamily="18" charset="0"/>
+                </a:rPr>
+                <a:t>Cultural practices</a:t>
+              </a:r>
+            </a:p>
+          </p:txBody>
+        </p:sp>
+      </p:grpSp>
+      <p:grpSp>
+        <p:nvGrpSpPr>
+          <p:cNvPr id="10" name="Groupe 9"/>
+          <p:cNvGrpSpPr/>
+          <p:nvPr/>
+        </p:nvGrpSpPr>
+        <p:grpSpPr>
+          <a:xfrm>
+            <a:off x="744576" y="2455273"/>
+            <a:ext cx="3578224" cy="1364303"/>
+            <a:chOff x="744576" y="2096239"/>
+            <a:chExt cx="3578224" cy="1364303"/>
+          </a:xfrm>
+        </p:grpSpPr>
+        <p:pic>
+          <p:nvPicPr>
+            <p:cNvPr id="2052" name="Picture 4" descr="Z:\home\perez\Bureau\f8e5574b725e601f7c0711d656ba5aef.png"/>
+            <p:cNvPicPr>
+              <a:picLocks noChangeAspect="1" noChangeArrowheads="1"/>
+            </p:cNvPicPr>
+            <p:nvPr/>
+          </p:nvPicPr>
+          <p:blipFill>
+            <a:blip r:embed="rId5" cstate="print">
+              <a:extLst>
+                <a:ext uri="{28A0092B-C50C-407E-A947-70E740481C1C}">
+                  <a14:useLocalDpi xmlns:a14="http://schemas.microsoft.com/office/drawing/2010/main" val="0"/>
+                </a:ext>
+              </a:extLst>
+            </a:blip>
+            <a:srcRect/>
+            <a:stretch>
+              <a:fillRect/>
+            </a:stretch>
+          </p:blipFill>
+          <p:spPr bwMode="auto">
+            <a:xfrm>
+              <a:off x="2048379" y="2781621"/>
+              <a:ext cx="561149" cy="678921"/>
+            </a:xfrm>
+            <a:prstGeom prst="rect">
+              <a:avLst/>
+            </a:prstGeom>
+            <a:noFill/>
+            <a:extLst>
+              <a:ext uri="{909E8E84-426E-40DD-AFC4-6F175D3DCCD1}">
+                <a14:hiddenFill xmlns:a14="http://schemas.microsoft.com/office/drawing/2010/main">
+                  <a:solidFill>
+                    <a:srgbClr val="FFFFFF"/>
+                  </a:solidFill>
+                </a14:hiddenFill>
+              </a:ext>
+            </a:extLst>
+          </p:spPr>
+        </p:pic>
+        <p:sp>
+          <p:nvSpPr>
+            <p:cNvPr id="8" name="Rectangle 7"/>
+            <p:cNvSpPr/>
+            <p:nvPr/>
+          </p:nvSpPr>
+          <p:spPr>
+            <a:xfrm>
+              <a:off x="744576" y="2096239"/>
+              <a:ext cx="3578224" cy="523220"/>
+            </a:xfrm>
+            <a:prstGeom prst="rect">
+              <a:avLst/>
+            </a:prstGeom>
+          </p:spPr>
+          <p:txBody>
+            <a:bodyPr wrap="none">
+              <a:spAutoFit/>
+            </a:bodyPr>
+            <a:lstStyle/>
+            <a:p>
+              <a:r>
+                <a:rPr lang="en-US" sz="2800" dirty="0">
+                  <a:latin typeface="Times New Roman" pitchFamily="18" charset="0"/>
+                  <a:cs typeface="Times New Roman" pitchFamily="18" charset="0"/>
+                </a:rPr>
+                <a:t>Resources management</a:t>
+              </a:r>
+            </a:p>
+          </p:txBody>
+        </p:sp>
+      </p:grpSp>
+      <p:sp>
+        <p:nvSpPr>
+          <p:cNvPr id="15" name="Espace réservé du contenu 2"/>
+          <p:cNvSpPr txBox="1">
+            <a:spLocks/>
+          </p:cNvSpPr>
+          <p:nvPr/>
+        </p:nvSpPr>
+        <p:spPr>
+          <a:xfrm>
+            <a:off x="323528" y="1046170"/>
+            <a:ext cx="6101304" cy="870662"/>
+          </a:xfrm>
+          <a:prstGeom prst="rect">
+            <a:avLst/>
+          </a:prstGeom>
+        </p:spPr>
+        <p:txBody>
+          <a:bodyPr vert="horz" lIns="91440" tIns="45720" rIns="91440" bIns="45720" rtlCol="0">
+            <a:normAutofit/>
+          </a:bodyPr>
+          <a:lstStyle>
+            <a:lvl1pPr marL="342900" indent="-342900" algn="l" defTabSz="914400" rtl="0" eaLnBrk="1" latinLnBrk="0" hangingPunct="1">
+              <a:spcBef>
+                <a:spcPct val="20000"/>
+              </a:spcBef>
               <a:buFont typeface="Arial" pitchFamily="34" charset="0"/>
               <a:buChar char="•"/>
+              <a:defRPr sz="3200" kern="1200">
+                <a:solidFill>
+                  <a:schemeClr val="tx1"/>
+                </a:solidFill>
+                <a:latin typeface="+mn-lt"/>
+                <a:ea typeface="+mn-ea"/>
+                <a:cs typeface="+mn-cs"/>
+              </a:defRPr>
+            </a:lvl1pPr>
+            <a:lvl2pPr marL="742950" indent="-285750" algn="l" defTabSz="914400" rtl="0" eaLnBrk="1" latinLnBrk="0" hangingPunct="1">
+              <a:spcBef>
+                <a:spcPct val="20000"/>
+              </a:spcBef>
+              <a:buFont typeface="Arial" pitchFamily="34" charset="0"/>
+              <a:buChar char="–"/>
+              <a:defRPr sz="2800" kern="1200">
+                <a:solidFill>
+                  <a:schemeClr val="tx1"/>
+                </a:solidFill>
+                <a:latin typeface="+mn-lt"/>
+                <a:ea typeface="+mn-ea"/>
+                <a:cs typeface="+mn-cs"/>
+              </a:defRPr>
+            </a:lvl2pPr>
+            <a:lvl3pPr marL="1143000" indent="-228600" algn="l" defTabSz="914400" rtl="0" eaLnBrk="1" latinLnBrk="0" hangingPunct="1">
+              <a:spcBef>
+                <a:spcPct val="20000"/>
+              </a:spcBef>
+              <a:buFont typeface="Arial" pitchFamily="34" charset="0"/>
+              <a:buChar char="•"/>
+              <a:defRPr sz="2400" kern="1200">
+                <a:solidFill>
+                  <a:schemeClr val="tx1"/>
+                </a:solidFill>
+                <a:latin typeface="+mn-lt"/>
+                <a:ea typeface="+mn-ea"/>
+                <a:cs typeface="+mn-cs"/>
+              </a:defRPr>
+            </a:lvl3pPr>
+            <a:lvl4pPr marL="1600200" indent="-228600" algn="l" defTabSz="914400" rtl="0" eaLnBrk="1" latinLnBrk="0" hangingPunct="1">
+              <a:spcBef>
+                <a:spcPct val="20000"/>
+              </a:spcBef>
+              <a:buFont typeface="Arial" pitchFamily="34" charset="0"/>
+              <a:buChar char="–"/>
+              <a:defRPr sz="2000" kern="1200">
+                <a:solidFill>
+                  <a:schemeClr val="tx1"/>
+                </a:solidFill>
+                <a:latin typeface="+mn-lt"/>
+                <a:ea typeface="+mn-ea"/>
+                <a:cs typeface="+mn-cs"/>
+              </a:defRPr>
+            </a:lvl4pPr>
+            <a:lvl5pPr marL="2057400" indent="-228600" algn="l" defTabSz="914400" rtl="0" eaLnBrk="1" latinLnBrk="0" hangingPunct="1">
+              <a:spcBef>
+                <a:spcPct val="20000"/>
+              </a:spcBef>
+              <a:buFont typeface="Arial" pitchFamily="34" charset="0"/>
+              <a:buChar char="»"/>
+              <a:defRPr sz="2000" kern="1200">
+                <a:solidFill>
+                  <a:schemeClr val="tx1"/>
+                </a:solidFill>
+                <a:latin typeface="+mn-lt"/>
+                <a:ea typeface="+mn-ea"/>
+                <a:cs typeface="+mn-cs"/>
+              </a:defRPr>
+            </a:lvl5pPr>
+            <a:lvl6pPr marL="2514600" indent="-228600" algn="l" defTabSz="914400" rtl="0" eaLnBrk="1" latinLnBrk="0" hangingPunct="1">
+              <a:spcBef>
+                <a:spcPct val="20000"/>
+              </a:spcBef>
+              <a:buFont typeface="Arial" pitchFamily="34" charset="0"/>
+              <a:buChar char="•"/>
+              <a:defRPr sz="2000" kern="1200">
+                <a:solidFill>
+                  <a:schemeClr val="tx1"/>
+                </a:solidFill>
+                <a:latin typeface="+mn-lt"/>
+                <a:ea typeface="+mn-ea"/>
+                <a:cs typeface="+mn-cs"/>
+              </a:defRPr>
+            </a:lvl6pPr>
+            <a:lvl7pPr marL="2971800" indent="-228600" algn="l" defTabSz="914400" rtl="0" eaLnBrk="1" latinLnBrk="0" hangingPunct="1">
+              <a:spcBef>
+                <a:spcPct val="20000"/>
+              </a:spcBef>
+              <a:buFont typeface="Arial" pitchFamily="34" charset="0"/>
+              <a:buChar char="•"/>
+              <a:defRPr sz="2000" kern="1200">
+                <a:solidFill>
+                  <a:schemeClr val="tx1"/>
+                </a:solidFill>
+                <a:latin typeface="+mn-lt"/>
+                <a:ea typeface="+mn-ea"/>
+                <a:cs typeface="+mn-cs"/>
+              </a:defRPr>
+            </a:lvl7pPr>
+            <a:lvl8pPr marL="3429000" indent="-228600" algn="l" defTabSz="914400" rtl="0" eaLnBrk="1" latinLnBrk="0" hangingPunct="1">
+              <a:spcBef>
+                <a:spcPct val="20000"/>
+              </a:spcBef>
+              <a:buFont typeface="Arial" pitchFamily="34" charset="0"/>
+              <a:buChar char="•"/>
+              <a:defRPr sz="2000" kern="1200">
+                <a:solidFill>
+                  <a:schemeClr val="tx1"/>
+                </a:solidFill>
+                <a:latin typeface="+mn-lt"/>
+                <a:ea typeface="+mn-ea"/>
+                <a:cs typeface="+mn-cs"/>
+              </a:defRPr>
+            </a:lvl8pPr>
+            <a:lvl9pPr marL="3886200" indent="-228600" algn="l" defTabSz="914400" rtl="0" eaLnBrk="1" latinLnBrk="0" hangingPunct="1">
+              <a:spcBef>
+                <a:spcPct val="20000"/>
+              </a:spcBef>
+              <a:buFont typeface="Arial" pitchFamily="34" charset="0"/>
+              <a:buChar char="•"/>
+              <a:defRPr sz="2000" kern="1200">
+                <a:solidFill>
+                  <a:schemeClr val="tx1"/>
+                </a:solidFill>
+                <a:latin typeface="+mn-lt"/>
+                <a:ea typeface="+mn-ea"/>
+                <a:cs typeface="+mn-cs"/>
+              </a:defRPr>
+            </a:lvl9pPr>
+          </a:lstStyle>
+          <a:p>
+            <a:pPr marL="0" indent="0">
+              <a:buFont typeface="Arial" pitchFamily="34" charset="0"/>
+              <a:buNone/>
             </a:pPr>
             <a:r>
-              <a:rPr lang="en-US" sz="3200" dirty="0" smtClean="0">
-                <a:latin typeface="Times New Roman" pitchFamily="18" charset="0"/>
-                <a:cs typeface="Times New Roman" pitchFamily="18" charset="0"/>
-              </a:rPr>
-              <a:t>Interaction between management and breeding (G x E)</a:t>
-            </a:r>
-            <a:endParaRPr lang="en-US" sz="3200" dirty="0">
+              <a:rPr lang="en-US" dirty="0" smtClean="0">
+                <a:latin typeface="Times New Roman" pitchFamily="18" charset="0"/>
+                <a:cs typeface="Times New Roman" pitchFamily="18" charset="0"/>
+              </a:rPr>
+              <a:t>Environment (E)</a:t>
+            </a:r>
+            <a:endParaRPr lang="en-US" sz="2400" dirty="0" smtClean="0">
               <a:latin typeface="Times New Roman" pitchFamily="18" charset="0"/>
               <a:cs typeface="Times New Roman" pitchFamily="18" charset="0"/>
             </a:endParaRPr>
@@ -6151,21 +7192,39 @@
                                   </p:childTnLst>
                                 </p:cTn>
                               </p:par>
+                            </p:childTnLst>
+                          </p:cTn>
+                        </p:par>
+                      </p:childTnLst>
+                    </p:cTn>
+                  </p:par>
+                  <p:par>
+                    <p:cTn id="8" fill="hold">
+                      <p:stCondLst>
+                        <p:cond delay="indefinite"/>
+                      </p:stCondLst>
+                      <p:childTnLst>
+                        <p:par>
+                          <p:cTn id="9" fill="hold">
+                            <p:stCondLst>
+                              <p:cond delay="0"/>
+                            </p:stCondLst>
+                            <p:childTnLst>
                               <p:par>
-                                <p:cTn id="8" presetID="10" presetClass="entr" presetSubtype="0" fill="hold" nodeType="withEffect">
+                                <p:cTn id="10" presetID="10" presetClass="entr" presetSubtype="0" fill="hold" nodeType="clickEffect">
                                   <p:stCondLst>
                                     <p:cond delay="0"/>
                                   </p:stCondLst>
                                   <p:childTnLst>
                                     <p:set>
                                       <p:cBhvr>
-                                        <p:cTn id="9" dur="1" fill="hold">
+                                        <p:cTn id="11" dur="1" fill="hold">
                                           <p:stCondLst>
                                             <p:cond delay="0"/>
                                           </p:stCondLst>
                                         </p:cTn>
                                         <p:tgtEl>
-                                          <p:spTgt spid="7"/>
+                                          <p:spTgt spid="10"/>
                                         </p:tgtEl>
                                         <p:attrNameLst>
                                           <p:attrName>style.visibility</p:attrName>
@@ -6177,9 +7236,9 @@
                                     </p:set>
                                     <p:animEffect transition="in" filter="fade">
                                       <p:cBhvr>
-                                        <p:cTn id="10" dur="500"/>
+                                        <p:cTn id="12" dur="500"/>
                                         <p:tgtEl>
-                                          <p:spTgt spid="7"/>
+                                          <p:spTgt spid="10"/>
                                         </p:tgtEl>
                                       </p:cBhvr>
                                     </p:animEffect>
@@ -6193,26 +7252,79 @@
                     </p:cTn>
                   </p:par>
                   <p:par>
-                    <p:cTn id="11" fill="hold">
+                    <p:cTn id="13" fill="hold">
                       <p:stCondLst>
                         <p:cond delay="indefinite"/>
                       </p:stCondLst>
                       <p:childTnLst>
                         <p:par>
-                          <p:cTn id="12" fill="hold">
+                          <p:cTn id="14" fill="hold">
                             <p:stCondLst>
                               <p:cond delay="0"/>
                             </p:stCondLst>
                             <p:childTnLst>
                               <p:par>
-                                <p:cTn id="13" presetID="10" presetClass="entr" presetSubtype="0" fill="hold" nodeType="clickEffect">
+                                <p:cTn id="15" presetID="10" presetClass="entr" presetSubtype="0" fill="hold" nodeType="clickEffect">
                                   <p:stCondLst>
                                     <p:cond delay="0"/>
                                   </p:stCondLst>
                                   <p:childTnLst>
                                     <p:set>
                                       <p:cBhvr>
-                                        <p:cTn id="14" dur="1" fill="hold">
+                                        <p:cTn id="16" dur="1" fill="hold">
+                                          <p:stCondLst>
+                                            <p:cond delay="0"/>
+                                          </p:stCondLst>
+                                        </p:cTn>
+                                        <p:tgtEl>
+                                          <p:spTgt spid="9"/>
+                                        </p:tgtEl>
+                                        <p:attrNameLst>
+                                          <p:attrName>style.visibility</p:attrName>
+                                        </p:attrNameLst>
+                                      </p:cBhvr>
+                                      <p:to>
+                                        <p:strVal val="visible"/>
+                                      </p:to>
+                                    </p:set>
+                                    <p:animEffect transition="in" filter="fade">
+                                      <p:cBhvr>
+                                        <p:cTn id="17" dur="500"/>
+                                        <p:tgtEl>
+                                          <p:spTgt spid="9"/>
+                                        </p:tgtEl>
+                                      </p:cBhvr>
+                                    </p:animEffect>
+                                  </p:childTnLst>
+                                </p:cTn>
+                              </p:par>
+                            </p:childTnLst>
+                          </p:cTn>
+                        </p:par>
+                      </p:childTnLst>
+                    </p:cTn>
+                  </p:par>
+                  <p:par>
+                    <p:cTn id="18" fill="hold">
+                      <p:stCondLst>
+                        <p:cond delay="indefinite"/>
+                      </p:stCondLst>
+                      <p:childTnLst>
+                        <p:par>
+                          <p:cTn id="19" fill="hold">
+                            <p:stCondLst>
+                              <p:cond delay="0"/>
+                            </p:stCondLst>
+                            <p:childTnLst>
+                              <p:par>
+                                <p:cTn id="20" presetID="10" presetClass="entr" presetSubtype="0" fill="hold" nodeType="clickEffect">
+                                  <p:stCondLst>
+                                    <p:cond delay="0"/>
+                                  </p:stCondLst>
+                                  <p:childTnLst>
+                                    <p:set>
+                                      <p:cBhvr>
+                                        <p:cTn id="21" dur="1" fill="hold">
                                           <p:stCondLst>
                                             <p:cond delay="0"/>
                                           </p:stCondLst>
@@ -6230,7 +7342,7 @@
                                     </p:set>
                                     <p:animEffect transition="in" filter="fade">
                                       <p:cBhvr>
-                                        <p:cTn id="15" dur="500"/>
+                                        <p:cTn id="22" dur="500"/>
                                         <p:tgtEl>
                                           <p:spTgt spid="6"/>
                                         </p:tgtEl>
@@ -6246,26 +7358,26 @@
                     </p:cTn>
                   </p:par>
                   <p:par>
-                    <p:cTn id="16" fill="hold">
+                    <p:cTn id="23" fill="hold">
                       <p:stCondLst>
                         <p:cond delay="indefinite"/>
                       </p:stCondLst>
                       <p:childTnLst>
                         <p:par>
-                          <p:cTn id="17" fill="hold">
+                          <p:cTn id="24" fill="hold">
                             <p:stCondLst>
                               <p:cond delay="0"/>
                             </p:stCondLst>
                             <p:childTnLst>
                               <p:par>
-                                <p:cTn id="18" presetID="10" presetClass="entr" presetSubtype="0" fill="hold" grpId="0" nodeType="clickEffect">
+                                <p:cTn id="25" presetID="10" presetClass="entr" presetSubtype="0" fill="hold" grpId="0" nodeType="clickEffect">
                                   <p:stCondLst>
                                     <p:cond delay="0"/>
                                   </p:stCondLst>
                                   <p:childTnLst>
                                     <p:set>
                                       <p:cBhvr>
-                                        <p:cTn id="19" dur="1" fill="hold">
+                                        <p:cTn id="26" dur="1" fill="hold">
                                           <p:stCondLst>
                                             <p:cond delay="0"/>
                                           </p:stCondLst>
@@ -6283,7 +7395,7 @@
                                     </p:set>
                                     <p:animEffect transition="in" filter="fade">
                                       <p:cBhvr>
-                                        <p:cTn id="20" dur="500"/>
+                                        <p:cTn id="27" dur="500"/>
                                         <p:tgtEl>
                                           <p:spTgt spid="12"/>
                                         </p:tgtEl>
@@ -6327,7 +7439,328 @@
 </p:sld>
 </file>
 
-<file path=ppt/slides/slide3.xml><?xml version="1.0" encoding="utf-8"?>
+<file path=ppt/slides/slide4.xml><?xml version="1.0" encoding="utf-8"?>
+<p:sld xmlns:a="http://schemas.openxmlformats.org/drawingml/2006/main" xmlns:r="http://schemas.openxmlformats.org/officeDocument/2006/relationships" xmlns:p="http://schemas.openxmlformats.org/presentationml/2006/main">
+  <p:cSld>
+    <p:spTree>
+      <p:nvGrpSpPr>
+        <p:cNvPr id="1" name=""/>
+        <p:cNvGrpSpPr/>
+        <p:nvPr/>
+      </p:nvGrpSpPr>
+      <p:grpSpPr>
+        <a:xfrm>
+          <a:off x="0" y="0"/>
+          <a:ext cx="0" cy="0"/>
+          <a:chOff x="0" y="0"/>
+          <a:chExt cx="0" cy="0"/>
+        </a:xfrm>
+      </p:grpSpPr>
+      <p:pic>
+        <p:nvPicPr>
+          <p:cNvPr id="1026" name="Picture 2" descr="Z:\home\perez\Bureau\Rice_Diagram.png"/>
+          <p:cNvPicPr>
+            <a:picLocks noChangeAspect="1" noChangeArrowheads="1"/>
+          </p:cNvPicPr>
+          <p:nvPr/>
+        </p:nvPicPr>
+        <p:blipFill>
+          <a:blip r:embed="rId3" cstate="print">
+            <a:extLst>
+              <a:ext uri="{28A0092B-C50C-407E-A947-70E740481C1C}">
+                <a14:useLocalDpi xmlns:a14="http://schemas.microsoft.com/office/drawing/2010/main" val="0"/>
+              </a:ext>
+            </a:extLst>
+          </a:blip>
+          <a:srcRect/>
+          <a:stretch>
+            <a:fillRect/>
+          </a:stretch>
+        </p:blipFill>
+        <p:spPr bwMode="auto">
+          <a:xfrm>
+            <a:off x="2948308" y="1298811"/>
+            <a:ext cx="2739675" cy="4416163"/>
+          </a:xfrm>
+          <a:prstGeom prst="rect">
+            <a:avLst/>
+          </a:prstGeom>
+          <a:noFill/>
+          <a:extLst>
+            <a:ext uri="{909E8E84-426E-40DD-AFC4-6F175D3DCCD1}">
+              <a14:hiddenFill xmlns:a14="http://schemas.microsoft.com/office/drawing/2010/main">
+                <a:solidFill>
+                  <a:srgbClr val="FFFFFF"/>
+                </a:solidFill>
+              </a14:hiddenFill>
+            </a:ext>
+          </a:extLst>
+        </p:spPr>
+      </p:pic>
+      <p:grpSp>
+        <p:nvGrpSpPr>
+          <p:cNvPr id="21" name="Groupe 20"/>
+          <p:cNvGrpSpPr/>
+          <p:nvPr/>
+        </p:nvGrpSpPr>
+        <p:grpSpPr>
+          <a:xfrm>
+            <a:off x="5377393" y="764704"/>
+            <a:ext cx="3155047" cy="1735585"/>
+            <a:chOff x="5089361" y="332656"/>
+            <a:chExt cx="3155047" cy="1735585"/>
+          </a:xfrm>
+        </p:grpSpPr>
+        <p:grpSp>
+          <p:nvGrpSpPr>
+            <p:cNvPr id="17" name="Groupe 16"/>
+            <p:cNvGrpSpPr/>
+            <p:nvPr/>
+          </p:nvGrpSpPr>
+          <p:grpSpPr>
+            <a:xfrm>
+              <a:off x="5397380" y="332656"/>
+              <a:ext cx="2847028" cy="1735585"/>
+              <a:chOff x="5397380" y="332656"/>
+              <a:chExt cx="2847028" cy="1735585"/>
+            </a:xfrm>
+          </p:grpSpPr>
+          <p:sp>
+            <p:nvSpPr>
+              <p:cNvPr id="5" name="Ellipse 4"/>
+              <p:cNvSpPr/>
+              <p:nvPr/>
+            </p:nvSpPr>
+            <p:spPr>
+              <a:xfrm>
+                <a:off x="6876256" y="332656"/>
+                <a:ext cx="1368152" cy="1296144"/>
+              </a:xfrm>
+              <a:prstGeom prst="ellipse">
+                <a:avLst/>
+              </a:prstGeom>
+              <a:solidFill>
+                <a:srgbClr val="FFFF00"/>
+              </a:solidFill>
+              <a:ln>
+                <a:noFill/>
+              </a:ln>
+            </p:spPr>
+            <p:style>
+              <a:lnRef idx="2">
+                <a:schemeClr val="accent1">
+                  <a:shade val="50000"/>
+                </a:schemeClr>
+              </a:lnRef>
+              <a:fillRef idx="1">
+                <a:schemeClr val="accent1"/>
+              </a:fillRef>
+              <a:effectRef idx="0">
+                <a:schemeClr val="accent1"/>
+              </a:effectRef>
+              <a:fontRef idx="minor">
+                <a:schemeClr val="lt1"/>
+              </a:fontRef>
+            </p:style>
+            <p:txBody>
+              <a:bodyPr rtlCol="0" anchor="ctr"/>
+              <a:lstStyle/>
+              <a:p>
+                <a:pPr algn="ctr"/>
+                <a:endParaRPr lang="en-US">
+                  <a:solidFill>
+                    <a:srgbClr val="FFFF00"/>
+                  </a:solidFill>
+                  <a:latin typeface="Times New Roman" pitchFamily="18" charset="0"/>
+                  <a:cs typeface="Times New Roman" pitchFamily="18" charset="0"/>
+                </a:endParaRPr>
+              </a:p>
+            </p:txBody>
+          </p:sp>
+          <p:sp>
+            <p:nvSpPr>
+              <p:cNvPr id="8" name="Flèche droite 7"/>
+              <p:cNvSpPr/>
+              <p:nvPr/>
+            </p:nvSpPr>
+            <p:spPr>
+              <a:xfrm rot="8557813">
+                <a:off x="5397380" y="1492177"/>
+                <a:ext cx="1152128" cy="576064"/>
+              </a:xfrm>
+              <a:prstGeom prst="rightArrow">
+                <a:avLst/>
+              </a:prstGeom>
+              <a:solidFill>
+                <a:srgbClr val="FFFF00"/>
+              </a:solidFill>
+              <a:ln>
+                <a:noFill/>
+              </a:ln>
+            </p:spPr>
+            <p:style>
+              <a:lnRef idx="2">
+                <a:schemeClr val="accent1">
+                  <a:shade val="50000"/>
+                </a:schemeClr>
+              </a:lnRef>
+              <a:fillRef idx="1">
+                <a:schemeClr val="accent1"/>
+              </a:fillRef>
+              <a:effectRef idx="0">
+                <a:schemeClr val="accent1"/>
+              </a:effectRef>
+              <a:fontRef idx="minor">
+                <a:schemeClr val="lt1"/>
+              </a:fontRef>
+            </p:style>
+            <p:txBody>
+              <a:bodyPr rtlCol="0" anchor="ctr"/>
+              <a:lstStyle/>
+              <a:p>
+                <a:pPr algn="ctr"/>
+                <a:endParaRPr lang="en-US">
+                  <a:latin typeface="Times New Roman" pitchFamily="18" charset="0"/>
+                  <a:cs typeface="Times New Roman" pitchFamily="18" charset="0"/>
+                </a:endParaRPr>
+              </a:p>
+            </p:txBody>
+          </p:sp>
+        </p:grpSp>
+        <p:sp>
+          <p:nvSpPr>
+            <p:cNvPr id="27" name="ZoneTexte 26"/>
+            <p:cNvSpPr txBox="1"/>
+            <p:nvPr/>
+          </p:nvSpPr>
+          <p:spPr>
+            <a:xfrm>
+              <a:off x="5089361" y="592408"/>
+              <a:ext cx="1864613" cy="646331"/>
+            </a:xfrm>
+            <a:prstGeom prst="rect">
+              <a:avLst/>
+            </a:prstGeom>
+            <a:noFill/>
+          </p:spPr>
+          <p:txBody>
+            <a:bodyPr wrap="none" rtlCol="0">
+              <a:spAutoFit/>
+            </a:bodyPr>
+            <a:lstStyle/>
+            <a:p>
+              <a:r>
+                <a:rPr lang="en-US" sz="3600" dirty="0" smtClean="0">
+                  <a:latin typeface="Times New Roman" pitchFamily="18" charset="0"/>
+                  <a:cs typeface="Times New Roman" pitchFamily="18" charset="0"/>
+                </a:rPr>
+                <a:t>Sun light</a:t>
+              </a:r>
+            </a:p>
+          </p:txBody>
+        </p:sp>
+      </p:grpSp>
+      <p:sp>
+        <p:nvSpPr>
+          <p:cNvPr id="1024" name="ZoneTexte 1023"/>
+          <p:cNvSpPr txBox="1"/>
+          <p:nvPr/>
+        </p:nvSpPr>
+        <p:spPr>
+          <a:xfrm>
+            <a:off x="2790120" y="158914"/>
+            <a:ext cx="2864887" cy="646331"/>
+          </a:xfrm>
+          <a:prstGeom prst="rect">
+            <a:avLst/>
+          </a:prstGeom>
+          <a:noFill/>
+        </p:spPr>
+        <p:txBody>
+          <a:bodyPr wrap="none" rtlCol="0">
+            <a:spAutoFit/>
+          </a:bodyPr>
+          <a:lstStyle/>
+          <a:p>
+            <a:r>
+              <a:rPr lang="en-US" sz="3600" dirty="0" smtClean="0">
+                <a:latin typeface="Times New Roman" pitchFamily="18" charset="0"/>
+                <a:cs typeface="Times New Roman" pitchFamily="18" charset="0"/>
+              </a:rPr>
+              <a:t>Light resource</a:t>
+            </a:r>
+            <a:endParaRPr lang="en-US" sz="3600" dirty="0">
+              <a:latin typeface="Times New Roman" pitchFamily="18" charset="0"/>
+              <a:cs typeface="Times New Roman" pitchFamily="18" charset="0"/>
+            </a:endParaRPr>
+          </a:p>
+        </p:txBody>
+      </p:sp>
+      <p:sp>
+        <p:nvSpPr>
+          <p:cNvPr id="33" name="ZoneTexte 32"/>
+          <p:cNvSpPr txBox="1"/>
+          <p:nvPr/>
+        </p:nvSpPr>
+        <p:spPr>
+          <a:xfrm>
+            <a:off x="1680045" y="5954960"/>
+            <a:ext cx="6420347" cy="646331"/>
+          </a:xfrm>
+          <a:prstGeom prst="rect">
+            <a:avLst/>
+          </a:prstGeom>
+          <a:noFill/>
+        </p:spPr>
+        <p:txBody>
+          <a:bodyPr wrap="none" rtlCol="0">
+            <a:spAutoFit/>
+          </a:bodyPr>
+          <a:lstStyle/>
+          <a:p>
+            <a:r>
+              <a:rPr lang="en-US" sz="3600" dirty="0" smtClean="0">
+                <a:latin typeface="Times New Roman" pitchFamily="18" charset="0"/>
+                <a:cs typeface="Times New Roman" pitchFamily="18" charset="0"/>
+                <a:sym typeface="Wingdings" pitchFamily="2" charset="2"/>
+              </a:rPr>
+              <a:t> </a:t>
+            </a:r>
+            <a:r>
+              <a:rPr lang="en-US" sz="3600" dirty="0" smtClean="0">
+                <a:latin typeface="Times New Roman" pitchFamily="18" charset="0"/>
+                <a:cs typeface="Times New Roman" pitchFamily="18" charset="0"/>
+              </a:rPr>
+              <a:t>How to improve light capture?</a:t>
+            </a:r>
+            <a:endParaRPr lang="en-US" sz="3600" dirty="0">
+              <a:latin typeface="Times New Roman" pitchFamily="18" charset="0"/>
+              <a:cs typeface="Times New Roman" pitchFamily="18" charset="0"/>
+            </a:endParaRPr>
+          </a:p>
+        </p:txBody>
+      </p:sp>
+    </p:spTree>
+    <p:extLst>
+      <p:ext uri="{BB962C8B-B14F-4D97-AF65-F5344CB8AC3E}">
+        <p14:creationId xmlns:p14="http://schemas.microsoft.com/office/powerpoint/2010/main" val="2503512620"/>
+      </p:ext>
+    </p:extLst>
+  </p:cSld>
+  <p:clrMapOvr>
+    <a:masterClrMapping/>
+  </p:clrMapOvr>
+  <p:timing>
+    <p:tnLst>
+      <p:par>
+        <p:cTn id="1" dur="indefinite" restart="never" nodeType="tmRoot"/>
+      </p:par>
+    </p:tnLst>
+  </p:timing>
+</p:sld>
+</file>
+
+<file path=ppt/slides/slide5.xml><?xml version="1.0" encoding="utf-8"?>
 <p:sld xmlns:a="http://schemas.openxmlformats.org/drawingml/2006/main" xmlns:r="http://schemas.openxmlformats.org/officeDocument/2006/relationships" xmlns:p="http://schemas.openxmlformats.org/presentationml/2006/main">
   <p:cSld>
     <p:spTree>
@@ -6380,8 +7813,8 @@
           </a:p>
         </p:txBody>
       </p:sp>
-      <mc:AlternateContent xmlns:mc="http://schemas.openxmlformats.org/markup-compatibility/2006" xmlns:a14="http://schemas.microsoft.com/office/drawing/2010/main">
-        <mc:Choice Requires="a14">
+      <mc:AlternateContent xmlns:mc="http://schemas.openxmlformats.org/markup-compatibility/2006">
+        <mc:Choice xmlns:a14="http://schemas.microsoft.com/office/drawing/2010/main" Requires="a14">
           <p:sp>
             <p:nvSpPr>
               <p:cNvPr id="5" name="ZoneTexte 4"/>
@@ -6390,7 +7823,7 @@
             </p:nvSpPr>
             <p:spPr>
               <a:xfrm>
-                <a:off x="2483768" y="1916832"/>
+                <a:off x="1763688" y="2204864"/>
                 <a:ext cx="5532935" cy="988476"/>
               </a:xfrm>
               <a:prstGeom prst="rect">
@@ -6429,7 +7862,7 @@
                           <m:supHide m:val="on"/>
                           <m:ctrlPr>
                             <a:rPr lang="fr-FR" sz="2400" b="0" i="1" smtClean="0">
-                              <a:latin typeface="Cambria Math" panose="02040503050406030204" pitchFamily="18" charset="0"/>
+                              <a:latin typeface="Cambria Math"/>
                             </a:rPr>
                           </m:ctrlPr>
                         </m:naryPr>
@@ -6450,7 +7883,7 @@
                             <m:sSubPr>
                               <m:ctrlPr>
                                 <a:rPr lang="el-GR" sz="2400" i="1">
-                                  <a:latin typeface="Cambria Math" panose="02040503050406030204" pitchFamily="18" charset="0"/>
+                                  <a:latin typeface="Cambria Math"/>
                                 </a:rPr>
                               </m:ctrlPr>
                             </m:sSubPr>
@@ -6474,7 +7907,7 @@
                                       <a:solidFill>
                                         <a:srgbClr val="FF0000"/>
                                       </a:solidFill>
-                                      <a:latin typeface="Cambria Math" panose="02040503050406030204" pitchFamily="18" charset="0"/>
+                                      <a:latin typeface="Cambria Math"/>
                                     </a:rPr>
                                   </m:ctrlPr>
                                 </m:sSubPr>
@@ -6540,7 +7973,7 @@
                             <m:sSubPr>
                               <m:ctrlPr>
                                 <a:rPr lang="el-GR" sz="2400" i="1">
-                                  <a:latin typeface="Cambria Math" panose="02040503050406030204" pitchFamily="18" charset="0"/>
+                                  <a:latin typeface="Cambria Math"/>
                                 </a:rPr>
                               </m:ctrlPr>
                             </m:sSubPr>
@@ -6574,7 +8007,7 @@
             </p:txBody>
           </p:sp>
         </mc:Choice>
-        <mc:Fallback xmlns="">
+        <mc:Fallback>
           <p:sp>
             <p:nvSpPr>
               <p:cNvPr id="5" name="ZoneTexte 4"/>
@@ -6585,7 +8018,7 @@
             </p:nvSpPr>
             <p:spPr>
               <a:xfrm>
-                <a:off x="2483768" y="1916832"/>
+                <a:off x="1763688" y="2204864"/>
                 <a:ext cx="5532935" cy="988476"/>
               </a:xfrm>
               <a:prstGeom prst="rect">
@@ -6613,16 +8046,677 @@
           </p:sp>
         </mc:Fallback>
       </mc:AlternateContent>
+      <mc:AlternateContent xmlns:mc="http://schemas.openxmlformats.org/markup-compatibility/2006">
+        <mc:Choice xmlns:a14="http://schemas.microsoft.com/office/drawing/2010/main" Requires="a14">
+          <p:sp>
+            <p:nvSpPr>
+              <p:cNvPr id="6" name="Rectangle 5"/>
+              <p:cNvSpPr/>
+              <p:nvPr/>
+            </p:nvSpPr>
+            <p:spPr>
+              <a:xfrm>
+                <a:off x="539551" y="1412776"/>
+                <a:ext cx="7860057" cy="707886"/>
+              </a:xfrm>
+              <a:prstGeom prst="rect">
+                <a:avLst/>
+              </a:prstGeom>
+            </p:spPr>
+            <p:txBody>
+              <a:bodyPr wrap="square">
+                <a:spAutoFit/>
+              </a:bodyPr>
+              <a:lstStyle/>
+              <a:p>
+                <a:r>
+                  <a:rPr lang="fr-FR" sz="2000" dirty="0">
+                    <a:latin typeface="Times New Roman" pitchFamily="18" charset="0"/>
+                    <a:cs typeface="Times New Roman" pitchFamily="18" charset="0"/>
+                  </a:rPr>
+                  <a:t>Light interception </a:t>
+                </a:r>
+                <a:r>
+                  <a:rPr lang="fr-FR" sz="2000" dirty="0" err="1">
+                    <a:latin typeface="Times New Roman" pitchFamily="18" charset="0"/>
+                    <a:cs typeface="Times New Roman" pitchFamily="18" charset="0"/>
+                  </a:rPr>
+                  <a:t>efficiency</a:t>
+                </a:r>
+                <a:r>
+                  <a:rPr lang="fr-FR" sz="2000" dirty="0">
+                    <a:latin typeface="Times New Roman" pitchFamily="18" charset="0"/>
+                    <a:cs typeface="Times New Roman" pitchFamily="18" charset="0"/>
+                  </a:rPr>
+                  <a:t> (</a:t>
+                </a:r>
+                <a:r>
+                  <a:rPr lang="fr-FR" sz="2000" dirty="0" smtClean="0">
+                    <a:latin typeface="Times New Roman" pitchFamily="18" charset="0"/>
+                    <a:cs typeface="Times New Roman" pitchFamily="18" charset="0"/>
+                  </a:rPr>
+                  <a:t>LIE or </a:t>
+                </a:r>
+                <a14:m>
+                  <m:oMath xmlns:m="http://schemas.openxmlformats.org/officeDocument/2006/math">
+                    <m:sSub>
+                      <m:sSubPr>
+                        <m:ctrlPr>
+                          <a:rPr lang="el-GR" sz="2000" i="1" smtClean="0">
+                            <a:solidFill>
+                              <a:schemeClr val="tx1"/>
+                            </a:solidFill>
+                            <a:latin typeface="Cambria Math"/>
+                          </a:rPr>
+                        </m:ctrlPr>
+                      </m:sSubPr>
+                      <m:e>
+                        <m:r>
+                          <m:rPr>
+                            <m:sty m:val="p"/>
+                          </m:rPr>
+                          <a:rPr lang="el-GR" sz="2000" i="1">
+                            <a:solidFill>
+                              <a:schemeClr val="tx1"/>
+                            </a:solidFill>
+                            <a:latin typeface="Cambria Math"/>
+                          </a:rPr>
+                          <m:t>ε</m:t>
+                        </m:r>
+                      </m:e>
+                      <m:sub>
+                        <m:r>
+                          <a:rPr lang="fr-FR" sz="2000" i="1">
+                            <a:solidFill>
+                              <a:schemeClr val="tx1"/>
+                            </a:solidFill>
+                            <a:latin typeface="Cambria Math"/>
+                          </a:rPr>
+                          <m:t>𝑖</m:t>
+                        </m:r>
+                      </m:sub>
+                    </m:sSub>
+                  </m:oMath>
+                </a14:m>
+                <a:r>
+                  <a:rPr lang="fr-FR" sz="2000" dirty="0" smtClean="0">
+                    <a:latin typeface="Times New Roman" pitchFamily="18" charset="0"/>
+                    <a:cs typeface="Times New Roman" pitchFamily="18" charset="0"/>
+                  </a:rPr>
+                  <a:t>) </a:t>
+                </a:r>
+                <a:r>
+                  <a:rPr lang="fr-FR" sz="2000" dirty="0" err="1">
+                    <a:latin typeface="Times New Roman" pitchFamily="18" charset="0"/>
+                    <a:cs typeface="Times New Roman" pitchFamily="18" charset="0"/>
+                  </a:rPr>
+                  <a:t>plays</a:t>
+                </a:r>
+                <a:r>
+                  <a:rPr lang="fr-FR" sz="2000" dirty="0">
+                    <a:latin typeface="Times New Roman" pitchFamily="18" charset="0"/>
+                    <a:cs typeface="Times New Roman" pitchFamily="18" charset="0"/>
+                  </a:rPr>
+                  <a:t> a key </a:t>
+                </a:r>
+                <a:r>
+                  <a:rPr lang="fr-FR" sz="2000" dirty="0" err="1">
+                    <a:latin typeface="Times New Roman" pitchFamily="18" charset="0"/>
+                    <a:cs typeface="Times New Roman" pitchFamily="18" charset="0"/>
+                  </a:rPr>
+                  <a:t>role</a:t>
+                </a:r>
+                <a:r>
+                  <a:rPr lang="fr-FR" sz="2000" dirty="0">
+                    <a:latin typeface="Times New Roman" pitchFamily="18" charset="0"/>
+                    <a:cs typeface="Times New Roman" pitchFamily="18" charset="0"/>
+                  </a:rPr>
+                  <a:t> in plant production (</a:t>
+                </a:r>
+                <a:r>
+                  <a:rPr lang="fr-FR" sz="2000" dirty="0" err="1">
+                    <a:latin typeface="Times New Roman" pitchFamily="18" charset="0"/>
+                    <a:cs typeface="Times New Roman" pitchFamily="18" charset="0"/>
+                  </a:rPr>
+                  <a:t>Monteith</a:t>
+                </a:r>
+                <a:r>
+                  <a:rPr lang="fr-FR" sz="2000" dirty="0">
+                    <a:latin typeface="Times New Roman" pitchFamily="18" charset="0"/>
+                    <a:cs typeface="Times New Roman" pitchFamily="18" charset="0"/>
+                  </a:rPr>
+                  <a:t>, 1977)</a:t>
+                </a:r>
+              </a:p>
+            </p:txBody>
+          </p:sp>
+        </mc:Choice>
+        <mc:Fallback>
+          <p:sp>
+            <p:nvSpPr>
+              <p:cNvPr id="6" name="Rectangle 5"/>
+              <p:cNvSpPr>
+                <a:spLocks noRot="1" noChangeAspect="1" noMove="1" noResize="1" noEditPoints="1" noAdjustHandles="1" noChangeArrowheads="1" noChangeShapeType="1" noTextEdit="1"/>
+              </p:cNvSpPr>
+              <p:nvPr/>
+            </p:nvSpPr>
+            <p:spPr>
+              <a:xfrm>
+                <a:off x="539551" y="1412776"/>
+                <a:ext cx="7860057" cy="707886"/>
+              </a:xfrm>
+              <a:prstGeom prst="rect">
+                <a:avLst/>
+              </a:prstGeom>
+              <a:blipFill rotWithShape="1">
+                <a:blip r:embed="rId4"/>
+                <a:stretch>
+                  <a:fillRect l="-853" t="-4310" b="-14655"/>
+                </a:stretch>
+              </a:blipFill>
+            </p:spPr>
+            <p:txBody>
+              <a:bodyPr/>
+              <a:lstStyle/>
+              <a:p>
+                <a:r>
+                  <a:rPr lang="en-US">
+                    <a:noFill/>
+                  </a:rPr>
+                  <a:t> </a:t>
+                </a:r>
+              </a:p>
+            </p:txBody>
+          </p:sp>
+        </mc:Fallback>
+      </mc:AlternateContent>
+      <mc:AlternateContent xmlns:mc="http://schemas.openxmlformats.org/markup-compatibility/2006">
+        <mc:Choice xmlns:a14="http://schemas.microsoft.com/office/drawing/2010/main" Requires="a14">
+          <p:sp>
+            <p:nvSpPr>
+              <p:cNvPr id="7" name="Rectangle 6"/>
+              <p:cNvSpPr/>
+              <p:nvPr/>
+            </p:nvSpPr>
+            <p:spPr>
+              <a:xfrm>
+                <a:off x="255409" y="3760460"/>
+                <a:ext cx="8732232" cy="830997"/>
+              </a:xfrm>
+              <a:prstGeom prst="rect">
+                <a:avLst/>
+              </a:prstGeom>
+            </p:spPr>
+            <p:txBody>
+              <a:bodyPr wrap="square">
+                <a:spAutoFit/>
+              </a:bodyPr>
+              <a:lstStyle/>
+              <a:p>
+                <a:r>
+                  <a:rPr lang="en-US" sz="2400" dirty="0" smtClean="0">
+                    <a:latin typeface="Times New Roman" pitchFamily="18" charset="0"/>
+                    <a:cs typeface="Times New Roman" pitchFamily="18" charset="0"/>
+                  </a:rPr>
+                  <a:t>At plot scale: fraction of light intercepted</a:t>
+                </a:r>
+              </a:p>
+              <a:p>
+                <a:r>
+                  <a:rPr lang="en-US" sz="2400" dirty="0" smtClean="0">
+                    <a:latin typeface="Times New Roman" pitchFamily="18" charset="0"/>
+                    <a:cs typeface="Times New Roman" pitchFamily="18" charset="0"/>
+                  </a:rPr>
+                  <a:t>  f</a:t>
+                </a:r>
+                <a14:m>
+                  <m:oMath xmlns:m="http://schemas.openxmlformats.org/officeDocument/2006/math">
+                    <m:r>
+                      <a:rPr lang="fr-FR" sz="2400" b="0" i="1" baseline="-25000" smtClean="0">
+                        <a:latin typeface="Cambria Math"/>
+                        <a:cs typeface="Times New Roman" pitchFamily="18" charset="0"/>
+                      </a:rPr>
+                      <m:t>𝑃𝐴𝑅</m:t>
+                    </m:r>
+                  </m:oMath>
+                </a14:m>
+                <a:r>
+                  <a:rPr lang="en-US" sz="2400" dirty="0" smtClean="0">
+                    <a:latin typeface="Times New Roman" pitchFamily="18" charset="0"/>
+                    <a:cs typeface="Times New Roman" pitchFamily="18" charset="0"/>
+                  </a:rPr>
+                  <a:t>= I / I</a:t>
+                </a:r>
+                <a:r>
+                  <a:rPr lang="en-US" sz="2400" baseline="-25000" dirty="0" smtClean="0">
+                    <a:latin typeface="Times New Roman" pitchFamily="18" charset="0"/>
+                    <a:cs typeface="Times New Roman" pitchFamily="18" charset="0"/>
+                  </a:rPr>
+                  <a:t>0 </a:t>
+                </a:r>
+                <a:r>
+                  <a:rPr lang="en-US" sz="2400" dirty="0" smtClean="0">
+                    <a:latin typeface="Times New Roman" pitchFamily="18" charset="0"/>
+                    <a:cs typeface="Times New Roman" pitchFamily="18" charset="0"/>
+                  </a:rPr>
+                  <a:t>  </a:t>
+                </a:r>
+                <a:endParaRPr lang="en-US" sz="2400" dirty="0">
+                  <a:latin typeface="Times New Roman" pitchFamily="18" charset="0"/>
+                  <a:cs typeface="Times New Roman" pitchFamily="18" charset="0"/>
+                </a:endParaRPr>
+              </a:p>
+            </p:txBody>
+          </p:sp>
+        </mc:Choice>
+        <mc:Fallback>
+          <p:sp>
+            <p:nvSpPr>
+              <p:cNvPr id="7" name="Rectangle 6"/>
+              <p:cNvSpPr>
+                <a:spLocks noRot="1" noChangeAspect="1" noMove="1" noResize="1" noEditPoints="1" noAdjustHandles="1" noChangeArrowheads="1" noChangeShapeType="1" noTextEdit="1"/>
+              </p:cNvSpPr>
+              <p:nvPr/>
+            </p:nvSpPr>
+            <p:spPr>
+              <a:xfrm>
+                <a:off x="255409" y="3760460"/>
+                <a:ext cx="8732232" cy="830997"/>
+              </a:xfrm>
+              <a:prstGeom prst="rect">
+                <a:avLst/>
+              </a:prstGeom>
+              <a:blipFill rotWithShape="1">
+                <a:blip r:embed="rId5"/>
+                <a:stretch>
+                  <a:fillRect l="-1117" t="-5882" b="-16176"/>
+                </a:stretch>
+              </a:blipFill>
+            </p:spPr>
+            <p:txBody>
+              <a:bodyPr/>
+              <a:lstStyle/>
+              <a:p>
+                <a:r>
+                  <a:rPr lang="en-US">
+                    <a:noFill/>
+                  </a:rPr>
+                  <a:t> </a:t>
+                </a:r>
+              </a:p>
+            </p:txBody>
+          </p:sp>
+        </mc:Fallback>
+      </mc:AlternateContent>
+      <p:grpSp>
+        <p:nvGrpSpPr>
+          <p:cNvPr id="27" name="Groupe 26"/>
+          <p:cNvGrpSpPr/>
+          <p:nvPr/>
+        </p:nvGrpSpPr>
+        <p:grpSpPr>
+          <a:xfrm>
+            <a:off x="5892052" y="2905308"/>
+            <a:ext cx="3099785" cy="3548027"/>
+            <a:chOff x="5636829" y="2570202"/>
+            <a:chExt cx="3547124" cy="3883134"/>
+          </a:xfrm>
+        </p:grpSpPr>
+        <p:grpSp>
+          <p:nvGrpSpPr>
+            <p:cNvPr id="3" name="Groupe 2"/>
+            <p:cNvGrpSpPr/>
+            <p:nvPr/>
+          </p:nvGrpSpPr>
+          <p:grpSpPr>
+            <a:xfrm>
+              <a:off x="5636829" y="2570202"/>
+              <a:ext cx="3547124" cy="3883134"/>
+              <a:chOff x="5636829" y="2570202"/>
+              <a:chExt cx="3547124" cy="3883134"/>
+            </a:xfrm>
+          </p:grpSpPr>
+          <p:grpSp>
+            <p:nvGrpSpPr>
+              <p:cNvPr id="2" name="Groupe 1"/>
+              <p:cNvGrpSpPr/>
+              <p:nvPr/>
+            </p:nvGrpSpPr>
+            <p:grpSpPr>
+              <a:xfrm>
+                <a:off x="5636829" y="3717032"/>
+                <a:ext cx="3547124" cy="1829691"/>
+                <a:chOff x="4469579" y="3533999"/>
+                <a:chExt cx="4587012" cy="2444772"/>
+              </a:xfrm>
+            </p:grpSpPr>
+            <p:pic>
+              <p:nvPicPr>
+                <p:cNvPr id="19" name="Picture 2" descr="Z:\home\perez\Bureau\Rice_Diagram.png"/>
+                <p:cNvPicPr>
+                  <a:picLocks noChangeAspect="1" noChangeArrowheads="1"/>
+                </p:cNvPicPr>
+                <p:nvPr/>
+              </p:nvPicPr>
+              <p:blipFill rotWithShape="1">
+                <a:blip r:embed="rId6" cstate="print">
+                  <a:extLst>
+                    <a:ext uri="{28A0092B-C50C-407E-A947-70E740481C1C}">
+                      <a14:useLocalDpi xmlns:a14="http://schemas.microsoft.com/office/drawing/2010/main" val="0"/>
+                    </a:ext>
+                  </a:extLst>
+                </a:blip>
+                <a:srcRect b="44801"/>
+                <a:stretch/>
+              </p:blipFill>
+              <p:spPr bwMode="auto">
+                <a:xfrm>
+                  <a:off x="4469579" y="3541078"/>
+                  <a:ext cx="2739675" cy="2437693"/>
+                </a:xfrm>
+                <a:prstGeom prst="rect">
+                  <a:avLst/>
+                </a:prstGeom>
+                <a:noFill/>
+                <a:extLst>
+                  <a:ext uri="{909E8E84-426E-40DD-AFC4-6F175D3DCCD1}">
+                    <a14:hiddenFill xmlns:a14="http://schemas.microsoft.com/office/drawing/2010/main">
+                      <a:solidFill>
+                        <a:srgbClr val="FFFFFF"/>
+                      </a:solidFill>
+                    </a14:hiddenFill>
+                  </a:ext>
+                </a:extLst>
+              </p:spPr>
+            </p:pic>
+            <p:pic>
+              <p:nvPicPr>
+                <p:cNvPr id="20" name="Picture 2" descr="Z:\home\perez\Bureau\Rice_Diagram.png"/>
+                <p:cNvPicPr>
+                  <a:picLocks noChangeAspect="1" noChangeArrowheads="1"/>
+                </p:cNvPicPr>
+                <p:nvPr/>
+              </p:nvPicPr>
+              <p:blipFill rotWithShape="1">
+                <a:blip r:embed="rId6" cstate="print">
+                  <a:extLst>
+                    <a:ext uri="{28A0092B-C50C-407E-A947-70E740481C1C}">
+                      <a14:useLocalDpi xmlns:a14="http://schemas.microsoft.com/office/drawing/2010/main" val="0"/>
+                    </a:ext>
+                  </a:extLst>
+                </a:blip>
+                <a:srcRect b="44801"/>
+                <a:stretch/>
+              </p:blipFill>
+              <p:spPr bwMode="auto">
+                <a:xfrm>
+                  <a:off x="5364088" y="3541077"/>
+                  <a:ext cx="2739675" cy="2437693"/>
+                </a:xfrm>
+                <a:prstGeom prst="rect">
+                  <a:avLst/>
+                </a:prstGeom>
+                <a:noFill/>
+                <a:extLst>
+                  <a:ext uri="{909E8E84-426E-40DD-AFC4-6F175D3DCCD1}">
+                    <a14:hiddenFill xmlns:a14="http://schemas.microsoft.com/office/drawing/2010/main">
+                      <a:solidFill>
+                        <a:srgbClr val="FFFFFF"/>
+                      </a:solidFill>
+                    </a14:hiddenFill>
+                  </a:ext>
+                </a:extLst>
+              </p:spPr>
+            </p:pic>
+            <p:pic>
+              <p:nvPicPr>
+                <p:cNvPr id="21" name="Picture 2" descr="Z:\home\perez\Bureau\Rice_Diagram.png"/>
+                <p:cNvPicPr>
+                  <a:picLocks noChangeAspect="1" noChangeArrowheads="1"/>
+                </p:cNvPicPr>
+                <p:nvPr/>
+              </p:nvPicPr>
+              <p:blipFill rotWithShape="1">
+                <a:blip r:embed="rId6" cstate="print">
+                  <a:extLst>
+                    <a:ext uri="{28A0092B-C50C-407E-A947-70E740481C1C}">
+                      <a14:useLocalDpi xmlns:a14="http://schemas.microsoft.com/office/drawing/2010/main" val="0"/>
+                    </a:ext>
+                  </a:extLst>
+                </a:blip>
+                <a:srcRect b="44801"/>
+                <a:stretch/>
+              </p:blipFill>
+              <p:spPr bwMode="auto">
+                <a:xfrm>
+                  <a:off x="6316916" y="3533999"/>
+                  <a:ext cx="2739675" cy="2437693"/>
+                </a:xfrm>
+                <a:prstGeom prst="rect">
+                  <a:avLst/>
+                </a:prstGeom>
+                <a:noFill/>
+                <a:extLst>
+                  <a:ext uri="{909E8E84-426E-40DD-AFC4-6F175D3DCCD1}">
+                    <a14:hiddenFill xmlns:a14="http://schemas.microsoft.com/office/drawing/2010/main">
+                      <a:solidFill>
+                        <a:srgbClr val="FFFFFF"/>
+                      </a:solidFill>
+                    </a14:hiddenFill>
+                  </a:ext>
+                </a:extLst>
+              </p:spPr>
+            </p:pic>
+          </p:grpSp>
+          <p:sp>
+            <p:nvSpPr>
+              <p:cNvPr id="22" name="Flèche droite 21"/>
+              <p:cNvSpPr/>
+              <p:nvPr/>
+            </p:nvSpPr>
+            <p:spPr>
+              <a:xfrm rot="5400000">
+                <a:off x="6874992" y="2858234"/>
+                <a:ext cx="1152128" cy="576064"/>
+              </a:xfrm>
+              <a:prstGeom prst="rightArrow">
+                <a:avLst/>
+              </a:prstGeom>
+              <a:solidFill>
+                <a:srgbClr val="FFFF00"/>
+              </a:solidFill>
+              <a:ln>
+                <a:noFill/>
+              </a:ln>
+            </p:spPr>
+            <p:style>
+              <a:lnRef idx="2">
+                <a:schemeClr val="accent1">
+                  <a:shade val="50000"/>
+                </a:schemeClr>
+              </a:lnRef>
+              <a:fillRef idx="1">
+                <a:schemeClr val="accent1"/>
+              </a:fillRef>
+              <a:effectRef idx="0">
+                <a:schemeClr val="accent1"/>
+              </a:effectRef>
+              <a:fontRef idx="minor">
+                <a:schemeClr val="lt1"/>
+              </a:fontRef>
+            </p:style>
+            <p:txBody>
+              <a:bodyPr rtlCol="0" anchor="ctr"/>
+              <a:lstStyle/>
+              <a:p>
+                <a:pPr algn="ctr"/>
+                <a:endParaRPr lang="en-US">
+                  <a:latin typeface="Times New Roman" pitchFamily="18" charset="0"/>
+                  <a:cs typeface="Times New Roman" pitchFamily="18" charset="0"/>
+                </a:endParaRPr>
+              </a:p>
+            </p:txBody>
+          </p:sp>
+          <p:sp>
+            <p:nvSpPr>
+              <p:cNvPr id="23" name="Flèche droite 22"/>
+              <p:cNvSpPr/>
+              <p:nvPr/>
+            </p:nvSpPr>
+            <p:spPr>
+              <a:xfrm rot="5400000">
+                <a:off x="7043097" y="5901360"/>
+                <a:ext cx="815918" cy="288033"/>
+              </a:xfrm>
+              <a:prstGeom prst="rightArrow">
+                <a:avLst/>
+              </a:prstGeom>
+              <a:solidFill>
+                <a:srgbClr val="FFFF00"/>
+              </a:solidFill>
+              <a:ln>
+                <a:noFill/>
+              </a:ln>
+            </p:spPr>
+            <p:style>
+              <a:lnRef idx="2">
+                <a:schemeClr val="accent1">
+                  <a:shade val="50000"/>
+                </a:schemeClr>
+              </a:lnRef>
+              <a:fillRef idx="1">
+                <a:schemeClr val="accent1"/>
+              </a:fillRef>
+              <a:effectRef idx="0">
+                <a:schemeClr val="accent1"/>
+              </a:effectRef>
+              <a:fontRef idx="minor">
+                <a:schemeClr val="lt1"/>
+              </a:fontRef>
+            </p:style>
+            <p:txBody>
+              <a:bodyPr rtlCol="0" anchor="ctr"/>
+              <a:lstStyle/>
+              <a:p>
+                <a:pPr algn="ctr"/>
+                <a:endParaRPr lang="en-US">
+                  <a:latin typeface="Times New Roman" pitchFamily="18" charset="0"/>
+                  <a:cs typeface="Times New Roman" pitchFamily="18" charset="0"/>
+                </a:endParaRPr>
+              </a:p>
+            </p:txBody>
+          </p:sp>
+        </p:grpSp>
+        <p:sp>
+          <p:nvSpPr>
+            <p:cNvPr id="25" name="Rectangle 24"/>
+            <p:cNvSpPr/>
+            <p:nvPr/>
+          </p:nvSpPr>
+          <p:spPr>
+            <a:xfrm>
+              <a:off x="7702354" y="2756247"/>
+              <a:ext cx="628698" cy="584775"/>
+            </a:xfrm>
+            <a:prstGeom prst="rect">
+              <a:avLst/>
+            </a:prstGeom>
+          </p:spPr>
+          <p:txBody>
+            <a:bodyPr wrap="none">
+              <a:spAutoFit/>
+            </a:bodyPr>
+            <a:lstStyle/>
+            <a:p>
+              <a:r>
+                <a:rPr lang="en-US" sz="3200" dirty="0">
+                  <a:latin typeface="Times New Roman" pitchFamily="18" charset="0"/>
+                  <a:cs typeface="Times New Roman" pitchFamily="18" charset="0"/>
+                </a:rPr>
+                <a:t> I</a:t>
+              </a:r>
+              <a:r>
+                <a:rPr lang="en-US" sz="3200" baseline="-25000" dirty="0">
+                  <a:latin typeface="Times New Roman" pitchFamily="18" charset="0"/>
+                  <a:cs typeface="Times New Roman" pitchFamily="18" charset="0"/>
+                </a:rPr>
+                <a:t>0 </a:t>
+              </a:r>
+              <a:endParaRPr lang="en-US" sz="3200" dirty="0"/>
+            </a:p>
+          </p:txBody>
+        </p:sp>
+        <p:sp>
+          <p:nvSpPr>
+            <p:cNvPr id="26" name="Rectangle 25"/>
+            <p:cNvSpPr/>
+            <p:nvPr/>
+          </p:nvSpPr>
+          <p:spPr>
+            <a:xfrm>
+              <a:off x="7631231" y="5733257"/>
+              <a:ext cx="901209" cy="584775"/>
+            </a:xfrm>
+            <a:prstGeom prst="rect">
+              <a:avLst/>
+            </a:prstGeom>
+          </p:spPr>
+          <p:txBody>
+            <a:bodyPr wrap="none">
+              <a:spAutoFit/>
+            </a:bodyPr>
+            <a:lstStyle/>
+            <a:p>
+              <a:r>
+                <a:rPr lang="en-US" sz="3200" dirty="0">
+                  <a:latin typeface="Times New Roman" pitchFamily="18" charset="0"/>
+                  <a:cs typeface="Times New Roman" pitchFamily="18" charset="0"/>
+                </a:rPr>
+                <a:t> </a:t>
+              </a:r>
+              <a:r>
+                <a:rPr lang="en-US" sz="3200" dirty="0" smtClean="0">
+                  <a:latin typeface="Times New Roman" pitchFamily="18" charset="0"/>
+                  <a:cs typeface="Times New Roman" pitchFamily="18" charset="0"/>
+                </a:rPr>
+                <a:t>I</a:t>
+              </a:r>
+              <a:r>
+                <a:rPr lang="en-US" sz="3200" baseline="-25000" dirty="0" smtClean="0">
+                  <a:latin typeface="Times New Roman" pitchFamily="18" charset="0"/>
+                  <a:cs typeface="Times New Roman" pitchFamily="18" charset="0"/>
+                </a:rPr>
+                <a:t>0</a:t>
+              </a:r>
+              <a:r>
+                <a:rPr lang="en-US" sz="3200" dirty="0" smtClean="0">
+                  <a:latin typeface="Times New Roman" pitchFamily="18" charset="0"/>
+                  <a:cs typeface="Times New Roman" pitchFamily="18" charset="0"/>
+                </a:rPr>
+                <a:t>-I</a:t>
+              </a:r>
+              <a:r>
+                <a:rPr lang="en-US" sz="3200" baseline="-25000" dirty="0" smtClean="0">
+                  <a:latin typeface="Times New Roman" pitchFamily="18" charset="0"/>
+                  <a:cs typeface="Times New Roman" pitchFamily="18" charset="0"/>
+                </a:rPr>
+                <a:t> </a:t>
+              </a:r>
+              <a:endParaRPr lang="en-US" sz="3200" dirty="0"/>
+            </a:p>
+          </p:txBody>
+        </p:sp>
+      </p:grpSp>
       <p:sp>
         <p:nvSpPr>
-          <p:cNvPr id="6" name="Rectangle 5"/>
+          <p:cNvPr id="29" name="Rectangle 28"/>
           <p:cNvSpPr/>
           <p:nvPr/>
         </p:nvSpPr>
         <p:spPr>
           <a:xfrm>
-            <a:off x="539551" y="1412776"/>
-            <a:ext cx="7860057" cy="707886"/>
+            <a:off x="323528" y="5262299"/>
+            <a:ext cx="8732232" cy="830997"/>
           </a:xfrm>
           <a:prstGeom prst="rect">
             <a:avLst/>
@@ -6635,68 +8729,246 @@
           <a:lstStyle/>
           <a:p>
             <a:r>
-              <a:rPr lang="fr-FR" sz="2000" dirty="0">
-                <a:latin typeface="Times New Roman" pitchFamily="18" charset="0"/>
-                <a:cs typeface="Times New Roman" pitchFamily="18" charset="0"/>
-              </a:rPr>
-              <a:t>Light interception </a:t>
-            </a:r>
-            <a:r>
-              <a:rPr lang="fr-FR" sz="2000" dirty="0" err="1">
-                <a:latin typeface="Times New Roman" pitchFamily="18" charset="0"/>
-                <a:cs typeface="Times New Roman" pitchFamily="18" charset="0"/>
-              </a:rPr>
-              <a:t>efficiency</a:t>
-            </a:r>
-            <a:r>
-              <a:rPr lang="fr-FR" sz="2000" dirty="0">
-                <a:latin typeface="Times New Roman" pitchFamily="18" charset="0"/>
-                <a:cs typeface="Times New Roman" pitchFamily="18" charset="0"/>
-              </a:rPr>
-              <a:t> (LIE) </a:t>
-            </a:r>
-            <a:r>
-              <a:rPr lang="fr-FR" sz="2000" dirty="0" err="1">
-                <a:latin typeface="Times New Roman" pitchFamily="18" charset="0"/>
-                <a:cs typeface="Times New Roman" pitchFamily="18" charset="0"/>
-              </a:rPr>
-              <a:t>plays</a:t>
-            </a:r>
-            <a:r>
-              <a:rPr lang="fr-FR" sz="2000" dirty="0">
-                <a:latin typeface="Times New Roman" pitchFamily="18" charset="0"/>
-                <a:cs typeface="Times New Roman" pitchFamily="18" charset="0"/>
-              </a:rPr>
-              <a:t> a key </a:t>
-            </a:r>
-            <a:r>
-              <a:rPr lang="fr-FR" sz="2000" dirty="0" err="1">
-                <a:latin typeface="Times New Roman" pitchFamily="18" charset="0"/>
-                <a:cs typeface="Times New Roman" pitchFamily="18" charset="0"/>
-              </a:rPr>
-              <a:t>role</a:t>
-            </a:r>
-            <a:r>
-              <a:rPr lang="fr-FR" sz="2000" dirty="0">
-                <a:latin typeface="Times New Roman" pitchFamily="18" charset="0"/>
-                <a:cs typeface="Times New Roman" pitchFamily="18" charset="0"/>
-              </a:rPr>
-              <a:t> in plant production (</a:t>
-            </a:r>
-            <a:r>
-              <a:rPr lang="fr-FR" sz="2000" dirty="0" err="1">
-                <a:latin typeface="Times New Roman" pitchFamily="18" charset="0"/>
-                <a:cs typeface="Times New Roman" pitchFamily="18" charset="0"/>
-              </a:rPr>
-              <a:t>Monteith</a:t>
-            </a:r>
-            <a:r>
-              <a:rPr lang="fr-FR" sz="2000" dirty="0">
-                <a:latin typeface="Times New Roman" pitchFamily="18" charset="0"/>
-                <a:cs typeface="Times New Roman" pitchFamily="18" charset="0"/>
-              </a:rPr>
-              <a:t>, 1977)</a:t>
-            </a:r>
+              <a:rPr lang="en-US" sz="2400" dirty="0" smtClean="0">
+                <a:latin typeface="Times New Roman" pitchFamily="18" charset="0"/>
+                <a:cs typeface="Times New Roman" pitchFamily="18" charset="0"/>
+              </a:rPr>
+              <a:t>At plant scale:</a:t>
+            </a:r>
+          </a:p>
+          <a:p>
+            <a:r>
+              <a:rPr lang="en-US" sz="2400" dirty="0" smtClean="0">
+                <a:latin typeface="Times New Roman" pitchFamily="18" charset="0"/>
+                <a:cs typeface="Times New Roman" pitchFamily="18" charset="0"/>
+              </a:rPr>
+              <a:t>Irradiance = light intercepted per unit leaf area</a:t>
+            </a:r>
+          </a:p>
+        </p:txBody>
+      </p:sp>
+    </p:spTree>
+    <p:extLst>
+      <p:ext uri="{BB962C8B-B14F-4D97-AF65-F5344CB8AC3E}">
+        <p14:creationId xmlns:p14="http://schemas.microsoft.com/office/powerpoint/2010/main" val="1683469429"/>
+      </p:ext>
+    </p:extLst>
+  </p:cSld>
+  <p:clrMapOvr>
+    <a:masterClrMapping/>
+  </p:clrMapOvr>
+  <p:timing>
+    <p:tnLst>
+      <p:par>
+        <p:cTn id="1" dur="indefinite" restart="never" nodeType="tmRoot">
+          <p:childTnLst>
+            <p:seq concurrent="1" nextAc="seek">
+              <p:cTn id="2" dur="indefinite" nodeType="mainSeq">
+                <p:childTnLst>
+                  <p:par>
+                    <p:cTn id="3" fill="hold">
+                      <p:stCondLst>
+                        <p:cond delay="indefinite"/>
+                      </p:stCondLst>
+                      <p:childTnLst>
+                        <p:par>
+                          <p:cTn id="4" fill="hold">
+                            <p:stCondLst>
+                              <p:cond delay="0"/>
+                            </p:stCondLst>
+                            <p:childTnLst>
+                              <p:par>
+                                <p:cTn id="5" presetID="1" presetClass="entr" presetSubtype="0" fill="hold" grpId="0" nodeType="clickEffect">
+                                  <p:stCondLst>
+                                    <p:cond delay="0"/>
+                                  </p:stCondLst>
+                                  <p:childTnLst>
+                                    <p:set>
+                                      <p:cBhvr>
+                                        <p:cTn id="6" dur="1" fill="hold">
+                                          <p:stCondLst>
+                                            <p:cond delay="0"/>
+                                          </p:stCondLst>
+                                        </p:cTn>
+                                        <p:tgtEl>
+                                          <p:spTgt spid="7"/>
+                                        </p:tgtEl>
+                                        <p:attrNameLst>
+                                          <p:attrName>style.visibility</p:attrName>
+                                        </p:attrNameLst>
+                                      </p:cBhvr>
+                                      <p:to>
+                                        <p:strVal val="visible"/>
+                                      </p:to>
+                                    </p:set>
+                                  </p:childTnLst>
+                                </p:cTn>
+                              </p:par>
+                              <p:par>
+                                <p:cTn id="7" presetID="10" presetClass="entr" presetSubtype="0" fill="hold" nodeType="withEffect">
+                                  <p:stCondLst>
+                                    <p:cond delay="0"/>
+                                  </p:stCondLst>
+                                  <p:childTnLst>
+                                    <p:set>
+                                      <p:cBhvr>
+                                        <p:cTn id="8" dur="1" fill="hold">
+                                          <p:stCondLst>
+                                            <p:cond delay="0"/>
+                                          </p:stCondLst>
+                                        </p:cTn>
+                                        <p:tgtEl>
+                                          <p:spTgt spid="27"/>
+                                        </p:tgtEl>
+                                        <p:attrNameLst>
+                                          <p:attrName>style.visibility</p:attrName>
+                                        </p:attrNameLst>
+                                      </p:cBhvr>
+                                      <p:to>
+                                        <p:strVal val="visible"/>
+                                      </p:to>
+                                    </p:set>
+                                    <p:animEffect transition="in" filter="fade">
+                                      <p:cBhvr>
+                                        <p:cTn id="9" dur="500"/>
+                                        <p:tgtEl>
+                                          <p:spTgt spid="27"/>
+                                        </p:tgtEl>
+                                      </p:cBhvr>
+                                    </p:animEffect>
+                                  </p:childTnLst>
+                                </p:cTn>
+                              </p:par>
+                            </p:childTnLst>
+                          </p:cTn>
+                        </p:par>
+                      </p:childTnLst>
+                    </p:cTn>
+                  </p:par>
+                  <p:par>
+                    <p:cTn id="10" fill="hold">
+                      <p:stCondLst>
+                        <p:cond delay="indefinite"/>
+                      </p:stCondLst>
+                      <p:childTnLst>
+                        <p:par>
+                          <p:cTn id="11" fill="hold">
+                            <p:stCondLst>
+                              <p:cond delay="0"/>
+                            </p:stCondLst>
+                            <p:childTnLst>
+                              <p:par>
+                                <p:cTn id="12" presetID="1" presetClass="entr" presetSubtype="0" fill="hold" grpId="0" nodeType="clickEffect">
+                                  <p:stCondLst>
+                                    <p:cond delay="0"/>
+                                  </p:stCondLst>
+                                  <p:childTnLst>
+                                    <p:set>
+                                      <p:cBhvr>
+                                        <p:cTn id="13" dur="1" fill="hold">
+                                          <p:stCondLst>
+                                            <p:cond delay="0"/>
+                                          </p:stCondLst>
+                                        </p:cTn>
+                                        <p:tgtEl>
+                                          <p:spTgt spid="29"/>
+                                        </p:tgtEl>
+                                        <p:attrNameLst>
+                                          <p:attrName>style.visibility</p:attrName>
+                                        </p:attrNameLst>
+                                      </p:cBhvr>
+                                      <p:to>
+                                        <p:strVal val="visible"/>
+                                      </p:to>
+                                    </p:set>
+                                  </p:childTnLst>
+                                </p:cTn>
+                              </p:par>
+                            </p:childTnLst>
+                          </p:cTn>
+                        </p:par>
+                      </p:childTnLst>
+                    </p:cTn>
+                  </p:par>
+                </p:childTnLst>
+              </p:cTn>
+              <p:prevCondLst>
+                <p:cond evt="onPrev" delay="0">
+                  <p:tgtEl>
+                    <p:sldTgt/>
+                  </p:tgtEl>
+                </p:cond>
+              </p:prevCondLst>
+              <p:nextCondLst>
+                <p:cond evt="onNext" delay="0">
+                  <p:tgtEl>
+                    <p:sldTgt/>
+                  </p:tgtEl>
+                </p:cond>
+              </p:nextCondLst>
+            </p:seq>
+          </p:childTnLst>
+        </p:cTn>
+      </p:par>
+    </p:tnLst>
+    <p:bldLst>
+      <p:bldP spid="7" grpId="0"/>
+      <p:bldP spid="29" grpId="0"/>
+    </p:bldLst>
+  </p:timing>
+</p:sld>
+</file>
+
+<file path=ppt/slides/slide6.xml><?xml version="1.0" encoding="utf-8"?>
+<p:sld xmlns:a="http://schemas.openxmlformats.org/drawingml/2006/main" xmlns:r="http://schemas.openxmlformats.org/officeDocument/2006/relationships" xmlns:p="http://schemas.openxmlformats.org/presentationml/2006/main">
+  <p:cSld>
+    <p:spTree>
+      <p:nvGrpSpPr>
+        <p:cNvPr id="1" name=""/>
+        <p:cNvGrpSpPr/>
+        <p:nvPr/>
+      </p:nvGrpSpPr>
+      <p:grpSpPr>
+        <a:xfrm>
+          <a:off x="0" y="0"/>
+          <a:ext cx="0" cy="0"/>
+          <a:chOff x="0" y="0"/>
+          <a:chExt cx="0" cy="0"/>
+        </a:xfrm>
+      </p:grpSpPr>
+      <p:sp>
+        <p:nvSpPr>
+          <p:cNvPr id="4" name="Titre 1"/>
+          <p:cNvSpPr>
+            <a:spLocks noGrp="1"/>
+          </p:cNvSpPr>
+          <p:nvPr>
+            <p:ph type="title"/>
+          </p:nvPr>
+        </p:nvSpPr>
+        <p:spPr>
+          <a:xfrm>
+            <a:off x="467544" y="-99392"/>
+            <a:ext cx="8229600" cy="1143000"/>
+          </a:xfrm>
+        </p:spPr>
+        <p:txBody>
+          <a:bodyPr>
+            <a:normAutofit/>
+          </a:bodyPr>
+          <a:lstStyle/>
+          <a:p>
+            <a:r>
+              <a:rPr lang="en-US" sz="3600" dirty="0" smtClean="0">
+                <a:latin typeface="Times New Roman" pitchFamily="18" charset="0"/>
+                <a:cs typeface="Times New Roman" pitchFamily="18" charset="0"/>
+              </a:rPr>
+              <a:t>Light interception &amp; Breeding</a:t>
+            </a:r>
+            <a:endParaRPr lang="en-US" sz="3600" dirty="0">
+              <a:latin typeface="Times New Roman" pitchFamily="18" charset="0"/>
+              <a:cs typeface="Times New Roman" pitchFamily="18" charset="0"/>
+            </a:endParaRPr>
           </a:p>
         </p:txBody>
       </p:sp>
@@ -6708,8 +8980,8 @@
         </p:nvSpPr>
         <p:spPr>
           <a:xfrm>
-            <a:off x="304264" y="3140968"/>
-            <a:ext cx="8732232" cy="1492716"/>
+            <a:off x="304264" y="1268760"/>
+            <a:ext cx="8732232" cy="2123658"/>
           </a:xfrm>
           <a:prstGeom prst="rect">
             <a:avLst/>
@@ -6722,126 +8994,126 @@
           <a:lstStyle/>
           <a:p>
             <a:r>
-              <a:rPr lang="fr-FR" sz="2000" dirty="0">
+              <a:rPr lang="fr-FR" sz="2400" dirty="0">
                 <a:latin typeface="Times New Roman" pitchFamily="18" charset="0"/>
                 <a:cs typeface="Times New Roman" pitchFamily="18" charset="0"/>
               </a:rPr>
               <a:t>The optimisation of light interception have been a </a:t>
             </a:r>
             <a:r>
-              <a:rPr lang="fr-FR" sz="2000" dirty="0" err="1">
+              <a:rPr lang="fr-FR" sz="2400" dirty="0" err="1">
                 <a:latin typeface="Times New Roman" pitchFamily="18" charset="0"/>
                 <a:cs typeface="Times New Roman" pitchFamily="18" charset="0"/>
               </a:rPr>
               <a:t>significant</a:t>
             </a:r>
             <a:r>
-              <a:rPr lang="fr-FR" sz="2000" dirty="0">
+              <a:rPr lang="fr-FR" sz="2400" dirty="0">
                 <a:latin typeface="Times New Roman" pitchFamily="18" charset="0"/>
                 <a:cs typeface="Times New Roman" pitchFamily="18" charset="0"/>
               </a:rPr>
               <a:t> source of </a:t>
             </a:r>
             <a:r>
-              <a:rPr lang="fr-FR" sz="2000" dirty="0" err="1">
+              <a:rPr lang="fr-FR" sz="2400" dirty="0" err="1">
                 <a:latin typeface="Times New Roman" pitchFamily="18" charset="0"/>
                 <a:cs typeface="Times New Roman" pitchFamily="18" charset="0"/>
               </a:rPr>
               <a:t>yield</a:t>
             </a:r>
             <a:r>
-              <a:rPr lang="fr-FR" sz="2000" dirty="0">
+              <a:rPr lang="fr-FR" sz="2400" dirty="0">
                 <a:latin typeface="Times New Roman" pitchFamily="18" charset="0"/>
                 <a:cs typeface="Times New Roman" pitchFamily="18" charset="0"/>
               </a:rPr>
               <a:t> </a:t>
             </a:r>
             <a:r>
-              <a:rPr lang="fr-FR" sz="2000" dirty="0" err="1">
+              <a:rPr lang="fr-FR" sz="2400" dirty="0" err="1">
                 <a:latin typeface="Times New Roman" pitchFamily="18" charset="0"/>
                 <a:cs typeface="Times New Roman" pitchFamily="18" charset="0"/>
               </a:rPr>
               <a:t>improvement</a:t>
             </a:r>
             <a:r>
-              <a:rPr lang="fr-FR" sz="2000" dirty="0">
+              <a:rPr lang="fr-FR" sz="2400" dirty="0">
                 <a:latin typeface="Times New Roman" pitchFamily="18" charset="0"/>
                 <a:cs typeface="Times New Roman" pitchFamily="18" charset="0"/>
               </a:rPr>
               <a:t> (</a:t>
             </a:r>
             <a:r>
-              <a:rPr lang="fr-FR" sz="2000" dirty="0" err="1">
+              <a:rPr lang="fr-FR" sz="2400" dirty="0" err="1">
                 <a:latin typeface="Times New Roman" pitchFamily="18" charset="0"/>
                 <a:cs typeface="Times New Roman" pitchFamily="18" charset="0"/>
               </a:rPr>
               <a:t>Khush</a:t>
             </a:r>
             <a:r>
-              <a:rPr lang="fr-FR" sz="2000" dirty="0">
+              <a:rPr lang="fr-FR" sz="2400" dirty="0">
                 <a:latin typeface="Times New Roman" pitchFamily="18" charset="0"/>
                 <a:cs typeface="Times New Roman" pitchFamily="18" charset="0"/>
               </a:rPr>
               <a:t>, 2001; </a:t>
             </a:r>
             <a:r>
-              <a:rPr lang="fr-FR" sz="2000" dirty="0" err="1">
+              <a:rPr lang="fr-FR" sz="2400" dirty="0" err="1">
                 <a:latin typeface="Times New Roman" pitchFamily="18" charset="0"/>
                 <a:cs typeface="Times New Roman" pitchFamily="18" charset="0"/>
               </a:rPr>
               <a:t>Koester</a:t>
             </a:r>
             <a:r>
-              <a:rPr lang="fr-FR" sz="2000" dirty="0">
+              <a:rPr lang="fr-FR" sz="2400" dirty="0">
                 <a:latin typeface="Times New Roman" pitchFamily="18" charset="0"/>
                 <a:cs typeface="Times New Roman" pitchFamily="18" charset="0"/>
               </a:rPr>
               <a:t> </a:t>
             </a:r>
             <a:r>
-              <a:rPr lang="fr-FR" sz="2000" i="1" dirty="0">
+              <a:rPr lang="fr-FR" sz="2400" i="1" dirty="0">
                 <a:latin typeface="Times New Roman" pitchFamily="18" charset="0"/>
                 <a:cs typeface="Times New Roman" pitchFamily="18" charset="0"/>
               </a:rPr>
               <a:t>et al</a:t>
             </a:r>
             <a:r>
-              <a:rPr lang="fr-FR" sz="2000" dirty="0">
+              <a:rPr lang="fr-FR" sz="2400" dirty="0">
                 <a:latin typeface="Times New Roman" pitchFamily="18" charset="0"/>
                 <a:cs typeface="Times New Roman" pitchFamily="18" charset="0"/>
               </a:rPr>
               <a:t>., 2014, </a:t>
             </a:r>
             <a:r>
-              <a:rPr lang="fr-FR" sz="2000" dirty="0" err="1">
+              <a:rPr lang="fr-FR" sz="2400" dirty="0" err="1">
                 <a:latin typeface="Times New Roman" pitchFamily="18" charset="0"/>
                 <a:cs typeface="Times New Roman" pitchFamily="18" charset="0"/>
               </a:rPr>
               <a:t>Dingkhuhn</a:t>
             </a:r>
             <a:r>
-              <a:rPr lang="fr-FR" sz="2000" dirty="0">
+              <a:rPr lang="fr-FR" sz="2400" dirty="0">
                 <a:latin typeface="Times New Roman" pitchFamily="18" charset="0"/>
                 <a:cs typeface="Times New Roman" pitchFamily="18" charset="0"/>
               </a:rPr>
               <a:t> </a:t>
             </a:r>
             <a:r>
-              <a:rPr lang="fr-FR" sz="2000" i="1" dirty="0">
+              <a:rPr lang="fr-FR" sz="2400" i="1" dirty="0">
                 <a:latin typeface="Times New Roman" pitchFamily="18" charset="0"/>
                 <a:cs typeface="Times New Roman" pitchFamily="18" charset="0"/>
               </a:rPr>
               <a:t>et al</a:t>
             </a:r>
             <a:r>
-              <a:rPr lang="fr-FR" sz="2000" dirty="0">
+              <a:rPr lang="fr-FR" sz="2400" dirty="0">
                 <a:latin typeface="Times New Roman" pitchFamily="18" charset="0"/>
                 <a:cs typeface="Times New Roman" pitchFamily="18" charset="0"/>
               </a:rPr>
               <a:t>., </a:t>
             </a:r>
             <a:r>
-              <a:rPr lang="fr-FR" sz="2000" dirty="0" smtClean="0">
+              <a:rPr lang="fr-FR" sz="2400" dirty="0" smtClean="0">
                 <a:latin typeface="Times New Roman" pitchFamily="18" charset="0"/>
                 <a:cs typeface="Times New Roman" pitchFamily="18" charset="0"/>
               </a:rPr>
@@ -6849,7 +9121,7 @@
             </a:r>
           </a:p>
           <a:p>
-            <a:endParaRPr lang="fr-FR" sz="1100" dirty="0" smtClean="0">
+            <a:endParaRPr lang="fr-FR" sz="1200" dirty="0" smtClean="0">
               <a:latin typeface="Times New Roman" pitchFamily="18" charset="0"/>
               <a:cs typeface="Times New Roman" pitchFamily="18" charset="0"/>
             </a:endParaRPr>
@@ -6860,7 +9132,7 @@
               <a:buChar char="Ø"/>
             </a:pPr>
             <a:r>
-              <a:rPr lang="fr-FR" sz="2000" dirty="0" smtClean="0">
+              <a:rPr lang="fr-FR" sz="2400" dirty="0" smtClean="0">
                 <a:latin typeface="Times New Roman" pitchFamily="18" charset="0"/>
                 <a:cs typeface="Times New Roman" pitchFamily="18" charset="0"/>
                 <a:sym typeface="Wingdings" pitchFamily="2" charset="2"/>
@@ -6868,7 +9140,7 @@
               <a:t>Concept </a:t>
             </a:r>
             <a:r>
-              <a:rPr lang="fr-FR" sz="2000" dirty="0">
+              <a:rPr lang="fr-FR" sz="2400" dirty="0">
                 <a:latin typeface="Times New Roman" pitchFamily="18" charset="0"/>
                 <a:cs typeface="Times New Roman" pitchFamily="18" charset="0"/>
                 <a:sym typeface="Wingdings" pitchFamily="2" charset="2"/>
@@ -6876,7 +9148,7 @@
               <a:t>of</a:t>
             </a:r>
             <a:r>
-              <a:rPr lang="fr-FR" sz="2000" b="1" dirty="0">
+              <a:rPr lang="fr-FR" sz="2400" b="1" dirty="0">
                 <a:latin typeface="Times New Roman" pitchFamily="18" charset="0"/>
                 <a:cs typeface="Times New Roman" pitchFamily="18" charset="0"/>
                 <a:sym typeface="Wingdings" pitchFamily="2" charset="2"/>
@@ -6884,7 +9156,7 @@
               <a:t> </a:t>
             </a:r>
             <a:r>
-              <a:rPr lang="fr-FR" sz="2000" b="1" dirty="0" err="1">
+              <a:rPr lang="fr-FR" sz="2400" b="1" dirty="0" err="1">
                 <a:latin typeface="Times New Roman" pitchFamily="18" charset="0"/>
                 <a:cs typeface="Times New Roman" pitchFamily="18" charset="0"/>
                 <a:sym typeface="Wingdings" pitchFamily="2" charset="2"/>
@@ -6892,7 +9164,7 @@
               <a:t>ideotype</a:t>
             </a:r>
             <a:r>
-              <a:rPr lang="fr-FR" sz="2000" b="1" dirty="0">
+              <a:rPr lang="fr-FR" sz="2400" b="1" dirty="0">
                 <a:latin typeface="Times New Roman" pitchFamily="18" charset="0"/>
                 <a:cs typeface="Times New Roman" pitchFamily="18" charset="0"/>
                 <a:sym typeface="Wingdings" pitchFamily="2" charset="2"/>
@@ -6900,7 +9172,7 @@
               <a:t> </a:t>
             </a:r>
             <a:r>
-              <a:rPr lang="fr-FR" sz="2000" dirty="0">
+              <a:rPr lang="fr-FR" sz="2400" dirty="0">
                 <a:latin typeface="Times New Roman" pitchFamily="18" charset="0"/>
                 <a:cs typeface="Times New Roman" pitchFamily="18" charset="0"/>
                 <a:sym typeface="Wingdings" pitchFamily="2" charset="2"/>
@@ -6908,7 +9180,7 @@
               <a:t>(Donald, 1968) and </a:t>
             </a:r>
             <a:r>
-              <a:rPr lang="fr-FR" sz="2000" dirty="0" err="1">
+              <a:rPr lang="fr-FR" sz="2400" dirty="0" err="1">
                 <a:latin typeface="Times New Roman" pitchFamily="18" charset="0"/>
                 <a:cs typeface="Times New Roman" pitchFamily="18" charset="0"/>
                 <a:sym typeface="Wingdings" pitchFamily="2" charset="2"/>
@@ -6916,7 +9188,7 @@
               <a:t>selection</a:t>
             </a:r>
             <a:r>
-              <a:rPr lang="fr-FR" sz="2000" dirty="0">
+              <a:rPr lang="fr-FR" sz="2400" dirty="0">
                 <a:latin typeface="Times New Roman" pitchFamily="18" charset="0"/>
                 <a:cs typeface="Times New Roman" pitchFamily="18" charset="0"/>
                 <a:sym typeface="Wingdings" pitchFamily="2" charset="2"/>
@@ -6924,7 +9196,7 @@
               <a:t> of </a:t>
             </a:r>
             <a:r>
-              <a:rPr lang="fr-FR" sz="2000" dirty="0" err="1">
+              <a:rPr lang="fr-FR" sz="2400" dirty="0" err="1">
                 <a:latin typeface="Times New Roman" pitchFamily="18" charset="0"/>
                 <a:cs typeface="Times New Roman" pitchFamily="18" charset="0"/>
                 <a:sym typeface="Wingdings" pitchFamily="2" charset="2"/>
@@ -6932,7 +9204,7 @@
               <a:t>specific</a:t>
             </a:r>
             <a:r>
-              <a:rPr lang="fr-FR" sz="2000" dirty="0">
+              <a:rPr lang="fr-FR" sz="2400" dirty="0">
                 <a:latin typeface="Times New Roman" pitchFamily="18" charset="0"/>
                 <a:cs typeface="Times New Roman" pitchFamily="18" charset="0"/>
                 <a:sym typeface="Wingdings" pitchFamily="2" charset="2"/>
@@ -6940,25 +9212,23 @@
               <a:t> plant </a:t>
             </a:r>
             <a:r>
-              <a:rPr lang="fr-FR" sz="2000" dirty="0" smtClean="0">
+              <a:rPr lang="fr-FR" sz="2400" dirty="0" smtClean="0">
                 <a:latin typeface="Times New Roman" pitchFamily="18" charset="0"/>
                 <a:cs typeface="Times New Roman" pitchFamily="18" charset="0"/>
                 <a:sym typeface="Wingdings" pitchFamily="2" charset="2"/>
               </a:rPr>
-              <a:t>architecture</a:t>
-            </a:r>
-          </a:p>
-          <a:p>
-            <a:r>
-              <a:rPr lang="fr-FR" sz="2000" dirty="0" smtClean="0">
+              <a:t>architecture  (in </a:t>
+            </a:r>
+            <a:r>
+              <a:rPr lang="fr-FR" sz="2400" dirty="0" smtClean="0">
                 <a:latin typeface="Times New Roman" pitchFamily="18" charset="0"/>
                 <a:cs typeface="Times New Roman" pitchFamily="18" charset="0"/>
                 <a:sym typeface="Wingdings" pitchFamily="2" charset="2"/>
               </a:rPr>
-              <a:t>      (in interaction </a:t>
-            </a:r>
-            <a:r>
-              <a:rPr lang="fr-FR" sz="2000" dirty="0" err="1">
+              <a:t>interaction </a:t>
+            </a:r>
+            <a:r>
+              <a:rPr lang="fr-FR" sz="2400" dirty="0" err="1">
                 <a:latin typeface="Times New Roman" pitchFamily="18" charset="0"/>
                 <a:cs typeface="Times New Roman" pitchFamily="18" charset="0"/>
                 <a:sym typeface="Wingdings" pitchFamily="2" charset="2"/>
@@ -6966,7 +9236,7 @@
               <a:t>with</a:t>
             </a:r>
             <a:r>
-              <a:rPr lang="fr-FR" sz="2000" dirty="0">
+              <a:rPr lang="fr-FR" sz="2400" dirty="0">
                 <a:latin typeface="Times New Roman" pitchFamily="18" charset="0"/>
                 <a:cs typeface="Times New Roman" pitchFamily="18" charset="0"/>
                 <a:sym typeface="Wingdings" pitchFamily="2" charset="2"/>
@@ -6974,7 +9244,7 @@
               <a:t> </a:t>
             </a:r>
             <a:r>
-              <a:rPr lang="fr-FR" sz="2000" dirty="0" err="1">
+              <a:rPr lang="fr-FR" sz="2400" dirty="0" err="1">
                 <a:latin typeface="Times New Roman" pitchFamily="18" charset="0"/>
                 <a:cs typeface="Times New Roman" pitchFamily="18" charset="0"/>
                 <a:sym typeface="Wingdings" pitchFamily="2" charset="2"/>
@@ -6982,14 +9252,14 @@
               <a:t>managment</a:t>
             </a:r>
             <a:r>
-              <a:rPr lang="fr-FR" sz="2000" dirty="0">
+              <a:rPr lang="fr-FR" sz="2400" dirty="0">
                 <a:latin typeface="Times New Roman" pitchFamily="18" charset="0"/>
                 <a:cs typeface="Times New Roman" pitchFamily="18" charset="0"/>
                 <a:sym typeface="Wingdings" pitchFamily="2" charset="2"/>
               </a:rPr>
               <a:t> practices)</a:t>
             </a:r>
-            <a:endParaRPr lang="en-US" sz="2000" dirty="0">
+            <a:endParaRPr lang="en-US" sz="2400" dirty="0">
               <a:latin typeface="Times New Roman" pitchFamily="18" charset="0"/>
               <a:cs typeface="Times New Roman" pitchFamily="18" charset="0"/>
             </a:endParaRPr>
@@ -7004,8 +9274,8 @@
         </p:nvGrpSpPr>
         <p:grpSpPr>
           <a:xfrm>
-            <a:off x="5162626" y="4581128"/>
-            <a:ext cx="3873870" cy="2160240"/>
+            <a:off x="1979712" y="3823549"/>
+            <a:ext cx="6445573" cy="2989827"/>
             <a:chOff x="246433" y="818086"/>
             <a:chExt cx="7589540" cy="3886562"/>
           </a:xfrm>
@@ -7061,7 +9331,7 @@
                   <p:nvPr/>
                 </p:nvPicPr>
                 <p:blipFill rotWithShape="1">
-                  <a:blip r:embed="rId4" cstate="print">
+                  <a:blip r:embed="rId3" cstate="print">
                     <a:extLst>
                       <a:ext uri="{28A0092B-C50C-407E-A947-70E740481C1C}">
                         <a14:useLocalDpi xmlns:a14="http://schemas.microsoft.com/office/drawing/2010/main" val="0"/>
@@ -7689,7 +9959,7 @@
     </p:spTree>
     <p:extLst>
       <p:ext uri="{BB962C8B-B14F-4D97-AF65-F5344CB8AC3E}">
-        <p14:creationId xmlns:p14="http://schemas.microsoft.com/office/powerpoint/2010/main" val="1683469429"/>
+        <p14:creationId xmlns:p14="http://schemas.microsoft.com/office/powerpoint/2010/main" val="1434151532"/>
       </p:ext>
     </p:extLst>
   </p:cSld>
@@ -7699,112 +9969,14 @@
   <p:timing>
     <p:tnLst>
       <p:par>
-        <p:cTn id="1" dur="indefinite" restart="never" nodeType="tmRoot">
-          <p:childTnLst>
-            <p:seq concurrent="1" nextAc="seek">
-              <p:cTn id="2" dur="indefinite" nodeType="mainSeq">
-                <p:childTnLst>
-                  <p:par>
-                    <p:cTn id="3" fill="hold">
-                      <p:stCondLst>
-                        <p:cond delay="indefinite"/>
-                      </p:stCondLst>
-                      <p:childTnLst>
-                        <p:par>
-                          <p:cTn id="4" fill="hold">
-                            <p:stCondLst>
-                              <p:cond delay="0"/>
-                            </p:stCondLst>
-                            <p:childTnLst>
-                              <p:par>
-                                <p:cTn id="5" presetID="1" presetClass="entr" presetSubtype="0" fill="hold" grpId="0" nodeType="clickEffect">
-                                  <p:stCondLst>
-                                    <p:cond delay="0"/>
-                                  </p:stCondLst>
-                                  <p:childTnLst>
-                                    <p:set>
-                                      <p:cBhvr>
-                                        <p:cTn id="6" dur="1" fill="hold">
-                                          <p:stCondLst>
-                                            <p:cond delay="0"/>
-                                          </p:stCondLst>
-                                        </p:cTn>
-                                        <p:tgtEl>
-                                          <p:spTgt spid="7"/>
-                                        </p:tgtEl>
-                                        <p:attrNameLst>
-                                          <p:attrName>style.visibility</p:attrName>
-                                        </p:attrNameLst>
-                                      </p:cBhvr>
-                                      <p:to>
-                                        <p:strVal val="visible"/>
-                                      </p:to>
-                                    </p:set>
-                                  </p:childTnLst>
-                                </p:cTn>
-                              </p:par>
-                              <p:par>
-                                <p:cTn id="7" presetID="1" presetClass="entr" presetSubtype="0" fill="hold" nodeType="withEffect">
-                                  <p:stCondLst>
-                                    <p:cond delay="0"/>
-                                  </p:stCondLst>
-                                  <p:childTnLst>
-                                    <p:set>
-                                      <p:cBhvr>
-                                        <p:cTn id="8" dur="1" fill="hold">
-                                          <p:stCondLst>
-                                            <p:cond delay="0"/>
-                                          </p:stCondLst>
-                                        </p:cTn>
-                                        <p:tgtEl>
-                                          <p:spTgt spid="8"/>
-                                        </p:tgtEl>
-                                        <p:attrNameLst>
-                                          <p:attrName>style.visibility</p:attrName>
-                                        </p:attrNameLst>
-                                      </p:cBhvr>
-                                      <p:to>
-                                        <p:strVal val="visible"/>
-                                      </p:to>
-                                    </p:set>
-                                  </p:childTnLst>
-                                </p:cTn>
-                              </p:par>
-                            </p:childTnLst>
-                          </p:cTn>
-                        </p:par>
-                      </p:childTnLst>
-                    </p:cTn>
-                  </p:par>
-                </p:childTnLst>
-              </p:cTn>
-              <p:prevCondLst>
-                <p:cond evt="onPrev" delay="0">
-                  <p:tgtEl>
-                    <p:sldTgt/>
-                  </p:tgtEl>
-                </p:cond>
-              </p:prevCondLst>
-              <p:nextCondLst>
-                <p:cond evt="onNext" delay="0">
-                  <p:tgtEl>
-                    <p:sldTgt/>
-                  </p:tgtEl>
-                </p:cond>
-              </p:nextCondLst>
-            </p:seq>
-          </p:childTnLst>
-        </p:cTn>
+        <p:cTn id="1" dur="indefinite" restart="never" nodeType="tmRoot"/>
       </p:par>
     </p:tnLst>
-    <p:bldLst>
-      <p:bldP spid="7" grpId="0"/>
-    </p:bldLst>
   </p:timing>
 </p:sld>
 </file>
 
-<file path=ppt/slides/slide4.xml><?xml version="1.0" encoding="utf-8"?>
+<file path=ppt/slides/slide7.xml><?xml version="1.0" encoding="utf-8"?>
 <p:sld xmlns:a="http://schemas.openxmlformats.org/drawingml/2006/main" xmlns:r="http://schemas.openxmlformats.org/officeDocument/2006/relationships" xmlns:p="http://schemas.openxmlformats.org/presentationml/2006/main">
   <p:cSld>
     <p:spTree>
@@ -8685,7 +10857,7 @@
 </p:sld>
 </file>
 
-<file path=ppt/slides/slide5.xml><?xml version="1.0" encoding="utf-8"?>
+<file path=ppt/slides/slide8.xml><?xml version="1.0" encoding="utf-8"?>
 <p:sld xmlns:a="http://schemas.openxmlformats.org/drawingml/2006/main" xmlns:r="http://schemas.openxmlformats.org/officeDocument/2006/relationships" xmlns:p="http://schemas.openxmlformats.org/presentationml/2006/main">
   <p:cSld>
     <p:spTree>
@@ -8704,482 +10876,6 @@
       </p:grpSpPr>
       <p:sp>
         <p:nvSpPr>
-          <p:cNvPr id="2050" name="Text Box 1"/>
-          <p:cNvSpPr txBox="1">
-            <a:spLocks noChangeArrowheads="1"/>
-          </p:cNvSpPr>
-          <p:nvPr/>
-        </p:nvSpPr>
-        <p:spPr bwMode="auto">
-          <a:xfrm>
-            <a:off x="-896784" y="6093296"/>
-            <a:ext cx="8493120" cy="414764"/>
-          </a:xfrm>
-          <a:prstGeom prst="rect">
-            <a:avLst/>
-          </a:prstGeom>
-          <a:noFill/>
-          <a:ln>
-            <a:noFill/>
-          </a:ln>
-          <a:effectLst/>
-          <a:extLst>
-            <a:ext uri="{909E8E84-426E-40DD-AFC4-6F175D3DCCD1}">
-              <a14:hiddenFill xmlns:a14="http://schemas.microsoft.com/office/drawing/2010/main">
-                <a:solidFill>
-                  <a:srgbClr val="FFFFFF"/>
-                </a:solidFill>
-              </a14:hiddenFill>
-            </a:ext>
-            <a:ext uri="{91240B29-F687-4F45-9708-019B960494DF}">
-              <a14:hiddenLine xmlns:a14="http://schemas.microsoft.com/office/drawing/2010/main" w="9525">
-                <a:solidFill>
-                  <a:srgbClr val="FFFFFF"/>
-                </a:solidFill>
-                <a:round/>
-                <a:headEnd/>
-                <a:tailEnd/>
-              </a14:hiddenLine>
-            </a:ext>
-            <a:ext uri="{AF507438-7753-43E0-B8FC-AC1667EBCBE1}">
-              <a14:hiddenEffects xmlns:a14="http://schemas.microsoft.com/office/drawing/2010/main">
-                <a:effectLst>
-                  <a:outerShdw dist="35921" dir="2700000" algn="ctr" rotWithShape="0">
-                    <a:srgbClr val="808080"/>
-                  </a:outerShdw>
-                </a:effectLst>
-              </a14:hiddenEffects>
-            </a:ext>
-          </a:extLst>
-        </p:spPr>
-        <p:txBody>
-          <a:bodyPr lIns="0" tIns="0" rIns="0" bIns="0"/>
-          <a:lstStyle>
-            <a:lvl1pPr eaLnBrk="0">
-              <a:tabLst>
-                <a:tab pos="723900" algn="l"/>
-                <a:tab pos="1447800" algn="l"/>
-                <a:tab pos="2171700" algn="l"/>
-                <a:tab pos="2895600" algn="l"/>
-                <a:tab pos="3619500" algn="l"/>
-                <a:tab pos="4343400" algn="l"/>
-                <a:tab pos="5067300" algn="l"/>
-                <a:tab pos="5791200" algn="l"/>
-                <a:tab pos="6515100" algn="l"/>
-                <a:tab pos="7239000" algn="l"/>
-                <a:tab pos="7962900" algn="l"/>
-                <a:tab pos="8686800" algn="l"/>
-              </a:tabLst>
-              <a:defRPr sz="2400">
-                <a:solidFill>
-                  <a:schemeClr val="tx1"/>
-                </a:solidFill>
-                <a:latin typeface="Times New Roman" pitchFamily="18" charset="0"/>
-                <a:ea typeface="msgothic" charset="0"/>
-                <a:cs typeface="msgothic" charset="0"/>
-              </a:defRPr>
-            </a:lvl1pPr>
-            <a:lvl2pPr eaLnBrk="0">
-              <a:tabLst>
-                <a:tab pos="723900" algn="l"/>
-                <a:tab pos="1447800" algn="l"/>
-                <a:tab pos="2171700" algn="l"/>
-                <a:tab pos="2895600" algn="l"/>
-                <a:tab pos="3619500" algn="l"/>
-                <a:tab pos="4343400" algn="l"/>
-                <a:tab pos="5067300" algn="l"/>
-                <a:tab pos="5791200" algn="l"/>
-                <a:tab pos="6515100" algn="l"/>
-                <a:tab pos="7239000" algn="l"/>
-                <a:tab pos="7962900" algn="l"/>
-                <a:tab pos="8686800" algn="l"/>
-              </a:tabLst>
-              <a:defRPr sz="2400">
-                <a:solidFill>
-                  <a:schemeClr val="tx1"/>
-                </a:solidFill>
-                <a:latin typeface="Times New Roman" pitchFamily="18" charset="0"/>
-                <a:ea typeface="msgothic" charset="0"/>
-                <a:cs typeface="msgothic" charset="0"/>
-              </a:defRPr>
-            </a:lvl2pPr>
-            <a:lvl3pPr eaLnBrk="0">
-              <a:tabLst>
-                <a:tab pos="723900" algn="l"/>
-                <a:tab pos="1447800" algn="l"/>
-                <a:tab pos="2171700" algn="l"/>
-                <a:tab pos="2895600" algn="l"/>
-                <a:tab pos="3619500" algn="l"/>
-                <a:tab pos="4343400" algn="l"/>
-                <a:tab pos="5067300" algn="l"/>
-                <a:tab pos="5791200" algn="l"/>
-                <a:tab pos="6515100" algn="l"/>
-                <a:tab pos="7239000" algn="l"/>
-                <a:tab pos="7962900" algn="l"/>
-                <a:tab pos="8686800" algn="l"/>
-              </a:tabLst>
-              <a:defRPr sz="2400">
-                <a:solidFill>
-                  <a:schemeClr val="tx1"/>
-                </a:solidFill>
-                <a:latin typeface="Times New Roman" pitchFamily="18" charset="0"/>
-                <a:ea typeface="msgothic" charset="0"/>
-                <a:cs typeface="msgothic" charset="0"/>
-              </a:defRPr>
-            </a:lvl3pPr>
-            <a:lvl4pPr eaLnBrk="0">
-              <a:tabLst>
-                <a:tab pos="723900" algn="l"/>
-                <a:tab pos="1447800" algn="l"/>
-                <a:tab pos="2171700" algn="l"/>
-                <a:tab pos="2895600" algn="l"/>
-                <a:tab pos="3619500" algn="l"/>
-                <a:tab pos="4343400" algn="l"/>
-                <a:tab pos="5067300" algn="l"/>
-                <a:tab pos="5791200" algn="l"/>
-                <a:tab pos="6515100" algn="l"/>
-                <a:tab pos="7239000" algn="l"/>
-                <a:tab pos="7962900" algn="l"/>
-                <a:tab pos="8686800" algn="l"/>
-              </a:tabLst>
-              <a:defRPr sz="2400">
-                <a:solidFill>
-                  <a:schemeClr val="tx1"/>
-                </a:solidFill>
-                <a:latin typeface="Times New Roman" pitchFamily="18" charset="0"/>
-                <a:ea typeface="msgothic" charset="0"/>
-                <a:cs typeface="msgothic" charset="0"/>
-              </a:defRPr>
-            </a:lvl4pPr>
-            <a:lvl5pPr eaLnBrk="0">
-              <a:tabLst>
-                <a:tab pos="723900" algn="l"/>
-                <a:tab pos="1447800" algn="l"/>
-                <a:tab pos="2171700" algn="l"/>
-                <a:tab pos="2895600" algn="l"/>
-                <a:tab pos="3619500" algn="l"/>
-                <a:tab pos="4343400" algn="l"/>
-                <a:tab pos="5067300" algn="l"/>
-                <a:tab pos="5791200" algn="l"/>
-                <a:tab pos="6515100" algn="l"/>
-                <a:tab pos="7239000" algn="l"/>
-                <a:tab pos="7962900" algn="l"/>
-                <a:tab pos="8686800" algn="l"/>
-              </a:tabLst>
-              <a:defRPr sz="2400">
-                <a:solidFill>
-                  <a:schemeClr val="tx1"/>
-                </a:solidFill>
-                <a:latin typeface="Times New Roman" pitchFamily="18" charset="0"/>
-                <a:ea typeface="msgothic" charset="0"/>
-                <a:cs typeface="msgothic" charset="0"/>
-              </a:defRPr>
-            </a:lvl5pPr>
-            <a:lvl6pPr marL="1536700" indent="-215900" defTabSz="457200" eaLnBrk="0" fontAlgn="base" hangingPunct="0">
-              <a:lnSpc>
-                <a:spcPct val="93000"/>
-              </a:lnSpc>
-              <a:spcBef>
-                <a:spcPct val="0"/>
-              </a:spcBef>
-              <a:spcAft>
-                <a:spcPct val="0"/>
-              </a:spcAft>
-              <a:buClr>
-                <a:srgbClr val="000000"/>
-              </a:buClr>
-              <a:buSzPct val="45000"/>
-              <a:buFont typeface="Wingdings" pitchFamily="2" charset="2"/>
-              <a:tabLst>
-                <a:tab pos="723900" algn="l"/>
-                <a:tab pos="1447800" algn="l"/>
-                <a:tab pos="2171700" algn="l"/>
-                <a:tab pos="2895600" algn="l"/>
-                <a:tab pos="3619500" algn="l"/>
-                <a:tab pos="4343400" algn="l"/>
-                <a:tab pos="5067300" algn="l"/>
-                <a:tab pos="5791200" algn="l"/>
-                <a:tab pos="6515100" algn="l"/>
-                <a:tab pos="7239000" algn="l"/>
-                <a:tab pos="7962900" algn="l"/>
-                <a:tab pos="8686800" algn="l"/>
-              </a:tabLst>
-              <a:defRPr sz="2400">
-                <a:solidFill>
-                  <a:schemeClr val="tx1"/>
-                </a:solidFill>
-                <a:latin typeface="Times New Roman" pitchFamily="18" charset="0"/>
-                <a:ea typeface="msgothic" charset="0"/>
-                <a:cs typeface="msgothic" charset="0"/>
-              </a:defRPr>
-            </a:lvl6pPr>
-            <a:lvl7pPr marL="1993900" indent="-215900" defTabSz="457200" eaLnBrk="0" fontAlgn="base" hangingPunct="0">
-              <a:lnSpc>
-                <a:spcPct val="93000"/>
-              </a:lnSpc>
-              <a:spcBef>
-                <a:spcPct val="0"/>
-              </a:spcBef>
-              <a:spcAft>
-                <a:spcPct val="0"/>
-              </a:spcAft>
-              <a:buClr>
-                <a:srgbClr val="000000"/>
-              </a:buClr>
-              <a:buSzPct val="45000"/>
-              <a:buFont typeface="Wingdings" pitchFamily="2" charset="2"/>
-              <a:tabLst>
-                <a:tab pos="723900" algn="l"/>
-                <a:tab pos="1447800" algn="l"/>
-                <a:tab pos="2171700" algn="l"/>
-                <a:tab pos="2895600" algn="l"/>
-                <a:tab pos="3619500" algn="l"/>
-                <a:tab pos="4343400" algn="l"/>
-                <a:tab pos="5067300" algn="l"/>
-                <a:tab pos="5791200" algn="l"/>
-                <a:tab pos="6515100" algn="l"/>
-                <a:tab pos="7239000" algn="l"/>
-                <a:tab pos="7962900" algn="l"/>
-                <a:tab pos="8686800" algn="l"/>
-              </a:tabLst>
-              <a:defRPr sz="2400">
-                <a:solidFill>
-                  <a:schemeClr val="tx1"/>
-                </a:solidFill>
-                <a:latin typeface="Times New Roman" pitchFamily="18" charset="0"/>
-                <a:ea typeface="msgothic" charset="0"/>
-                <a:cs typeface="msgothic" charset="0"/>
-              </a:defRPr>
-            </a:lvl7pPr>
-            <a:lvl8pPr marL="2451100" indent="-215900" defTabSz="457200" eaLnBrk="0" fontAlgn="base" hangingPunct="0">
-              <a:lnSpc>
-                <a:spcPct val="93000"/>
-              </a:lnSpc>
-              <a:spcBef>
-                <a:spcPct val="0"/>
-              </a:spcBef>
-              <a:spcAft>
-                <a:spcPct val="0"/>
-              </a:spcAft>
-              <a:buClr>
-                <a:srgbClr val="000000"/>
-              </a:buClr>
-              <a:buSzPct val="45000"/>
-              <a:buFont typeface="Wingdings" pitchFamily="2" charset="2"/>
-              <a:tabLst>
-                <a:tab pos="723900" algn="l"/>
-                <a:tab pos="1447800" algn="l"/>
-                <a:tab pos="2171700" algn="l"/>
-                <a:tab pos="2895600" algn="l"/>
-                <a:tab pos="3619500" algn="l"/>
-                <a:tab pos="4343400" algn="l"/>
-                <a:tab pos="5067300" algn="l"/>
-                <a:tab pos="5791200" algn="l"/>
-                <a:tab pos="6515100" algn="l"/>
-                <a:tab pos="7239000" algn="l"/>
-                <a:tab pos="7962900" algn="l"/>
-                <a:tab pos="8686800" algn="l"/>
-              </a:tabLst>
-              <a:defRPr sz="2400">
-                <a:solidFill>
-                  <a:schemeClr val="tx1"/>
-                </a:solidFill>
-                <a:latin typeface="Times New Roman" pitchFamily="18" charset="0"/>
-                <a:ea typeface="msgothic" charset="0"/>
-                <a:cs typeface="msgothic" charset="0"/>
-              </a:defRPr>
-            </a:lvl8pPr>
-            <a:lvl9pPr marL="2908300" indent="-215900" defTabSz="457200" eaLnBrk="0" fontAlgn="base" hangingPunct="0">
-              <a:lnSpc>
-                <a:spcPct val="93000"/>
-              </a:lnSpc>
-              <a:spcBef>
-                <a:spcPct val="0"/>
-              </a:spcBef>
-              <a:spcAft>
-                <a:spcPct val="0"/>
-              </a:spcAft>
-              <a:buClr>
-                <a:srgbClr val="000000"/>
-              </a:buClr>
-              <a:buSzPct val="45000"/>
-              <a:buFont typeface="Wingdings" pitchFamily="2" charset="2"/>
-              <a:tabLst>
-                <a:tab pos="723900" algn="l"/>
-                <a:tab pos="1447800" algn="l"/>
-                <a:tab pos="2171700" algn="l"/>
-                <a:tab pos="2895600" algn="l"/>
-                <a:tab pos="3619500" algn="l"/>
-                <a:tab pos="4343400" algn="l"/>
-                <a:tab pos="5067300" algn="l"/>
-                <a:tab pos="5791200" algn="l"/>
-                <a:tab pos="6515100" algn="l"/>
-                <a:tab pos="7239000" algn="l"/>
-                <a:tab pos="7962900" algn="l"/>
-                <a:tab pos="8686800" algn="l"/>
-              </a:tabLst>
-              <a:defRPr sz="2400">
-                <a:solidFill>
-                  <a:schemeClr val="tx1"/>
-                </a:solidFill>
-                <a:latin typeface="Times New Roman" pitchFamily="18" charset="0"/>
-                <a:ea typeface="msgothic" charset="0"/>
-                <a:cs typeface="msgothic" charset="0"/>
-              </a:defRPr>
-            </a:lvl9pPr>
-          </a:lstStyle>
-          <a:p>
-            <a:pPr algn="ctr" eaLnBrk="1"/>
-            <a:r>
-              <a:rPr lang="en-GB" altLang="fr-FR" sz="1500" b="1">
-                <a:solidFill>
-                  <a:srgbClr val="000000"/>
-                </a:solidFill>
-                <a:latin typeface="Arial" pitchFamily="34" charset="0"/>
-              </a:rPr>
-              <a:t>Leaf inclination angle affects light distribution in sorghum canopies. </a:t>
-            </a:r>
-          </a:p>
-        </p:txBody>
-      </p:sp>
-      <p:pic>
-        <p:nvPicPr>
-          <p:cNvPr id="2051" name="Picture 2"/>
-          <p:cNvPicPr>
-            <a:picLocks noChangeAspect="1" noChangeArrowheads="1"/>
-          </p:cNvPicPr>
-          <p:nvPr/>
-        </p:nvPicPr>
-        <p:blipFill>
-          <a:blip r:embed="rId3">
-            <a:extLst>
-              <a:ext uri="{28A0092B-C50C-407E-A947-70E740481C1C}">
-                <a14:useLocalDpi xmlns:a14="http://schemas.microsoft.com/office/drawing/2010/main" val="0"/>
-              </a:ext>
-            </a:extLst>
-          </a:blip>
-          <a:srcRect/>
-          <a:stretch>
-            <a:fillRect/>
-          </a:stretch>
-        </p:blipFill>
-        <p:spPr bwMode="auto">
-          <a:xfrm>
-            <a:off x="7004161" y="6286260"/>
-            <a:ext cx="1916640" cy="397482"/>
-          </a:xfrm>
-          <a:prstGeom prst="rect">
-            <a:avLst/>
-          </a:prstGeom>
-          <a:noFill/>
-          <a:ln>
-            <a:noFill/>
-          </a:ln>
-          <a:effectLst/>
-          <a:extLst>
-            <a:ext uri="{909E8E84-426E-40DD-AFC4-6F175D3DCCD1}">
-              <a14:hiddenFill xmlns:a14="http://schemas.microsoft.com/office/drawing/2010/main">
-                <a:blipFill dpi="0" rotWithShape="0">
-                  <a:blip/>
-                  <a:srcRect/>
-                  <a:stretch>
-                    <a:fillRect/>
-                  </a:stretch>
-                </a:blipFill>
-              </a14:hiddenFill>
-            </a:ext>
-            <a:ext uri="{91240B29-F687-4F45-9708-019B960494DF}">
-              <a14:hiddenLine xmlns:a14="http://schemas.microsoft.com/office/drawing/2010/main" w="9525">
-                <a:solidFill>
-                  <a:srgbClr val="FFFFFF"/>
-                </a:solidFill>
-                <a:round/>
-                <a:headEnd/>
-                <a:tailEnd/>
-              </a14:hiddenLine>
-            </a:ext>
-            <a:ext uri="{AF507438-7753-43E0-B8FC-AC1667EBCBE1}">
-              <a14:hiddenEffects xmlns:a14="http://schemas.microsoft.com/office/drawing/2010/main">
-                <a:effectLst>
-                  <a:outerShdw dist="35921" dir="2700000" algn="ctr" rotWithShape="0">
-                    <a:srgbClr val="808080"/>
-                  </a:outerShdw>
-                </a:effectLst>
-              </a14:hiddenEffects>
-            </a:ext>
-          </a:extLst>
-        </p:spPr>
-      </p:pic>
-      <p:pic>
-        <p:nvPicPr>
-          <p:cNvPr id="2052" name="Picture 3"/>
-          <p:cNvPicPr>
-            <a:picLocks noChangeAspect="1" noChangeArrowheads="1"/>
-          </p:cNvPicPr>
-          <p:nvPr/>
-        </p:nvPicPr>
-        <p:blipFill>
-          <a:blip r:embed="rId4">
-            <a:extLst>
-              <a:ext uri="{28A0092B-C50C-407E-A947-70E740481C1C}">
-                <a14:useLocalDpi xmlns:a14="http://schemas.microsoft.com/office/drawing/2010/main" val="0"/>
-              </a:ext>
-            </a:extLst>
-          </a:blip>
-          <a:srcRect/>
-          <a:stretch>
-            <a:fillRect/>
-          </a:stretch>
-        </p:blipFill>
-        <p:spPr bwMode="auto">
-          <a:xfrm>
-            <a:off x="717120" y="979303"/>
-            <a:ext cx="7714080" cy="4893634"/>
-          </a:xfrm>
-          <a:prstGeom prst="rect">
-            <a:avLst/>
-          </a:prstGeom>
-          <a:noFill/>
-          <a:ln>
-            <a:noFill/>
-          </a:ln>
-          <a:effectLst/>
-          <a:extLst>
-            <a:ext uri="{909E8E84-426E-40DD-AFC4-6F175D3DCCD1}">
-              <a14:hiddenFill xmlns:a14="http://schemas.microsoft.com/office/drawing/2010/main">
-                <a:blipFill dpi="0" rotWithShape="0">
-                  <a:blip/>
-                  <a:srcRect/>
-                  <a:stretch>
-                    <a:fillRect/>
-                  </a:stretch>
-                </a:blipFill>
-              </a14:hiddenFill>
-            </a:ext>
-            <a:ext uri="{91240B29-F687-4F45-9708-019B960494DF}">
-              <a14:hiddenLine xmlns:a14="http://schemas.microsoft.com/office/drawing/2010/main" w="9525">
-                <a:solidFill>
-                  <a:srgbClr val="FFFFFF"/>
-                </a:solidFill>
-                <a:round/>
-                <a:headEnd/>
-                <a:tailEnd/>
-              </a14:hiddenLine>
-            </a:ext>
-            <a:ext uri="{AF507438-7753-43E0-B8FC-AC1667EBCBE1}">
-              <a14:hiddenEffects xmlns:a14="http://schemas.microsoft.com/office/drawing/2010/main">
-                <a:effectLst>
-                  <a:outerShdw dist="35921" dir="2700000" algn="ctr" rotWithShape="0">
-                    <a:srgbClr val="808080"/>
-                  </a:outerShdw>
-                </a:effectLst>
-              </a14:hiddenEffects>
-            </a:ext>
-          </a:extLst>
-        </p:spPr>
-      </p:pic>
-      <p:sp>
-        <p:nvSpPr>
           <p:cNvPr id="2053" name="Text Box 4"/>
           <p:cNvSpPr txBox="1">
             <a:spLocks noChangeArrowheads="1"/>
@@ -9188,8 +10884,8 @@
         </p:nvSpPr>
         <p:spPr bwMode="auto">
           <a:xfrm>
-            <a:off x="2987824" y="6392128"/>
-            <a:ext cx="3918240" cy="231864"/>
+            <a:off x="7077472" y="6015880"/>
+            <a:ext cx="1619672" cy="404664"/>
           </a:xfrm>
           <a:prstGeom prst="rect">
             <a:avLst/>
@@ -9444,29 +11140,422 @@
           <a:p>
             <a:pPr eaLnBrk="1"/>
             <a:r>
-              <a:rPr lang="en-GB" altLang="fr-FR" sz="1100" b="1" dirty="0">
+              <a:rPr lang="en-GB" altLang="fr-FR" sz="1600" dirty="0" smtClean="0">
                 <a:solidFill>
                   <a:srgbClr val="000000"/>
                 </a:solidFill>
-                <a:latin typeface="Arial" pitchFamily="34" charset="0"/>
-              </a:rPr>
-              <a:t>Sandra K. Truong et al. Genetics 2015;201:1229-1238</a:t>
-            </a:r>
+                <a:cs typeface="Times New Roman" pitchFamily="18" charset="0"/>
+              </a:rPr>
+              <a:t>Truong </a:t>
+            </a:r>
+            <a:r>
+              <a:rPr lang="en-GB" altLang="fr-FR" sz="1600" i="1" dirty="0">
+                <a:solidFill>
+                  <a:srgbClr val="000000"/>
+                </a:solidFill>
+                <a:cs typeface="Times New Roman" pitchFamily="18" charset="0"/>
+              </a:rPr>
+              <a:t>et al</a:t>
+            </a:r>
+            <a:r>
+              <a:rPr lang="en-GB" altLang="fr-FR" sz="1600" dirty="0">
+                <a:solidFill>
+                  <a:srgbClr val="000000"/>
+                </a:solidFill>
+                <a:cs typeface="Times New Roman" pitchFamily="18" charset="0"/>
+              </a:rPr>
+              <a:t>. </a:t>
+            </a:r>
+            <a:r>
+              <a:rPr lang="en-GB" altLang="fr-FR" sz="1600" dirty="0" smtClean="0">
+                <a:solidFill>
+                  <a:srgbClr val="000000"/>
+                </a:solidFill>
+                <a:cs typeface="Times New Roman" pitchFamily="18" charset="0"/>
+              </a:rPr>
+              <a:t>2015</a:t>
+            </a:r>
+            <a:endParaRPr lang="en-GB" altLang="fr-FR" sz="1600" dirty="0">
+              <a:solidFill>
+                <a:srgbClr val="000000"/>
+              </a:solidFill>
+              <a:cs typeface="Times New Roman" pitchFamily="18" charset="0"/>
+            </a:endParaRPr>
           </a:p>
         </p:txBody>
       </p:sp>
+      <p:grpSp>
+        <p:nvGrpSpPr>
+          <p:cNvPr id="2" name="Groupe 1"/>
+          <p:cNvGrpSpPr/>
+          <p:nvPr/>
+        </p:nvGrpSpPr>
+        <p:grpSpPr>
+          <a:xfrm>
+            <a:off x="486758" y="1183753"/>
+            <a:ext cx="3222791" cy="2692094"/>
+            <a:chOff x="800471" y="1748078"/>
+            <a:chExt cx="3222791" cy="2692094"/>
+          </a:xfrm>
+        </p:grpSpPr>
+        <p:pic>
+          <p:nvPicPr>
+            <p:cNvPr id="8" name="Picture 3"/>
+            <p:cNvPicPr>
+              <a:picLocks noChangeAspect="1" noChangeArrowheads="1"/>
+            </p:cNvPicPr>
+            <p:nvPr/>
+          </p:nvPicPr>
+          <p:blipFill rotWithShape="1">
+            <a:blip r:embed="rId3">
+              <a:extLst>
+                <a:ext uri="{28A0092B-C50C-407E-A947-70E740481C1C}">
+                  <a14:useLocalDpi xmlns:a14="http://schemas.microsoft.com/office/drawing/2010/main" val="0"/>
+                </a:ext>
+              </a:extLst>
+            </a:blip>
+            <a:srcRect l="53151" b="59385"/>
+            <a:stretch/>
+          </p:blipFill>
+          <p:spPr bwMode="auto">
+            <a:xfrm>
+              <a:off x="898787" y="2721799"/>
+              <a:ext cx="3124475" cy="1718373"/>
+            </a:xfrm>
+            <a:prstGeom prst="rect">
+              <a:avLst/>
+            </a:prstGeom>
+            <a:noFill/>
+            <a:ln>
+              <a:noFill/>
+            </a:ln>
+            <a:effectLst/>
+            <a:extLst>
+              <a:ext uri="{909E8E84-426E-40DD-AFC4-6F175D3DCCD1}">
+                <a14:hiddenFill xmlns:a14="http://schemas.microsoft.com/office/drawing/2010/main">
+                  <a:blipFill dpi="0" rotWithShape="0">
+                    <a:blip/>
+                    <a:srcRect/>
+                    <a:stretch>
+                      <a:fillRect/>
+                    </a:stretch>
+                  </a:blipFill>
+                </a14:hiddenFill>
+              </a:ext>
+              <a:ext uri="{91240B29-F687-4F45-9708-019B960494DF}">
+                <a14:hiddenLine xmlns:a14="http://schemas.microsoft.com/office/drawing/2010/main" w="9525">
+                  <a:solidFill>
+                    <a:srgbClr val="FFFFFF"/>
+                  </a:solidFill>
+                  <a:round/>
+                  <a:headEnd/>
+                  <a:tailEnd/>
+                </a14:hiddenLine>
+              </a:ext>
+              <a:ext uri="{AF507438-7753-43E0-B8FC-AC1667EBCBE1}">
+                <a14:hiddenEffects xmlns:a14="http://schemas.microsoft.com/office/drawing/2010/main">
+                  <a:effectLst>
+                    <a:outerShdw dist="35921" dir="2700000" algn="ctr" rotWithShape="0">
+                      <a:srgbClr val="808080"/>
+                    </a:outerShdw>
+                  </a:effectLst>
+                </a14:hiddenEffects>
+              </a:ext>
+            </a:extLst>
+          </p:spPr>
+        </p:pic>
+        <p:pic>
+          <p:nvPicPr>
+            <p:cNvPr id="1026" name="Picture 2"/>
+            <p:cNvPicPr>
+              <a:picLocks noChangeAspect="1" noChangeArrowheads="1"/>
+            </p:cNvPicPr>
+            <p:nvPr/>
+          </p:nvPicPr>
+          <p:blipFill rotWithShape="1">
+            <a:blip r:embed="rId4">
+              <a:extLst>
+                <a:ext uri="{28A0092B-C50C-407E-A947-70E740481C1C}">
+                  <a14:useLocalDpi xmlns:a14="http://schemas.microsoft.com/office/drawing/2010/main" val="0"/>
+                </a:ext>
+              </a:extLst>
+            </a:blip>
+            <a:srcRect b="7036"/>
+            <a:stretch/>
+          </p:blipFill>
+          <p:spPr bwMode="auto">
+            <a:xfrm flipH="1">
+              <a:off x="800471" y="1748078"/>
+              <a:ext cx="1660629" cy="1200119"/>
+            </a:xfrm>
+            <a:prstGeom prst="rect">
+              <a:avLst/>
+            </a:prstGeom>
+            <a:noFill/>
+            <a:ln>
+              <a:noFill/>
+            </a:ln>
+            <a:effectLst/>
+            <a:extLst>
+              <a:ext uri="{909E8E84-426E-40DD-AFC4-6F175D3DCCD1}">
+                <a14:hiddenFill xmlns:a14="http://schemas.microsoft.com/office/drawing/2010/main">
+                  <a:solidFill>
+                    <a:schemeClr val="accent1"/>
+                  </a:solidFill>
+                </a14:hiddenFill>
+              </a:ext>
+              <a:ext uri="{91240B29-F687-4F45-9708-019B960494DF}">
+                <a14:hiddenLine xmlns:a14="http://schemas.microsoft.com/office/drawing/2010/main" w="9525">
+                  <a:solidFill>
+                    <a:schemeClr val="tx1"/>
+                  </a:solidFill>
+                  <a:miter lim="800000"/>
+                  <a:headEnd/>
+                  <a:tailEnd/>
+                </a14:hiddenLine>
+              </a:ext>
+              <a:ext uri="{AF507438-7753-43E0-B8FC-AC1667EBCBE1}">
+                <a14:hiddenEffects xmlns:a14="http://schemas.microsoft.com/office/drawing/2010/main">
+                  <a:effectLst>
+                    <a:outerShdw dist="35921" dir="2700000" algn="ctr" rotWithShape="0">
+                      <a:schemeClr val="bg2"/>
+                    </a:outerShdw>
+                  </a:effectLst>
+                </a14:hiddenEffects>
+              </a:ext>
+            </a:extLst>
+          </p:spPr>
+        </p:pic>
+      </p:grpSp>
       <p:sp>
         <p:nvSpPr>
-          <p:cNvPr id="2054" name="Text Box 5"/>
+          <p:cNvPr id="11" name="Titre 1"/>
           <p:cNvSpPr txBox="1">
-            <a:spLocks noChangeArrowheads="1"/>
+            <a:spLocks/>
           </p:cNvSpPr>
           <p:nvPr/>
         </p:nvSpPr>
+        <p:spPr>
+          <a:xfrm>
+            <a:off x="467544" y="-99392"/>
+            <a:ext cx="8229600" cy="1143000"/>
+          </a:xfrm>
+          <a:prstGeom prst="rect">
+            <a:avLst/>
+          </a:prstGeom>
+        </p:spPr>
+        <p:txBody>
+          <a:bodyPr>
+            <a:normAutofit/>
+          </a:bodyPr>
+          <a:lstStyle>
+            <a:lvl1pPr algn="ctr" defTabSz="914400" rtl="0" eaLnBrk="1" latinLnBrk="0" hangingPunct="1">
+              <a:spcBef>
+                <a:spcPct val="0"/>
+              </a:spcBef>
+              <a:buNone/>
+              <a:defRPr sz="4400" kern="1200">
+                <a:solidFill>
+                  <a:schemeClr val="tx1"/>
+                </a:solidFill>
+                <a:latin typeface="+mj-lt"/>
+                <a:ea typeface="+mj-ea"/>
+                <a:cs typeface="+mj-cs"/>
+              </a:defRPr>
+            </a:lvl1pPr>
+          </a:lstStyle>
+          <a:p>
+            <a:r>
+              <a:rPr lang="en-US" sz="3600" dirty="0">
+                <a:latin typeface="Times New Roman" pitchFamily="18" charset="0"/>
+                <a:cs typeface="Times New Roman" pitchFamily="18" charset="0"/>
+              </a:rPr>
+              <a:t>P</a:t>
+            </a:r>
+            <a:r>
+              <a:rPr lang="en-US" sz="3600" dirty="0" smtClean="0">
+                <a:latin typeface="Times New Roman" pitchFamily="18" charset="0"/>
+                <a:cs typeface="Times New Roman" pitchFamily="18" charset="0"/>
+              </a:rPr>
+              <a:t>lant architecture &amp; Light interception</a:t>
+            </a:r>
+            <a:endParaRPr lang="en-US" sz="3600" dirty="0">
+              <a:latin typeface="Times New Roman" pitchFamily="18" charset="0"/>
+              <a:cs typeface="Times New Roman" pitchFamily="18" charset="0"/>
+            </a:endParaRPr>
+          </a:p>
+        </p:txBody>
+      </p:sp>
+      <p:grpSp>
+        <p:nvGrpSpPr>
+          <p:cNvPr id="4" name="Groupe 3"/>
+          <p:cNvGrpSpPr/>
+          <p:nvPr/>
+        </p:nvGrpSpPr>
+        <p:grpSpPr>
+          <a:xfrm>
+            <a:off x="1895112" y="2233206"/>
+            <a:ext cx="6194869" cy="4642524"/>
+            <a:chOff x="1895112" y="2233206"/>
+            <a:chExt cx="6194869" cy="4642524"/>
+          </a:xfrm>
+        </p:grpSpPr>
+        <p:pic>
+          <p:nvPicPr>
+            <p:cNvPr id="12" name="Picture 3"/>
+            <p:cNvPicPr>
+              <a:picLocks noChangeAspect="1" noChangeArrowheads="1"/>
+            </p:cNvPicPr>
+            <p:nvPr/>
+          </p:nvPicPr>
+          <p:blipFill rotWithShape="1">
+            <a:blip r:embed="rId3">
+              <a:extLst>
+                <a:ext uri="{28A0092B-C50C-407E-A947-70E740481C1C}">
+                  <a14:useLocalDpi xmlns:a14="http://schemas.microsoft.com/office/drawing/2010/main" val="0"/>
+                </a:ext>
+              </a:extLst>
+            </a:blip>
+            <a:srcRect l="15645" t="66450" r="49722" b="406"/>
+            <a:stretch/>
+          </p:blipFill>
+          <p:spPr bwMode="auto">
+            <a:xfrm>
+              <a:off x="1895112" y="3904189"/>
+              <a:ext cx="4894548" cy="2971541"/>
+            </a:xfrm>
+            <a:prstGeom prst="rect">
+              <a:avLst/>
+            </a:prstGeom>
+            <a:noFill/>
+            <a:ln>
+              <a:noFill/>
+            </a:ln>
+            <a:effectLst/>
+            <a:extLst>
+              <a:ext uri="{909E8E84-426E-40DD-AFC4-6F175D3DCCD1}">
+                <a14:hiddenFill xmlns:a14="http://schemas.microsoft.com/office/drawing/2010/main">
+                  <a:blipFill dpi="0" rotWithShape="0">
+                    <a:blip/>
+                    <a:srcRect/>
+                    <a:stretch>
+                      <a:fillRect/>
+                    </a:stretch>
+                  </a:blipFill>
+                </a14:hiddenFill>
+              </a:ext>
+              <a:ext uri="{91240B29-F687-4F45-9708-019B960494DF}">
+                <a14:hiddenLine xmlns:a14="http://schemas.microsoft.com/office/drawing/2010/main" w="9525">
+                  <a:solidFill>
+                    <a:srgbClr val="FFFFFF"/>
+                  </a:solidFill>
+                  <a:round/>
+                  <a:headEnd/>
+                  <a:tailEnd/>
+                </a14:hiddenLine>
+              </a:ext>
+              <a:ext uri="{AF507438-7753-43E0-B8FC-AC1667EBCBE1}">
+                <a14:hiddenEffects xmlns:a14="http://schemas.microsoft.com/office/drawing/2010/main">
+                  <a:effectLst>
+                    <a:outerShdw dist="35921" dir="2700000" algn="ctr" rotWithShape="0">
+                      <a:srgbClr val="808080"/>
+                    </a:outerShdw>
+                  </a:effectLst>
+                </a14:hiddenEffects>
+              </a:ext>
+            </a:extLst>
+          </p:spPr>
+        </p:pic>
+        <p:pic>
+          <p:nvPicPr>
+            <p:cNvPr id="13" name="Picture 3"/>
+            <p:cNvPicPr>
+              <a:picLocks noChangeAspect="1" noChangeArrowheads="1"/>
+            </p:cNvPicPr>
+            <p:nvPr/>
+          </p:nvPicPr>
+          <p:blipFill rotWithShape="1">
+            <a:blip r:embed="rId3">
+              <a:extLst>
+                <a:ext uri="{28A0092B-C50C-407E-A947-70E740481C1C}">
+                  <a14:useLocalDpi xmlns:a14="http://schemas.microsoft.com/office/drawing/2010/main" val="0"/>
+                </a:ext>
+              </a:extLst>
+            </a:blip>
+            <a:srcRect t="32143" r="50000" b="33711"/>
+            <a:stretch/>
+          </p:blipFill>
+          <p:spPr bwMode="auto">
+            <a:xfrm>
+              <a:off x="4232941" y="2233206"/>
+              <a:ext cx="3857040" cy="1670983"/>
+            </a:xfrm>
+            <a:prstGeom prst="rect">
+              <a:avLst/>
+            </a:prstGeom>
+            <a:noFill/>
+            <a:ln>
+              <a:noFill/>
+            </a:ln>
+            <a:effectLst/>
+            <a:extLst>
+              <a:ext uri="{909E8E84-426E-40DD-AFC4-6F175D3DCCD1}">
+                <a14:hiddenFill xmlns:a14="http://schemas.microsoft.com/office/drawing/2010/main">
+                  <a:blipFill dpi="0" rotWithShape="0">
+                    <a:blip/>
+                    <a:srcRect/>
+                    <a:stretch>
+                      <a:fillRect/>
+                    </a:stretch>
+                  </a:blipFill>
+                </a14:hiddenFill>
+              </a:ext>
+              <a:ext uri="{91240B29-F687-4F45-9708-019B960494DF}">
+                <a14:hiddenLine xmlns:a14="http://schemas.microsoft.com/office/drawing/2010/main" w="9525">
+                  <a:solidFill>
+                    <a:srgbClr val="FFFFFF"/>
+                  </a:solidFill>
+                  <a:round/>
+                  <a:headEnd/>
+                  <a:tailEnd/>
+                </a14:hiddenLine>
+              </a:ext>
+              <a:ext uri="{AF507438-7753-43E0-B8FC-AC1667EBCBE1}">
+                <a14:hiddenEffects xmlns:a14="http://schemas.microsoft.com/office/drawing/2010/main">
+                  <a:effectLst>
+                    <a:outerShdw dist="35921" dir="2700000" algn="ctr" rotWithShape="0">
+                      <a:srgbClr val="808080"/>
+                    </a:outerShdw>
+                  </a:effectLst>
+                </a14:hiddenEffects>
+              </a:ext>
+            </a:extLst>
+          </p:spPr>
+        </p:pic>
+      </p:grpSp>
+      <p:pic>
+        <p:nvPicPr>
+          <p:cNvPr id="2052" name="Picture 3"/>
+          <p:cNvPicPr>
+            <a:picLocks noChangeAspect="1" noChangeArrowheads="1"/>
+          </p:cNvPicPr>
+          <p:nvPr/>
+        </p:nvPicPr>
+        <p:blipFill rotWithShape="1">
+          <a:blip r:embed="rId3">
+            <a:extLst>
+              <a:ext uri="{28A0092B-C50C-407E-A947-70E740481C1C}">
+                <a14:useLocalDpi xmlns:a14="http://schemas.microsoft.com/office/drawing/2010/main" val="0"/>
+              </a:ext>
+            </a:extLst>
+          </a:blip>
+          <a:srcRect l="3373" r="50000" b="68485"/>
+          <a:stretch/>
+        </p:blipFill>
         <p:spPr bwMode="auto">
           <a:xfrm>
-            <a:off x="97920" y="6531087"/>
-            <a:ext cx="4930560" cy="3470764"/>
+            <a:off x="4139951" y="979081"/>
+            <a:ext cx="2748187" cy="1178393"/>
           </a:xfrm>
           <a:prstGeom prst="rect">
             <a:avLst/>
@@ -9479,15 +11568,19 @@
           <a:extLst>
             <a:ext uri="{909E8E84-426E-40DD-AFC4-6F175D3DCCD1}">
               <a14:hiddenFill xmlns:a14="http://schemas.microsoft.com/office/drawing/2010/main">
-                <a:solidFill>
-                  <a:srgbClr val="FFFFFF"/>
-                </a:solidFill>
+                <a:blipFill dpi="0" rotWithShape="0">
+                  <a:blip/>
+                  <a:srcRect/>
+                  <a:stretch>
+                    <a:fillRect/>
+                  </a:stretch>
+                </a:blipFill>
               </a14:hiddenFill>
             </a:ext>
             <a:ext uri="{91240B29-F687-4F45-9708-019B960494DF}">
               <a14:hiddenLine xmlns:a14="http://schemas.microsoft.com/office/drawing/2010/main" w="9525">
                 <a:solidFill>
-                  <a:srgbClr val="000000"/>
+                  <a:srgbClr val="FFFFFF"/>
                 </a:solidFill>
                 <a:round/>
                 <a:headEnd/>
@@ -9505,285 +11598,7 @@
             </a:ext>
           </a:extLst>
         </p:spPr>
-        <p:txBody>
-          <a:bodyPr lIns="0" tIns="0" rIns="0" bIns="0"/>
-          <a:lstStyle>
-            <a:lvl1pPr marL="85725" indent="-85725" eaLnBrk="0">
-              <a:tabLst>
-                <a:tab pos="723900" algn="l"/>
-                <a:tab pos="1447800" algn="l"/>
-                <a:tab pos="2171700" algn="l"/>
-                <a:tab pos="2895600" algn="l"/>
-                <a:tab pos="3619500" algn="l"/>
-                <a:tab pos="4343400" algn="l"/>
-                <a:tab pos="5067300" algn="l"/>
-              </a:tabLst>
-              <a:defRPr sz="2400">
-                <a:solidFill>
-                  <a:schemeClr val="tx1"/>
-                </a:solidFill>
-                <a:latin typeface="Times New Roman" pitchFamily="18" charset="0"/>
-                <a:ea typeface="msgothic" charset="0"/>
-                <a:cs typeface="msgothic" charset="0"/>
-              </a:defRPr>
-            </a:lvl1pPr>
-            <a:lvl2pPr eaLnBrk="0">
-              <a:tabLst>
-                <a:tab pos="723900" algn="l"/>
-                <a:tab pos="1447800" algn="l"/>
-                <a:tab pos="2171700" algn="l"/>
-                <a:tab pos="2895600" algn="l"/>
-                <a:tab pos="3619500" algn="l"/>
-                <a:tab pos="4343400" algn="l"/>
-                <a:tab pos="5067300" algn="l"/>
-              </a:tabLst>
-              <a:defRPr sz="2400">
-                <a:solidFill>
-                  <a:schemeClr val="tx1"/>
-                </a:solidFill>
-                <a:latin typeface="Times New Roman" pitchFamily="18" charset="0"/>
-                <a:ea typeface="msgothic" charset="0"/>
-                <a:cs typeface="msgothic" charset="0"/>
-              </a:defRPr>
-            </a:lvl2pPr>
-            <a:lvl3pPr eaLnBrk="0">
-              <a:tabLst>
-                <a:tab pos="723900" algn="l"/>
-                <a:tab pos="1447800" algn="l"/>
-                <a:tab pos="2171700" algn="l"/>
-                <a:tab pos="2895600" algn="l"/>
-                <a:tab pos="3619500" algn="l"/>
-                <a:tab pos="4343400" algn="l"/>
-                <a:tab pos="5067300" algn="l"/>
-              </a:tabLst>
-              <a:defRPr sz="2400">
-                <a:solidFill>
-                  <a:schemeClr val="tx1"/>
-                </a:solidFill>
-                <a:latin typeface="Times New Roman" pitchFamily="18" charset="0"/>
-                <a:ea typeface="msgothic" charset="0"/>
-                <a:cs typeface="msgothic" charset="0"/>
-              </a:defRPr>
-            </a:lvl3pPr>
-            <a:lvl4pPr eaLnBrk="0">
-              <a:tabLst>
-                <a:tab pos="723900" algn="l"/>
-                <a:tab pos="1447800" algn="l"/>
-                <a:tab pos="2171700" algn="l"/>
-                <a:tab pos="2895600" algn="l"/>
-                <a:tab pos="3619500" algn="l"/>
-                <a:tab pos="4343400" algn="l"/>
-                <a:tab pos="5067300" algn="l"/>
-              </a:tabLst>
-              <a:defRPr sz="2400">
-                <a:solidFill>
-                  <a:schemeClr val="tx1"/>
-                </a:solidFill>
-                <a:latin typeface="Times New Roman" pitchFamily="18" charset="0"/>
-                <a:ea typeface="msgothic" charset="0"/>
-                <a:cs typeface="msgothic" charset="0"/>
-              </a:defRPr>
-            </a:lvl4pPr>
-            <a:lvl5pPr eaLnBrk="0">
-              <a:tabLst>
-                <a:tab pos="723900" algn="l"/>
-                <a:tab pos="1447800" algn="l"/>
-                <a:tab pos="2171700" algn="l"/>
-                <a:tab pos="2895600" algn="l"/>
-                <a:tab pos="3619500" algn="l"/>
-                <a:tab pos="4343400" algn="l"/>
-                <a:tab pos="5067300" algn="l"/>
-              </a:tabLst>
-              <a:defRPr sz="2400">
-                <a:solidFill>
-                  <a:schemeClr val="tx1"/>
-                </a:solidFill>
-                <a:latin typeface="Times New Roman" pitchFamily="18" charset="0"/>
-                <a:ea typeface="msgothic" charset="0"/>
-                <a:cs typeface="msgothic" charset="0"/>
-              </a:defRPr>
-            </a:lvl5pPr>
-            <a:lvl6pPr marL="1536700" indent="-215900" defTabSz="457200" eaLnBrk="0" fontAlgn="base" hangingPunct="0">
-              <a:lnSpc>
-                <a:spcPct val="93000"/>
-              </a:lnSpc>
-              <a:spcBef>
-                <a:spcPct val="0"/>
-              </a:spcBef>
-              <a:spcAft>
-                <a:spcPct val="0"/>
-              </a:spcAft>
-              <a:buClr>
-                <a:srgbClr val="000000"/>
-              </a:buClr>
-              <a:buSzPct val="45000"/>
-              <a:buFont typeface="Wingdings" pitchFamily="2" charset="2"/>
-              <a:tabLst>
-                <a:tab pos="723900" algn="l"/>
-                <a:tab pos="1447800" algn="l"/>
-                <a:tab pos="2171700" algn="l"/>
-                <a:tab pos="2895600" algn="l"/>
-                <a:tab pos="3619500" algn="l"/>
-                <a:tab pos="4343400" algn="l"/>
-                <a:tab pos="5067300" algn="l"/>
-              </a:tabLst>
-              <a:defRPr sz="2400">
-                <a:solidFill>
-                  <a:schemeClr val="tx1"/>
-                </a:solidFill>
-                <a:latin typeface="Times New Roman" pitchFamily="18" charset="0"/>
-                <a:ea typeface="msgothic" charset="0"/>
-                <a:cs typeface="msgothic" charset="0"/>
-              </a:defRPr>
-            </a:lvl6pPr>
-            <a:lvl7pPr marL="1993900" indent="-215900" defTabSz="457200" eaLnBrk="0" fontAlgn="base" hangingPunct="0">
-              <a:lnSpc>
-                <a:spcPct val="93000"/>
-              </a:lnSpc>
-              <a:spcBef>
-                <a:spcPct val="0"/>
-              </a:spcBef>
-              <a:spcAft>
-                <a:spcPct val="0"/>
-              </a:spcAft>
-              <a:buClr>
-                <a:srgbClr val="000000"/>
-              </a:buClr>
-              <a:buSzPct val="45000"/>
-              <a:buFont typeface="Wingdings" pitchFamily="2" charset="2"/>
-              <a:tabLst>
-                <a:tab pos="723900" algn="l"/>
-                <a:tab pos="1447800" algn="l"/>
-                <a:tab pos="2171700" algn="l"/>
-                <a:tab pos="2895600" algn="l"/>
-                <a:tab pos="3619500" algn="l"/>
-                <a:tab pos="4343400" algn="l"/>
-                <a:tab pos="5067300" algn="l"/>
-              </a:tabLst>
-              <a:defRPr sz="2400">
-                <a:solidFill>
-                  <a:schemeClr val="tx1"/>
-                </a:solidFill>
-                <a:latin typeface="Times New Roman" pitchFamily="18" charset="0"/>
-                <a:ea typeface="msgothic" charset="0"/>
-                <a:cs typeface="msgothic" charset="0"/>
-              </a:defRPr>
-            </a:lvl7pPr>
-            <a:lvl8pPr marL="2451100" indent="-215900" defTabSz="457200" eaLnBrk="0" fontAlgn="base" hangingPunct="0">
-              <a:lnSpc>
-                <a:spcPct val="93000"/>
-              </a:lnSpc>
-              <a:spcBef>
-                <a:spcPct val="0"/>
-              </a:spcBef>
-              <a:spcAft>
-                <a:spcPct val="0"/>
-              </a:spcAft>
-              <a:buClr>
-                <a:srgbClr val="000000"/>
-              </a:buClr>
-              <a:buSzPct val="45000"/>
-              <a:buFont typeface="Wingdings" pitchFamily="2" charset="2"/>
-              <a:tabLst>
-                <a:tab pos="723900" algn="l"/>
-                <a:tab pos="1447800" algn="l"/>
-                <a:tab pos="2171700" algn="l"/>
-                <a:tab pos="2895600" algn="l"/>
-                <a:tab pos="3619500" algn="l"/>
-                <a:tab pos="4343400" algn="l"/>
-                <a:tab pos="5067300" algn="l"/>
-              </a:tabLst>
-              <a:defRPr sz="2400">
-                <a:solidFill>
-                  <a:schemeClr val="tx1"/>
-                </a:solidFill>
-                <a:latin typeface="Times New Roman" pitchFamily="18" charset="0"/>
-                <a:ea typeface="msgothic" charset="0"/>
-                <a:cs typeface="msgothic" charset="0"/>
-              </a:defRPr>
-            </a:lvl8pPr>
-            <a:lvl9pPr marL="2908300" indent="-215900" defTabSz="457200" eaLnBrk="0" fontAlgn="base" hangingPunct="0">
-              <a:lnSpc>
-                <a:spcPct val="93000"/>
-              </a:lnSpc>
-              <a:spcBef>
-                <a:spcPct val="0"/>
-              </a:spcBef>
-              <a:spcAft>
-                <a:spcPct val="0"/>
-              </a:spcAft>
-              <a:buClr>
-                <a:srgbClr val="000000"/>
-              </a:buClr>
-              <a:buSzPct val="45000"/>
-              <a:buFont typeface="Wingdings" pitchFamily="2" charset="2"/>
-              <a:tabLst>
-                <a:tab pos="723900" algn="l"/>
-                <a:tab pos="1447800" algn="l"/>
-                <a:tab pos="2171700" algn="l"/>
-                <a:tab pos="2895600" algn="l"/>
-                <a:tab pos="3619500" algn="l"/>
-                <a:tab pos="4343400" algn="l"/>
-                <a:tab pos="5067300" algn="l"/>
-              </a:tabLst>
-              <a:defRPr sz="2400">
-                <a:solidFill>
-                  <a:schemeClr val="tx1"/>
-                </a:solidFill>
-                <a:latin typeface="Times New Roman" pitchFamily="18" charset="0"/>
-                <a:ea typeface="msgothic" charset="0"/>
-                <a:cs typeface="msgothic" charset="0"/>
-              </a:defRPr>
-            </a:lvl9pPr>
-          </a:lstStyle>
-          <a:p>
-            <a:pPr eaLnBrk="1"/>
-            <a:r>
-              <a:rPr lang="en-GB" altLang="fr-FR" sz="900">
-                <a:solidFill>
-                  <a:srgbClr val="000000"/>
-                </a:solidFill>
-                <a:latin typeface="Arial" pitchFamily="34" charset="0"/>
-              </a:rPr>
-              <a:t>Copyright © 2015 by the Genetics Society of America</a:t>
-            </a:r>
-          </a:p>
-        </p:txBody>
-      </p:sp>
-      <p:sp>
-        <p:nvSpPr>
-          <p:cNvPr id="3" name="ZoneTexte 2"/>
-          <p:cNvSpPr txBox="1"/>
-          <p:nvPr/>
-        </p:nvSpPr>
-        <p:spPr>
-          <a:xfrm>
-            <a:off x="367735" y="116632"/>
-            <a:ext cx="3184141" cy="584775"/>
-          </a:xfrm>
-          <a:prstGeom prst="rect">
-            <a:avLst/>
-          </a:prstGeom>
-          <a:noFill/>
-        </p:spPr>
-        <p:txBody>
-          <a:bodyPr wrap="none" rtlCol="0">
-            <a:spAutoFit/>
-          </a:bodyPr>
-          <a:lstStyle/>
-          <a:p>
-            <a:r>
-              <a:rPr lang="en-US" sz="3200" dirty="0" err="1" smtClean="0"/>
-              <a:t>Analyse</a:t>
-            </a:r>
-            <a:r>
-              <a:rPr lang="en-US" sz="3200" dirty="0" smtClean="0"/>
-              <a:t> de traits</a:t>
-            </a:r>
-            <a:endParaRPr lang="en-US" sz="3200" dirty="0"/>
-          </a:p>
-        </p:txBody>
-      </p:sp>
+      </p:pic>
     </p:spTree>
     <p:extLst>
       <p:ext uri="{BB962C8B-B14F-4D97-AF65-F5344CB8AC3E}">
@@ -9801,7 +11616,116 @@
         <p:cTn id="1" dur="indefinite" restart="never" nodeType="tmRoot">
           <p:childTnLst>
             <p:seq concurrent="1" nextAc="seek">
-              <p:cTn id="2" dur="0" nodeType="mainSeq"/>
+              <p:cTn id="2" dur="indefinite" nodeType="mainSeq">
+                <p:childTnLst>
+                  <p:par>
+                    <p:cTn id="3" fill="hold">
+                      <p:stCondLst>
+                        <p:cond delay="indefinite"/>
+                      </p:stCondLst>
+                      <p:childTnLst>
+                        <p:par>
+                          <p:cTn id="4" fill="hold">
+                            <p:stCondLst>
+                              <p:cond delay="0"/>
+                            </p:stCondLst>
+                            <p:childTnLst>
+                              <p:par>
+                                <p:cTn id="5" presetID="10" presetClass="entr" presetSubtype="0" fill="hold" nodeType="clickEffect">
+                                  <p:stCondLst>
+                                    <p:cond delay="0"/>
+                                  </p:stCondLst>
+                                  <p:childTnLst>
+                                    <p:set>
+                                      <p:cBhvr>
+                                        <p:cTn id="6" dur="1" fill="hold">
+                                          <p:stCondLst>
+                                            <p:cond delay="0"/>
+                                          </p:stCondLst>
+                                        </p:cTn>
+                                        <p:tgtEl>
+                                          <p:spTgt spid="2052"/>
+                                        </p:tgtEl>
+                                        <p:attrNameLst>
+                                          <p:attrName>style.visibility</p:attrName>
+                                        </p:attrNameLst>
+                                      </p:cBhvr>
+                                      <p:to>
+                                        <p:strVal val="visible"/>
+                                      </p:to>
+                                    </p:set>
+                                    <p:animEffect transition="in" filter="fade">
+                                      <p:cBhvr>
+                                        <p:cTn id="7" dur="500"/>
+                                        <p:tgtEl>
+                                          <p:spTgt spid="2052"/>
+                                        </p:tgtEl>
+                                      </p:cBhvr>
+                                    </p:animEffect>
+                                  </p:childTnLst>
+                                </p:cTn>
+                              </p:par>
+                            </p:childTnLst>
+                          </p:cTn>
+                        </p:par>
+                      </p:childTnLst>
+                    </p:cTn>
+                  </p:par>
+                  <p:par>
+                    <p:cTn id="8" fill="hold">
+                      <p:stCondLst>
+                        <p:cond delay="indefinite"/>
+                      </p:stCondLst>
+                      <p:childTnLst>
+                        <p:par>
+                          <p:cTn id="9" fill="hold">
+                            <p:stCondLst>
+                              <p:cond delay="0"/>
+                            </p:stCondLst>
+                            <p:childTnLst>
+                              <p:par>
+                                <p:cTn id="10" presetID="10" presetClass="entr" presetSubtype="0" fill="hold" nodeType="clickEffect">
+                                  <p:stCondLst>
+                                    <p:cond delay="0"/>
+                                  </p:stCondLst>
+                                  <p:childTnLst>
+                                    <p:set>
+                                      <p:cBhvr>
+                                        <p:cTn id="11" dur="1" fill="hold">
+                                          <p:stCondLst>
+                                            <p:cond delay="0"/>
+                                          </p:stCondLst>
+                                        </p:cTn>
+                                        <p:tgtEl>
+                                          <p:spTgt spid="4"/>
+                                        </p:tgtEl>
+                                        <p:attrNameLst>
+                                          <p:attrName>style.visibility</p:attrName>
+                                        </p:attrNameLst>
+                                      </p:cBhvr>
+                                      <p:to>
+                                        <p:strVal val="visible"/>
+                                      </p:to>
+                                    </p:set>
+                                    <p:animEffect transition="in" filter="fade">
+                                      <p:cBhvr>
+                                        <p:cTn id="12" dur="500"/>
+                                        <p:tgtEl>
+                                          <p:spTgt spid="4"/>
+                                        </p:tgtEl>
+                                      </p:cBhvr>
+                                    </p:animEffect>
+                                  </p:childTnLst>
+                                </p:cTn>
+                              </p:par>
+                            </p:childTnLst>
+                          </p:cTn>
+                        </p:par>
+                      </p:childTnLst>
+                    </p:cTn>
+                  </p:par>
+                </p:childTnLst>
+              </p:cTn>
               <p:prevCondLst>
                 <p:cond evt="onPrev" delay="0">
                   <p:tgtEl>
@@ -9825,7 +11749,7 @@
 </p:sld>
 </file>
 
-<file path=ppt/slides/slide6.xml><?xml version="1.0" encoding="utf-8"?>
+<file path=ppt/slides/slide9.xml><?xml version="1.0" encoding="utf-8"?>
 <p:sld xmlns:a="http://schemas.openxmlformats.org/drawingml/2006/main" xmlns:r="http://schemas.openxmlformats.org/officeDocument/2006/relationships" xmlns:p="http://schemas.openxmlformats.org/presentationml/2006/main">
   <p:cSld>
     <p:spTree>
@@ -9851,7 +11775,7 @@
         <p:spPr>
           <a:xfrm>
             <a:off x="144016" y="476672"/>
-            <a:ext cx="9036496" cy="5693866"/>
+            <a:ext cx="9036496" cy="6124754"/>
           </a:xfrm>
           <a:prstGeom prst="rect">
             <a:avLst/>
@@ -10572,8 +12496,40 @@
               </a:rPr>
               <a:t>.</a:t>
             </a:r>
-          </a:p>
-          <a:p>
+            <a:endParaRPr lang="en-GB" sz="1400" dirty="0" smtClean="0">
+              <a:latin typeface="Times New Roman" pitchFamily="18" charset="0"/>
+              <a:cs typeface="Times New Roman" pitchFamily="18" charset="0"/>
+            </a:endParaRPr>
+          </a:p>
+          <a:p>
+            <a:r>
+              <a:rPr lang="en-GB" sz="1400" b="1" dirty="0">
+                <a:latin typeface="Times New Roman" pitchFamily="18" charset="0"/>
+                <a:cs typeface="Times New Roman" pitchFamily="18" charset="0"/>
+              </a:rPr>
+              <a:t>Truong, S. K</a:t>
+            </a:r>
+            <a:r>
+              <a:rPr lang="en-GB" sz="1400" dirty="0">
+                <a:latin typeface="Times New Roman" pitchFamily="18" charset="0"/>
+                <a:cs typeface="Times New Roman" pitchFamily="18" charset="0"/>
+              </a:rPr>
+              <a:t>., McCormick, R. F., Rooney, W. L., &amp; Mullet, J. E. (2015). Harnessing genetic variation in leaf angle to increase productivity of Sorghum </a:t>
+            </a:r>
+            <a:r>
+              <a:rPr lang="en-GB" sz="1400" dirty="0" err="1">
+                <a:latin typeface="Times New Roman" pitchFamily="18" charset="0"/>
+                <a:cs typeface="Times New Roman" pitchFamily="18" charset="0"/>
+              </a:rPr>
+              <a:t>bicolor</a:t>
+            </a:r>
+            <a:r>
+              <a:rPr lang="en-GB" sz="1400" dirty="0">
+                <a:latin typeface="Times New Roman" pitchFamily="18" charset="0"/>
+                <a:cs typeface="Times New Roman" pitchFamily="18" charset="0"/>
+              </a:rPr>
+              <a:t>. Genetics, 201(3), 1229-1238.</a:t>
+            </a:r>
             <a:endParaRPr lang="en-GB" sz="1400" dirty="0" smtClean="0">
               <a:latin typeface="Times New Roman" pitchFamily="18" charset="0"/>
               <a:cs typeface="Times New Roman" pitchFamily="18" charset="0"/>
